--- a/설계도.pptx
+++ b/설계도.pptx
@@ -265,7 +265,7 @@
           <a:p>
             <a:fld id="{14D1209F-DE80-444A-90C3-80B053978253}" type="datetimeFigureOut">
               <a:rPr lang="ko-KR" altLang="en-US" smtClean="0"/>
-              <a:t>2018-03-27</a:t>
+              <a:t>2018-03-29</a:t>
             </a:fld>
             <a:endParaRPr lang="ko-KR" altLang="en-US"/>
           </a:p>
@@ -463,7 +463,7 @@
           <a:p>
             <a:fld id="{14D1209F-DE80-444A-90C3-80B053978253}" type="datetimeFigureOut">
               <a:rPr lang="ko-KR" altLang="en-US" smtClean="0"/>
-              <a:t>2018-03-27</a:t>
+              <a:t>2018-03-29</a:t>
             </a:fld>
             <a:endParaRPr lang="ko-KR" altLang="en-US"/>
           </a:p>
@@ -671,7 +671,7 @@
           <a:p>
             <a:fld id="{14D1209F-DE80-444A-90C3-80B053978253}" type="datetimeFigureOut">
               <a:rPr lang="ko-KR" altLang="en-US" smtClean="0"/>
-              <a:t>2018-03-27</a:t>
+              <a:t>2018-03-29</a:t>
             </a:fld>
             <a:endParaRPr lang="ko-KR" altLang="en-US"/>
           </a:p>
@@ -869,7 +869,7 @@
           <a:p>
             <a:fld id="{14D1209F-DE80-444A-90C3-80B053978253}" type="datetimeFigureOut">
               <a:rPr lang="ko-KR" altLang="en-US" smtClean="0"/>
-              <a:t>2018-03-27</a:t>
+              <a:t>2018-03-29</a:t>
             </a:fld>
             <a:endParaRPr lang="ko-KR" altLang="en-US"/>
           </a:p>
@@ -1144,7 +1144,7 @@
           <a:p>
             <a:fld id="{14D1209F-DE80-444A-90C3-80B053978253}" type="datetimeFigureOut">
               <a:rPr lang="ko-KR" altLang="en-US" smtClean="0"/>
-              <a:t>2018-03-27</a:t>
+              <a:t>2018-03-29</a:t>
             </a:fld>
             <a:endParaRPr lang="ko-KR" altLang="en-US"/>
           </a:p>
@@ -1409,7 +1409,7 @@
           <a:p>
             <a:fld id="{14D1209F-DE80-444A-90C3-80B053978253}" type="datetimeFigureOut">
               <a:rPr lang="ko-KR" altLang="en-US" smtClean="0"/>
-              <a:t>2018-03-27</a:t>
+              <a:t>2018-03-29</a:t>
             </a:fld>
             <a:endParaRPr lang="ko-KR" altLang="en-US"/>
           </a:p>
@@ -1821,7 +1821,7 @@
           <a:p>
             <a:fld id="{14D1209F-DE80-444A-90C3-80B053978253}" type="datetimeFigureOut">
               <a:rPr lang="ko-KR" altLang="en-US" smtClean="0"/>
-              <a:t>2018-03-27</a:t>
+              <a:t>2018-03-29</a:t>
             </a:fld>
             <a:endParaRPr lang="ko-KR" altLang="en-US"/>
           </a:p>
@@ -1962,7 +1962,7 @@
           <a:p>
             <a:fld id="{14D1209F-DE80-444A-90C3-80B053978253}" type="datetimeFigureOut">
               <a:rPr lang="ko-KR" altLang="en-US" smtClean="0"/>
-              <a:t>2018-03-27</a:t>
+              <a:t>2018-03-29</a:t>
             </a:fld>
             <a:endParaRPr lang="ko-KR" altLang="en-US"/>
           </a:p>
@@ -2075,7 +2075,7 @@
           <a:p>
             <a:fld id="{14D1209F-DE80-444A-90C3-80B053978253}" type="datetimeFigureOut">
               <a:rPr lang="ko-KR" altLang="en-US" smtClean="0"/>
-              <a:t>2018-03-27</a:t>
+              <a:t>2018-03-29</a:t>
             </a:fld>
             <a:endParaRPr lang="ko-KR" altLang="en-US"/>
           </a:p>
@@ -2386,7 +2386,7 @@
           <a:p>
             <a:fld id="{14D1209F-DE80-444A-90C3-80B053978253}" type="datetimeFigureOut">
               <a:rPr lang="ko-KR" altLang="en-US" smtClean="0"/>
-              <a:t>2018-03-27</a:t>
+              <a:t>2018-03-29</a:t>
             </a:fld>
             <a:endParaRPr lang="ko-KR" altLang="en-US"/>
           </a:p>
@@ -2674,7 +2674,7 @@
           <a:p>
             <a:fld id="{14D1209F-DE80-444A-90C3-80B053978253}" type="datetimeFigureOut">
               <a:rPr lang="ko-KR" altLang="en-US" smtClean="0"/>
-              <a:t>2018-03-27</a:t>
+              <a:t>2018-03-29</a:t>
             </a:fld>
             <a:endParaRPr lang="ko-KR" altLang="en-US"/>
           </a:p>
@@ -2915,7 +2915,7 @@
           <a:p>
             <a:fld id="{14D1209F-DE80-444A-90C3-80B053978253}" type="datetimeFigureOut">
               <a:rPr lang="ko-KR" altLang="en-US" smtClean="0"/>
-              <a:t>2018-03-27</a:t>
+              <a:t>2018-03-29</a:t>
             </a:fld>
             <a:endParaRPr lang="ko-KR" altLang="en-US"/>
           </a:p>
@@ -6838,6 +6838,14 @@
               <a:rPr lang="en-US" altLang="ko-KR" dirty="0" err="1"/>
               <a:t>recommend_recipe</a:t>
             </a:r>
+            <a:r>
+              <a:rPr lang="en-US" altLang="ko-KR" dirty="0"/>
+              <a:t> : </a:t>
+            </a:r>
+            <a:r>
+              <a:rPr lang="ko-KR" altLang="en-US" dirty="0"/>
+              <a:t>재료명으로 추천 메뉴 검색</a:t>
+            </a:r>
             <a:endParaRPr lang="en-US" altLang="ko-KR" dirty="0"/>
           </a:p>
           <a:p>
@@ -6848,6 +6856,14 @@
               <a:rPr lang="en-US" altLang="ko-KR" dirty="0" err="1"/>
               <a:t>search_recipe</a:t>
             </a:r>
+            <a:r>
+              <a:rPr lang="en-US" altLang="ko-KR" dirty="0"/>
+              <a:t> : </a:t>
+            </a:r>
+            <a:r>
+              <a:rPr lang="ko-KR" altLang="en-US" dirty="0"/>
+              <a:t>메뉴 이름으로 레시피 검색</a:t>
+            </a:r>
             <a:endParaRPr lang="en-US" altLang="ko-KR" dirty="0"/>
           </a:p>
           <a:p>
@@ -6858,6 +6874,14 @@
               <a:rPr lang="en-US" altLang="ko-KR" dirty="0" err="1"/>
               <a:t>check_id</a:t>
             </a:r>
+            <a:r>
+              <a:rPr lang="en-US" altLang="ko-KR" dirty="0"/>
+              <a:t> : </a:t>
+            </a:r>
+            <a:r>
+              <a:rPr lang="ko-KR" altLang="en-US" dirty="0"/>
+              <a:t>아이디 중복 확인</a:t>
+            </a:r>
             <a:endParaRPr lang="en-US" altLang="ko-KR" dirty="0"/>
           </a:p>
           <a:p>
@@ -6866,7 +6890,31 @@
             </a:pPr>
             <a:r>
               <a:rPr lang="en-US" altLang="ko-KR" dirty="0"/>
-              <a:t>login</a:t>
+              <a:t>login : </a:t>
+            </a:r>
+            <a:r>
+              <a:rPr lang="ko-KR" altLang="en-US" dirty="0"/>
+              <a:t>로그인</a:t>
+            </a:r>
+            <a:r>
+              <a:rPr lang="en-US" altLang="ko-KR" dirty="0"/>
+              <a:t>(</a:t>
+            </a:r>
+            <a:r>
+              <a:rPr lang="ko-KR" altLang="en-US" dirty="0"/>
+              <a:t>본인 인증 절차 없음</a:t>
+            </a:r>
+            <a:r>
+              <a:rPr lang="en-US" altLang="ko-KR"/>
+              <a:t>). </a:t>
+            </a:r>
+            <a:r>
+              <a:rPr lang="ko-KR" altLang="en-US" dirty="0"/>
+              <a:t>저장된 정보 불러옴</a:t>
+            </a:r>
+            <a:r>
+              <a:rPr lang="en-US" altLang="ko-KR" dirty="0"/>
+              <a:t>.</a:t>
             </a:r>
           </a:p>
           <a:p>
@@ -6877,7 +6925,18 @@
               <a:rPr lang="en-US" altLang="ko-KR" dirty="0" err="1"/>
               <a:t>user_settings</a:t>
             </a:r>
-            <a:endParaRPr lang="en-US" altLang="ko-KR" dirty="0"/>
+            <a:r>
+              <a:rPr lang="en-US" altLang="ko-KR" dirty="0"/>
+              <a:t> : </a:t>
+            </a:r>
+            <a:r>
+              <a:rPr lang="ko-KR" altLang="en-US" dirty="0"/>
+              <a:t>아이디에 따라 사용자 선호 정보 저장</a:t>
+            </a:r>
+            <a:r>
+              <a:rPr lang="en-US" altLang="ko-KR" dirty="0"/>
+              <a:t>.</a:t>
+            </a:r>
           </a:p>
           <a:p>
             <a:pPr marL="514350" indent="-514350">

--- a/설계도.pptx
+++ b/설계도.pptx
@@ -265,7 +265,7 @@
           <a:p>
             <a:fld id="{14D1209F-DE80-444A-90C3-80B053978253}" type="datetimeFigureOut">
               <a:rPr lang="ko-KR" altLang="en-US" smtClean="0"/>
-              <a:t>2018-03-29</a:t>
+              <a:t>2018-04-08</a:t>
             </a:fld>
             <a:endParaRPr lang="ko-KR" altLang="en-US"/>
           </a:p>
@@ -463,7 +463,7 @@
           <a:p>
             <a:fld id="{14D1209F-DE80-444A-90C3-80B053978253}" type="datetimeFigureOut">
               <a:rPr lang="ko-KR" altLang="en-US" smtClean="0"/>
-              <a:t>2018-03-29</a:t>
+              <a:t>2018-04-08</a:t>
             </a:fld>
             <a:endParaRPr lang="ko-KR" altLang="en-US"/>
           </a:p>
@@ -671,7 +671,7 @@
           <a:p>
             <a:fld id="{14D1209F-DE80-444A-90C3-80B053978253}" type="datetimeFigureOut">
               <a:rPr lang="ko-KR" altLang="en-US" smtClean="0"/>
-              <a:t>2018-03-29</a:t>
+              <a:t>2018-04-08</a:t>
             </a:fld>
             <a:endParaRPr lang="ko-KR" altLang="en-US"/>
           </a:p>
@@ -869,7 +869,7 @@
           <a:p>
             <a:fld id="{14D1209F-DE80-444A-90C3-80B053978253}" type="datetimeFigureOut">
               <a:rPr lang="ko-KR" altLang="en-US" smtClean="0"/>
-              <a:t>2018-03-29</a:t>
+              <a:t>2018-04-08</a:t>
             </a:fld>
             <a:endParaRPr lang="ko-KR" altLang="en-US"/>
           </a:p>
@@ -1144,7 +1144,7 @@
           <a:p>
             <a:fld id="{14D1209F-DE80-444A-90C3-80B053978253}" type="datetimeFigureOut">
               <a:rPr lang="ko-KR" altLang="en-US" smtClean="0"/>
-              <a:t>2018-03-29</a:t>
+              <a:t>2018-04-08</a:t>
             </a:fld>
             <a:endParaRPr lang="ko-KR" altLang="en-US"/>
           </a:p>
@@ -1409,7 +1409,7 @@
           <a:p>
             <a:fld id="{14D1209F-DE80-444A-90C3-80B053978253}" type="datetimeFigureOut">
               <a:rPr lang="ko-KR" altLang="en-US" smtClean="0"/>
-              <a:t>2018-03-29</a:t>
+              <a:t>2018-04-08</a:t>
             </a:fld>
             <a:endParaRPr lang="ko-KR" altLang="en-US"/>
           </a:p>
@@ -1821,7 +1821,7 @@
           <a:p>
             <a:fld id="{14D1209F-DE80-444A-90C3-80B053978253}" type="datetimeFigureOut">
               <a:rPr lang="ko-KR" altLang="en-US" smtClean="0"/>
-              <a:t>2018-03-29</a:t>
+              <a:t>2018-04-08</a:t>
             </a:fld>
             <a:endParaRPr lang="ko-KR" altLang="en-US"/>
           </a:p>
@@ -1962,7 +1962,7 @@
           <a:p>
             <a:fld id="{14D1209F-DE80-444A-90C3-80B053978253}" type="datetimeFigureOut">
               <a:rPr lang="ko-KR" altLang="en-US" smtClean="0"/>
-              <a:t>2018-03-29</a:t>
+              <a:t>2018-04-08</a:t>
             </a:fld>
             <a:endParaRPr lang="ko-KR" altLang="en-US"/>
           </a:p>
@@ -2075,7 +2075,7 @@
           <a:p>
             <a:fld id="{14D1209F-DE80-444A-90C3-80B053978253}" type="datetimeFigureOut">
               <a:rPr lang="ko-KR" altLang="en-US" smtClean="0"/>
-              <a:t>2018-03-29</a:t>
+              <a:t>2018-04-08</a:t>
             </a:fld>
             <a:endParaRPr lang="ko-KR" altLang="en-US"/>
           </a:p>
@@ -2386,7 +2386,7 @@
           <a:p>
             <a:fld id="{14D1209F-DE80-444A-90C3-80B053978253}" type="datetimeFigureOut">
               <a:rPr lang="ko-KR" altLang="en-US" smtClean="0"/>
-              <a:t>2018-03-29</a:t>
+              <a:t>2018-04-08</a:t>
             </a:fld>
             <a:endParaRPr lang="ko-KR" altLang="en-US"/>
           </a:p>
@@ -2674,7 +2674,7 @@
           <a:p>
             <a:fld id="{14D1209F-DE80-444A-90C3-80B053978253}" type="datetimeFigureOut">
               <a:rPr lang="ko-KR" altLang="en-US" smtClean="0"/>
-              <a:t>2018-03-29</a:t>
+              <a:t>2018-04-08</a:t>
             </a:fld>
             <a:endParaRPr lang="ko-KR" altLang="en-US"/>
           </a:p>
@@ -2915,7 +2915,7 @@
           <a:p>
             <a:fld id="{14D1209F-DE80-444A-90C3-80B053978253}" type="datetimeFigureOut">
               <a:rPr lang="ko-KR" altLang="en-US" smtClean="0"/>
-              <a:t>2018-03-29</a:t>
+              <a:t>2018-04-08</a:t>
             </a:fld>
             <a:endParaRPr lang="ko-KR" altLang="en-US"/>
           </a:p>
@@ -6533,6 +6533,17 @@
             </a:r>
             <a:r>
               <a:rPr lang="en-US" altLang="ko-KR" dirty="0" err="1"/>
+              <a:t>data.preference.done</a:t>
+            </a:r>
+            <a:endParaRPr lang="en-US" altLang="ko-KR" dirty="0"/>
+          </a:p>
+          <a:p>
+            <a:r>
+              <a:rPr lang="en-US" altLang="ko-KR" dirty="0"/>
+              <a:t>$ </a:t>
+            </a:r>
+            <a:r>
+              <a:rPr lang="en-US" altLang="ko-KR" dirty="0" err="1"/>
               <a:t>data.ingredients</a:t>
             </a:r>
             <a:endParaRPr lang="en-US" altLang="ko-KR" dirty="0"/>
@@ -6578,6 +6589,28 @@
             <a:r>
               <a:rPr lang="en-US" altLang="ko-KR" dirty="0" err="1"/>
               <a:t>data.recom_menu_list</a:t>
+            </a:r>
+            <a:endParaRPr lang="en-US" altLang="ko-KR" dirty="0"/>
+          </a:p>
+          <a:p>
+            <a:r>
+              <a:rPr lang="en-US" altLang="ko-KR" dirty="0"/>
+              <a:t>$ </a:t>
+            </a:r>
+            <a:r>
+              <a:rPr lang="en-US" altLang="ko-KR" dirty="0" err="1"/>
+              <a:t>data.term</a:t>
+            </a:r>
+            <a:endParaRPr lang="en-US" altLang="ko-KR" dirty="0"/>
+          </a:p>
+          <a:p>
+            <a:r>
+              <a:rPr lang="en-US" altLang="ko-KR" dirty="0"/>
+              <a:t>$ </a:t>
+            </a:r>
+            <a:r>
+              <a:rPr lang="en-US" altLang="ko-KR" dirty="0" err="1"/>
+              <a:t>data.term_descript</a:t>
             </a:r>
             <a:endParaRPr lang="en-US" altLang="ko-KR" dirty="0"/>
           </a:p>
@@ -6905,7 +6938,7 @@
               <a:t>본인 인증 절차 없음</a:t>
             </a:r>
             <a:r>
-              <a:rPr lang="en-US" altLang="ko-KR"/>
+              <a:rPr lang="en-US" altLang="ko-KR" dirty="0"/>
               <a:t>). </a:t>
             </a:r>
             <a:r>
@@ -6942,6 +6975,18 @@
             <a:pPr marL="514350" indent="-514350">
               <a:buAutoNum type="arabicPeriod"/>
             </a:pPr>
+            <a:r>
+              <a:rPr lang="en-US" altLang="ko-KR" dirty="0" err="1"/>
+              <a:t>search_term</a:t>
+            </a:r>
+            <a:r>
+              <a:rPr lang="en-US" altLang="ko-KR" dirty="0"/>
+              <a:t> : </a:t>
+            </a:r>
+            <a:r>
+              <a:rPr lang="ko-KR" altLang="en-US" dirty="0"/>
+              <a:t>용어 검색</a:t>
+            </a:r>
             <a:endParaRPr lang="en-US" altLang="ko-KR" dirty="0"/>
           </a:p>
         </p:txBody>

--- a/설계도.pptx
+++ b/설계도.pptx
@@ -9,8 +9,8 @@
     <p:sldId id="257" r:id="rId3"/>
     <p:sldId id="264" r:id="rId4"/>
     <p:sldId id="261" r:id="rId5"/>
-    <p:sldId id="258" r:id="rId6"/>
-    <p:sldId id="263" r:id="rId7"/>
+    <p:sldId id="267" r:id="rId6"/>
+    <p:sldId id="269" r:id="rId7"/>
     <p:sldId id="262" r:id="rId8"/>
   </p:sldIdLst>
   <p:sldSz cx="12192000" cy="6858000"/>
@@ -265,7 +265,7 @@
           <a:p>
             <a:fld id="{14D1209F-DE80-444A-90C3-80B053978253}" type="datetimeFigureOut">
               <a:rPr lang="ko-KR" altLang="en-US" smtClean="0"/>
-              <a:t>2018-04-08</a:t>
+              <a:t>2018-04-10</a:t>
             </a:fld>
             <a:endParaRPr lang="ko-KR" altLang="en-US"/>
           </a:p>
@@ -463,7 +463,7 @@
           <a:p>
             <a:fld id="{14D1209F-DE80-444A-90C3-80B053978253}" type="datetimeFigureOut">
               <a:rPr lang="ko-KR" altLang="en-US" smtClean="0"/>
-              <a:t>2018-04-08</a:t>
+              <a:t>2018-04-10</a:t>
             </a:fld>
             <a:endParaRPr lang="ko-KR" altLang="en-US"/>
           </a:p>
@@ -671,7 +671,7 @@
           <a:p>
             <a:fld id="{14D1209F-DE80-444A-90C3-80B053978253}" type="datetimeFigureOut">
               <a:rPr lang="ko-KR" altLang="en-US" smtClean="0"/>
-              <a:t>2018-04-08</a:t>
+              <a:t>2018-04-10</a:t>
             </a:fld>
             <a:endParaRPr lang="ko-KR" altLang="en-US"/>
           </a:p>
@@ -869,7 +869,7 @@
           <a:p>
             <a:fld id="{14D1209F-DE80-444A-90C3-80B053978253}" type="datetimeFigureOut">
               <a:rPr lang="ko-KR" altLang="en-US" smtClean="0"/>
-              <a:t>2018-04-08</a:t>
+              <a:t>2018-04-10</a:t>
             </a:fld>
             <a:endParaRPr lang="ko-KR" altLang="en-US"/>
           </a:p>
@@ -1144,7 +1144,7 @@
           <a:p>
             <a:fld id="{14D1209F-DE80-444A-90C3-80B053978253}" type="datetimeFigureOut">
               <a:rPr lang="ko-KR" altLang="en-US" smtClean="0"/>
-              <a:t>2018-04-08</a:t>
+              <a:t>2018-04-10</a:t>
             </a:fld>
             <a:endParaRPr lang="ko-KR" altLang="en-US"/>
           </a:p>
@@ -1409,7 +1409,7 @@
           <a:p>
             <a:fld id="{14D1209F-DE80-444A-90C3-80B053978253}" type="datetimeFigureOut">
               <a:rPr lang="ko-KR" altLang="en-US" smtClean="0"/>
-              <a:t>2018-04-08</a:t>
+              <a:t>2018-04-10</a:t>
             </a:fld>
             <a:endParaRPr lang="ko-KR" altLang="en-US"/>
           </a:p>
@@ -1821,7 +1821,7 @@
           <a:p>
             <a:fld id="{14D1209F-DE80-444A-90C3-80B053978253}" type="datetimeFigureOut">
               <a:rPr lang="ko-KR" altLang="en-US" smtClean="0"/>
-              <a:t>2018-04-08</a:t>
+              <a:t>2018-04-10</a:t>
             </a:fld>
             <a:endParaRPr lang="ko-KR" altLang="en-US"/>
           </a:p>
@@ -1962,7 +1962,7 @@
           <a:p>
             <a:fld id="{14D1209F-DE80-444A-90C3-80B053978253}" type="datetimeFigureOut">
               <a:rPr lang="ko-KR" altLang="en-US" smtClean="0"/>
-              <a:t>2018-04-08</a:t>
+              <a:t>2018-04-10</a:t>
             </a:fld>
             <a:endParaRPr lang="ko-KR" altLang="en-US"/>
           </a:p>
@@ -2075,7 +2075,7 @@
           <a:p>
             <a:fld id="{14D1209F-DE80-444A-90C3-80B053978253}" type="datetimeFigureOut">
               <a:rPr lang="ko-KR" altLang="en-US" smtClean="0"/>
-              <a:t>2018-04-08</a:t>
+              <a:t>2018-04-10</a:t>
             </a:fld>
             <a:endParaRPr lang="ko-KR" altLang="en-US"/>
           </a:p>
@@ -2386,7 +2386,7 @@
           <a:p>
             <a:fld id="{14D1209F-DE80-444A-90C3-80B053978253}" type="datetimeFigureOut">
               <a:rPr lang="ko-KR" altLang="en-US" smtClean="0"/>
-              <a:t>2018-04-08</a:t>
+              <a:t>2018-04-10</a:t>
             </a:fld>
             <a:endParaRPr lang="ko-KR" altLang="en-US"/>
           </a:p>
@@ -2674,7 +2674,7 @@
           <a:p>
             <a:fld id="{14D1209F-DE80-444A-90C3-80B053978253}" type="datetimeFigureOut">
               <a:rPr lang="ko-KR" altLang="en-US" smtClean="0"/>
-              <a:t>2018-04-08</a:t>
+              <a:t>2018-04-10</a:t>
             </a:fld>
             <a:endParaRPr lang="ko-KR" altLang="en-US"/>
           </a:p>
@@ -2915,7 +2915,7 @@
           <a:p>
             <a:fld id="{14D1209F-DE80-444A-90C3-80B053978253}" type="datetimeFigureOut">
               <a:rPr lang="ko-KR" altLang="en-US" smtClean="0"/>
-              <a:t>2018-04-08</a:t>
+              <a:t>2018-04-10</a:t>
             </a:fld>
             <a:endParaRPr lang="ko-KR" altLang="en-US"/>
           </a:p>
@@ -7251,411 +7251,6 @@
       </p:pic>
       <p:sp>
         <p:nvSpPr>
-          <p:cNvPr id="8" name="직사각형 7">
-            <a:extLst>
-              <a:ext uri="{FF2B5EF4-FFF2-40B4-BE49-F238E27FC236}">
-                <a16:creationId xmlns:a16="http://schemas.microsoft.com/office/drawing/2014/main" id="{05A421F4-9046-4392-BFB3-1C7E5D1916AA}"/>
-              </a:ext>
-            </a:extLst>
-          </p:cNvPr>
-          <p:cNvSpPr/>
-          <p:nvPr/>
-        </p:nvSpPr>
-        <p:spPr>
-          <a:xfrm>
-            <a:off x="534763" y="2848208"/>
-            <a:ext cx="5237388" cy="2809410"/>
-          </a:xfrm>
-          <a:prstGeom prst="rect">
-            <a:avLst/>
-          </a:prstGeom>
-        </p:spPr>
-        <p:style>
-          <a:lnRef idx="2">
-            <a:schemeClr val="accent1">
-              <a:shade val="50000"/>
-            </a:schemeClr>
-          </a:lnRef>
-          <a:fillRef idx="1">
-            <a:schemeClr val="accent1"/>
-          </a:fillRef>
-          <a:effectRef idx="0">
-            <a:schemeClr val="accent1"/>
-          </a:effectRef>
-          <a:fontRef idx="minor">
-            <a:schemeClr val="lt1"/>
-          </a:fontRef>
-        </p:style>
-        <p:txBody>
-          <a:bodyPr rtlCol="0" anchor="ctr"/>
-          <a:lstStyle/>
-          <a:p>
-            <a:r>
-              <a:rPr lang="en-US" altLang="ko-KR" dirty="0"/>
-              <a:t>Id INT NOT NULL AUTO_INCREMENT(PK)</a:t>
-            </a:r>
-          </a:p>
-          <a:p>
-            <a:r>
-              <a:rPr lang="en-US" altLang="ko-KR" dirty="0" err="1"/>
-              <a:t>Menu_type</a:t>
-            </a:r>
-            <a:r>
-              <a:rPr lang="en-US" altLang="ko-KR" dirty="0"/>
-              <a:t> INT NOT NULL</a:t>
-            </a:r>
-          </a:p>
-          <a:p>
-            <a:r>
-              <a:rPr lang="en-US" altLang="ko-KR" dirty="0"/>
-              <a:t>Menu VARCHAR(50) NOT NULL</a:t>
-            </a:r>
-          </a:p>
-          <a:p>
-            <a:r>
-              <a:rPr lang="en-US" altLang="ko-KR" dirty="0"/>
-              <a:t>Image TEXT</a:t>
-            </a:r>
-          </a:p>
-          <a:p>
-            <a:r>
-              <a:rPr lang="en-US" altLang="ko-KR" dirty="0"/>
-              <a:t>Ingredient TEXT</a:t>
-            </a:r>
-          </a:p>
-          <a:p>
-            <a:r>
-              <a:rPr lang="en-US" altLang="ko-KR" dirty="0" err="1"/>
-              <a:t>Cooking_step</a:t>
-            </a:r>
-            <a:r>
-              <a:rPr lang="en-US" altLang="ko-KR" dirty="0"/>
-              <a:t> TEXT NOT NULL</a:t>
-            </a:r>
-          </a:p>
-          <a:p>
-            <a:r>
-              <a:rPr lang="en-US" altLang="ko-KR" dirty="0" err="1"/>
-              <a:t>Cooking_time</a:t>
-            </a:r>
-            <a:r>
-              <a:rPr lang="en-US" altLang="ko-KR" dirty="0"/>
-              <a:t> INT NOT NULL</a:t>
-            </a:r>
-          </a:p>
-          <a:p>
-            <a:r>
-              <a:rPr lang="en-US" altLang="ko-KR" dirty="0"/>
-              <a:t>Calorie FLOAT NOT NULL</a:t>
-            </a:r>
-          </a:p>
-          <a:p>
-            <a:endParaRPr lang="ko-KR" altLang="en-US" dirty="0"/>
-          </a:p>
-        </p:txBody>
-      </p:sp>
-      <p:sp>
-        <p:nvSpPr>
-          <p:cNvPr id="9" name="직사각형 8">
-            <a:extLst>
-              <a:ext uri="{FF2B5EF4-FFF2-40B4-BE49-F238E27FC236}">
-                <a16:creationId xmlns:a16="http://schemas.microsoft.com/office/drawing/2014/main" id="{C1E1B623-F0A3-4CC6-BA6B-D199C173C7B8}"/>
-              </a:ext>
-            </a:extLst>
-          </p:cNvPr>
-          <p:cNvSpPr/>
-          <p:nvPr/>
-        </p:nvSpPr>
-        <p:spPr>
-          <a:xfrm>
-            <a:off x="6285139" y="1193234"/>
-            <a:ext cx="5372099" cy="1647826"/>
-          </a:xfrm>
-          <a:prstGeom prst="rect">
-            <a:avLst/>
-          </a:prstGeom>
-        </p:spPr>
-        <p:style>
-          <a:lnRef idx="2">
-            <a:schemeClr val="accent1">
-              <a:shade val="50000"/>
-            </a:schemeClr>
-          </a:lnRef>
-          <a:fillRef idx="1">
-            <a:schemeClr val="accent1"/>
-          </a:fillRef>
-          <a:effectRef idx="0">
-            <a:schemeClr val="accent1"/>
-          </a:effectRef>
-          <a:fontRef idx="minor">
-            <a:schemeClr val="lt1"/>
-          </a:fontRef>
-        </p:style>
-        <p:txBody>
-          <a:bodyPr rtlCol="0" anchor="ctr"/>
-          <a:lstStyle/>
-          <a:p>
-            <a:r>
-              <a:rPr lang="en-US" altLang="ko-KR" dirty="0"/>
-              <a:t>[normal]</a:t>
-            </a:r>
-          </a:p>
-          <a:p>
-            <a:r>
-              <a:rPr lang="en-US" altLang="ko-KR" dirty="0"/>
-              <a:t>SELECT Id, </a:t>
-            </a:r>
-            <a:r>
-              <a:rPr lang="en-US" altLang="ko-KR" dirty="0" err="1"/>
-              <a:t>menu_type</a:t>
-            </a:r>
-            <a:r>
-              <a:rPr lang="en-US" altLang="ko-KR" dirty="0"/>
-              <a:t>, image, ingredient, </a:t>
-            </a:r>
-            <a:r>
-              <a:rPr lang="en-US" altLang="ko-KR" dirty="0" err="1"/>
-              <a:t>cooking_step</a:t>
-            </a:r>
-            <a:r>
-              <a:rPr lang="en-US" altLang="ko-KR" dirty="0"/>
-              <a:t>, </a:t>
-            </a:r>
-            <a:r>
-              <a:rPr lang="en-US" altLang="ko-KR" dirty="0" err="1"/>
-              <a:t>cooking_time</a:t>
-            </a:r>
-            <a:r>
-              <a:rPr lang="en-US" altLang="ko-KR" dirty="0"/>
-              <a:t>, calorie FROM recipes WHERE </a:t>
-            </a:r>
-            <a:r>
-              <a:rPr lang="en-US" altLang="ko-KR" dirty="0" err="1"/>
-              <a:t>menu_type</a:t>
-            </a:r>
-            <a:r>
-              <a:rPr lang="en-US" altLang="ko-KR" dirty="0"/>
-              <a:t>=1;</a:t>
-            </a:r>
-          </a:p>
-          <a:p>
-            <a:endParaRPr lang="ko-KR" altLang="en-US" dirty="0"/>
-          </a:p>
-        </p:txBody>
-      </p:sp>
-      <p:sp>
-        <p:nvSpPr>
-          <p:cNvPr id="10" name="직사각형 9">
-            <a:extLst>
-              <a:ext uri="{FF2B5EF4-FFF2-40B4-BE49-F238E27FC236}">
-                <a16:creationId xmlns:a16="http://schemas.microsoft.com/office/drawing/2014/main" id="{C332090A-C1A1-4D54-961D-AAD6E6CAEFCF}"/>
-              </a:ext>
-            </a:extLst>
-          </p:cNvPr>
-          <p:cNvSpPr/>
-          <p:nvPr/>
-        </p:nvSpPr>
-        <p:spPr>
-          <a:xfrm>
-            <a:off x="6285139" y="3090862"/>
-            <a:ext cx="5372099" cy="1647826"/>
-          </a:xfrm>
-          <a:prstGeom prst="rect">
-            <a:avLst/>
-          </a:prstGeom>
-        </p:spPr>
-        <p:style>
-          <a:lnRef idx="2">
-            <a:schemeClr val="accent1">
-              <a:shade val="50000"/>
-            </a:schemeClr>
-          </a:lnRef>
-          <a:fillRef idx="1">
-            <a:schemeClr val="accent1"/>
-          </a:fillRef>
-          <a:effectRef idx="0">
-            <a:schemeClr val="accent1"/>
-          </a:effectRef>
-          <a:fontRef idx="minor">
-            <a:schemeClr val="lt1"/>
-          </a:fontRef>
-        </p:style>
-        <p:txBody>
-          <a:bodyPr rtlCol="0" anchor="ctr"/>
-          <a:lstStyle/>
-          <a:p>
-            <a:r>
-              <a:rPr lang="en-US" altLang="ko-KR" dirty="0"/>
-              <a:t>[delivery]</a:t>
-            </a:r>
-          </a:p>
-          <a:p>
-            <a:r>
-              <a:rPr lang="en-US" altLang="ko-KR" dirty="0"/>
-              <a:t>SELECT Id, </a:t>
-            </a:r>
-            <a:r>
-              <a:rPr lang="en-US" altLang="ko-KR" dirty="0" err="1"/>
-              <a:t>menu_type</a:t>
-            </a:r>
-            <a:r>
-              <a:rPr lang="en-US" altLang="ko-KR" dirty="0"/>
-              <a:t>, image, ingredient, </a:t>
-            </a:r>
-            <a:r>
-              <a:rPr lang="en-US" altLang="ko-KR" dirty="0" err="1"/>
-              <a:t>cooking_step</a:t>
-            </a:r>
-            <a:r>
-              <a:rPr lang="en-US" altLang="ko-KR" dirty="0"/>
-              <a:t>, </a:t>
-            </a:r>
-            <a:r>
-              <a:rPr lang="en-US" altLang="ko-KR" dirty="0" err="1"/>
-              <a:t>cooking_time</a:t>
-            </a:r>
-            <a:r>
-              <a:rPr lang="en-US" altLang="ko-KR" dirty="0"/>
-              <a:t>, calorie FROM recipes WHERE </a:t>
-            </a:r>
-            <a:r>
-              <a:rPr lang="en-US" altLang="ko-KR" dirty="0" err="1"/>
-              <a:t>menu_type</a:t>
-            </a:r>
-            <a:r>
-              <a:rPr lang="en-US" altLang="ko-KR" dirty="0"/>
-              <a:t>=2;</a:t>
-            </a:r>
-          </a:p>
-          <a:p>
-            <a:endParaRPr lang="ko-KR" altLang="en-US" dirty="0"/>
-          </a:p>
-        </p:txBody>
-      </p:sp>
-      <p:sp>
-        <p:nvSpPr>
-          <p:cNvPr id="11" name="직사각형 10">
-            <a:extLst>
-              <a:ext uri="{FF2B5EF4-FFF2-40B4-BE49-F238E27FC236}">
-                <a16:creationId xmlns:a16="http://schemas.microsoft.com/office/drawing/2014/main" id="{D6B6AABE-A99A-493A-997A-9BEF227D9D14}"/>
-              </a:ext>
-            </a:extLst>
-          </p:cNvPr>
-          <p:cNvSpPr/>
-          <p:nvPr/>
-        </p:nvSpPr>
-        <p:spPr>
-          <a:xfrm>
-            <a:off x="6310331" y="4996997"/>
-            <a:ext cx="5345953" cy="1480003"/>
-          </a:xfrm>
-          <a:prstGeom prst="rect">
-            <a:avLst/>
-          </a:prstGeom>
-        </p:spPr>
-        <p:style>
-          <a:lnRef idx="2">
-            <a:schemeClr val="accent1">
-              <a:shade val="50000"/>
-            </a:schemeClr>
-          </a:lnRef>
-          <a:fillRef idx="1">
-            <a:schemeClr val="accent1"/>
-          </a:fillRef>
-          <a:effectRef idx="0">
-            <a:schemeClr val="accent1"/>
-          </a:effectRef>
-          <a:fontRef idx="minor">
-            <a:schemeClr val="lt1"/>
-          </a:fontRef>
-        </p:style>
-        <p:txBody>
-          <a:bodyPr rtlCol="0" anchor="ctr"/>
-          <a:lstStyle/>
-          <a:p>
-            <a:r>
-              <a:rPr lang="en-US" altLang="ko-KR" dirty="0"/>
-              <a:t>[store24]</a:t>
-            </a:r>
-          </a:p>
-          <a:p>
-            <a:r>
-              <a:rPr lang="en-US" altLang="ko-KR" dirty="0"/>
-              <a:t>SELECT Id, </a:t>
-            </a:r>
-            <a:r>
-              <a:rPr lang="en-US" altLang="ko-KR" dirty="0" err="1"/>
-              <a:t>menu_type</a:t>
-            </a:r>
-            <a:r>
-              <a:rPr lang="en-US" altLang="ko-KR" dirty="0"/>
-              <a:t>, image, ingredient, </a:t>
-            </a:r>
-            <a:r>
-              <a:rPr lang="en-US" altLang="ko-KR" dirty="0" err="1"/>
-              <a:t>cooking_step</a:t>
-            </a:r>
-            <a:r>
-              <a:rPr lang="en-US" altLang="ko-KR" dirty="0"/>
-              <a:t>, </a:t>
-            </a:r>
-            <a:r>
-              <a:rPr lang="en-US" altLang="ko-KR" dirty="0" err="1"/>
-              <a:t>cooking_time</a:t>
-            </a:r>
-            <a:r>
-              <a:rPr lang="en-US" altLang="ko-KR" dirty="0"/>
-              <a:t>, calorie FROM recipes WHERE </a:t>
-            </a:r>
-            <a:r>
-              <a:rPr lang="en-US" altLang="ko-KR" dirty="0" err="1"/>
-              <a:t>menu_type</a:t>
-            </a:r>
-            <a:r>
-              <a:rPr lang="en-US" altLang="ko-KR" dirty="0"/>
-              <a:t>=3;</a:t>
-            </a:r>
-          </a:p>
-        </p:txBody>
-      </p:sp>
-      <p:sp>
-        <p:nvSpPr>
-          <p:cNvPr id="3" name="TextBox 2">
-            <a:extLst>
-              <a:ext uri="{FF2B5EF4-FFF2-40B4-BE49-F238E27FC236}">
-                <a16:creationId xmlns:a16="http://schemas.microsoft.com/office/drawing/2014/main" id="{5052B6C4-8161-4D1B-8D32-1E5091996924}"/>
-              </a:ext>
-            </a:extLst>
-          </p:cNvPr>
-          <p:cNvSpPr txBox="1"/>
-          <p:nvPr/>
-        </p:nvSpPr>
-        <p:spPr>
-          <a:xfrm>
-            <a:off x="6276519" y="599280"/>
-            <a:ext cx="5372099" cy="461665"/>
-          </a:xfrm>
-          <a:prstGeom prst="rect">
-            <a:avLst/>
-          </a:prstGeom>
-          <a:noFill/>
-        </p:spPr>
-        <p:txBody>
-          <a:bodyPr wrap="square" rtlCol="0">
-            <a:spAutoFit/>
-          </a:bodyPr>
-          <a:lstStyle/>
-          <a:p>
-            <a:r>
-              <a:rPr lang="en-US" altLang="ko-KR" sz="2400" dirty="0"/>
-              <a:t>[ View ]</a:t>
-            </a:r>
-            <a:endParaRPr lang="ko-KR" altLang="en-US" sz="2400" dirty="0"/>
-          </a:p>
-        </p:txBody>
-      </p:sp>
-      <p:sp>
-        <p:nvSpPr>
           <p:cNvPr id="12" name="TextBox 11">
             <a:extLst>
               <a:ext uri="{FF2B5EF4-FFF2-40B4-BE49-F238E27FC236}">
@@ -7705,13 +7300,13 @@
           <p:nvPr>
             <p:extLst>
               <p:ext uri="{D42A27DB-BD31-4B8C-83A1-F6EECF244321}">
-                <p14:modId xmlns:p14="http://schemas.microsoft.com/office/powerpoint/2010/main" val="259908907"/>
+                <p14:modId xmlns:p14="http://schemas.microsoft.com/office/powerpoint/2010/main" val="4082016273"/>
               </p:ext>
             </p:extLst>
           </p:nvPr>
         </p:nvGraphicFramePr>
         <p:xfrm>
-          <a:off x="544288" y="2848208"/>
+          <a:off x="544288" y="3121588"/>
           <a:ext cx="5237388" cy="2809409"/>
         </p:xfrm>
         <a:graphic>
@@ -7774,61 +7369,73 @@
                     <a:p>
                       <a:r>
                         <a:rPr lang="en-US" altLang="ko-KR" dirty="0"/>
-                        <a:t>Id INT NOT NULL AUTO_INCREMENT(PK)</a:t>
+                        <a:t>`Id` INT NOT NULL AUTO_INCREMENT(PK)</a:t>
                       </a:r>
                     </a:p>
                     <a:p>
+                      <a:r>
+                        <a:rPr lang="en-US" altLang="ko-KR" dirty="0"/>
+                        <a:t>`</a:t>
+                      </a:r>
                       <a:r>
                         <a:rPr lang="en-US" altLang="ko-KR" dirty="0" err="1"/>
                         <a:t>Menu_type</a:t>
                       </a:r>
                       <a:r>
                         <a:rPr lang="en-US" altLang="ko-KR" dirty="0"/>
-                        <a:t> INT NOT NULL</a:t>
+                        <a:t>` INT NOT NULL</a:t>
                       </a:r>
                     </a:p>
                     <a:p>
                       <a:r>
                         <a:rPr lang="en-US" altLang="ko-KR" dirty="0"/>
-                        <a:t>Menu VARCHAR(50) NOT NULL</a:t>
+                        <a:t>`Menu` VARCHAR(50) NOT NULL</a:t>
                       </a:r>
                     </a:p>
                     <a:p>
                       <a:r>
                         <a:rPr lang="en-US" altLang="ko-KR" dirty="0"/>
-                        <a:t>Image TEXT</a:t>
+                        <a:t>`Image` TEXT</a:t>
                       </a:r>
                     </a:p>
                     <a:p>
                       <a:r>
                         <a:rPr lang="en-US" altLang="ko-KR" dirty="0"/>
-                        <a:t>Ingredient TEXT</a:t>
+                        <a:t>`Ingredient` TEXT</a:t>
                       </a:r>
                     </a:p>
                     <a:p>
+                      <a:r>
+                        <a:rPr lang="en-US" altLang="ko-KR" dirty="0"/>
+                        <a:t>`</a:t>
+                      </a:r>
                       <a:r>
                         <a:rPr lang="en-US" altLang="ko-KR" dirty="0" err="1"/>
                         <a:t>Cooking_step</a:t>
                       </a:r>
                       <a:r>
                         <a:rPr lang="en-US" altLang="ko-KR" dirty="0"/>
-                        <a:t> TEXT NOT NULL</a:t>
+                        <a:t>` TEXT NOT NULL</a:t>
                       </a:r>
                     </a:p>
                     <a:p>
+                      <a:r>
+                        <a:rPr lang="en-US" altLang="ko-KR" dirty="0"/>
+                        <a:t>`</a:t>
+                      </a:r>
                       <a:r>
                         <a:rPr lang="en-US" altLang="ko-KR" dirty="0" err="1"/>
                         <a:t>Cooking_time</a:t>
                       </a:r>
                       <a:r>
                         <a:rPr lang="en-US" altLang="ko-KR" dirty="0"/>
-                        <a:t> INT NOT NULL</a:t>
+                        <a:t>` INT NOT NULL</a:t>
                       </a:r>
                     </a:p>
                     <a:p>
                       <a:r>
                         <a:rPr lang="en-US" altLang="ko-KR" dirty="0"/>
-                        <a:t>Calorie FLOAT NOT NULL</a:t>
+                        <a:t>`Calorie` FLOAT NOT NULL</a:t>
                       </a:r>
                     </a:p>
                   </a:txBody>
@@ -7846,10 +7453,10 @@
       </p:graphicFrame>
       <p:graphicFrame>
         <p:nvGraphicFramePr>
-          <p:cNvPr id="14" name="표 13">
-            <a:extLst>
-              <a:ext uri="{FF2B5EF4-FFF2-40B4-BE49-F238E27FC236}">
-                <a16:creationId xmlns:a16="http://schemas.microsoft.com/office/drawing/2014/main" id="{341D1748-8210-4193-9C8D-E408B14D1AA9}"/>
+          <p:cNvPr id="16" name="표 15">
+            <a:extLst>
+              <a:ext uri="{FF2B5EF4-FFF2-40B4-BE49-F238E27FC236}">
+                <a16:creationId xmlns:a16="http://schemas.microsoft.com/office/drawing/2014/main" id="{C099F340-F121-4CF5-B785-8572F415C781}"/>
               </a:ext>
             </a:extLst>
           </p:cNvPr>
@@ -7859,13 +7466,667 @@
           <p:nvPr>
             <p:extLst>
               <p:ext uri="{D42A27DB-BD31-4B8C-83A1-F6EECF244321}">
-                <p14:modId xmlns:p14="http://schemas.microsoft.com/office/powerpoint/2010/main" val="2664665010"/>
+                <p14:modId xmlns:p14="http://schemas.microsoft.com/office/powerpoint/2010/main" val="1739207814"/>
               </p:ext>
             </p:extLst>
           </p:nvPr>
         </p:nvGraphicFramePr>
         <p:xfrm>
-          <a:off x="6276519" y="1199262"/>
+          <a:off x="6294074" y="2456815"/>
+          <a:ext cx="5353639" cy="2127897"/>
+        </p:xfrm>
+        <a:graphic>
+          <a:graphicData uri="http://schemas.openxmlformats.org/drawingml/2006/table">
+            <a:tbl>
+              <a:tblPr firstRow="1" bandRow="1">
+                <a:tableStyleId>{5C22544A-7EE6-4342-B048-85BDC9FD1C3A}</a:tableStyleId>
+              </a:tblPr>
+              <a:tblGrid>
+                <a:gridCol w="5353639">
+                  <a:extLst>
+                    <a:ext uri="{9D8B030D-6E8A-4147-A177-3AD203B41FA5}">
+                      <a16:colId xmlns:a16="http://schemas.microsoft.com/office/drawing/2014/main" val="649459055"/>
+                    </a:ext>
+                  </a:extLst>
+                </a:gridCol>
+              </a:tblGrid>
+              <a:tr h="390537">
+                <a:tc>
+                  <a:txBody>
+                    <a:bodyPr/>
+                    <a:lstStyle/>
+                    <a:p>
+                      <a:pPr latinLnBrk="1"/>
+                      <a:r>
+                        <a:rPr lang="en-US" altLang="ko-KR" dirty="0"/>
+                        <a:t> user</a:t>
+                      </a:r>
+                      <a:endParaRPr lang="ko-KR" altLang="en-US" dirty="0"/>
+                    </a:p>
+                  </a:txBody>
+                  <a:tcPr/>
+                </a:tc>
+                <a:extLst>
+                  <a:ext uri="{0D108BD9-81ED-4DB2-BD59-A6C34878D82A}">
+                    <a16:rowId xmlns:a16="http://schemas.microsoft.com/office/drawing/2014/main" val="1586091794"/>
+                  </a:ext>
+                </a:extLst>
+              </a:tr>
+              <a:tr h="1531745">
+                <a:tc>
+                  <a:txBody>
+                    <a:bodyPr/>
+                    <a:lstStyle/>
+                    <a:p>
+                      <a:pPr latinLnBrk="1"/>
+                      <a:r>
+                        <a:rPr lang="en-US" altLang="ko-KR" dirty="0"/>
+                        <a:t>`</a:t>
+                      </a:r>
+                      <a:r>
+                        <a:rPr lang="en-US" altLang="ko-KR" dirty="0" err="1"/>
+                        <a:t>user_id</a:t>
+                      </a:r>
+                      <a:r>
+                        <a:rPr lang="en-US" altLang="ko-KR" dirty="0"/>
+                        <a:t>` VARCHAR(50) NOT NULL PRIMARY KEY</a:t>
+                      </a:r>
+                    </a:p>
+                    <a:p>
+                      <a:pPr latinLnBrk="1"/>
+                      <a:r>
+                        <a:rPr lang="en-US" altLang="ko-KR" dirty="0"/>
+                        <a:t>`Allergy` VARCHAR(30)</a:t>
+                      </a:r>
+                    </a:p>
+                    <a:p>
+                      <a:pPr latinLnBrk="1"/>
+                      <a:r>
+                        <a:rPr lang="en-US" altLang="ko-KR" dirty="0"/>
+                        <a:t>`priority` VARCHAR(1) : T or</a:t>
+                      </a:r>
+                      <a:r>
+                        <a:rPr lang="ko-KR" altLang="en-US" dirty="0"/>
+                        <a:t> </a:t>
+                      </a:r>
+                      <a:r>
+                        <a:rPr lang="en-US" altLang="ko-KR" dirty="0"/>
+                        <a:t>C</a:t>
+                      </a:r>
+                    </a:p>
+                    <a:p>
+                      <a:pPr latinLnBrk="1"/>
+                      <a:r>
+                        <a:rPr lang="en-US" altLang="ko-KR" dirty="0"/>
+                        <a:t>`likes` VARCHAR(30)</a:t>
+                      </a:r>
+                    </a:p>
+                    <a:p>
+                      <a:pPr latinLnBrk="1"/>
+                      <a:r>
+                        <a:rPr lang="en-US" altLang="ko-KR" dirty="0"/>
+                        <a:t>`Hates` VARCHAR(30)</a:t>
+                      </a:r>
+                    </a:p>
+                    <a:p>
+                      <a:pPr latinLnBrk="1"/>
+                      <a:endParaRPr lang="en-US" altLang="ko-KR" dirty="0"/>
+                    </a:p>
+                  </a:txBody>
+                  <a:tcPr/>
+                </a:tc>
+                <a:extLst>
+                  <a:ext uri="{0D108BD9-81ED-4DB2-BD59-A6C34878D82A}">
+                    <a16:rowId xmlns:a16="http://schemas.microsoft.com/office/drawing/2014/main" val="2950145686"/>
+                  </a:ext>
+                </a:extLst>
+              </a:tr>
+            </a:tbl>
+          </a:graphicData>
+        </a:graphic>
+      </p:graphicFrame>
+      <p:graphicFrame>
+        <p:nvGraphicFramePr>
+          <p:cNvPr id="18" name="표 17">
+            <a:extLst>
+              <a:ext uri="{FF2B5EF4-FFF2-40B4-BE49-F238E27FC236}">
+                <a16:creationId xmlns:a16="http://schemas.microsoft.com/office/drawing/2014/main" id="{15C71109-2C2A-4C09-80A2-10C766EC14A1}"/>
+              </a:ext>
+            </a:extLst>
+          </p:cNvPr>
+          <p:cNvGraphicFramePr>
+            <a:graphicFrameLocks noGrp="1"/>
+          </p:cNvGraphicFramePr>
+          <p:nvPr>
+            <p:extLst>
+              <p:ext uri="{D42A27DB-BD31-4B8C-83A1-F6EECF244321}">
+                <p14:modId xmlns:p14="http://schemas.microsoft.com/office/powerpoint/2010/main" val="3667077543"/>
+              </p:ext>
+            </p:extLst>
+          </p:nvPr>
+        </p:nvGraphicFramePr>
+        <p:xfrm>
+          <a:off x="6294074" y="4895735"/>
+          <a:ext cx="5363163" cy="1010920"/>
+        </p:xfrm>
+        <a:graphic>
+          <a:graphicData uri="http://schemas.openxmlformats.org/drawingml/2006/table">
+            <a:tbl>
+              <a:tblPr firstRow="1" bandRow="1">
+                <a:tableStyleId>{5C22544A-7EE6-4342-B048-85BDC9FD1C3A}</a:tableStyleId>
+              </a:tblPr>
+              <a:tblGrid>
+                <a:gridCol w="5363163">
+                  <a:extLst>
+                    <a:ext uri="{9D8B030D-6E8A-4147-A177-3AD203B41FA5}">
+                      <a16:colId xmlns:a16="http://schemas.microsoft.com/office/drawing/2014/main" val="3698952822"/>
+                    </a:ext>
+                  </a:extLst>
+                </a:gridCol>
+              </a:tblGrid>
+              <a:tr h="370840">
+                <a:tc>
+                  <a:txBody>
+                    <a:bodyPr/>
+                    <a:lstStyle/>
+                    <a:p>
+                      <a:pPr latinLnBrk="1"/>
+                      <a:r>
+                        <a:rPr lang="en-US" altLang="ko-KR" dirty="0"/>
+                        <a:t>term</a:t>
+                      </a:r>
+                      <a:endParaRPr lang="ko-KR" altLang="en-US" dirty="0"/>
+                    </a:p>
+                  </a:txBody>
+                  <a:tcPr/>
+                </a:tc>
+                <a:extLst>
+                  <a:ext uri="{0D108BD9-81ED-4DB2-BD59-A6C34878D82A}">
+                    <a16:rowId xmlns:a16="http://schemas.microsoft.com/office/drawing/2014/main" val="153258639"/>
+                  </a:ext>
+                </a:extLst>
+              </a:tr>
+              <a:tr h="370840">
+                <a:tc>
+                  <a:txBody>
+                    <a:bodyPr/>
+                    <a:lstStyle/>
+                    <a:p>
+                      <a:pPr latinLnBrk="1"/>
+                      <a:r>
+                        <a:rPr lang="en-US" altLang="ko-KR" sz="1800" b="0" i="0" kern="1200" dirty="0">
+                          <a:solidFill>
+                            <a:schemeClr val="dk1"/>
+                          </a:solidFill>
+                          <a:effectLst/>
+                          <a:latin typeface="+mn-lt"/>
+                          <a:ea typeface="+mn-ea"/>
+                          <a:cs typeface="+mn-cs"/>
+                        </a:rPr>
+                        <a:t>`title` char(56) NOT NULL PRIMARY KEY</a:t>
+                      </a:r>
+                    </a:p>
+                    <a:p>
+                      <a:pPr latinLnBrk="1"/>
+                      <a:r>
+                        <a:rPr lang="en-US" altLang="ko-KR" sz="1800" b="0" i="0" kern="1200" dirty="0">
+                          <a:solidFill>
+                            <a:schemeClr val="dk1"/>
+                          </a:solidFill>
+                          <a:effectLst/>
+                          <a:latin typeface="+mn-lt"/>
+                          <a:ea typeface="+mn-ea"/>
+                          <a:cs typeface="+mn-cs"/>
+                        </a:rPr>
+                        <a:t>`descript` text NOT NULL</a:t>
+                      </a:r>
+                    </a:p>
+                  </a:txBody>
+                  <a:tcPr/>
+                </a:tc>
+                <a:extLst>
+                  <a:ext uri="{0D108BD9-81ED-4DB2-BD59-A6C34878D82A}">
+                    <a16:rowId xmlns:a16="http://schemas.microsoft.com/office/drawing/2014/main" val="3496548554"/>
+                  </a:ext>
+                </a:extLst>
+              </a:tr>
+            </a:tbl>
+          </a:graphicData>
+        </a:graphic>
+      </p:graphicFrame>
+    </p:spTree>
+    <p:extLst>
+      <p:ext uri="{BB962C8B-B14F-4D97-AF65-F5344CB8AC3E}">
+        <p14:creationId xmlns:p14="http://schemas.microsoft.com/office/powerpoint/2010/main" val="1334917155"/>
+      </p:ext>
+    </p:extLst>
+  </p:cSld>
+  <p:clrMapOvr>
+    <a:masterClrMapping/>
+  </p:clrMapOvr>
+</p:sld>
+</file>
+
+<file path=ppt/slides/slide6.xml><?xml version="1.0" encoding="utf-8"?>
+<p:sld xmlns:a="http://schemas.openxmlformats.org/drawingml/2006/main" xmlns:r="http://schemas.openxmlformats.org/officeDocument/2006/relationships" xmlns:p="http://schemas.openxmlformats.org/presentationml/2006/main">
+  <p:cSld>
+    <p:spTree>
+      <p:nvGrpSpPr>
+        <p:cNvPr id="1" name=""/>
+        <p:cNvGrpSpPr/>
+        <p:nvPr/>
+      </p:nvGrpSpPr>
+      <p:grpSpPr>
+        <a:xfrm>
+          <a:off x="0" y="0"/>
+          <a:ext cx="0" cy="0"/>
+          <a:chOff x="0" y="0"/>
+          <a:chExt cx="0" cy="0"/>
+        </a:xfrm>
+      </p:grpSpPr>
+      <p:sp>
+        <p:nvSpPr>
+          <p:cNvPr id="2" name="제목 1">
+            <a:extLst>
+              <a:ext uri="{FF2B5EF4-FFF2-40B4-BE49-F238E27FC236}">
+                <a16:creationId xmlns:a16="http://schemas.microsoft.com/office/drawing/2014/main" id="{DA485ECF-DE23-41A2-A9E5-2B149D930CCC}"/>
+              </a:ext>
+            </a:extLst>
+          </p:cNvPr>
+          <p:cNvSpPr>
+            <a:spLocks noGrp="1"/>
+          </p:cNvSpPr>
+          <p:nvPr>
+            <p:ph type="title"/>
+          </p:nvPr>
+        </p:nvSpPr>
+        <p:spPr>
+          <a:xfrm>
+            <a:off x="838200" y="365125"/>
+            <a:ext cx="2590698" cy="1325563"/>
+          </a:xfrm>
+        </p:spPr>
+        <p:txBody>
+          <a:bodyPr/>
+          <a:lstStyle/>
+          <a:p>
+            <a:r>
+              <a:rPr lang="en-US" altLang="ko-KR" dirty="0"/>
+              <a:t>Clear DB</a:t>
+            </a:r>
+            <a:endParaRPr lang="ko-KR" altLang="en-US" dirty="0"/>
+          </a:p>
+        </p:txBody>
+      </p:sp>
+      <p:pic>
+        <p:nvPicPr>
+          <p:cNvPr id="5" name="Picture 10" descr="ClearDB Managed MySQL Database">
+            <a:extLst>
+              <a:ext uri="{FF2B5EF4-FFF2-40B4-BE49-F238E27FC236}">
+                <a16:creationId xmlns:a16="http://schemas.microsoft.com/office/drawing/2014/main" id="{7939E0B6-12E2-4D65-A467-30B18A0F01FC}"/>
+              </a:ext>
+            </a:extLst>
+          </p:cNvPr>
+          <p:cNvPicPr>
+            <a:picLocks noChangeAspect="1" noChangeArrowheads="1"/>
+          </p:cNvPicPr>
+          <p:nvPr/>
+        </p:nvPicPr>
+        <p:blipFill>
+          <a:blip r:embed="rId2">
+            <a:extLst>
+              <a:ext uri="{28A0092B-C50C-407E-A947-70E740481C1C}">
+                <a14:useLocalDpi xmlns:a14="http://schemas.microsoft.com/office/drawing/2010/main" val="0"/>
+              </a:ext>
+            </a:extLst>
+          </a:blip>
+          <a:srcRect/>
+          <a:stretch>
+            <a:fillRect/>
+          </a:stretch>
+        </p:blipFill>
+        <p:spPr bwMode="auto">
+          <a:xfrm>
+            <a:off x="3428898" y="599280"/>
+            <a:ext cx="857250" cy="857250"/>
+          </a:xfrm>
+          <a:prstGeom prst="rect">
+            <a:avLst/>
+          </a:prstGeom>
+          <a:noFill/>
+          <a:extLst>
+            <a:ext uri="{909E8E84-426E-40DD-AFC4-6F175D3DCCD1}">
+              <a14:hiddenFill xmlns:a14="http://schemas.microsoft.com/office/drawing/2010/main">
+                <a:solidFill>
+                  <a:srgbClr val="FFFFFF"/>
+                </a:solidFill>
+              </a14:hiddenFill>
+            </a:ext>
+          </a:extLst>
+        </p:spPr>
+      </p:pic>
+      <p:sp>
+        <p:nvSpPr>
+          <p:cNvPr id="12" name="TextBox 11">
+            <a:extLst>
+              <a:ext uri="{FF2B5EF4-FFF2-40B4-BE49-F238E27FC236}">
+                <a16:creationId xmlns:a16="http://schemas.microsoft.com/office/drawing/2014/main" id="{B6525A7B-7EEF-401B-83C8-80EC67F589F3}"/>
+              </a:ext>
+            </a:extLst>
+          </p:cNvPr>
+          <p:cNvSpPr txBox="1"/>
+          <p:nvPr/>
+        </p:nvSpPr>
+        <p:spPr>
+          <a:xfrm>
+            <a:off x="544287" y="2002015"/>
+            <a:ext cx="5237387" cy="461665"/>
+          </a:xfrm>
+          <a:prstGeom prst="rect">
+            <a:avLst/>
+          </a:prstGeom>
+          <a:noFill/>
+        </p:spPr>
+        <p:txBody>
+          <a:bodyPr wrap="square" rtlCol="0">
+            <a:spAutoFit/>
+          </a:bodyPr>
+          <a:lstStyle/>
+          <a:p>
+            <a:r>
+              <a:rPr lang="en-US" altLang="ko-KR" sz="2400" dirty="0"/>
+              <a:t>[ View ]</a:t>
+            </a:r>
+            <a:endParaRPr lang="ko-KR" altLang="en-US" sz="2400" dirty="0"/>
+          </a:p>
+        </p:txBody>
+      </p:sp>
+      <p:sp>
+        <p:nvSpPr>
+          <p:cNvPr id="8" name="직사각형 7">
+            <a:extLst>
+              <a:ext uri="{FF2B5EF4-FFF2-40B4-BE49-F238E27FC236}">
+                <a16:creationId xmlns:a16="http://schemas.microsoft.com/office/drawing/2014/main" id="{E01CF949-134E-488D-8E4C-43F5F74941F8}"/>
+              </a:ext>
+            </a:extLst>
+          </p:cNvPr>
+          <p:cNvSpPr/>
+          <p:nvPr/>
+        </p:nvSpPr>
+        <p:spPr>
+          <a:xfrm>
+            <a:off x="6209723" y="1193234"/>
+            <a:ext cx="5372099" cy="1647826"/>
+          </a:xfrm>
+          <a:prstGeom prst="rect">
+            <a:avLst/>
+          </a:prstGeom>
+        </p:spPr>
+        <p:style>
+          <a:lnRef idx="2">
+            <a:schemeClr val="accent1">
+              <a:shade val="50000"/>
+            </a:schemeClr>
+          </a:lnRef>
+          <a:fillRef idx="1">
+            <a:schemeClr val="accent1"/>
+          </a:fillRef>
+          <a:effectRef idx="0">
+            <a:schemeClr val="accent1"/>
+          </a:effectRef>
+          <a:fontRef idx="minor">
+            <a:schemeClr val="lt1"/>
+          </a:fontRef>
+        </p:style>
+        <p:txBody>
+          <a:bodyPr rtlCol="0" anchor="ctr"/>
+          <a:lstStyle/>
+          <a:p>
+            <a:r>
+              <a:rPr lang="en-US" altLang="ko-KR" dirty="0"/>
+              <a:t>[normal]</a:t>
+            </a:r>
+          </a:p>
+          <a:p>
+            <a:r>
+              <a:rPr lang="en-US" altLang="ko-KR" dirty="0"/>
+              <a:t>SELECT Id, </a:t>
+            </a:r>
+            <a:r>
+              <a:rPr lang="en-US" altLang="ko-KR" dirty="0" err="1"/>
+              <a:t>menu_type</a:t>
+            </a:r>
+            <a:r>
+              <a:rPr lang="en-US" altLang="ko-KR" dirty="0"/>
+              <a:t>, image, ingredient, </a:t>
+            </a:r>
+            <a:r>
+              <a:rPr lang="en-US" altLang="ko-KR" dirty="0" err="1"/>
+              <a:t>cooking_step</a:t>
+            </a:r>
+            <a:r>
+              <a:rPr lang="en-US" altLang="ko-KR" dirty="0"/>
+              <a:t>, </a:t>
+            </a:r>
+            <a:r>
+              <a:rPr lang="en-US" altLang="ko-KR" dirty="0" err="1"/>
+              <a:t>cooking_time</a:t>
+            </a:r>
+            <a:r>
+              <a:rPr lang="en-US" altLang="ko-KR" dirty="0"/>
+              <a:t>, calorie FROM recipes WHERE </a:t>
+            </a:r>
+            <a:r>
+              <a:rPr lang="en-US" altLang="ko-KR" dirty="0" err="1"/>
+              <a:t>menu_type</a:t>
+            </a:r>
+            <a:r>
+              <a:rPr lang="en-US" altLang="ko-KR" dirty="0"/>
+              <a:t>=1;</a:t>
+            </a:r>
+          </a:p>
+          <a:p>
+            <a:endParaRPr lang="ko-KR" altLang="en-US" dirty="0"/>
+          </a:p>
+        </p:txBody>
+      </p:sp>
+      <p:sp>
+        <p:nvSpPr>
+          <p:cNvPr id="9" name="직사각형 8">
+            <a:extLst>
+              <a:ext uri="{FF2B5EF4-FFF2-40B4-BE49-F238E27FC236}">
+                <a16:creationId xmlns:a16="http://schemas.microsoft.com/office/drawing/2014/main" id="{C2629C24-21F0-4981-880D-7F17369BE24B}"/>
+              </a:ext>
+            </a:extLst>
+          </p:cNvPr>
+          <p:cNvSpPr/>
+          <p:nvPr/>
+        </p:nvSpPr>
+        <p:spPr>
+          <a:xfrm>
+            <a:off x="6209723" y="3090862"/>
+            <a:ext cx="5372099" cy="1647826"/>
+          </a:xfrm>
+          <a:prstGeom prst="rect">
+            <a:avLst/>
+          </a:prstGeom>
+        </p:spPr>
+        <p:style>
+          <a:lnRef idx="2">
+            <a:schemeClr val="accent1">
+              <a:shade val="50000"/>
+            </a:schemeClr>
+          </a:lnRef>
+          <a:fillRef idx="1">
+            <a:schemeClr val="accent1"/>
+          </a:fillRef>
+          <a:effectRef idx="0">
+            <a:schemeClr val="accent1"/>
+          </a:effectRef>
+          <a:fontRef idx="minor">
+            <a:schemeClr val="lt1"/>
+          </a:fontRef>
+        </p:style>
+        <p:txBody>
+          <a:bodyPr rtlCol="0" anchor="ctr"/>
+          <a:lstStyle/>
+          <a:p>
+            <a:r>
+              <a:rPr lang="en-US" altLang="ko-KR" dirty="0"/>
+              <a:t>[delivery]</a:t>
+            </a:r>
+          </a:p>
+          <a:p>
+            <a:r>
+              <a:rPr lang="en-US" altLang="ko-KR" dirty="0"/>
+              <a:t>SELECT Id, </a:t>
+            </a:r>
+            <a:r>
+              <a:rPr lang="en-US" altLang="ko-KR" dirty="0" err="1"/>
+              <a:t>menu_type</a:t>
+            </a:r>
+            <a:r>
+              <a:rPr lang="en-US" altLang="ko-KR" dirty="0"/>
+              <a:t>, image, ingredient, </a:t>
+            </a:r>
+            <a:r>
+              <a:rPr lang="en-US" altLang="ko-KR" dirty="0" err="1"/>
+              <a:t>cooking_step</a:t>
+            </a:r>
+            <a:r>
+              <a:rPr lang="en-US" altLang="ko-KR" dirty="0"/>
+              <a:t>, </a:t>
+            </a:r>
+            <a:r>
+              <a:rPr lang="en-US" altLang="ko-KR" dirty="0" err="1"/>
+              <a:t>cooking_time</a:t>
+            </a:r>
+            <a:r>
+              <a:rPr lang="en-US" altLang="ko-KR" dirty="0"/>
+              <a:t>, calorie FROM recipes WHERE </a:t>
+            </a:r>
+            <a:r>
+              <a:rPr lang="en-US" altLang="ko-KR" dirty="0" err="1"/>
+              <a:t>menu_type</a:t>
+            </a:r>
+            <a:r>
+              <a:rPr lang="en-US" altLang="ko-KR" dirty="0"/>
+              <a:t>=2;</a:t>
+            </a:r>
+          </a:p>
+          <a:p>
+            <a:endParaRPr lang="ko-KR" altLang="en-US" dirty="0"/>
+          </a:p>
+        </p:txBody>
+      </p:sp>
+      <p:sp>
+        <p:nvSpPr>
+          <p:cNvPr id="10" name="직사각형 9">
+            <a:extLst>
+              <a:ext uri="{FF2B5EF4-FFF2-40B4-BE49-F238E27FC236}">
+                <a16:creationId xmlns:a16="http://schemas.microsoft.com/office/drawing/2014/main" id="{528F13BE-B297-4C31-A0DE-79E0384AA185}"/>
+              </a:ext>
+            </a:extLst>
+          </p:cNvPr>
+          <p:cNvSpPr/>
+          <p:nvPr/>
+        </p:nvSpPr>
+        <p:spPr>
+          <a:xfrm>
+            <a:off x="6234915" y="4996997"/>
+            <a:ext cx="5345953" cy="1480003"/>
+          </a:xfrm>
+          <a:prstGeom prst="rect">
+            <a:avLst/>
+          </a:prstGeom>
+        </p:spPr>
+        <p:style>
+          <a:lnRef idx="2">
+            <a:schemeClr val="accent1">
+              <a:shade val="50000"/>
+            </a:schemeClr>
+          </a:lnRef>
+          <a:fillRef idx="1">
+            <a:schemeClr val="accent1"/>
+          </a:fillRef>
+          <a:effectRef idx="0">
+            <a:schemeClr val="accent1"/>
+          </a:effectRef>
+          <a:fontRef idx="minor">
+            <a:schemeClr val="lt1"/>
+          </a:fontRef>
+        </p:style>
+        <p:txBody>
+          <a:bodyPr rtlCol="0" anchor="ctr"/>
+          <a:lstStyle/>
+          <a:p>
+            <a:r>
+              <a:rPr lang="en-US" altLang="ko-KR" dirty="0"/>
+              <a:t>[store24]</a:t>
+            </a:r>
+          </a:p>
+          <a:p>
+            <a:r>
+              <a:rPr lang="en-US" altLang="ko-KR" dirty="0"/>
+              <a:t>SELECT Id, </a:t>
+            </a:r>
+            <a:r>
+              <a:rPr lang="en-US" altLang="ko-KR" dirty="0" err="1"/>
+              <a:t>menu_type</a:t>
+            </a:r>
+            <a:r>
+              <a:rPr lang="en-US" altLang="ko-KR" dirty="0"/>
+              <a:t>, image, ingredient, </a:t>
+            </a:r>
+            <a:r>
+              <a:rPr lang="en-US" altLang="ko-KR" dirty="0" err="1"/>
+              <a:t>cooking_step</a:t>
+            </a:r>
+            <a:r>
+              <a:rPr lang="en-US" altLang="ko-KR" dirty="0"/>
+              <a:t>, </a:t>
+            </a:r>
+            <a:r>
+              <a:rPr lang="en-US" altLang="ko-KR" dirty="0" err="1"/>
+              <a:t>cooking_time</a:t>
+            </a:r>
+            <a:r>
+              <a:rPr lang="en-US" altLang="ko-KR" dirty="0"/>
+              <a:t>, calorie FROM recipes WHERE </a:t>
+            </a:r>
+            <a:r>
+              <a:rPr lang="en-US" altLang="ko-KR" dirty="0" err="1"/>
+              <a:t>menu_type</a:t>
+            </a:r>
+            <a:r>
+              <a:rPr lang="en-US" altLang="ko-KR" dirty="0"/>
+              <a:t>=3;</a:t>
+            </a:r>
+          </a:p>
+        </p:txBody>
+      </p:sp>
+      <p:graphicFrame>
+        <p:nvGraphicFramePr>
+          <p:cNvPr id="11" name="표 10">
+            <a:extLst>
+              <a:ext uri="{FF2B5EF4-FFF2-40B4-BE49-F238E27FC236}">
+                <a16:creationId xmlns:a16="http://schemas.microsoft.com/office/drawing/2014/main" id="{AFF61971-B66D-48A1-AF0E-B67EC297677C}"/>
+              </a:ext>
+            </a:extLst>
+          </p:cNvPr>
+          <p:cNvGraphicFramePr>
+            <a:graphicFrameLocks noGrp="1"/>
+          </p:cNvGraphicFramePr>
+          <p:nvPr>
+            <p:extLst>
+              <p:ext uri="{D42A27DB-BD31-4B8C-83A1-F6EECF244321}">
+                <p14:modId xmlns:p14="http://schemas.microsoft.com/office/powerpoint/2010/main" val="2465120427"/>
+              </p:ext>
+            </p:extLst>
+          </p:nvPr>
+        </p:nvGraphicFramePr>
+        <p:xfrm>
+          <a:off x="6201103" y="1199262"/>
           <a:ext cx="5389337" cy="1696337"/>
         </p:xfrm>
         <a:graphic>
@@ -7984,10 +8245,10 @@
       </p:graphicFrame>
       <p:graphicFrame>
         <p:nvGraphicFramePr>
-          <p:cNvPr id="15" name="표 14">
-            <a:extLst>
-              <a:ext uri="{FF2B5EF4-FFF2-40B4-BE49-F238E27FC236}">
-                <a16:creationId xmlns:a16="http://schemas.microsoft.com/office/drawing/2014/main" id="{569633C3-2348-480B-86E2-CFAA9A94BE23}"/>
+          <p:cNvPr id="14" name="표 13">
+            <a:extLst>
+              <a:ext uri="{FF2B5EF4-FFF2-40B4-BE49-F238E27FC236}">
+                <a16:creationId xmlns:a16="http://schemas.microsoft.com/office/drawing/2014/main" id="{320EECC6-F04B-40B7-93C1-AED09A57FE01}"/>
               </a:ext>
             </a:extLst>
           </p:cNvPr>
@@ -7997,13 +8258,13 @@
           <p:nvPr>
             <p:extLst>
               <p:ext uri="{D42A27DB-BD31-4B8C-83A1-F6EECF244321}">
-                <p14:modId xmlns:p14="http://schemas.microsoft.com/office/powerpoint/2010/main" val="3888427210"/>
+                <p14:modId xmlns:p14="http://schemas.microsoft.com/office/powerpoint/2010/main" val="3617951196"/>
               </p:ext>
             </p:extLst>
           </p:nvPr>
         </p:nvGraphicFramePr>
         <p:xfrm>
-          <a:off x="6276519" y="3082354"/>
+          <a:off x="6201103" y="3082354"/>
           <a:ext cx="5398862" cy="1656334"/>
         </p:xfrm>
         <a:graphic>
@@ -8122,10 +8383,10 @@
       </p:graphicFrame>
       <p:graphicFrame>
         <p:nvGraphicFramePr>
-          <p:cNvPr id="17" name="표 16">
-            <a:extLst>
-              <a:ext uri="{FF2B5EF4-FFF2-40B4-BE49-F238E27FC236}">
-                <a16:creationId xmlns:a16="http://schemas.microsoft.com/office/drawing/2014/main" id="{8F641C07-B92B-4FCE-86C2-AF08E050065D}"/>
+          <p:cNvPr id="15" name="표 14">
+            <a:extLst>
+              <a:ext uri="{FF2B5EF4-FFF2-40B4-BE49-F238E27FC236}">
+                <a16:creationId xmlns:a16="http://schemas.microsoft.com/office/drawing/2014/main" id="{301189C4-CDA0-4748-B356-8591FF8B949F}"/>
               </a:ext>
             </a:extLst>
           </p:cNvPr>
@@ -8135,13 +8396,13 @@
           <p:nvPr>
             <p:extLst>
               <p:ext uri="{D42A27DB-BD31-4B8C-83A1-F6EECF244321}">
-                <p14:modId xmlns:p14="http://schemas.microsoft.com/office/powerpoint/2010/main" val="2170565503"/>
+                <p14:modId xmlns:p14="http://schemas.microsoft.com/office/powerpoint/2010/main" val="329565488"/>
               </p:ext>
             </p:extLst>
           </p:nvPr>
         </p:nvGraphicFramePr>
         <p:xfrm>
-          <a:off x="6310331" y="4996997"/>
+          <a:off x="6234915" y="4996997"/>
           <a:ext cx="5390242" cy="1554480"/>
         </p:xfrm>
         <a:graphic>
@@ -8258,67 +8519,12 @@
           </a:graphicData>
         </a:graphic>
       </p:graphicFrame>
-    </p:spTree>
-    <p:extLst>
-      <p:ext uri="{BB962C8B-B14F-4D97-AF65-F5344CB8AC3E}">
-        <p14:creationId xmlns:p14="http://schemas.microsoft.com/office/powerpoint/2010/main" val="1877141675"/>
-      </p:ext>
-    </p:extLst>
-  </p:cSld>
-  <p:clrMapOvr>
-    <a:masterClrMapping/>
-  </p:clrMapOvr>
-</p:sld>
-</file>
-
-<file path=ppt/slides/slide6.xml><?xml version="1.0" encoding="utf-8"?>
-<p:sld xmlns:a="http://schemas.openxmlformats.org/drawingml/2006/main" xmlns:r="http://schemas.openxmlformats.org/officeDocument/2006/relationships" xmlns:p="http://schemas.openxmlformats.org/presentationml/2006/main">
-  <p:cSld>
-    <p:spTree>
-      <p:nvGrpSpPr>
-        <p:cNvPr id="1" name=""/>
-        <p:cNvGrpSpPr/>
-        <p:nvPr/>
-      </p:nvGrpSpPr>
-      <p:grpSpPr>
-        <a:xfrm>
-          <a:off x="0" y="0"/>
-          <a:ext cx="0" cy="0"/>
-          <a:chOff x="0" y="0"/>
-          <a:chExt cx="0" cy="0"/>
-        </a:xfrm>
-      </p:grpSpPr>
-      <p:sp>
-        <p:nvSpPr>
-          <p:cNvPr id="2" name="제목 1">
-            <a:extLst>
-              <a:ext uri="{FF2B5EF4-FFF2-40B4-BE49-F238E27FC236}">
-                <a16:creationId xmlns:a16="http://schemas.microsoft.com/office/drawing/2014/main" id="{77BFA605-E48E-4D8B-B606-DA6A66B65D2A}"/>
-              </a:ext>
-            </a:extLst>
-          </p:cNvPr>
-          <p:cNvSpPr>
-            <a:spLocks noGrp="1"/>
-          </p:cNvSpPr>
-          <p:nvPr>
-            <p:ph type="title"/>
-          </p:nvPr>
-        </p:nvSpPr>
-        <p:spPr/>
-        <p:txBody>
-          <a:bodyPr/>
-          <a:lstStyle/>
-          <a:p>
-            <a:endParaRPr lang="ko-KR" altLang="en-US"/>
-          </a:p>
-        </p:txBody>
-      </p:sp>
       <p:graphicFrame>
         <p:nvGraphicFramePr>
-          <p:cNvPr id="4" name="표 3">
-            <a:extLst>
-              <a:ext uri="{FF2B5EF4-FFF2-40B4-BE49-F238E27FC236}">
-                <a16:creationId xmlns:a16="http://schemas.microsoft.com/office/drawing/2014/main" id="{634FE598-4F0B-4694-AC46-64C15F2BB21A}"/>
+          <p:cNvPr id="17" name="표 16">
+            <a:extLst>
+              <a:ext uri="{FF2B5EF4-FFF2-40B4-BE49-F238E27FC236}">
+                <a16:creationId xmlns:a16="http://schemas.microsoft.com/office/drawing/2014/main" id="{3C0E1500-5A74-49DD-9BF7-B306ED8899F9}"/>
               </a:ext>
             </a:extLst>
           </p:cNvPr>
@@ -8328,14 +8534,14 @@
           <p:nvPr>
             <p:extLst>
               <p:ext uri="{D42A27DB-BD31-4B8C-83A1-F6EECF244321}">
-                <p14:modId xmlns:p14="http://schemas.microsoft.com/office/powerpoint/2010/main" val="3830664513"/>
+                <p14:modId xmlns:p14="http://schemas.microsoft.com/office/powerpoint/2010/main" val="1394503827"/>
               </p:ext>
             </p:extLst>
           </p:nvPr>
         </p:nvGraphicFramePr>
         <p:xfrm>
-          <a:off x="990600" y="1905000"/>
-          <a:ext cx="8128000" cy="4478020"/>
+          <a:off x="486003" y="2859556"/>
+          <a:ext cx="5170080" cy="1010920"/>
         </p:xfrm>
         <a:graphic>
           <a:graphicData uri="http://schemas.openxmlformats.org/drawingml/2006/table">
@@ -8344,15 +8550,15 @@
                 <a:tableStyleId>{5C22544A-7EE6-4342-B048-85BDC9FD1C3A}</a:tableStyleId>
               </a:tblPr>
               <a:tblGrid>
-                <a:gridCol w="8128000">
+                <a:gridCol w="5170080">
                   <a:extLst>
                     <a:ext uri="{9D8B030D-6E8A-4147-A177-3AD203B41FA5}">
-                      <a16:colId xmlns:a16="http://schemas.microsoft.com/office/drawing/2014/main" val="649459055"/>
+                      <a16:colId xmlns:a16="http://schemas.microsoft.com/office/drawing/2014/main" val="399167704"/>
                     </a:ext>
                   </a:extLst>
                 </a:gridCol>
               </a:tblGrid>
-              <a:tr h="546100">
+              <a:tr h="370840">
                 <a:tc>
                   <a:txBody>
                     <a:bodyPr/>
@@ -8361,7 +8567,7 @@
                       <a:pPr latinLnBrk="1"/>
                       <a:r>
                         <a:rPr lang="en-US" altLang="ko-KR" dirty="0"/>
-                        <a:t> user</a:t>
+                        <a:t>Breakfast</a:t>
                       </a:r>
                       <a:endParaRPr lang="ko-KR" altLang="en-US" dirty="0"/>
                     </a:p>
@@ -8370,11 +8576,11 @@
                 </a:tc>
                 <a:extLst>
                   <a:ext uri="{0D108BD9-81ED-4DB2-BD59-A6C34878D82A}">
-                    <a16:rowId xmlns:a16="http://schemas.microsoft.com/office/drawing/2014/main" val="1586091794"/>
+                    <a16:rowId xmlns:a16="http://schemas.microsoft.com/office/drawing/2014/main" val="1983381164"/>
                   </a:ext>
                 </a:extLst>
               </a:tr>
-              <a:tr h="1974850">
+              <a:tr h="370840">
                 <a:tc>
                   <a:txBody>
                     <a:bodyPr/>
@@ -8383,104 +8589,230 @@
                       <a:pPr latinLnBrk="1"/>
                       <a:r>
                         <a:rPr lang="en-US" altLang="ko-KR" dirty="0"/>
-                        <a:t>User id : VARCHAR</a:t>
-                      </a:r>
-                    </a:p>
-                    <a:p>
-                      <a:r>
-                        <a:rPr lang="en-US" altLang="ko-KR" dirty="0"/>
-                        <a:t>Allergy : VARCHAR</a:t>
-                      </a:r>
-                    </a:p>
-                    <a:p>
-                      <a:r>
-                        <a:rPr lang="en-US" altLang="ko-KR" dirty="0"/>
-                        <a:t>Priority : T / C VARCHAR</a:t>
-                      </a:r>
-                    </a:p>
-                    <a:p>
-                      <a:r>
-                        <a:rPr lang="en-US" altLang="ko-KR" dirty="0"/>
-                        <a:t>Likes : VARCHAR</a:t>
-                      </a:r>
-                    </a:p>
-                    <a:p>
-                      <a:r>
-                        <a:rPr lang="en-US" altLang="ko-KR" dirty="0"/>
-                        <a:t>Hates : VARCHAR</a:t>
-                      </a:r>
-                    </a:p>
-                    <a:p>
-                      <a:pPr latinLnBrk="1"/>
-                      <a:endParaRPr lang="en-US" altLang="ko-KR" dirty="0"/>
-                    </a:p>
-                    <a:p>
-                      <a:pPr latinLnBrk="1"/>
-                      <a:endParaRPr lang="en-US" altLang="ko-KR" dirty="0"/>
-                    </a:p>
-                    <a:p>
-                      <a:pPr latinLnBrk="1"/>
-                      <a:r>
-                        <a:rPr lang="en-US" altLang="ko-KR" dirty="0"/>
-                        <a:t>CREATE TABLE user (</a:t>
-                      </a:r>
-                    </a:p>
-                    <a:p>
-                      <a:pPr latinLnBrk="1"/>
-                      <a:r>
-                        <a:rPr lang="en-US" altLang="ko-KR" dirty="0"/>
-                        <a:t>	</a:t>
+                        <a:t>CREATE VIEW breakfast AS SELECT * FROM normal ORDER BY </a:t>
                       </a:r>
                       <a:r>
                         <a:rPr lang="en-US" altLang="ko-KR" dirty="0" err="1"/>
-                        <a:t>user_id</a:t>
+                        <a:t>cooking_time</a:t>
                       </a:r>
                       <a:r>
                         <a:rPr lang="en-US" altLang="ko-KR" dirty="0"/>
-                        <a:t> VARCHAR(50) NOT NULL PRIMARY KEY,</a:t>
+                        <a:t> ASC LIMIT 5;</a:t>
                       </a:r>
-                    </a:p>
-                    <a:p>
-                      <a:pPr latinLnBrk="1"/>
-                      <a:r>
-                        <a:rPr lang="en-US" altLang="ko-KR" dirty="0"/>
-                        <a:t>	allergy VARCHAR(30),</a:t>
-                      </a:r>
-                    </a:p>
-                    <a:p>
-                      <a:pPr latinLnBrk="1"/>
-                      <a:r>
-                        <a:rPr lang="en-US" altLang="ko-KR" dirty="0"/>
-                        <a:t>	priority VARCHAR(1),</a:t>
-                      </a:r>
-                    </a:p>
-                    <a:p>
-                      <a:pPr latinLnBrk="1"/>
-                      <a:r>
-                        <a:rPr lang="en-US" altLang="ko-KR" dirty="0"/>
-                        <a:t>	likes VARCHAR(30),</a:t>
-                      </a:r>
-                    </a:p>
-                    <a:p>
-                      <a:pPr latinLnBrk="1"/>
-                      <a:r>
-                        <a:rPr lang="en-US" altLang="ko-KR" dirty="0"/>
-                        <a:t>	hates VARCHAR(30)</a:t>
-                      </a:r>
-                    </a:p>
-                    <a:p>
-                      <a:pPr latinLnBrk="1"/>
-                      <a:r>
-                        <a:rPr lang="en-US" altLang="ko-KR" dirty="0"/>
-                        <a:t>);</a:t>
-                      </a:r>
+                      <a:endParaRPr lang="ko-KR" altLang="en-US" dirty="0"/>
                     </a:p>
                   </a:txBody>
                   <a:tcPr/>
                 </a:tc>
                 <a:extLst>
                   <a:ext uri="{0D108BD9-81ED-4DB2-BD59-A6C34878D82A}">
-                    <a16:rowId xmlns:a16="http://schemas.microsoft.com/office/drawing/2014/main" val="2950145686"/>
+                    <a16:rowId xmlns:a16="http://schemas.microsoft.com/office/drawing/2014/main" val="3510168968"/>
+                  </a:ext>
+                </a:extLst>
+              </a:tr>
+            </a:tbl>
+          </a:graphicData>
+        </a:graphic>
+      </p:graphicFrame>
+      <p:graphicFrame>
+        <p:nvGraphicFramePr>
+          <p:cNvPr id="19" name="표 18">
+            <a:extLst>
+              <a:ext uri="{FF2B5EF4-FFF2-40B4-BE49-F238E27FC236}">
+                <a16:creationId xmlns:a16="http://schemas.microsoft.com/office/drawing/2014/main" id="{9CC23161-80CD-45AB-8AB8-6F59ACC5ED6E}"/>
+              </a:ext>
+            </a:extLst>
+          </p:cNvPr>
+          <p:cNvGraphicFramePr>
+            <a:graphicFrameLocks noGrp="1"/>
+          </p:cNvGraphicFramePr>
+          <p:nvPr>
+            <p:extLst>
+              <p:ext uri="{D42A27DB-BD31-4B8C-83A1-F6EECF244321}">
+                <p14:modId xmlns:p14="http://schemas.microsoft.com/office/powerpoint/2010/main" val="3528758323"/>
+              </p:ext>
+            </p:extLst>
+          </p:nvPr>
+        </p:nvGraphicFramePr>
+        <p:xfrm>
+          <a:off x="486003" y="4179311"/>
+          <a:ext cx="5170080" cy="1010920"/>
+        </p:xfrm>
+        <a:graphic>
+          <a:graphicData uri="http://schemas.openxmlformats.org/drawingml/2006/table">
+            <a:tbl>
+              <a:tblPr firstRow="1" bandRow="1">
+                <a:tableStyleId>{5C22544A-7EE6-4342-B048-85BDC9FD1C3A}</a:tableStyleId>
+              </a:tblPr>
+              <a:tblGrid>
+                <a:gridCol w="5170080">
+                  <a:extLst>
+                    <a:ext uri="{9D8B030D-6E8A-4147-A177-3AD203B41FA5}">
+                      <a16:colId xmlns:a16="http://schemas.microsoft.com/office/drawing/2014/main" val="1874376220"/>
+                    </a:ext>
+                  </a:extLst>
+                </a:gridCol>
+              </a:tblGrid>
+              <a:tr h="370840">
+                <a:tc>
+                  <a:txBody>
+                    <a:bodyPr/>
+                    <a:lstStyle/>
+                    <a:p>
+                      <a:pPr latinLnBrk="1"/>
+                      <a:r>
+                        <a:rPr lang="en-US" altLang="ko-KR" dirty="0"/>
+                        <a:t>Lunch</a:t>
+                      </a:r>
+                      <a:endParaRPr lang="ko-KR" altLang="en-US" dirty="0"/>
+                    </a:p>
+                  </a:txBody>
+                  <a:tcPr/>
+                </a:tc>
+                <a:extLst>
+                  <a:ext uri="{0D108BD9-81ED-4DB2-BD59-A6C34878D82A}">
+                    <a16:rowId xmlns:a16="http://schemas.microsoft.com/office/drawing/2014/main" val="2877791754"/>
+                  </a:ext>
+                </a:extLst>
+              </a:tr>
+              <a:tr h="370840">
+                <a:tc>
+                  <a:txBody>
+                    <a:bodyPr/>
+                    <a:lstStyle/>
+                    <a:p>
+                      <a:pPr marL="0" marR="0" lvl="0" indent="0" algn="l" defTabSz="914400" rtl="0" eaLnBrk="1" fontAlgn="auto" latinLnBrk="1" hangingPunct="1">
+                        <a:lnSpc>
+                          <a:spcPct val="100000"/>
+                        </a:lnSpc>
+                        <a:spcBef>
+                          <a:spcPts val="0"/>
+                        </a:spcBef>
+                        <a:spcAft>
+                          <a:spcPts val="0"/>
+                        </a:spcAft>
+                        <a:buClrTx/>
+                        <a:buSzTx/>
+                        <a:buFontTx/>
+                        <a:buNone/>
+                        <a:tabLst/>
+                        <a:defRPr/>
+                      </a:pPr>
+                      <a:r>
+                        <a:rPr lang="en-US" altLang="ko-KR" dirty="0"/>
+                        <a:t>CREATE VIEW lunch AS SELECT * FROM normal ORDER BY </a:t>
+                      </a:r>
+                      <a:r>
+                        <a:rPr lang="en-US" altLang="ko-KR" dirty="0" err="1"/>
+                        <a:t>cooking_time</a:t>
+                      </a:r>
+                      <a:r>
+                        <a:rPr lang="en-US" altLang="ko-KR" dirty="0"/>
+                        <a:t> DESC LIMIT 5;</a:t>
+                      </a:r>
+                      <a:endParaRPr lang="ko-KR" altLang="en-US" dirty="0"/>
+                    </a:p>
+                  </a:txBody>
+                  <a:tcPr/>
+                </a:tc>
+                <a:extLst>
+                  <a:ext uri="{0D108BD9-81ED-4DB2-BD59-A6C34878D82A}">
+                    <a16:rowId xmlns:a16="http://schemas.microsoft.com/office/drawing/2014/main" val="1130470955"/>
+                  </a:ext>
+                </a:extLst>
+              </a:tr>
+            </a:tbl>
+          </a:graphicData>
+        </a:graphic>
+      </p:graphicFrame>
+      <p:graphicFrame>
+        <p:nvGraphicFramePr>
+          <p:cNvPr id="20" name="표 19">
+            <a:extLst>
+              <a:ext uri="{FF2B5EF4-FFF2-40B4-BE49-F238E27FC236}">
+                <a16:creationId xmlns:a16="http://schemas.microsoft.com/office/drawing/2014/main" id="{CE81AC42-7C05-4CEE-B950-F2BE8A7C2BE3}"/>
+              </a:ext>
+            </a:extLst>
+          </p:cNvPr>
+          <p:cNvGraphicFramePr>
+            <a:graphicFrameLocks noGrp="1"/>
+          </p:cNvGraphicFramePr>
+          <p:nvPr>
+            <p:extLst>
+              <p:ext uri="{D42A27DB-BD31-4B8C-83A1-F6EECF244321}">
+                <p14:modId xmlns:p14="http://schemas.microsoft.com/office/powerpoint/2010/main" val="611630471"/>
+              </p:ext>
+            </p:extLst>
+          </p:nvPr>
+        </p:nvGraphicFramePr>
+        <p:xfrm>
+          <a:off x="486003" y="5536774"/>
+          <a:ext cx="5170080" cy="1010920"/>
+        </p:xfrm>
+        <a:graphic>
+          <a:graphicData uri="http://schemas.openxmlformats.org/drawingml/2006/table">
+            <a:tbl>
+              <a:tblPr firstRow="1" bandRow="1">
+                <a:tableStyleId>{5C22544A-7EE6-4342-B048-85BDC9FD1C3A}</a:tableStyleId>
+              </a:tblPr>
+              <a:tblGrid>
+                <a:gridCol w="5170080">
+                  <a:extLst>
+                    <a:ext uri="{9D8B030D-6E8A-4147-A177-3AD203B41FA5}">
+                      <a16:colId xmlns:a16="http://schemas.microsoft.com/office/drawing/2014/main" val="2531973271"/>
+                    </a:ext>
+                  </a:extLst>
+                </a:gridCol>
+              </a:tblGrid>
+              <a:tr h="370840">
+                <a:tc>
+                  <a:txBody>
+                    <a:bodyPr/>
+                    <a:lstStyle/>
+                    <a:p>
+                      <a:pPr latinLnBrk="1"/>
+                      <a:r>
+                        <a:rPr lang="en-US" altLang="ko-KR" dirty="0"/>
+                        <a:t>Dinner</a:t>
+                      </a:r>
+                      <a:endParaRPr lang="ko-KR" altLang="en-US" dirty="0"/>
+                    </a:p>
+                  </a:txBody>
+                  <a:tcPr/>
+                </a:tc>
+                <a:extLst>
+                  <a:ext uri="{0D108BD9-81ED-4DB2-BD59-A6C34878D82A}">
+                    <a16:rowId xmlns:a16="http://schemas.microsoft.com/office/drawing/2014/main" val="2319591456"/>
+                  </a:ext>
+                </a:extLst>
+              </a:tr>
+              <a:tr h="370840">
+                <a:tc>
+                  <a:txBody>
+                    <a:bodyPr/>
+                    <a:lstStyle/>
+                    <a:p>
+                      <a:pPr latinLnBrk="1"/>
+                      <a:r>
+                        <a:rPr lang="en-US" altLang="ko-KR" dirty="0"/>
+                        <a:t>CREATE VIEW dinner SELECT * FROM normal WHERE ingredient LIKE ‘%</a:t>
+                      </a:r>
+                      <a:r>
+                        <a:rPr lang="ko-KR" altLang="en-US" dirty="0"/>
+                        <a:t>고기</a:t>
+                      </a:r>
+                      <a:r>
+                        <a:rPr lang="en-US" altLang="ko-KR" dirty="0"/>
+                        <a:t>%’ LIMIT 5;</a:t>
+                      </a:r>
+                      <a:endParaRPr lang="ko-KR" altLang="en-US" dirty="0"/>
+                    </a:p>
+                  </a:txBody>
+                  <a:tcPr/>
+                </a:tc>
+                <a:extLst>
+                  <a:ext uri="{0D108BD9-81ED-4DB2-BD59-A6C34878D82A}">
+                    <a16:rowId xmlns:a16="http://schemas.microsoft.com/office/drawing/2014/main" val="1188771930"/>
                   </a:ext>
                 </a:extLst>
               </a:tr>
@@ -8491,7 +8823,7 @@
     </p:spTree>
     <p:extLst>
       <p:ext uri="{BB962C8B-B14F-4D97-AF65-F5344CB8AC3E}">
-        <p14:creationId xmlns:p14="http://schemas.microsoft.com/office/powerpoint/2010/main" val="1635561793"/>
+        <p14:creationId xmlns:p14="http://schemas.microsoft.com/office/powerpoint/2010/main" val="1965215135"/>
       </p:ext>
     </p:extLst>
   </p:cSld>

--- a/설계도.pptx
+++ b/설계도.pptx
@@ -6855,7 +6855,9 @@
         </p:nvSpPr>
         <p:spPr/>
         <p:txBody>
-          <a:bodyPr/>
+          <a:bodyPr>
+            <a:normAutofit fontScale="92500" lnSpcReduction="20000"/>
+          </a:bodyPr>
           <a:lstStyle/>
           <a:p>
             <a:r>
@@ -6988,6 +6990,97 @@
               <a:t>용어 검색</a:t>
             </a:r>
             <a:endParaRPr lang="en-US" altLang="ko-KR" dirty="0"/>
+          </a:p>
+          <a:p>
+            <a:pPr marL="514350" indent="-514350">
+              <a:buAutoNum type="arabicPeriod"/>
+            </a:pPr>
+            <a:r>
+              <a:rPr lang="en-US" altLang="ko-KR" dirty="0" err="1"/>
+              <a:t>recommend_breakfast</a:t>
+            </a:r>
+            <a:r>
+              <a:rPr lang="en-US" altLang="ko-KR" dirty="0"/>
+              <a:t> : </a:t>
+            </a:r>
+            <a:r>
+              <a:rPr lang="ko-KR" altLang="en-US" dirty="0"/>
+              <a:t>아침 메뉴 추천 </a:t>
+            </a:r>
+            <a:r>
+              <a:rPr lang="en-US" altLang="ko-KR" dirty="0"/>
+              <a:t>(</a:t>
+            </a:r>
+            <a:r>
+              <a:rPr lang="ko-KR" altLang="en-US" dirty="0"/>
+              <a:t>시간 </a:t>
+            </a:r>
+            <a:r>
+              <a:rPr lang="ko-KR" altLang="en-US" dirty="0" err="1"/>
+              <a:t>짧은순</a:t>
+            </a:r>
+            <a:r>
+              <a:rPr lang="en-US" altLang="ko-KR" dirty="0"/>
+              <a:t>)</a:t>
+            </a:r>
+          </a:p>
+          <a:p>
+            <a:pPr marL="514350" indent="-514350">
+              <a:buAutoNum type="arabicPeriod"/>
+            </a:pPr>
+            <a:r>
+              <a:rPr lang="en-US" altLang="ko-KR" dirty="0" err="1"/>
+              <a:t>recommend_lunch</a:t>
+            </a:r>
+            <a:r>
+              <a:rPr lang="en-US" altLang="ko-KR" dirty="0"/>
+              <a:t> : </a:t>
+            </a:r>
+            <a:r>
+              <a:rPr lang="ko-KR" altLang="en-US" dirty="0"/>
+              <a:t>점심 메뉴 추천 </a:t>
+            </a:r>
+            <a:r>
+              <a:rPr lang="en-US" altLang="ko-KR" dirty="0"/>
+              <a:t>(</a:t>
+            </a:r>
+            <a:r>
+              <a:rPr lang="ko-KR" altLang="en-US" dirty="0"/>
+              <a:t>고칼로리순</a:t>
+            </a:r>
+            <a:r>
+              <a:rPr lang="en-US" altLang="ko-KR" dirty="0"/>
+              <a:t>)</a:t>
+            </a:r>
+          </a:p>
+          <a:p>
+            <a:pPr marL="514350" indent="-514350">
+              <a:buAutoNum type="arabicPeriod"/>
+            </a:pPr>
+            <a:r>
+              <a:rPr lang="en-US" altLang="ko-KR" dirty="0" err="1"/>
+              <a:t>recommend_dinner</a:t>
+            </a:r>
+            <a:r>
+              <a:rPr lang="en-US" altLang="ko-KR" dirty="0"/>
+              <a:t> : </a:t>
+            </a:r>
+            <a:r>
+              <a:rPr lang="ko-KR" altLang="en-US" dirty="0"/>
+              <a:t>저녁 메뉴 추천 </a:t>
+            </a:r>
+            <a:r>
+              <a:rPr lang="en-US" altLang="ko-KR" dirty="0"/>
+              <a:t>(</a:t>
+            </a:r>
+            <a:r>
+              <a:rPr lang="ko-KR" altLang="en-US" dirty="0"/>
+              <a:t>육류 위주</a:t>
+            </a:r>
+            <a:r>
+              <a:rPr lang="en-US" altLang="ko-KR" dirty="0"/>
+              <a:t>)</a:t>
+            </a:r>
           </a:p>
         </p:txBody>
       </p:sp>

--- a/설계도.pptx
+++ b/설계도.pptx
@@ -6,12 +6,13 @@
   </p:sldMasterIdLst>
   <p:sldIdLst>
     <p:sldId id="256" r:id="rId2"/>
-    <p:sldId id="257" r:id="rId3"/>
-    <p:sldId id="264" r:id="rId4"/>
-    <p:sldId id="261" r:id="rId5"/>
-    <p:sldId id="267" r:id="rId6"/>
-    <p:sldId id="269" r:id="rId7"/>
-    <p:sldId id="262" r:id="rId8"/>
+    <p:sldId id="265" r:id="rId3"/>
+    <p:sldId id="257" r:id="rId4"/>
+    <p:sldId id="264" r:id="rId5"/>
+    <p:sldId id="261" r:id="rId6"/>
+    <p:sldId id="267" r:id="rId7"/>
+    <p:sldId id="269" r:id="rId8"/>
+    <p:sldId id="262" r:id="rId9"/>
   </p:sldIdLst>
   <p:sldSz cx="12192000" cy="6858000"/>
   <p:notesSz cx="6858000" cy="9144000"/>
@@ -265,7 +266,7 @@
           <a:p>
             <a:fld id="{14D1209F-DE80-444A-90C3-80B053978253}" type="datetimeFigureOut">
               <a:rPr lang="ko-KR" altLang="en-US" smtClean="0"/>
-              <a:t>2018-04-10</a:t>
+              <a:t>2018-04-12</a:t>
             </a:fld>
             <a:endParaRPr lang="ko-KR" altLang="en-US"/>
           </a:p>
@@ -463,7 +464,7 @@
           <a:p>
             <a:fld id="{14D1209F-DE80-444A-90C3-80B053978253}" type="datetimeFigureOut">
               <a:rPr lang="ko-KR" altLang="en-US" smtClean="0"/>
-              <a:t>2018-04-10</a:t>
+              <a:t>2018-04-12</a:t>
             </a:fld>
             <a:endParaRPr lang="ko-KR" altLang="en-US"/>
           </a:p>
@@ -671,7 +672,7 @@
           <a:p>
             <a:fld id="{14D1209F-DE80-444A-90C3-80B053978253}" type="datetimeFigureOut">
               <a:rPr lang="ko-KR" altLang="en-US" smtClean="0"/>
-              <a:t>2018-04-10</a:t>
+              <a:t>2018-04-12</a:t>
             </a:fld>
             <a:endParaRPr lang="ko-KR" altLang="en-US"/>
           </a:p>
@@ -869,7 +870,7 @@
           <a:p>
             <a:fld id="{14D1209F-DE80-444A-90C3-80B053978253}" type="datetimeFigureOut">
               <a:rPr lang="ko-KR" altLang="en-US" smtClean="0"/>
-              <a:t>2018-04-10</a:t>
+              <a:t>2018-04-12</a:t>
             </a:fld>
             <a:endParaRPr lang="ko-KR" altLang="en-US"/>
           </a:p>
@@ -1144,7 +1145,7 @@
           <a:p>
             <a:fld id="{14D1209F-DE80-444A-90C3-80B053978253}" type="datetimeFigureOut">
               <a:rPr lang="ko-KR" altLang="en-US" smtClean="0"/>
-              <a:t>2018-04-10</a:t>
+              <a:t>2018-04-12</a:t>
             </a:fld>
             <a:endParaRPr lang="ko-KR" altLang="en-US"/>
           </a:p>
@@ -1409,7 +1410,7 @@
           <a:p>
             <a:fld id="{14D1209F-DE80-444A-90C3-80B053978253}" type="datetimeFigureOut">
               <a:rPr lang="ko-KR" altLang="en-US" smtClean="0"/>
-              <a:t>2018-04-10</a:t>
+              <a:t>2018-04-12</a:t>
             </a:fld>
             <a:endParaRPr lang="ko-KR" altLang="en-US"/>
           </a:p>
@@ -1821,7 +1822,7 @@
           <a:p>
             <a:fld id="{14D1209F-DE80-444A-90C3-80B053978253}" type="datetimeFigureOut">
               <a:rPr lang="ko-KR" altLang="en-US" smtClean="0"/>
-              <a:t>2018-04-10</a:t>
+              <a:t>2018-04-12</a:t>
             </a:fld>
             <a:endParaRPr lang="ko-KR" altLang="en-US"/>
           </a:p>
@@ -1962,7 +1963,7 @@
           <a:p>
             <a:fld id="{14D1209F-DE80-444A-90C3-80B053978253}" type="datetimeFigureOut">
               <a:rPr lang="ko-KR" altLang="en-US" smtClean="0"/>
-              <a:t>2018-04-10</a:t>
+              <a:t>2018-04-12</a:t>
             </a:fld>
             <a:endParaRPr lang="ko-KR" altLang="en-US"/>
           </a:p>
@@ -2075,7 +2076,7 @@
           <a:p>
             <a:fld id="{14D1209F-DE80-444A-90C3-80B053978253}" type="datetimeFigureOut">
               <a:rPr lang="ko-KR" altLang="en-US" smtClean="0"/>
-              <a:t>2018-04-10</a:t>
+              <a:t>2018-04-12</a:t>
             </a:fld>
             <a:endParaRPr lang="ko-KR" altLang="en-US"/>
           </a:p>
@@ -2386,7 +2387,7 @@
           <a:p>
             <a:fld id="{14D1209F-DE80-444A-90C3-80B053978253}" type="datetimeFigureOut">
               <a:rPr lang="ko-KR" altLang="en-US" smtClean="0"/>
-              <a:t>2018-04-10</a:t>
+              <a:t>2018-04-12</a:t>
             </a:fld>
             <a:endParaRPr lang="ko-KR" altLang="en-US"/>
           </a:p>
@@ -2674,7 +2675,7 @@
           <a:p>
             <a:fld id="{14D1209F-DE80-444A-90C3-80B053978253}" type="datetimeFigureOut">
               <a:rPr lang="ko-KR" altLang="en-US" smtClean="0"/>
-              <a:t>2018-04-10</a:t>
+              <a:t>2018-04-12</a:t>
             </a:fld>
             <a:endParaRPr lang="ko-KR" altLang="en-US"/>
           </a:p>
@@ -2915,7 +2916,7 @@
           <a:p>
             <a:fld id="{14D1209F-DE80-444A-90C3-80B053978253}" type="datetimeFigureOut">
               <a:rPr lang="ko-KR" altLang="en-US" smtClean="0"/>
-              <a:t>2018-04-10</a:t>
+              <a:t>2018-04-12</a:t>
             </a:fld>
             <a:endParaRPr lang="ko-KR" altLang="en-US"/>
           </a:p>
@@ -5948,6 +5949,2377 @@
           <a:chExt cx="0" cy="0"/>
         </a:xfrm>
       </p:grpSpPr>
+      <p:grpSp>
+        <p:nvGrpSpPr>
+          <p:cNvPr id="49" name="그룹 48">
+            <a:extLst>
+              <a:ext uri="{FF2B5EF4-FFF2-40B4-BE49-F238E27FC236}">
+                <a16:creationId xmlns:a16="http://schemas.microsoft.com/office/drawing/2014/main" id="{C143AED4-808E-4CC5-9702-E96DE9EC089B}"/>
+              </a:ext>
+            </a:extLst>
+          </p:cNvPr>
+          <p:cNvGrpSpPr/>
+          <p:nvPr/>
+        </p:nvGrpSpPr>
+        <p:grpSpPr>
+          <a:xfrm>
+            <a:off x="6067785" y="2712117"/>
+            <a:ext cx="1418649" cy="1705449"/>
+            <a:chOff x="6067785" y="2712117"/>
+            <a:chExt cx="1418649" cy="1705449"/>
+          </a:xfrm>
+        </p:grpSpPr>
+        <p:grpSp>
+          <p:nvGrpSpPr>
+            <p:cNvPr id="11" name="그룹 10">
+              <a:extLst>
+                <a:ext uri="{FF2B5EF4-FFF2-40B4-BE49-F238E27FC236}">
+                  <a16:creationId xmlns:a16="http://schemas.microsoft.com/office/drawing/2014/main" id="{FDB4328D-DD77-4339-8A0D-577E43DC55DB}"/>
+                </a:ext>
+              </a:extLst>
+            </p:cNvPr>
+            <p:cNvGrpSpPr/>
+            <p:nvPr/>
+          </p:nvGrpSpPr>
+          <p:grpSpPr>
+            <a:xfrm>
+              <a:off x="6067785" y="2712117"/>
+              <a:ext cx="1387717" cy="1334661"/>
+              <a:chOff x="5042806" y="1533524"/>
+              <a:chExt cx="1662793" cy="1647825"/>
+            </a:xfrm>
+          </p:grpSpPr>
+          <p:pic>
+            <p:nvPicPr>
+              <p:cNvPr id="12" name="Picture 2" descr="Node.js logo.svg">
+                <a:extLst>
+                  <a:ext uri="{FF2B5EF4-FFF2-40B4-BE49-F238E27FC236}">
+                    <a16:creationId xmlns:a16="http://schemas.microsoft.com/office/drawing/2014/main" id="{4CF27644-5471-47E9-8B98-4957A7E1912E}"/>
+                  </a:ext>
+                </a:extLst>
+              </p:cNvPr>
+              <p:cNvPicPr>
+                <a:picLocks noChangeAspect="1" noChangeArrowheads="1"/>
+              </p:cNvPicPr>
+              <p:nvPr/>
+            </p:nvPicPr>
+            <p:blipFill>
+              <a:blip r:embed="rId2">
+                <a:extLst>
+                  <a:ext uri="{28A0092B-C50C-407E-A947-70E740481C1C}">
+                    <a14:useLocalDpi xmlns:a14="http://schemas.microsoft.com/office/drawing/2010/main" val="0"/>
+                  </a:ext>
+                </a:extLst>
+              </a:blip>
+              <a:srcRect/>
+              <a:stretch>
+                <a:fillRect/>
+              </a:stretch>
+            </p:blipFill>
+            <p:spPr bwMode="auto">
+              <a:xfrm>
+                <a:off x="5195207" y="1962150"/>
+                <a:ext cx="1428750" cy="876300"/>
+              </a:xfrm>
+              <a:prstGeom prst="rect">
+                <a:avLst/>
+              </a:prstGeom>
+              <a:noFill/>
+              <a:extLst>
+                <a:ext uri="{909E8E84-426E-40DD-AFC4-6F175D3DCCD1}">
+                  <a14:hiddenFill xmlns:a14="http://schemas.microsoft.com/office/drawing/2010/main">
+                    <a:solidFill>
+                      <a:srgbClr val="FFFFFF"/>
+                    </a:solidFill>
+                  </a14:hiddenFill>
+                </a:ext>
+              </a:extLst>
+            </p:spPr>
+          </p:pic>
+          <p:sp>
+            <p:nvSpPr>
+              <p:cNvPr id="13" name="타원 12">
+                <a:extLst>
+                  <a:ext uri="{FF2B5EF4-FFF2-40B4-BE49-F238E27FC236}">
+                    <a16:creationId xmlns:a16="http://schemas.microsoft.com/office/drawing/2014/main" id="{97DA9007-892C-4F1D-8DE7-9AC8E885929C}"/>
+                  </a:ext>
+                </a:extLst>
+              </p:cNvPr>
+              <p:cNvSpPr/>
+              <p:nvPr/>
+            </p:nvSpPr>
+            <p:spPr>
+              <a:xfrm>
+                <a:off x="5042806" y="1533524"/>
+                <a:ext cx="1662793" cy="1647825"/>
+              </a:xfrm>
+              <a:prstGeom prst="ellipse">
+                <a:avLst/>
+              </a:prstGeom>
+              <a:noFill/>
+              <a:ln>
+                <a:solidFill>
+                  <a:schemeClr val="tx1"/>
+                </a:solidFill>
+              </a:ln>
+            </p:spPr>
+            <p:style>
+              <a:lnRef idx="2">
+                <a:schemeClr val="accent1">
+                  <a:shade val="50000"/>
+                </a:schemeClr>
+              </a:lnRef>
+              <a:fillRef idx="1">
+                <a:schemeClr val="accent1"/>
+              </a:fillRef>
+              <a:effectRef idx="0">
+                <a:schemeClr val="accent1"/>
+              </a:effectRef>
+              <a:fontRef idx="minor">
+                <a:schemeClr val="lt1"/>
+              </a:fontRef>
+            </p:style>
+            <p:txBody>
+              <a:bodyPr rtlCol="0" anchor="ctr"/>
+              <a:lstStyle/>
+              <a:p>
+                <a:pPr algn="ctr"/>
+                <a:endParaRPr lang="ko-KR" altLang="en-US" dirty="0"/>
+              </a:p>
+            </p:txBody>
+          </p:sp>
+        </p:grpSp>
+        <p:sp>
+          <p:nvSpPr>
+            <p:cNvPr id="27" name="TextBox 26">
+              <a:extLst>
+                <a:ext uri="{FF2B5EF4-FFF2-40B4-BE49-F238E27FC236}">
+                  <a16:creationId xmlns:a16="http://schemas.microsoft.com/office/drawing/2014/main" id="{8ABFD392-CC93-4D77-8C4F-977779F256E8}"/>
+                </a:ext>
+              </a:extLst>
+            </p:cNvPr>
+            <p:cNvSpPr txBox="1"/>
+            <p:nvPr/>
+          </p:nvSpPr>
+          <p:spPr>
+            <a:xfrm>
+              <a:off x="6098717" y="4048234"/>
+              <a:ext cx="1387717" cy="369332"/>
+            </a:xfrm>
+            <a:prstGeom prst="rect">
+              <a:avLst/>
+            </a:prstGeom>
+            <a:noFill/>
+          </p:spPr>
+          <p:txBody>
+            <a:bodyPr wrap="square" rtlCol="0">
+              <a:spAutoFit/>
+            </a:bodyPr>
+            <a:lstStyle/>
+            <a:p>
+              <a:pPr algn="ctr"/>
+              <a:r>
+                <a:rPr lang="en-US" altLang="ko-KR" dirty="0"/>
+                <a:t>Application</a:t>
+              </a:r>
+              <a:endParaRPr lang="ko-KR" altLang="en-US" dirty="0"/>
+            </a:p>
+          </p:txBody>
+        </p:sp>
+      </p:grpSp>
+      <p:grpSp>
+        <p:nvGrpSpPr>
+          <p:cNvPr id="32" name="그룹 31">
+            <a:extLst>
+              <a:ext uri="{FF2B5EF4-FFF2-40B4-BE49-F238E27FC236}">
+                <a16:creationId xmlns:a16="http://schemas.microsoft.com/office/drawing/2014/main" id="{5E81E248-E02E-4FCB-9FCD-1DE2B1E12CCC}"/>
+              </a:ext>
+            </a:extLst>
+          </p:cNvPr>
+          <p:cNvGrpSpPr/>
+          <p:nvPr/>
+        </p:nvGrpSpPr>
+        <p:grpSpPr>
+          <a:xfrm>
+            <a:off x="9806765" y="2712117"/>
+            <a:ext cx="1336440" cy="1903815"/>
+            <a:chOff x="9412134" y="2490742"/>
+            <a:chExt cx="1336440" cy="1903815"/>
+          </a:xfrm>
+        </p:grpSpPr>
+        <p:pic>
+          <p:nvPicPr>
+            <p:cNvPr id="14" name="Picture 6" descr="ibm watson conversation에 대한 이미지 검색결과">
+              <a:extLst>
+                <a:ext uri="{FF2B5EF4-FFF2-40B4-BE49-F238E27FC236}">
+                  <a16:creationId xmlns:a16="http://schemas.microsoft.com/office/drawing/2014/main" id="{C1264A87-C967-49DB-9F25-CEA99D262462}"/>
+                </a:ext>
+              </a:extLst>
+            </p:cNvPr>
+            <p:cNvPicPr>
+              <a:picLocks noChangeAspect="1" noChangeArrowheads="1"/>
+            </p:cNvPicPr>
+            <p:nvPr/>
+          </p:nvPicPr>
+          <p:blipFill>
+            <a:blip r:embed="rId3">
+              <a:extLst>
+                <a:ext uri="{28A0092B-C50C-407E-A947-70E740481C1C}">
+                  <a14:useLocalDpi xmlns:a14="http://schemas.microsoft.com/office/drawing/2010/main" val="0"/>
+                </a:ext>
+              </a:extLst>
+            </a:blip>
+            <a:srcRect/>
+            <a:stretch>
+              <a:fillRect/>
+            </a:stretch>
+          </p:blipFill>
+          <p:spPr bwMode="auto">
+            <a:xfrm>
+              <a:off x="9412134" y="2490742"/>
+              <a:ext cx="1336440" cy="1334660"/>
+            </a:xfrm>
+            <a:prstGeom prst="rect">
+              <a:avLst/>
+            </a:prstGeom>
+            <a:noFill/>
+            <a:extLst>
+              <a:ext uri="{909E8E84-426E-40DD-AFC4-6F175D3DCCD1}">
+                <a14:hiddenFill xmlns:a14="http://schemas.microsoft.com/office/drawing/2010/main">
+                  <a:solidFill>
+                    <a:srgbClr val="FFFFFF"/>
+                  </a:solidFill>
+                </a14:hiddenFill>
+              </a:ext>
+            </a:extLst>
+          </p:spPr>
+        </p:pic>
+        <p:sp>
+          <p:nvSpPr>
+            <p:cNvPr id="28" name="TextBox 27">
+              <a:extLst>
+                <a:ext uri="{FF2B5EF4-FFF2-40B4-BE49-F238E27FC236}">
+                  <a16:creationId xmlns:a16="http://schemas.microsoft.com/office/drawing/2014/main" id="{186C46FC-97F9-43C8-9C87-0AB08E5652DA}"/>
+                </a:ext>
+              </a:extLst>
+            </p:cNvPr>
+            <p:cNvSpPr txBox="1"/>
+            <p:nvPr/>
+          </p:nvSpPr>
+          <p:spPr>
+            <a:xfrm>
+              <a:off x="9455835" y="3840559"/>
+              <a:ext cx="1292739" cy="553998"/>
+            </a:xfrm>
+            <a:prstGeom prst="rect">
+              <a:avLst/>
+            </a:prstGeom>
+            <a:noFill/>
+          </p:spPr>
+          <p:txBody>
+            <a:bodyPr wrap="square" rtlCol="0">
+              <a:spAutoFit/>
+            </a:bodyPr>
+            <a:lstStyle/>
+            <a:p>
+              <a:pPr algn="ctr"/>
+              <a:r>
+                <a:rPr lang="en-US" altLang="ko-KR" sz="1600" dirty="0"/>
+                <a:t>Watson</a:t>
+              </a:r>
+              <a:endParaRPr lang="en-US" altLang="ko-KR" dirty="0"/>
+            </a:p>
+            <a:p>
+              <a:pPr algn="ctr"/>
+              <a:r>
+                <a:rPr lang="en-US" altLang="ko-KR" sz="1400" dirty="0"/>
+                <a:t>Conversation</a:t>
+              </a:r>
+              <a:endParaRPr lang="ko-KR" altLang="en-US" dirty="0"/>
+            </a:p>
+          </p:txBody>
+        </p:sp>
+      </p:grpSp>
+      <p:grpSp>
+        <p:nvGrpSpPr>
+          <p:cNvPr id="43" name="그룹 42">
+            <a:extLst>
+              <a:ext uri="{FF2B5EF4-FFF2-40B4-BE49-F238E27FC236}">
+                <a16:creationId xmlns:a16="http://schemas.microsoft.com/office/drawing/2014/main" id="{A9CF34B0-1244-4D9B-92B5-894ACAC761F6}"/>
+              </a:ext>
+            </a:extLst>
+          </p:cNvPr>
+          <p:cNvGrpSpPr/>
+          <p:nvPr/>
+        </p:nvGrpSpPr>
+        <p:grpSpPr>
+          <a:xfrm>
+            <a:off x="568565" y="2687702"/>
+            <a:ext cx="1403459" cy="1769198"/>
+            <a:chOff x="568565" y="2687702"/>
+            <a:chExt cx="1403459" cy="1769198"/>
+          </a:xfrm>
+        </p:grpSpPr>
+        <p:sp>
+          <p:nvSpPr>
+            <p:cNvPr id="79" name="TextBox 78">
+              <a:extLst>
+                <a:ext uri="{FF2B5EF4-FFF2-40B4-BE49-F238E27FC236}">
+                  <a16:creationId xmlns:a16="http://schemas.microsoft.com/office/drawing/2014/main" id="{5945DA13-344B-400B-AB12-8FFCAEBD72BC}"/>
+                </a:ext>
+              </a:extLst>
+            </p:cNvPr>
+            <p:cNvSpPr txBox="1"/>
+            <p:nvPr/>
+          </p:nvSpPr>
+          <p:spPr>
+            <a:xfrm>
+              <a:off x="578967" y="4087568"/>
+              <a:ext cx="1393057" cy="369332"/>
+            </a:xfrm>
+            <a:prstGeom prst="rect">
+              <a:avLst/>
+            </a:prstGeom>
+            <a:noFill/>
+          </p:spPr>
+          <p:txBody>
+            <a:bodyPr wrap="square" rtlCol="0">
+              <a:spAutoFit/>
+            </a:bodyPr>
+            <a:lstStyle/>
+            <a:p>
+              <a:pPr algn="ctr"/>
+              <a:r>
+                <a:rPr lang="en-US" altLang="ko-KR" dirty="0"/>
+                <a:t>User</a:t>
+              </a:r>
+              <a:endParaRPr lang="ko-KR" altLang="en-US" dirty="0"/>
+            </a:p>
+          </p:txBody>
+        </p:sp>
+        <p:pic>
+          <p:nvPicPr>
+            <p:cNvPr id="127" name="그림 126">
+              <a:extLst>
+                <a:ext uri="{FF2B5EF4-FFF2-40B4-BE49-F238E27FC236}">
+                  <a16:creationId xmlns:a16="http://schemas.microsoft.com/office/drawing/2014/main" id="{8E98D0F6-2EED-4912-BA12-E520E35EBF8F}"/>
+                </a:ext>
+              </a:extLst>
+            </p:cNvPr>
+            <p:cNvPicPr>
+              <a:picLocks noChangeAspect="1"/>
+            </p:cNvPicPr>
+            <p:nvPr/>
+          </p:nvPicPr>
+          <p:blipFill>
+            <a:blip r:embed="rId4">
+              <a:extLst>
+                <a:ext uri="{28A0092B-C50C-407E-A947-70E740481C1C}">
+                  <a14:useLocalDpi xmlns:a14="http://schemas.microsoft.com/office/drawing/2010/main" val="0"/>
+                </a:ext>
+              </a:extLst>
+            </a:blip>
+            <a:stretch>
+              <a:fillRect/>
+            </a:stretch>
+          </p:blipFill>
+          <p:spPr>
+            <a:xfrm>
+              <a:off x="568565" y="2687702"/>
+              <a:ext cx="1403459" cy="1395175"/>
+            </a:xfrm>
+            <a:prstGeom prst="rect">
+              <a:avLst/>
+            </a:prstGeom>
+          </p:spPr>
+        </p:pic>
+      </p:grpSp>
+      <p:grpSp>
+        <p:nvGrpSpPr>
+          <p:cNvPr id="142" name="그룹 141">
+            <a:extLst>
+              <a:ext uri="{FF2B5EF4-FFF2-40B4-BE49-F238E27FC236}">
+                <a16:creationId xmlns:a16="http://schemas.microsoft.com/office/drawing/2014/main" id="{31D383A4-CFA1-4D5D-8BB2-922B18D5CA11}"/>
+              </a:ext>
+            </a:extLst>
+          </p:cNvPr>
+          <p:cNvGrpSpPr/>
+          <p:nvPr/>
+        </p:nvGrpSpPr>
+        <p:grpSpPr>
+          <a:xfrm>
+            <a:off x="2382206" y="4820406"/>
+            <a:ext cx="1401568" cy="1727370"/>
+            <a:chOff x="1949075" y="3323128"/>
+            <a:chExt cx="1401568" cy="1727370"/>
+          </a:xfrm>
+        </p:grpSpPr>
+        <p:sp>
+          <p:nvSpPr>
+            <p:cNvPr id="10" name="타원 9">
+              <a:extLst>
+                <a:ext uri="{FF2B5EF4-FFF2-40B4-BE49-F238E27FC236}">
+                  <a16:creationId xmlns:a16="http://schemas.microsoft.com/office/drawing/2014/main" id="{DF65D37E-9A56-4BB2-BA68-0E1BF46E4EE0}"/>
+                </a:ext>
+              </a:extLst>
+            </p:cNvPr>
+            <p:cNvSpPr/>
+            <p:nvPr/>
+          </p:nvSpPr>
+          <p:spPr>
+            <a:xfrm>
+              <a:off x="1949075" y="3323128"/>
+              <a:ext cx="1393058" cy="1343972"/>
+            </a:xfrm>
+            <a:prstGeom prst="ellipse">
+              <a:avLst/>
+            </a:prstGeom>
+            <a:noFill/>
+            <a:ln>
+              <a:solidFill>
+                <a:schemeClr val="tx1"/>
+              </a:solidFill>
+            </a:ln>
+          </p:spPr>
+          <p:style>
+            <a:lnRef idx="2">
+              <a:schemeClr val="accent1">
+                <a:shade val="50000"/>
+              </a:schemeClr>
+            </a:lnRef>
+            <a:fillRef idx="1">
+              <a:schemeClr val="accent1"/>
+            </a:fillRef>
+            <a:effectRef idx="0">
+              <a:schemeClr val="accent1"/>
+            </a:effectRef>
+            <a:fontRef idx="minor">
+              <a:schemeClr val="lt1"/>
+            </a:fontRef>
+          </p:style>
+          <p:txBody>
+            <a:bodyPr rtlCol="0" anchor="ctr"/>
+            <a:lstStyle/>
+            <a:p>
+              <a:pPr algn="ctr"/>
+              <a:endParaRPr lang="ko-KR" altLang="en-US"/>
+            </a:p>
+          </p:txBody>
+        </p:sp>
+        <p:sp>
+          <p:nvSpPr>
+            <p:cNvPr id="81" name="TextBox 80">
+              <a:extLst>
+                <a:ext uri="{FF2B5EF4-FFF2-40B4-BE49-F238E27FC236}">
+                  <a16:creationId xmlns:a16="http://schemas.microsoft.com/office/drawing/2014/main" id="{C34906C2-069D-4E08-B264-C4E7A48D9EF1}"/>
+                </a:ext>
+              </a:extLst>
+            </p:cNvPr>
+            <p:cNvSpPr txBox="1"/>
+            <p:nvPr/>
+          </p:nvSpPr>
+          <p:spPr>
+            <a:xfrm>
+              <a:off x="1957586" y="4711944"/>
+              <a:ext cx="1393057" cy="338554"/>
+            </a:xfrm>
+            <a:prstGeom prst="rect">
+              <a:avLst/>
+            </a:prstGeom>
+            <a:noFill/>
+          </p:spPr>
+          <p:txBody>
+            <a:bodyPr wrap="square" rtlCol="0">
+              <a:spAutoFit/>
+            </a:bodyPr>
+            <a:lstStyle/>
+            <a:p>
+              <a:pPr algn="ctr"/>
+              <a:r>
+                <a:rPr lang="en-US" altLang="ko-KR" sz="1600" dirty="0"/>
+                <a:t>Web/Mobile</a:t>
+              </a:r>
+              <a:endParaRPr lang="ko-KR" altLang="en-US" sz="1600" dirty="0"/>
+            </a:p>
+          </p:txBody>
+        </p:sp>
+        <p:pic>
+          <p:nvPicPr>
+            <p:cNvPr id="129" name="그림 128">
+              <a:extLst>
+                <a:ext uri="{FF2B5EF4-FFF2-40B4-BE49-F238E27FC236}">
+                  <a16:creationId xmlns:a16="http://schemas.microsoft.com/office/drawing/2014/main" id="{311EF39A-B5DF-41C2-B3A7-F570472AF2D8}"/>
+                </a:ext>
+              </a:extLst>
+            </p:cNvPr>
+            <p:cNvPicPr>
+              <a:picLocks noChangeAspect="1"/>
+            </p:cNvPicPr>
+            <p:nvPr/>
+          </p:nvPicPr>
+          <p:blipFill>
+            <a:blip r:embed="rId5">
+              <a:extLst>
+                <a:ext uri="{28A0092B-C50C-407E-A947-70E740481C1C}">
+                  <a14:useLocalDpi xmlns:a14="http://schemas.microsoft.com/office/drawing/2010/main" val="0"/>
+                </a:ext>
+              </a:extLst>
+            </a:blip>
+            <a:stretch>
+              <a:fillRect/>
+            </a:stretch>
+          </p:blipFill>
+          <p:spPr>
+            <a:xfrm>
+              <a:off x="2665823" y="3731391"/>
+              <a:ext cx="589258" cy="589258"/>
+            </a:xfrm>
+            <a:prstGeom prst="rect">
+              <a:avLst/>
+            </a:prstGeom>
+          </p:spPr>
+        </p:pic>
+        <p:pic>
+          <p:nvPicPr>
+            <p:cNvPr id="131" name="그림 130" descr="스크린샷이(가) 표시된 사진&#10;&#10;매우 높은 신뢰도로 생성된 설명">
+              <a:extLst>
+                <a:ext uri="{FF2B5EF4-FFF2-40B4-BE49-F238E27FC236}">
+                  <a16:creationId xmlns:a16="http://schemas.microsoft.com/office/drawing/2014/main" id="{2DFF6337-F3BE-43C1-ACA3-4C2F33A58513}"/>
+                </a:ext>
+              </a:extLst>
+            </p:cNvPr>
+            <p:cNvPicPr>
+              <a:picLocks noChangeAspect="1"/>
+            </p:cNvPicPr>
+            <p:nvPr/>
+          </p:nvPicPr>
+          <p:blipFill>
+            <a:blip r:embed="rId6">
+              <a:extLst>
+                <a:ext uri="{28A0092B-C50C-407E-A947-70E740481C1C}">
+                  <a14:useLocalDpi xmlns:a14="http://schemas.microsoft.com/office/drawing/2010/main" val="0"/>
+                </a:ext>
+              </a:extLst>
+            </a:blip>
+            <a:stretch>
+              <a:fillRect/>
+            </a:stretch>
+          </p:blipFill>
+          <p:spPr>
+            <a:xfrm>
+              <a:off x="2103319" y="3778810"/>
+              <a:ext cx="534170" cy="534170"/>
+            </a:xfrm>
+            <a:prstGeom prst="rect">
+              <a:avLst/>
+            </a:prstGeom>
+          </p:spPr>
+        </p:pic>
+      </p:grpSp>
+      <p:grpSp>
+        <p:nvGrpSpPr>
+          <p:cNvPr id="39" name="그룹 38">
+            <a:extLst>
+              <a:ext uri="{FF2B5EF4-FFF2-40B4-BE49-F238E27FC236}">
+                <a16:creationId xmlns:a16="http://schemas.microsoft.com/office/drawing/2014/main" id="{98DE56C1-E972-4F1B-8849-DAD97FC79A5E}"/>
+              </a:ext>
+            </a:extLst>
+          </p:cNvPr>
+          <p:cNvGrpSpPr/>
+          <p:nvPr/>
+        </p:nvGrpSpPr>
+        <p:grpSpPr>
+          <a:xfrm>
+            <a:off x="2382206" y="2712117"/>
+            <a:ext cx="1398640" cy="1997620"/>
+            <a:chOff x="2382206" y="2712117"/>
+            <a:chExt cx="1398640" cy="1997620"/>
+          </a:xfrm>
+        </p:grpSpPr>
+        <p:sp>
+          <p:nvSpPr>
+            <p:cNvPr id="4" name="타원 3">
+              <a:extLst>
+                <a:ext uri="{FF2B5EF4-FFF2-40B4-BE49-F238E27FC236}">
+                  <a16:creationId xmlns:a16="http://schemas.microsoft.com/office/drawing/2014/main" id="{63E0CE30-F9A6-4E3C-A7F5-4A58D6414494}"/>
+                </a:ext>
+              </a:extLst>
+            </p:cNvPr>
+            <p:cNvSpPr/>
+            <p:nvPr/>
+          </p:nvSpPr>
+          <p:spPr>
+            <a:xfrm>
+              <a:off x="2382206" y="2712117"/>
+              <a:ext cx="1393058" cy="1343972"/>
+            </a:xfrm>
+            <a:prstGeom prst="ellipse">
+              <a:avLst/>
+            </a:prstGeom>
+            <a:noFill/>
+            <a:ln>
+              <a:solidFill>
+                <a:schemeClr val="tx1"/>
+              </a:solidFill>
+            </a:ln>
+          </p:spPr>
+          <p:style>
+            <a:lnRef idx="2">
+              <a:schemeClr val="accent1">
+                <a:shade val="50000"/>
+              </a:schemeClr>
+            </a:lnRef>
+            <a:fillRef idx="1">
+              <a:schemeClr val="accent1"/>
+            </a:fillRef>
+            <a:effectRef idx="0">
+              <a:schemeClr val="accent1"/>
+            </a:effectRef>
+            <a:fontRef idx="minor">
+              <a:schemeClr val="lt1"/>
+            </a:fontRef>
+          </p:style>
+          <p:txBody>
+            <a:bodyPr rtlCol="0" anchor="ctr"/>
+            <a:lstStyle/>
+            <a:p>
+              <a:pPr algn="ctr"/>
+              <a:endParaRPr lang="ko-KR" altLang="en-US" dirty="0"/>
+            </a:p>
+          </p:txBody>
+        </p:sp>
+        <p:sp>
+          <p:nvSpPr>
+            <p:cNvPr id="80" name="TextBox 79">
+              <a:extLst>
+                <a:ext uri="{FF2B5EF4-FFF2-40B4-BE49-F238E27FC236}">
+                  <a16:creationId xmlns:a16="http://schemas.microsoft.com/office/drawing/2014/main" id="{FE38C2F4-BDF2-4C1C-858C-7B16731A8904}"/>
+                </a:ext>
+              </a:extLst>
+            </p:cNvPr>
+            <p:cNvSpPr txBox="1"/>
+            <p:nvPr/>
+          </p:nvSpPr>
+          <p:spPr>
+            <a:xfrm>
+              <a:off x="2387789" y="4063406"/>
+              <a:ext cx="1393057" cy="646331"/>
+            </a:xfrm>
+            <a:prstGeom prst="rect">
+              <a:avLst/>
+            </a:prstGeom>
+            <a:noFill/>
+          </p:spPr>
+          <p:txBody>
+            <a:bodyPr wrap="square" rtlCol="0">
+              <a:spAutoFit/>
+            </a:bodyPr>
+            <a:lstStyle/>
+            <a:p>
+              <a:pPr algn="ctr"/>
+              <a:r>
+                <a:rPr lang="en-US" altLang="ko-KR" dirty="0"/>
+                <a:t>Message</a:t>
+              </a:r>
+            </a:p>
+            <a:p>
+              <a:pPr algn="ctr"/>
+              <a:r>
+                <a:rPr lang="en-US" altLang="ko-KR" dirty="0"/>
+                <a:t>Platform</a:t>
+              </a:r>
+              <a:endParaRPr lang="ko-KR" altLang="en-US" dirty="0"/>
+            </a:p>
+          </p:txBody>
+        </p:sp>
+        <p:pic>
+          <p:nvPicPr>
+            <p:cNvPr id="1030" name="Picture 6" descr="관련 이미지">
+              <a:extLst>
+                <a:ext uri="{FF2B5EF4-FFF2-40B4-BE49-F238E27FC236}">
+                  <a16:creationId xmlns:a16="http://schemas.microsoft.com/office/drawing/2014/main" id="{49FE02AD-8D5E-4E4A-927B-BA55455BCE05}"/>
+                </a:ext>
+              </a:extLst>
+            </p:cNvPr>
+            <p:cNvPicPr>
+              <a:picLocks noChangeAspect="1" noChangeArrowheads="1"/>
+            </p:cNvPicPr>
+            <p:nvPr/>
+          </p:nvPicPr>
+          <p:blipFill rotWithShape="1">
+            <a:blip r:embed="rId7">
+              <a:extLst>
+                <a:ext uri="{28A0092B-C50C-407E-A947-70E740481C1C}">
+                  <a14:useLocalDpi xmlns:a14="http://schemas.microsoft.com/office/drawing/2010/main" val="0"/>
+                </a:ext>
+              </a:extLst>
+            </a:blip>
+            <a:srcRect l="33201" t="20408" r="33274" b="19707"/>
+            <a:stretch/>
+          </p:blipFill>
+          <p:spPr bwMode="auto">
+            <a:xfrm>
+              <a:off x="2654149" y="2957860"/>
+              <a:ext cx="849172" cy="841602"/>
+            </a:xfrm>
+            <a:prstGeom prst="rect">
+              <a:avLst/>
+            </a:prstGeom>
+            <a:noFill/>
+            <a:extLst>
+              <a:ext uri="{909E8E84-426E-40DD-AFC4-6F175D3DCCD1}">
+                <a14:hiddenFill xmlns:a14="http://schemas.microsoft.com/office/drawing/2010/main">
+                  <a:solidFill>
+                    <a:srgbClr val="FFFFFF"/>
+                  </a:solidFill>
+                </a14:hiddenFill>
+              </a:ext>
+            </a:extLst>
+          </p:spPr>
+        </p:pic>
+      </p:grpSp>
+      <p:grpSp>
+        <p:nvGrpSpPr>
+          <p:cNvPr id="31" name="그룹 30">
+            <a:extLst>
+              <a:ext uri="{FF2B5EF4-FFF2-40B4-BE49-F238E27FC236}">
+                <a16:creationId xmlns:a16="http://schemas.microsoft.com/office/drawing/2014/main" id="{3B4FB3D7-5C3F-4FF5-A6AD-D9865CEBFCE2}"/>
+              </a:ext>
+            </a:extLst>
+          </p:cNvPr>
+          <p:cNvGrpSpPr/>
+          <p:nvPr/>
+        </p:nvGrpSpPr>
+        <p:grpSpPr>
+          <a:xfrm>
+            <a:off x="9765113" y="875886"/>
+            <a:ext cx="1387717" cy="1710056"/>
+            <a:chOff x="9370482" y="519761"/>
+            <a:chExt cx="1387717" cy="1710056"/>
+          </a:xfrm>
+        </p:grpSpPr>
+        <p:sp>
+          <p:nvSpPr>
+            <p:cNvPr id="35" name="TextBox 34">
+              <a:extLst>
+                <a:ext uri="{FF2B5EF4-FFF2-40B4-BE49-F238E27FC236}">
+                  <a16:creationId xmlns:a16="http://schemas.microsoft.com/office/drawing/2014/main" id="{02DF5774-FE15-40A0-8D0A-30CD1A9B009F}"/>
+                </a:ext>
+              </a:extLst>
+            </p:cNvPr>
+            <p:cNvSpPr txBox="1"/>
+            <p:nvPr/>
+          </p:nvSpPr>
+          <p:spPr>
+            <a:xfrm>
+              <a:off x="9370482" y="1860485"/>
+              <a:ext cx="1387717" cy="369332"/>
+            </a:xfrm>
+            <a:prstGeom prst="rect">
+              <a:avLst/>
+            </a:prstGeom>
+            <a:noFill/>
+          </p:spPr>
+          <p:txBody>
+            <a:bodyPr wrap="square" rtlCol="0">
+              <a:spAutoFit/>
+            </a:bodyPr>
+            <a:lstStyle/>
+            <a:p>
+              <a:pPr algn="ctr"/>
+              <a:r>
+                <a:rPr lang="en-US" altLang="ko-KR" dirty="0"/>
+                <a:t>Clear DB</a:t>
+              </a:r>
+              <a:endParaRPr lang="ko-KR" altLang="en-US" dirty="0"/>
+            </a:p>
+          </p:txBody>
+        </p:sp>
+        <p:grpSp>
+          <p:nvGrpSpPr>
+            <p:cNvPr id="45" name="그룹 44">
+              <a:extLst>
+                <a:ext uri="{FF2B5EF4-FFF2-40B4-BE49-F238E27FC236}">
+                  <a16:creationId xmlns:a16="http://schemas.microsoft.com/office/drawing/2014/main" id="{55FB087D-D449-477F-AA24-D4FAB655F13E}"/>
+                </a:ext>
+              </a:extLst>
+            </p:cNvPr>
+            <p:cNvGrpSpPr/>
+            <p:nvPr/>
+          </p:nvGrpSpPr>
+          <p:grpSpPr>
+            <a:xfrm>
+              <a:off x="9433981" y="519761"/>
+              <a:ext cx="1292746" cy="1334661"/>
+              <a:chOff x="8938531" y="3571874"/>
+              <a:chExt cx="1662793" cy="1647825"/>
+            </a:xfrm>
+          </p:grpSpPr>
+          <p:pic>
+            <p:nvPicPr>
+              <p:cNvPr id="46" name="Picture 10" descr="ClearDB Managed MySQL Database">
+                <a:extLst>
+                  <a:ext uri="{FF2B5EF4-FFF2-40B4-BE49-F238E27FC236}">
+                    <a16:creationId xmlns:a16="http://schemas.microsoft.com/office/drawing/2014/main" id="{8DEF130E-FED2-4D91-BE44-AFE1005F8323}"/>
+                  </a:ext>
+                </a:extLst>
+              </p:cNvPr>
+              <p:cNvPicPr>
+                <a:picLocks noChangeAspect="1" noChangeArrowheads="1"/>
+              </p:cNvPicPr>
+              <p:nvPr/>
+            </p:nvPicPr>
+            <p:blipFill>
+              <a:blip r:embed="rId8">
+                <a:extLst>
+                  <a:ext uri="{28A0092B-C50C-407E-A947-70E740481C1C}">
+                    <a14:useLocalDpi xmlns:a14="http://schemas.microsoft.com/office/drawing/2010/main" val="0"/>
+                  </a:ext>
+                </a:extLst>
+              </a:blip>
+              <a:srcRect/>
+              <a:stretch>
+                <a:fillRect/>
+              </a:stretch>
+            </p:blipFill>
+            <p:spPr bwMode="auto">
+              <a:xfrm>
+                <a:off x="9341302" y="3967161"/>
+                <a:ext cx="857250" cy="857250"/>
+              </a:xfrm>
+              <a:prstGeom prst="rect">
+                <a:avLst/>
+              </a:prstGeom>
+              <a:noFill/>
+              <a:extLst>
+                <a:ext uri="{909E8E84-426E-40DD-AFC4-6F175D3DCCD1}">
+                  <a14:hiddenFill xmlns:a14="http://schemas.microsoft.com/office/drawing/2010/main">
+                    <a:solidFill>
+                      <a:srgbClr val="FFFFFF"/>
+                    </a:solidFill>
+                  </a14:hiddenFill>
+                </a:ext>
+              </a:extLst>
+            </p:spPr>
+          </p:pic>
+          <p:sp>
+            <p:nvSpPr>
+              <p:cNvPr id="47" name="타원 46">
+                <a:extLst>
+                  <a:ext uri="{FF2B5EF4-FFF2-40B4-BE49-F238E27FC236}">
+                    <a16:creationId xmlns:a16="http://schemas.microsoft.com/office/drawing/2014/main" id="{C6D1F648-7E16-4CFA-B272-EC9D1CF9B45A}"/>
+                  </a:ext>
+                </a:extLst>
+              </p:cNvPr>
+              <p:cNvSpPr/>
+              <p:nvPr/>
+            </p:nvSpPr>
+            <p:spPr>
+              <a:xfrm>
+                <a:off x="8938531" y="3571874"/>
+                <a:ext cx="1662793" cy="1647825"/>
+              </a:xfrm>
+              <a:prstGeom prst="ellipse">
+                <a:avLst/>
+              </a:prstGeom>
+              <a:noFill/>
+              <a:ln>
+                <a:solidFill>
+                  <a:schemeClr val="tx1"/>
+                </a:solidFill>
+              </a:ln>
+            </p:spPr>
+            <p:style>
+              <a:lnRef idx="2">
+                <a:schemeClr val="accent1">
+                  <a:shade val="50000"/>
+                </a:schemeClr>
+              </a:lnRef>
+              <a:fillRef idx="1">
+                <a:schemeClr val="accent1"/>
+              </a:fillRef>
+              <a:effectRef idx="0">
+                <a:schemeClr val="accent1"/>
+              </a:effectRef>
+              <a:fontRef idx="minor">
+                <a:schemeClr val="lt1"/>
+              </a:fontRef>
+            </p:style>
+            <p:txBody>
+              <a:bodyPr rtlCol="0" anchor="ctr"/>
+              <a:lstStyle/>
+              <a:p>
+                <a:pPr algn="ctr"/>
+                <a:endParaRPr lang="ko-KR" altLang="en-US" dirty="0"/>
+              </a:p>
+            </p:txBody>
+          </p:sp>
+        </p:grpSp>
+      </p:grpSp>
+      <p:grpSp>
+        <p:nvGrpSpPr>
+          <p:cNvPr id="50" name="그룹 49">
+            <a:extLst>
+              <a:ext uri="{FF2B5EF4-FFF2-40B4-BE49-F238E27FC236}">
+                <a16:creationId xmlns:a16="http://schemas.microsoft.com/office/drawing/2014/main" id="{6835F6D4-AD29-4A5A-A07E-AA760C5D340E}"/>
+              </a:ext>
+            </a:extLst>
+          </p:cNvPr>
+          <p:cNvGrpSpPr/>
+          <p:nvPr/>
+        </p:nvGrpSpPr>
+        <p:grpSpPr>
+          <a:xfrm>
+            <a:off x="9616167" y="4692723"/>
+            <a:ext cx="1761335" cy="1921426"/>
+            <a:chOff x="9616167" y="4692723"/>
+            <a:chExt cx="1761335" cy="1921426"/>
+          </a:xfrm>
+        </p:grpSpPr>
+        <p:pic>
+          <p:nvPicPr>
+            <p:cNvPr id="1026" name="Picture 2" descr="ì´ë¯¸ì§ ê²ìê²°ê³¼">
+              <a:extLst>
+                <a:ext uri="{FF2B5EF4-FFF2-40B4-BE49-F238E27FC236}">
+                  <a16:creationId xmlns:a16="http://schemas.microsoft.com/office/drawing/2014/main" id="{997A61CC-F427-45A1-AC9F-849B04F2BFBB}"/>
+                </a:ext>
+              </a:extLst>
+            </p:cNvPr>
+            <p:cNvPicPr>
+              <a:picLocks noChangeAspect="1" noChangeArrowheads="1"/>
+            </p:cNvPicPr>
+            <p:nvPr/>
+          </p:nvPicPr>
+          <p:blipFill>
+            <a:blip r:embed="rId9">
+              <a:extLst>
+                <a:ext uri="{28A0092B-C50C-407E-A947-70E740481C1C}">
+                  <a14:useLocalDpi xmlns:a14="http://schemas.microsoft.com/office/drawing/2010/main" val="0"/>
+                </a:ext>
+              </a:extLst>
+            </a:blip>
+            <a:srcRect/>
+            <a:stretch>
+              <a:fillRect/>
+            </a:stretch>
+          </p:blipFill>
+          <p:spPr bwMode="auto">
+            <a:xfrm>
+              <a:off x="9765113" y="5113399"/>
+              <a:ext cx="1491758" cy="596703"/>
+            </a:xfrm>
+            <a:prstGeom prst="rect">
+              <a:avLst/>
+            </a:prstGeom>
+            <a:noFill/>
+            <a:extLst>
+              <a:ext uri="{909E8E84-426E-40DD-AFC4-6F175D3DCCD1}">
+                <a14:hiddenFill xmlns:a14="http://schemas.microsoft.com/office/drawing/2010/main">
+                  <a:solidFill>
+                    <a:srgbClr val="FFFFFF"/>
+                  </a:solidFill>
+                </a14:hiddenFill>
+              </a:ext>
+            </a:extLst>
+          </p:spPr>
+        </p:pic>
+        <p:sp>
+          <p:nvSpPr>
+            <p:cNvPr id="17" name="타원 16">
+              <a:extLst>
+                <a:ext uri="{FF2B5EF4-FFF2-40B4-BE49-F238E27FC236}">
+                  <a16:creationId xmlns:a16="http://schemas.microsoft.com/office/drawing/2014/main" id="{D3BD5A35-F8F2-4C18-B07D-E400CA188BAE}"/>
+                </a:ext>
+              </a:extLst>
+            </p:cNvPr>
+            <p:cNvSpPr/>
+            <p:nvPr/>
+          </p:nvSpPr>
+          <p:spPr>
+            <a:xfrm>
+              <a:off x="9828612" y="4692723"/>
+              <a:ext cx="1292746" cy="1334661"/>
+            </a:xfrm>
+            <a:prstGeom prst="ellipse">
+              <a:avLst/>
+            </a:prstGeom>
+            <a:noFill/>
+            <a:ln>
+              <a:solidFill>
+                <a:schemeClr val="tx1"/>
+              </a:solidFill>
+            </a:ln>
+          </p:spPr>
+          <p:style>
+            <a:lnRef idx="2">
+              <a:schemeClr val="accent1">
+                <a:shade val="50000"/>
+              </a:schemeClr>
+            </a:lnRef>
+            <a:fillRef idx="1">
+              <a:schemeClr val="accent1"/>
+            </a:fillRef>
+            <a:effectRef idx="0">
+              <a:schemeClr val="accent1"/>
+            </a:effectRef>
+            <a:fontRef idx="minor">
+              <a:schemeClr val="lt1"/>
+            </a:fontRef>
+          </p:style>
+          <p:txBody>
+            <a:bodyPr rtlCol="0" anchor="ctr"/>
+            <a:lstStyle/>
+            <a:p>
+              <a:pPr algn="ctr"/>
+              <a:endParaRPr lang="ko-KR" altLang="en-US" dirty="0"/>
+            </a:p>
+          </p:txBody>
+        </p:sp>
+        <p:sp>
+          <p:nvSpPr>
+            <p:cNvPr id="48" name="TextBox 47">
+              <a:extLst>
+                <a:ext uri="{FF2B5EF4-FFF2-40B4-BE49-F238E27FC236}">
+                  <a16:creationId xmlns:a16="http://schemas.microsoft.com/office/drawing/2014/main" id="{AECD966B-E925-438F-9604-370EEC43FFFF}"/>
+                </a:ext>
+              </a:extLst>
+            </p:cNvPr>
+            <p:cNvSpPr txBox="1"/>
+            <p:nvPr/>
+          </p:nvSpPr>
+          <p:spPr>
+            <a:xfrm>
+              <a:off x="9616167" y="6060151"/>
+              <a:ext cx="1761335" cy="553998"/>
+            </a:xfrm>
+            <a:prstGeom prst="rect">
+              <a:avLst/>
+            </a:prstGeom>
+            <a:noFill/>
+          </p:spPr>
+          <p:txBody>
+            <a:bodyPr wrap="square" rtlCol="0">
+              <a:spAutoFit/>
+            </a:bodyPr>
+            <a:lstStyle/>
+            <a:p>
+              <a:pPr algn="ctr"/>
+              <a:r>
+                <a:rPr lang="en-US" altLang="ko-KR" sz="1400" b="1" dirty="0"/>
+                <a:t>Cafe24/</a:t>
+              </a:r>
+              <a:r>
+                <a:rPr lang="en-US" altLang="ko-KR" sz="1600" b="1" dirty="0"/>
+                <a:t>Server</a:t>
+              </a:r>
+            </a:p>
+            <a:p>
+              <a:pPr algn="ctr"/>
+              <a:r>
+                <a:rPr lang="en-US" altLang="ko-KR" sz="1400" dirty="0"/>
+                <a:t>(Web</a:t>
+              </a:r>
+              <a:r>
+                <a:rPr lang="ko-KR" altLang="en-US" sz="1400" dirty="0"/>
+                <a:t> </a:t>
+              </a:r>
+              <a:r>
+                <a:rPr lang="en-US" altLang="ko-KR" sz="1400" dirty="0"/>
+                <a:t>Hosting)</a:t>
+              </a:r>
+            </a:p>
+          </p:txBody>
+        </p:sp>
+      </p:grpSp>
+      <p:cxnSp>
+        <p:nvCxnSpPr>
+          <p:cNvPr id="26" name="직선 연결선 25">
+            <a:extLst>
+              <a:ext uri="{FF2B5EF4-FFF2-40B4-BE49-F238E27FC236}">
+                <a16:creationId xmlns:a16="http://schemas.microsoft.com/office/drawing/2014/main" id="{1CD81486-3F7F-4A2B-AC94-65CD708A442F}"/>
+              </a:ext>
+            </a:extLst>
+          </p:cNvPr>
+          <p:cNvCxnSpPr>
+            <a:stCxn id="4" idx="2"/>
+            <a:endCxn id="127" idx="3"/>
+          </p:cNvCxnSpPr>
+          <p:nvPr/>
+        </p:nvCxnSpPr>
+        <p:spPr>
+          <a:xfrm flipH="1">
+            <a:off x="1972024" y="3384103"/>
+            <a:ext cx="410182" cy="1187"/>
+          </a:xfrm>
+          <a:prstGeom prst="line">
+            <a:avLst/>
+          </a:prstGeom>
+        </p:spPr>
+        <p:style>
+          <a:lnRef idx="1">
+            <a:schemeClr val="dk1"/>
+          </a:lnRef>
+          <a:fillRef idx="0">
+            <a:schemeClr val="dk1"/>
+          </a:fillRef>
+          <a:effectRef idx="0">
+            <a:schemeClr val="dk1"/>
+          </a:effectRef>
+          <a:fontRef idx="minor">
+            <a:schemeClr val="tx1"/>
+          </a:fontRef>
+        </p:style>
+      </p:cxnSp>
+      <p:grpSp>
+        <p:nvGrpSpPr>
+          <p:cNvPr id="56" name="그룹 55">
+            <a:extLst>
+              <a:ext uri="{FF2B5EF4-FFF2-40B4-BE49-F238E27FC236}">
+                <a16:creationId xmlns:a16="http://schemas.microsoft.com/office/drawing/2014/main" id="{2B1AB4D6-9178-4EF4-AEE1-BB236117BE20}"/>
+              </a:ext>
+            </a:extLst>
+          </p:cNvPr>
+          <p:cNvGrpSpPr/>
+          <p:nvPr/>
+        </p:nvGrpSpPr>
+        <p:grpSpPr>
+          <a:xfrm>
+            <a:off x="3775264" y="3083941"/>
+            <a:ext cx="2359612" cy="553310"/>
+            <a:chOff x="3775264" y="3083941"/>
+            <a:chExt cx="2359612" cy="553310"/>
+          </a:xfrm>
+        </p:grpSpPr>
+        <p:cxnSp>
+          <p:nvCxnSpPr>
+            <p:cNvPr id="9" name="직선 연결선 8">
+              <a:extLst>
+                <a:ext uri="{FF2B5EF4-FFF2-40B4-BE49-F238E27FC236}">
+                  <a16:creationId xmlns:a16="http://schemas.microsoft.com/office/drawing/2014/main" id="{D1E76B64-5616-418D-97B5-9E95910F8F2E}"/>
+                </a:ext>
+              </a:extLst>
+            </p:cNvPr>
+            <p:cNvCxnSpPr>
+              <a:stCxn id="4" idx="6"/>
+              <a:endCxn id="13" idx="2"/>
+            </p:cNvCxnSpPr>
+            <p:nvPr/>
+          </p:nvCxnSpPr>
+          <p:spPr>
+            <a:xfrm flipV="1">
+              <a:off x="3775264" y="3379448"/>
+              <a:ext cx="2292521" cy="4655"/>
+            </a:xfrm>
+            <a:prstGeom prst="line">
+              <a:avLst/>
+            </a:prstGeom>
+          </p:spPr>
+          <p:style>
+            <a:lnRef idx="1">
+              <a:schemeClr val="dk1"/>
+            </a:lnRef>
+            <a:fillRef idx="0">
+              <a:schemeClr val="dk1"/>
+            </a:fillRef>
+            <a:effectRef idx="0">
+              <a:schemeClr val="dk1"/>
+            </a:effectRef>
+            <a:fontRef idx="minor">
+              <a:schemeClr val="tx1"/>
+            </a:fontRef>
+          </p:style>
+        </p:cxnSp>
+        <p:sp>
+          <p:nvSpPr>
+            <p:cNvPr id="30" name="TextBox 29">
+              <a:extLst>
+                <a:ext uri="{FF2B5EF4-FFF2-40B4-BE49-F238E27FC236}">
+                  <a16:creationId xmlns:a16="http://schemas.microsoft.com/office/drawing/2014/main" id="{C0EBB888-009B-4248-BF42-C5B5EAF7A9D9}"/>
+                </a:ext>
+              </a:extLst>
+            </p:cNvPr>
+            <p:cNvSpPr txBox="1"/>
+            <p:nvPr/>
+          </p:nvSpPr>
+          <p:spPr>
+            <a:xfrm>
+              <a:off x="4031696" y="3083941"/>
+              <a:ext cx="1859244" cy="307777"/>
+            </a:xfrm>
+            <a:prstGeom prst="rect">
+              <a:avLst/>
+            </a:prstGeom>
+            <a:noFill/>
+          </p:spPr>
+          <p:txBody>
+            <a:bodyPr wrap="square" rtlCol="0">
+              <a:spAutoFit/>
+            </a:bodyPr>
+            <a:lstStyle/>
+            <a:p>
+              <a:r>
+                <a:rPr lang="en-US" altLang="ko-KR" sz="1400" dirty="0">
+                  <a:sym typeface="Wingdings" panose="05000000000000000000" pitchFamily="2" charset="2"/>
+                </a:rPr>
+                <a:t> </a:t>
+              </a:r>
+              <a:r>
+                <a:rPr lang="en-US" altLang="ko-KR" sz="1400" dirty="0" err="1">
+                  <a:sym typeface="Wingdings" panose="05000000000000000000" pitchFamily="2" charset="2"/>
+                </a:rPr>
+                <a:t>response.output</a:t>
+              </a:r>
+              <a:endParaRPr lang="ko-KR" altLang="en-US" sz="1400" dirty="0"/>
+            </a:p>
+          </p:txBody>
+        </p:sp>
+        <p:sp>
+          <p:nvSpPr>
+            <p:cNvPr id="59" name="TextBox 58">
+              <a:extLst>
+                <a:ext uri="{FF2B5EF4-FFF2-40B4-BE49-F238E27FC236}">
+                  <a16:creationId xmlns:a16="http://schemas.microsoft.com/office/drawing/2014/main" id="{9B5B3EA5-ACF7-40AE-8169-A34E0B95E426}"/>
+                </a:ext>
+              </a:extLst>
+            </p:cNvPr>
+            <p:cNvSpPr txBox="1"/>
+            <p:nvPr/>
+          </p:nvSpPr>
+          <p:spPr>
+            <a:xfrm>
+              <a:off x="4275632" y="3329474"/>
+              <a:ext cx="1859244" cy="307777"/>
+            </a:xfrm>
+            <a:prstGeom prst="rect">
+              <a:avLst/>
+            </a:prstGeom>
+            <a:noFill/>
+          </p:spPr>
+          <p:txBody>
+            <a:bodyPr wrap="square" rtlCol="0">
+              <a:spAutoFit/>
+            </a:bodyPr>
+            <a:lstStyle/>
+            <a:p>
+              <a:r>
+                <a:rPr lang="en-US" altLang="ko-KR" sz="1400" dirty="0" err="1">
+                  <a:sym typeface="Wingdings" panose="05000000000000000000" pitchFamily="2" charset="2"/>
+                </a:rPr>
+                <a:t>payload.input</a:t>
+              </a:r>
+              <a:r>
+                <a:rPr lang="en-US" altLang="ko-KR" sz="1400" dirty="0">
+                  <a:sym typeface="Wingdings" panose="05000000000000000000" pitchFamily="2" charset="2"/>
+                </a:rPr>
+                <a:t> </a:t>
+              </a:r>
+              <a:endParaRPr lang="ko-KR" altLang="en-US" sz="1400" dirty="0"/>
+            </a:p>
+          </p:txBody>
+        </p:sp>
+      </p:grpSp>
+      <p:grpSp>
+        <p:nvGrpSpPr>
+          <p:cNvPr id="53" name="그룹 52">
+            <a:extLst>
+              <a:ext uri="{FF2B5EF4-FFF2-40B4-BE49-F238E27FC236}">
+                <a16:creationId xmlns:a16="http://schemas.microsoft.com/office/drawing/2014/main" id="{4F9EEB11-FF80-422B-90F2-E96D64B0780A}"/>
+              </a:ext>
+            </a:extLst>
+          </p:cNvPr>
+          <p:cNvGrpSpPr/>
+          <p:nvPr/>
+        </p:nvGrpSpPr>
+        <p:grpSpPr>
+          <a:xfrm>
+            <a:off x="7455502" y="3091484"/>
+            <a:ext cx="2351263" cy="572075"/>
+            <a:chOff x="7455502" y="3091484"/>
+            <a:chExt cx="2351263" cy="572075"/>
+          </a:xfrm>
+        </p:grpSpPr>
+        <p:cxnSp>
+          <p:nvCxnSpPr>
+            <p:cNvPr id="19" name="직선 연결선 18">
+              <a:extLst>
+                <a:ext uri="{FF2B5EF4-FFF2-40B4-BE49-F238E27FC236}">
+                  <a16:creationId xmlns:a16="http://schemas.microsoft.com/office/drawing/2014/main" id="{66AF544E-AC22-4556-8AFA-50DAF3435161}"/>
+                </a:ext>
+              </a:extLst>
+            </p:cNvPr>
+            <p:cNvCxnSpPr>
+              <a:stCxn id="14" idx="1"/>
+              <a:endCxn id="13" idx="6"/>
+            </p:cNvCxnSpPr>
+            <p:nvPr/>
+          </p:nvCxnSpPr>
+          <p:spPr>
+            <a:xfrm flipH="1">
+              <a:off x="7455502" y="3379447"/>
+              <a:ext cx="2351263" cy="1"/>
+            </a:xfrm>
+            <a:prstGeom prst="line">
+              <a:avLst/>
+            </a:prstGeom>
+          </p:spPr>
+          <p:style>
+            <a:lnRef idx="1">
+              <a:schemeClr val="dk1"/>
+            </a:lnRef>
+            <a:fillRef idx="0">
+              <a:schemeClr val="dk1"/>
+            </a:fillRef>
+            <a:effectRef idx="0">
+              <a:schemeClr val="dk1"/>
+            </a:effectRef>
+            <a:fontRef idx="minor">
+              <a:schemeClr val="tx1"/>
+            </a:fontRef>
+          </p:style>
+        </p:cxnSp>
+        <p:sp>
+          <p:nvSpPr>
+            <p:cNvPr id="60" name="TextBox 59">
+              <a:extLst>
+                <a:ext uri="{FF2B5EF4-FFF2-40B4-BE49-F238E27FC236}">
+                  <a16:creationId xmlns:a16="http://schemas.microsoft.com/office/drawing/2014/main" id="{5EDA0F6A-96C7-4CDA-A933-F92F9CA4F8F1}"/>
+                </a:ext>
+              </a:extLst>
+            </p:cNvPr>
+            <p:cNvSpPr txBox="1"/>
+            <p:nvPr/>
+          </p:nvSpPr>
+          <p:spPr>
+            <a:xfrm>
+              <a:off x="8148728" y="3091484"/>
+              <a:ext cx="1227604" cy="307777"/>
+            </a:xfrm>
+            <a:prstGeom prst="rect">
+              <a:avLst/>
+            </a:prstGeom>
+            <a:noFill/>
+          </p:spPr>
+          <p:txBody>
+            <a:bodyPr wrap="square" rtlCol="0">
+              <a:spAutoFit/>
+            </a:bodyPr>
+            <a:lstStyle/>
+            <a:p>
+              <a:r>
+                <a:rPr lang="en-US" altLang="ko-KR" sz="1400" dirty="0">
+                  <a:sym typeface="Wingdings" panose="05000000000000000000" pitchFamily="2" charset="2"/>
+                </a:rPr>
+                <a:t>response* </a:t>
+              </a:r>
+              <a:endParaRPr lang="ko-KR" altLang="en-US" sz="1400" dirty="0"/>
+            </a:p>
+          </p:txBody>
+        </p:sp>
+        <p:sp>
+          <p:nvSpPr>
+            <p:cNvPr id="61" name="TextBox 60">
+              <a:extLst>
+                <a:ext uri="{FF2B5EF4-FFF2-40B4-BE49-F238E27FC236}">
+                  <a16:creationId xmlns:a16="http://schemas.microsoft.com/office/drawing/2014/main" id="{5AF0D748-A3A3-4EC9-BD10-021CE295BAD8}"/>
+                </a:ext>
+              </a:extLst>
+            </p:cNvPr>
+            <p:cNvSpPr txBox="1"/>
+            <p:nvPr/>
+          </p:nvSpPr>
+          <p:spPr>
+            <a:xfrm>
+              <a:off x="7918124" y="3350793"/>
+              <a:ext cx="1336440" cy="312766"/>
+            </a:xfrm>
+            <a:prstGeom prst="rect">
+              <a:avLst/>
+            </a:prstGeom>
+            <a:noFill/>
+          </p:spPr>
+          <p:txBody>
+            <a:bodyPr wrap="square" rtlCol="0">
+              <a:spAutoFit/>
+            </a:bodyPr>
+            <a:lstStyle/>
+            <a:p>
+              <a:r>
+                <a:rPr lang="en-US" altLang="ko-KR" sz="1400" dirty="0">
+                  <a:sym typeface="Wingdings" panose="05000000000000000000" pitchFamily="2" charset="2"/>
+                </a:rPr>
+                <a:t> payload**</a:t>
+              </a:r>
+              <a:endParaRPr lang="ko-KR" altLang="en-US" sz="1400" dirty="0"/>
+            </a:p>
+          </p:txBody>
+        </p:sp>
+      </p:grpSp>
+      <p:grpSp>
+        <p:nvGrpSpPr>
+          <p:cNvPr id="54" name="그룹 53">
+            <a:extLst>
+              <a:ext uri="{FF2B5EF4-FFF2-40B4-BE49-F238E27FC236}">
+                <a16:creationId xmlns:a16="http://schemas.microsoft.com/office/drawing/2014/main" id="{13C9F444-1EF7-4E08-8FD2-C2658BE90E4B}"/>
+              </a:ext>
+            </a:extLst>
+          </p:cNvPr>
+          <p:cNvGrpSpPr/>
+          <p:nvPr/>
+        </p:nvGrpSpPr>
+        <p:grpSpPr>
+          <a:xfrm>
+            <a:off x="7455502" y="3379448"/>
+            <a:ext cx="2411455" cy="1980606"/>
+            <a:chOff x="7455502" y="3379448"/>
+            <a:chExt cx="2411455" cy="1980606"/>
+          </a:xfrm>
+        </p:grpSpPr>
+        <p:cxnSp>
+          <p:nvCxnSpPr>
+            <p:cNvPr id="22" name="직선 연결선 21">
+              <a:extLst>
+                <a:ext uri="{FF2B5EF4-FFF2-40B4-BE49-F238E27FC236}">
+                  <a16:creationId xmlns:a16="http://schemas.microsoft.com/office/drawing/2014/main" id="{EF9D75BB-0D02-44AE-B3C7-47B647800C3C}"/>
+                </a:ext>
+              </a:extLst>
+            </p:cNvPr>
+            <p:cNvCxnSpPr>
+              <a:stCxn id="17" idx="2"/>
+              <a:endCxn id="13" idx="6"/>
+            </p:cNvCxnSpPr>
+            <p:nvPr/>
+          </p:nvCxnSpPr>
+          <p:spPr>
+            <a:xfrm flipH="1" flipV="1">
+              <a:off x="7455502" y="3379448"/>
+              <a:ext cx="2373110" cy="1980606"/>
+            </a:xfrm>
+            <a:prstGeom prst="line">
+              <a:avLst/>
+            </a:prstGeom>
+          </p:spPr>
+          <p:style>
+            <a:lnRef idx="1">
+              <a:schemeClr val="dk1"/>
+            </a:lnRef>
+            <a:fillRef idx="0">
+              <a:schemeClr val="dk1"/>
+            </a:fillRef>
+            <a:effectRef idx="0">
+              <a:schemeClr val="dk1"/>
+            </a:effectRef>
+            <a:fontRef idx="minor">
+              <a:schemeClr val="tx1"/>
+            </a:fontRef>
+          </p:style>
+        </p:cxnSp>
+        <p:sp>
+          <p:nvSpPr>
+            <p:cNvPr id="62" name="TextBox 61">
+              <a:extLst>
+                <a:ext uri="{FF2B5EF4-FFF2-40B4-BE49-F238E27FC236}">
+                  <a16:creationId xmlns:a16="http://schemas.microsoft.com/office/drawing/2014/main" id="{2B32008E-C469-45DC-A87D-948FEE18662F}"/>
+                </a:ext>
+              </a:extLst>
+            </p:cNvPr>
+            <p:cNvSpPr txBox="1"/>
+            <p:nvPr/>
+          </p:nvSpPr>
+          <p:spPr>
+            <a:xfrm rot="2412896">
+              <a:off x="8510832" y="4532032"/>
+              <a:ext cx="652613" cy="314943"/>
+            </a:xfrm>
+            <a:prstGeom prst="rect">
+              <a:avLst/>
+            </a:prstGeom>
+            <a:noFill/>
+          </p:spPr>
+          <p:txBody>
+            <a:bodyPr wrap="square" rtlCol="0">
+              <a:spAutoFit/>
+            </a:bodyPr>
+            <a:lstStyle/>
+            <a:p>
+              <a:r>
+                <a:rPr lang="en-US" altLang="ko-KR" sz="1400" dirty="0" err="1">
+                  <a:sym typeface="Wingdings" panose="05000000000000000000" pitchFamily="2" charset="2"/>
+                </a:rPr>
+                <a:t>url</a:t>
+              </a:r>
+              <a:r>
+                <a:rPr lang="en-US" altLang="ko-KR" sz="1400" dirty="0">
+                  <a:sym typeface="Wingdings" panose="05000000000000000000" pitchFamily="2" charset="2"/>
+                </a:rPr>
+                <a:t> </a:t>
+              </a:r>
+              <a:endParaRPr lang="ko-KR" altLang="en-US" sz="1400" dirty="0"/>
+            </a:p>
+          </p:txBody>
+        </p:sp>
+        <p:sp>
+          <p:nvSpPr>
+            <p:cNvPr id="63" name="TextBox 62">
+              <a:extLst>
+                <a:ext uri="{FF2B5EF4-FFF2-40B4-BE49-F238E27FC236}">
+                  <a16:creationId xmlns:a16="http://schemas.microsoft.com/office/drawing/2014/main" id="{B3D81AA6-0D74-4A3E-B95A-AA7B960E1A2B}"/>
+                </a:ext>
+              </a:extLst>
+            </p:cNvPr>
+            <p:cNvSpPr txBox="1"/>
+            <p:nvPr/>
+          </p:nvSpPr>
+          <p:spPr>
+            <a:xfrm rot="2391165">
+              <a:off x="8179971" y="4351972"/>
+              <a:ext cx="1686986" cy="307777"/>
+            </a:xfrm>
+            <a:prstGeom prst="rect">
+              <a:avLst/>
+            </a:prstGeom>
+            <a:noFill/>
+          </p:spPr>
+          <p:txBody>
+            <a:bodyPr wrap="square" rtlCol="0">
+              <a:spAutoFit/>
+            </a:bodyPr>
+            <a:lstStyle/>
+            <a:p>
+              <a:r>
+                <a:rPr lang="en-US" altLang="ko-KR" sz="1400" dirty="0">
+                  <a:sym typeface="Wingdings" panose="05000000000000000000" pitchFamily="2" charset="2"/>
+                </a:rPr>
+                <a:t> Image</a:t>
+              </a:r>
+              <a:endParaRPr lang="ko-KR" altLang="en-US" sz="1400" dirty="0"/>
+            </a:p>
+          </p:txBody>
+        </p:sp>
+      </p:grpSp>
+      <p:grpSp>
+        <p:nvGrpSpPr>
+          <p:cNvPr id="55" name="그룹 54">
+            <a:extLst>
+              <a:ext uri="{FF2B5EF4-FFF2-40B4-BE49-F238E27FC236}">
+                <a16:creationId xmlns:a16="http://schemas.microsoft.com/office/drawing/2014/main" id="{F8DC8E00-8E3F-4629-88AD-5A55DB8EA06A}"/>
+              </a:ext>
+            </a:extLst>
+          </p:cNvPr>
+          <p:cNvGrpSpPr/>
+          <p:nvPr/>
+        </p:nvGrpSpPr>
+        <p:grpSpPr>
+          <a:xfrm>
+            <a:off x="3734637" y="3379448"/>
+            <a:ext cx="2333148" cy="2112944"/>
+            <a:chOff x="3734637" y="3379448"/>
+            <a:chExt cx="2333148" cy="2112944"/>
+          </a:xfrm>
+        </p:grpSpPr>
+        <p:cxnSp>
+          <p:nvCxnSpPr>
+            <p:cNvPr id="24" name="직선 연결선 23">
+              <a:extLst>
+                <a:ext uri="{FF2B5EF4-FFF2-40B4-BE49-F238E27FC236}">
+                  <a16:creationId xmlns:a16="http://schemas.microsoft.com/office/drawing/2014/main" id="{E16C8B5D-87A7-40EF-9972-EAA1554895AC}"/>
+                </a:ext>
+              </a:extLst>
+            </p:cNvPr>
+            <p:cNvCxnSpPr>
+              <a:stCxn id="13" idx="2"/>
+              <a:endCxn id="10" idx="6"/>
+            </p:cNvCxnSpPr>
+            <p:nvPr/>
+          </p:nvCxnSpPr>
+          <p:spPr>
+            <a:xfrm flipH="1">
+              <a:off x="3775264" y="3379448"/>
+              <a:ext cx="2292521" cy="2112944"/>
+            </a:xfrm>
+            <a:prstGeom prst="line">
+              <a:avLst/>
+            </a:prstGeom>
+            <a:ln>
+              <a:solidFill>
+                <a:schemeClr val="tx1"/>
+              </a:solidFill>
+            </a:ln>
+          </p:spPr>
+          <p:style>
+            <a:lnRef idx="1">
+              <a:schemeClr val="accent1"/>
+            </a:lnRef>
+            <a:fillRef idx="0">
+              <a:schemeClr val="accent1"/>
+            </a:fillRef>
+            <a:effectRef idx="0">
+              <a:schemeClr val="accent1"/>
+            </a:effectRef>
+            <a:fontRef idx="minor">
+              <a:schemeClr val="tx1"/>
+            </a:fontRef>
+          </p:style>
+        </p:cxnSp>
+        <p:sp>
+          <p:nvSpPr>
+            <p:cNvPr id="64" name="TextBox 63">
+              <a:extLst>
+                <a:ext uri="{FF2B5EF4-FFF2-40B4-BE49-F238E27FC236}">
+                  <a16:creationId xmlns:a16="http://schemas.microsoft.com/office/drawing/2014/main" id="{551722A6-CEB4-4C52-8DCC-21F79303F194}"/>
+                </a:ext>
+              </a:extLst>
+            </p:cNvPr>
+            <p:cNvSpPr txBox="1"/>
+            <p:nvPr/>
+          </p:nvSpPr>
+          <p:spPr>
+            <a:xfrm rot="19037421">
+              <a:off x="3734637" y="4292117"/>
+              <a:ext cx="1859244" cy="307777"/>
+            </a:xfrm>
+            <a:prstGeom prst="rect">
+              <a:avLst/>
+            </a:prstGeom>
+            <a:noFill/>
+          </p:spPr>
+          <p:txBody>
+            <a:bodyPr wrap="square" rtlCol="0">
+              <a:spAutoFit/>
+            </a:bodyPr>
+            <a:lstStyle/>
+            <a:p>
+              <a:r>
+                <a:rPr lang="en-US" altLang="ko-KR" sz="1400" dirty="0">
+                  <a:sym typeface="Wingdings" panose="05000000000000000000" pitchFamily="2" charset="2"/>
+                </a:rPr>
+                <a:t> </a:t>
+              </a:r>
+              <a:r>
+                <a:rPr lang="en-US" altLang="ko-KR" sz="1400" dirty="0" err="1">
+                  <a:sym typeface="Wingdings" panose="05000000000000000000" pitchFamily="2" charset="2"/>
+                </a:rPr>
+                <a:t>response.output</a:t>
+              </a:r>
+              <a:endParaRPr lang="ko-KR" altLang="en-US" sz="1400" dirty="0"/>
+            </a:p>
+          </p:txBody>
+        </p:sp>
+        <p:sp>
+          <p:nvSpPr>
+            <p:cNvPr id="65" name="TextBox 64">
+              <a:extLst>
+                <a:ext uri="{FF2B5EF4-FFF2-40B4-BE49-F238E27FC236}">
+                  <a16:creationId xmlns:a16="http://schemas.microsoft.com/office/drawing/2014/main" id="{CFA5FCE7-491B-468D-AD3F-38C9E1818BC7}"/>
+                </a:ext>
+              </a:extLst>
+            </p:cNvPr>
+            <p:cNvSpPr txBox="1"/>
+            <p:nvPr/>
+          </p:nvSpPr>
+          <p:spPr>
+            <a:xfrm rot="19037421">
+              <a:off x="4310293" y="4254842"/>
+              <a:ext cx="1591515" cy="307777"/>
+            </a:xfrm>
+            <a:prstGeom prst="rect">
+              <a:avLst/>
+            </a:prstGeom>
+            <a:noFill/>
+          </p:spPr>
+          <p:txBody>
+            <a:bodyPr wrap="square" rtlCol="0">
+              <a:spAutoFit/>
+            </a:bodyPr>
+            <a:lstStyle/>
+            <a:p>
+              <a:r>
+                <a:rPr lang="en-US" altLang="ko-KR" sz="1400" dirty="0" err="1">
+                  <a:sym typeface="Wingdings" panose="05000000000000000000" pitchFamily="2" charset="2"/>
+                </a:rPr>
+                <a:t>payload.input</a:t>
+              </a:r>
+              <a:r>
+                <a:rPr lang="en-US" altLang="ko-KR" sz="1400" dirty="0">
+                  <a:sym typeface="Wingdings" panose="05000000000000000000" pitchFamily="2" charset="2"/>
+                </a:rPr>
+                <a:t> </a:t>
+              </a:r>
+              <a:endParaRPr lang="ko-KR" altLang="en-US" sz="1400" dirty="0"/>
+            </a:p>
+          </p:txBody>
+        </p:sp>
+      </p:grpSp>
+      <p:grpSp>
+        <p:nvGrpSpPr>
+          <p:cNvPr id="52" name="그룹 51">
+            <a:extLst>
+              <a:ext uri="{FF2B5EF4-FFF2-40B4-BE49-F238E27FC236}">
+                <a16:creationId xmlns:a16="http://schemas.microsoft.com/office/drawing/2014/main" id="{E228BBEA-CB44-4388-ADAF-B6EABD1229AE}"/>
+              </a:ext>
+            </a:extLst>
+          </p:cNvPr>
+          <p:cNvGrpSpPr/>
+          <p:nvPr/>
+        </p:nvGrpSpPr>
+        <p:grpSpPr>
+          <a:xfrm>
+            <a:off x="7455502" y="1543217"/>
+            <a:ext cx="2373110" cy="1836231"/>
+            <a:chOff x="7455502" y="1543217"/>
+            <a:chExt cx="2373110" cy="1836231"/>
+          </a:xfrm>
+        </p:grpSpPr>
+        <p:cxnSp>
+          <p:nvCxnSpPr>
+            <p:cNvPr id="16" name="직선 연결선 15">
+              <a:extLst>
+                <a:ext uri="{FF2B5EF4-FFF2-40B4-BE49-F238E27FC236}">
+                  <a16:creationId xmlns:a16="http://schemas.microsoft.com/office/drawing/2014/main" id="{6A4534E3-3C02-4F3F-A767-5369C01440A4}"/>
+                </a:ext>
+              </a:extLst>
+            </p:cNvPr>
+            <p:cNvCxnSpPr>
+              <a:stCxn id="13" idx="6"/>
+              <a:endCxn id="47" idx="2"/>
+            </p:cNvCxnSpPr>
+            <p:nvPr/>
+          </p:nvCxnSpPr>
+          <p:spPr>
+            <a:xfrm flipV="1">
+              <a:off x="7455502" y="1543217"/>
+              <a:ext cx="2373110" cy="1836231"/>
+            </a:xfrm>
+            <a:prstGeom prst="line">
+              <a:avLst/>
+            </a:prstGeom>
+          </p:spPr>
+          <p:style>
+            <a:lnRef idx="1">
+              <a:schemeClr val="dk1"/>
+            </a:lnRef>
+            <a:fillRef idx="0">
+              <a:schemeClr val="dk1"/>
+            </a:fillRef>
+            <a:effectRef idx="0">
+              <a:schemeClr val="dk1"/>
+            </a:effectRef>
+            <a:fontRef idx="minor">
+              <a:schemeClr val="tx1"/>
+            </a:fontRef>
+          </p:style>
+        </p:cxnSp>
+        <p:sp>
+          <p:nvSpPr>
+            <p:cNvPr id="66" name="TextBox 65">
+              <a:extLst>
+                <a:ext uri="{FF2B5EF4-FFF2-40B4-BE49-F238E27FC236}">
+                  <a16:creationId xmlns:a16="http://schemas.microsoft.com/office/drawing/2014/main" id="{D8BB08CA-FF21-48E5-BD0B-C2210095A0D9}"/>
+                </a:ext>
+              </a:extLst>
+            </p:cNvPr>
+            <p:cNvSpPr txBox="1"/>
+            <p:nvPr/>
+          </p:nvSpPr>
+          <p:spPr>
+            <a:xfrm rot="19343986">
+              <a:off x="7861312" y="2044258"/>
+              <a:ext cx="1806394" cy="307777"/>
+            </a:xfrm>
+            <a:prstGeom prst="rect">
+              <a:avLst/>
+            </a:prstGeom>
+            <a:noFill/>
+          </p:spPr>
+          <p:txBody>
+            <a:bodyPr wrap="square" rtlCol="0">
+              <a:spAutoFit/>
+            </a:bodyPr>
+            <a:lstStyle/>
+            <a:p>
+              <a:r>
+                <a:rPr lang="en-US" altLang="ko-KR" sz="1400" dirty="0">
+                  <a:sym typeface="Wingdings" panose="05000000000000000000" pitchFamily="2" charset="2"/>
+                </a:rPr>
+                <a:t>context*** </a:t>
+              </a:r>
+              <a:endParaRPr lang="ko-KR" altLang="en-US" sz="1400" dirty="0"/>
+            </a:p>
+          </p:txBody>
+        </p:sp>
+        <p:sp>
+          <p:nvSpPr>
+            <p:cNvPr id="68" name="TextBox 67">
+              <a:extLst>
+                <a:ext uri="{FF2B5EF4-FFF2-40B4-BE49-F238E27FC236}">
+                  <a16:creationId xmlns:a16="http://schemas.microsoft.com/office/drawing/2014/main" id="{C5BE7F20-AF50-4120-AE69-AEC67FA0DB03}"/>
+                </a:ext>
+              </a:extLst>
+            </p:cNvPr>
+            <p:cNvSpPr txBox="1"/>
+            <p:nvPr/>
+          </p:nvSpPr>
+          <p:spPr>
+            <a:xfrm rot="19351733">
+              <a:off x="7863805" y="2434370"/>
+              <a:ext cx="1621862" cy="307777"/>
+            </a:xfrm>
+            <a:prstGeom prst="rect">
+              <a:avLst/>
+            </a:prstGeom>
+            <a:noFill/>
+          </p:spPr>
+          <p:txBody>
+            <a:bodyPr wrap="square" rtlCol="0">
+              <a:spAutoFit/>
+            </a:bodyPr>
+            <a:lstStyle/>
+            <a:p>
+              <a:r>
+                <a:rPr lang="en-US" altLang="ko-KR" sz="1400" dirty="0">
+                  <a:sym typeface="Wingdings" panose="05000000000000000000" pitchFamily="2" charset="2"/>
+                </a:rPr>
+                <a:t> context****</a:t>
+              </a:r>
+              <a:endParaRPr lang="ko-KR" altLang="en-US" sz="1400" dirty="0"/>
+            </a:p>
+          </p:txBody>
+        </p:sp>
+      </p:grpSp>
+      <p:cxnSp>
+        <p:nvCxnSpPr>
+          <p:cNvPr id="70" name="직선 연결선 69">
+            <a:extLst>
+              <a:ext uri="{FF2B5EF4-FFF2-40B4-BE49-F238E27FC236}">
+                <a16:creationId xmlns:a16="http://schemas.microsoft.com/office/drawing/2014/main" id="{D77DCCDE-146D-47C6-AC94-E294743AE549}"/>
+              </a:ext>
+            </a:extLst>
+          </p:cNvPr>
+          <p:cNvCxnSpPr>
+            <a:cxnSpLocks/>
+          </p:cNvCxnSpPr>
+          <p:nvPr/>
+        </p:nvCxnSpPr>
+        <p:spPr>
+          <a:xfrm flipH="1">
+            <a:off x="9564676" y="198286"/>
+            <a:ext cx="8" cy="6519177"/>
+          </a:xfrm>
+          <a:prstGeom prst="line">
+            <a:avLst/>
+          </a:prstGeom>
+          <a:ln>
+            <a:solidFill>
+              <a:schemeClr val="tx1"/>
+            </a:solidFill>
+            <a:prstDash val="dash"/>
+          </a:ln>
+        </p:spPr>
+        <p:style>
+          <a:lnRef idx="1">
+            <a:schemeClr val="accent1"/>
+          </a:lnRef>
+          <a:fillRef idx="0">
+            <a:schemeClr val="accent1"/>
+          </a:fillRef>
+          <a:effectRef idx="0">
+            <a:schemeClr val="accent1"/>
+          </a:effectRef>
+          <a:fontRef idx="minor">
+            <a:schemeClr val="tx1"/>
+          </a:fontRef>
+        </p:style>
+      </p:cxnSp>
+      <p:cxnSp>
+        <p:nvCxnSpPr>
+          <p:cNvPr id="73" name="직선 연결선 72">
+            <a:extLst>
+              <a:ext uri="{FF2B5EF4-FFF2-40B4-BE49-F238E27FC236}">
+                <a16:creationId xmlns:a16="http://schemas.microsoft.com/office/drawing/2014/main" id="{9CD18869-14D5-4857-8295-D5E9846BD4FE}"/>
+              </a:ext>
+            </a:extLst>
+          </p:cNvPr>
+          <p:cNvCxnSpPr>
+            <a:cxnSpLocks/>
+          </p:cNvCxnSpPr>
+          <p:nvPr/>
+        </p:nvCxnSpPr>
+        <p:spPr>
+          <a:xfrm flipH="1">
+            <a:off x="3949283" y="198286"/>
+            <a:ext cx="8" cy="6519177"/>
+          </a:xfrm>
+          <a:prstGeom prst="line">
+            <a:avLst/>
+          </a:prstGeom>
+          <a:ln>
+            <a:solidFill>
+              <a:schemeClr val="tx1"/>
+            </a:solidFill>
+            <a:prstDash val="dash"/>
+          </a:ln>
+        </p:spPr>
+        <p:style>
+          <a:lnRef idx="1">
+            <a:schemeClr val="accent1"/>
+          </a:lnRef>
+          <a:fillRef idx="0">
+            <a:schemeClr val="accent1"/>
+          </a:fillRef>
+          <a:effectRef idx="0">
+            <a:schemeClr val="accent1"/>
+          </a:effectRef>
+          <a:fontRef idx="minor">
+            <a:schemeClr val="tx1"/>
+          </a:fontRef>
+        </p:style>
+      </p:cxnSp>
+      <p:cxnSp>
+        <p:nvCxnSpPr>
+          <p:cNvPr id="74" name="직선 연결선 73">
+            <a:extLst>
+              <a:ext uri="{FF2B5EF4-FFF2-40B4-BE49-F238E27FC236}">
+                <a16:creationId xmlns:a16="http://schemas.microsoft.com/office/drawing/2014/main" id="{541F5216-4E12-4422-8E1E-1C6E0F9A7283}"/>
+              </a:ext>
+            </a:extLst>
+          </p:cNvPr>
+          <p:cNvCxnSpPr>
+            <a:cxnSpLocks/>
+          </p:cNvCxnSpPr>
+          <p:nvPr/>
+        </p:nvCxnSpPr>
+        <p:spPr>
+          <a:xfrm flipH="1">
+            <a:off x="2161281" y="198286"/>
+            <a:ext cx="8" cy="6519177"/>
+          </a:xfrm>
+          <a:prstGeom prst="line">
+            <a:avLst/>
+          </a:prstGeom>
+          <a:ln>
+            <a:solidFill>
+              <a:schemeClr val="tx1"/>
+            </a:solidFill>
+            <a:prstDash val="dash"/>
+          </a:ln>
+        </p:spPr>
+        <p:style>
+          <a:lnRef idx="1">
+            <a:schemeClr val="accent1"/>
+          </a:lnRef>
+          <a:fillRef idx="0">
+            <a:schemeClr val="accent1"/>
+          </a:fillRef>
+          <a:effectRef idx="0">
+            <a:schemeClr val="accent1"/>
+          </a:effectRef>
+          <a:fontRef idx="minor">
+            <a:schemeClr val="tx1"/>
+          </a:fontRef>
+        </p:style>
+      </p:cxnSp>
+      <p:sp>
+        <p:nvSpPr>
+          <p:cNvPr id="33" name="직사각형 32">
+            <a:extLst>
+              <a:ext uri="{FF2B5EF4-FFF2-40B4-BE49-F238E27FC236}">
+                <a16:creationId xmlns:a16="http://schemas.microsoft.com/office/drawing/2014/main" id="{A78198B6-7489-4A30-A2EB-A0FE4673108C}"/>
+              </a:ext>
+            </a:extLst>
+          </p:cNvPr>
+          <p:cNvSpPr/>
+          <p:nvPr/>
+        </p:nvSpPr>
+        <p:spPr>
+          <a:xfrm>
+            <a:off x="9784386" y="387992"/>
+            <a:ext cx="1424895" cy="324223"/>
+          </a:xfrm>
+          <a:prstGeom prst="rect">
+            <a:avLst/>
+          </a:prstGeom>
+          <a:solidFill>
+            <a:schemeClr val="bg1">
+              <a:lumMod val="85000"/>
+            </a:schemeClr>
+          </a:solidFill>
+          <a:ln>
+            <a:noFill/>
+          </a:ln>
+        </p:spPr>
+        <p:style>
+          <a:lnRef idx="2">
+            <a:schemeClr val="accent1">
+              <a:shade val="50000"/>
+            </a:schemeClr>
+          </a:lnRef>
+          <a:fillRef idx="1">
+            <a:schemeClr val="accent1"/>
+          </a:fillRef>
+          <a:effectRef idx="0">
+            <a:schemeClr val="accent1"/>
+          </a:effectRef>
+          <a:fontRef idx="minor">
+            <a:schemeClr val="lt1"/>
+          </a:fontRef>
+        </p:style>
+        <p:txBody>
+          <a:bodyPr rtlCol="0" anchor="ctr"/>
+          <a:lstStyle/>
+          <a:p>
+            <a:pPr algn="ctr"/>
+            <a:r>
+              <a:rPr lang="en-US" altLang="ko-KR" dirty="0">
+                <a:solidFill>
+                  <a:schemeClr val="tx1"/>
+                </a:solidFill>
+              </a:rPr>
+              <a:t>Back</a:t>
+            </a:r>
+            <a:endParaRPr lang="ko-KR" altLang="en-US" dirty="0">
+              <a:solidFill>
+                <a:schemeClr val="tx1"/>
+              </a:solidFill>
+            </a:endParaRPr>
+          </a:p>
+        </p:txBody>
+      </p:sp>
+      <p:sp>
+        <p:nvSpPr>
+          <p:cNvPr id="75" name="직사각형 74">
+            <a:extLst>
+              <a:ext uri="{FF2B5EF4-FFF2-40B4-BE49-F238E27FC236}">
+                <a16:creationId xmlns:a16="http://schemas.microsoft.com/office/drawing/2014/main" id="{48D83A36-754B-498A-9CA3-900850309DAF}"/>
+              </a:ext>
+            </a:extLst>
+          </p:cNvPr>
+          <p:cNvSpPr/>
+          <p:nvPr/>
+        </p:nvSpPr>
+        <p:spPr>
+          <a:xfrm>
+            <a:off x="2342838" y="387991"/>
+            <a:ext cx="1424895" cy="324223"/>
+          </a:xfrm>
+          <a:prstGeom prst="rect">
+            <a:avLst/>
+          </a:prstGeom>
+          <a:solidFill>
+            <a:schemeClr val="bg1">
+              <a:lumMod val="85000"/>
+            </a:schemeClr>
+          </a:solidFill>
+          <a:ln>
+            <a:noFill/>
+          </a:ln>
+        </p:spPr>
+        <p:style>
+          <a:lnRef idx="2">
+            <a:schemeClr val="accent1">
+              <a:shade val="50000"/>
+            </a:schemeClr>
+          </a:lnRef>
+          <a:fillRef idx="1">
+            <a:schemeClr val="accent1"/>
+          </a:fillRef>
+          <a:effectRef idx="0">
+            <a:schemeClr val="accent1"/>
+          </a:effectRef>
+          <a:fontRef idx="minor">
+            <a:schemeClr val="lt1"/>
+          </a:fontRef>
+        </p:style>
+        <p:txBody>
+          <a:bodyPr rtlCol="0" anchor="ctr"/>
+          <a:lstStyle/>
+          <a:p>
+            <a:pPr algn="ctr"/>
+            <a:r>
+              <a:rPr lang="en-US" altLang="ko-KR" dirty="0">
+                <a:solidFill>
+                  <a:schemeClr val="tx1"/>
+                </a:solidFill>
+              </a:rPr>
+              <a:t>Interface</a:t>
+            </a:r>
+            <a:endParaRPr lang="ko-KR" altLang="en-US" dirty="0">
+              <a:solidFill>
+                <a:schemeClr val="tx1"/>
+              </a:solidFill>
+            </a:endParaRPr>
+          </a:p>
+        </p:txBody>
+      </p:sp>
+      <p:sp>
+        <p:nvSpPr>
+          <p:cNvPr id="76" name="직사각형 75">
+            <a:extLst>
+              <a:ext uri="{FF2B5EF4-FFF2-40B4-BE49-F238E27FC236}">
+                <a16:creationId xmlns:a16="http://schemas.microsoft.com/office/drawing/2014/main" id="{E65D76DB-0283-4181-A921-BE8DA3C8EB09}"/>
+              </a:ext>
+            </a:extLst>
+          </p:cNvPr>
+          <p:cNvSpPr/>
+          <p:nvPr/>
+        </p:nvSpPr>
+        <p:spPr>
+          <a:xfrm>
+            <a:off x="557846" y="387991"/>
+            <a:ext cx="1424895" cy="324223"/>
+          </a:xfrm>
+          <a:prstGeom prst="rect">
+            <a:avLst/>
+          </a:prstGeom>
+          <a:solidFill>
+            <a:schemeClr val="bg1">
+              <a:lumMod val="85000"/>
+            </a:schemeClr>
+          </a:solidFill>
+          <a:ln>
+            <a:noFill/>
+          </a:ln>
+        </p:spPr>
+        <p:style>
+          <a:lnRef idx="2">
+            <a:schemeClr val="accent1">
+              <a:shade val="50000"/>
+            </a:schemeClr>
+          </a:lnRef>
+          <a:fillRef idx="1">
+            <a:schemeClr val="accent1"/>
+          </a:fillRef>
+          <a:effectRef idx="0">
+            <a:schemeClr val="accent1"/>
+          </a:effectRef>
+          <a:fontRef idx="minor">
+            <a:schemeClr val="lt1"/>
+          </a:fontRef>
+        </p:style>
+        <p:txBody>
+          <a:bodyPr rtlCol="0" anchor="ctr"/>
+          <a:lstStyle/>
+          <a:p>
+            <a:pPr algn="ctr"/>
+            <a:r>
+              <a:rPr lang="en-US" altLang="ko-KR" dirty="0">
+                <a:solidFill>
+                  <a:schemeClr val="tx1"/>
+                </a:solidFill>
+              </a:rPr>
+              <a:t>User</a:t>
+            </a:r>
+            <a:endParaRPr lang="ko-KR" altLang="en-US" dirty="0">
+              <a:solidFill>
+                <a:schemeClr val="tx1"/>
+              </a:solidFill>
+            </a:endParaRPr>
+          </a:p>
+        </p:txBody>
+      </p:sp>
+      <p:sp>
+        <p:nvSpPr>
+          <p:cNvPr id="57" name="직사각형 56">
+            <a:extLst>
+              <a:ext uri="{FF2B5EF4-FFF2-40B4-BE49-F238E27FC236}">
+                <a16:creationId xmlns:a16="http://schemas.microsoft.com/office/drawing/2014/main" id="{ABBE455F-0A28-4A2B-BEC2-F4BFDD8379E3}"/>
+              </a:ext>
+            </a:extLst>
+          </p:cNvPr>
+          <p:cNvSpPr/>
+          <p:nvPr/>
+        </p:nvSpPr>
+        <p:spPr>
+          <a:xfrm>
+            <a:off x="4246440" y="1057194"/>
+            <a:ext cx="2446583" cy="938093"/>
+          </a:xfrm>
+          <a:prstGeom prst="rect">
+            <a:avLst/>
+          </a:prstGeom>
+          <a:noFill/>
+          <a:ln>
+            <a:solidFill>
+              <a:schemeClr val="tx1"/>
+            </a:solidFill>
+            <a:prstDash val="lgDash"/>
+          </a:ln>
+        </p:spPr>
+        <p:style>
+          <a:lnRef idx="2">
+            <a:schemeClr val="accent1">
+              <a:shade val="50000"/>
+            </a:schemeClr>
+          </a:lnRef>
+          <a:fillRef idx="1">
+            <a:schemeClr val="accent1"/>
+          </a:fillRef>
+          <a:effectRef idx="0">
+            <a:schemeClr val="accent1"/>
+          </a:effectRef>
+          <a:fontRef idx="minor">
+            <a:schemeClr val="lt1"/>
+          </a:fontRef>
+        </p:style>
+        <p:txBody>
+          <a:bodyPr rtlCol="0" anchor="ctr"/>
+          <a:lstStyle/>
+          <a:p>
+            <a:r>
+              <a:rPr lang="en-US" altLang="ko-KR" sz="1400" dirty="0">
+                <a:solidFill>
+                  <a:schemeClr val="tx1"/>
+                </a:solidFill>
+              </a:rPr>
+              <a:t>* response: output, context</a:t>
+            </a:r>
+          </a:p>
+          <a:p>
+            <a:r>
+              <a:rPr lang="en-US" altLang="ko-KR" sz="1400" dirty="0">
+                <a:solidFill>
+                  <a:schemeClr val="tx1"/>
+                </a:solidFill>
+              </a:rPr>
+              <a:t>** payload: input, context</a:t>
+            </a:r>
+          </a:p>
+          <a:p>
+            <a:r>
+              <a:rPr lang="en-US" altLang="ko-KR" sz="1400" dirty="0">
+                <a:solidFill>
+                  <a:schemeClr val="tx1"/>
+                </a:solidFill>
+                <a:ea typeface="HY견고딕" panose="02030600000101010101" pitchFamily="18" charset="-127"/>
+                <a:sym typeface="Wingdings" panose="05000000000000000000" pitchFamily="2" charset="2"/>
+              </a:rPr>
+              <a:t>*** </a:t>
+            </a:r>
+            <a:r>
+              <a:rPr lang="en-US" altLang="ko-KR" sz="1400" dirty="0">
+                <a:solidFill>
+                  <a:schemeClr val="tx1"/>
+                </a:solidFill>
+              </a:rPr>
+              <a:t>context: command, data</a:t>
+            </a:r>
+          </a:p>
+          <a:p>
+            <a:r>
+              <a:rPr lang="en-US" altLang="ko-KR" sz="1400" dirty="0">
+                <a:solidFill>
+                  <a:schemeClr val="tx1"/>
+                </a:solidFill>
+                <a:ea typeface="HY견고딕" panose="02030600000101010101" pitchFamily="18" charset="-127"/>
+                <a:sym typeface="Wingdings" panose="05000000000000000000" pitchFamily="2" charset="2"/>
+              </a:rPr>
+              <a:t>**** </a:t>
+            </a:r>
+            <a:r>
+              <a:rPr lang="en-US" altLang="ko-KR" sz="1400" dirty="0">
+                <a:solidFill>
+                  <a:schemeClr val="tx1"/>
+                </a:solidFill>
+              </a:rPr>
+              <a:t>context: data </a:t>
+            </a:r>
+          </a:p>
+        </p:txBody>
+      </p:sp>
+      <p:sp>
+        <p:nvSpPr>
+          <p:cNvPr id="96" name="직사각형 95">
+            <a:extLst>
+              <a:ext uri="{FF2B5EF4-FFF2-40B4-BE49-F238E27FC236}">
+                <a16:creationId xmlns:a16="http://schemas.microsoft.com/office/drawing/2014/main" id="{6B04572D-EEED-4075-9A30-7B9CE2120D6B}"/>
+              </a:ext>
+            </a:extLst>
+          </p:cNvPr>
+          <p:cNvSpPr/>
+          <p:nvPr/>
+        </p:nvSpPr>
+        <p:spPr>
+          <a:xfrm>
+            <a:off x="5358137" y="383000"/>
+            <a:ext cx="2899886" cy="329214"/>
+          </a:xfrm>
+          <a:prstGeom prst="rect">
+            <a:avLst/>
+          </a:prstGeom>
+          <a:solidFill>
+            <a:schemeClr val="bg1">
+              <a:lumMod val="85000"/>
+            </a:schemeClr>
+          </a:solidFill>
+          <a:ln>
+            <a:noFill/>
+          </a:ln>
+        </p:spPr>
+        <p:style>
+          <a:lnRef idx="2">
+            <a:schemeClr val="accent1">
+              <a:shade val="50000"/>
+            </a:schemeClr>
+          </a:lnRef>
+          <a:fillRef idx="1">
+            <a:schemeClr val="accent1"/>
+          </a:fillRef>
+          <a:effectRef idx="0">
+            <a:schemeClr val="accent1"/>
+          </a:effectRef>
+          <a:fontRef idx="minor">
+            <a:schemeClr val="lt1"/>
+          </a:fontRef>
+        </p:style>
+        <p:txBody>
+          <a:bodyPr rtlCol="0" anchor="ctr"/>
+          <a:lstStyle/>
+          <a:p>
+            <a:pPr algn="ctr"/>
+            <a:r>
+              <a:rPr lang="en-US" altLang="ko-KR" dirty="0">
+                <a:solidFill>
+                  <a:schemeClr val="tx1"/>
+                </a:solidFill>
+              </a:rPr>
+              <a:t>Application</a:t>
+            </a:r>
+            <a:endParaRPr lang="ko-KR" altLang="en-US" dirty="0">
+              <a:solidFill>
+                <a:schemeClr val="tx1"/>
+              </a:solidFill>
+            </a:endParaRPr>
+          </a:p>
+        </p:txBody>
+      </p:sp>
+    </p:spTree>
+    <p:extLst>
+      <p:ext uri="{BB962C8B-B14F-4D97-AF65-F5344CB8AC3E}">
+        <p14:creationId xmlns:p14="http://schemas.microsoft.com/office/powerpoint/2010/main" val="1549779095"/>
+      </p:ext>
+    </p:extLst>
+  </p:cSld>
+  <p:clrMapOvr>
+    <a:masterClrMapping/>
+  </p:clrMapOvr>
+</p:sld>
+</file>
+
+<file path=ppt/slides/slide3.xml><?xml version="1.0" encoding="utf-8"?>
+<p:sld xmlns:a="http://schemas.openxmlformats.org/drawingml/2006/main" xmlns:r="http://schemas.openxmlformats.org/officeDocument/2006/relationships" xmlns:p="http://schemas.openxmlformats.org/presentationml/2006/main">
+  <p:cSld>
+    <p:spTree>
+      <p:nvGrpSpPr>
+        <p:cNvPr id="1" name=""/>
+        <p:cNvGrpSpPr/>
+        <p:nvPr/>
+      </p:nvGrpSpPr>
+      <p:grpSpPr>
+        <a:xfrm>
+          <a:off x="0" y="0"/>
+          <a:ext cx="0" cy="0"/>
+          <a:chOff x="0" y="0"/>
+          <a:chExt cx="0" cy="0"/>
+        </a:xfrm>
+      </p:grpSpPr>
       <p:sp>
         <p:nvSpPr>
           <p:cNvPr id="2" name="제목 1">
@@ -6795,7 +9167,7 @@
 </p:sld>
 </file>
 
-<file path=ppt/slides/slide3.xml><?xml version="1.0" encoding="utf-8"?>
+<file path=ppt/slides/slide4.xml><?xml version="1.0" encoding="utf-8"?>
 <p:sld xmlns:a="http://schemas.openxmlformats.org/drawingml/2006/main" xmlns:r="http://schemas.openxmlformats.org/officeDocument/2006/relationships" xmlns:p="http://schemas.openxmlformats.org/presentationml/2006/main">
   <p:cSld>
     <p:spTree>
@@ -7097,7 +9469,7 @@
 </p:sld>
 </file>
 
-<file path=ppt/slides/slide4.xml><?xml version="1.0" encoding="utf-8"?>
+<file path=ppt/slides/slide5.xml><?xml version="1.0" encoding="utf-8"?>
 <p:sld xmlns:a="http://schemas.openxmlformats.org/drawingml/2006/main" xmlns:r="http://schemas.openxmlformats.org/officeDocument/2006/relationships" xmlns:p="http://schemas.openxmlformats.org/presentationml/2006/main">
   <p:cSld>
     <p:spTree>
@@ -7244,7 +9616,7 @@
 </p:sld>
 </file>
 
-<file path=ppt/slides/slide5.xml><?xml version="1.0" encoding="utf-8"?>
+<file path=ppt/slides/slide6.xml><?xml version="1.0" encoding="utf-8"?>
 <p:sld xmlns:a="http://schemas.openxmlformats.org/drawingml/2006/main" xmlns:r="http://schemas.openxmlformats.org/officeDocument/2006/relationships" xmlns:p="http://schemas.openxmlformats.org/presentationml/2006/main">
   <p:cSld>
     <p:spTree>
@@ -7800,7 +10172,7 @@
 </p:sld>
 </file>
 
-<file path=ppt/slides/slide6.xml><?xml version="1.0" encoding="utf-8"?>
+<file path=ppt/slides/slide7.xml><?xml version="1.0" encoding="utf-8"?>
 <p:sld xmlns:a="http://schemas.openxmlformats.org/drawingml/2006/main" xmlns:r="http://schemas.openxmlformats.org/officeDocument/2006/relationships" xmlns:p="http://schemas.openxmlformats.org/presentationml/2006/main">
   <p:cSld>
     <p:spTree>
@@ -8926,7 +11298,7 @@
 </p:sld>
 </file>
 
-<file path=ppt/slides/slide7.xml><?xml version="1.0" encoding="utf-8"?>
+<file path=ppt/slides/slide8.xml><?xml version="1.0" encoding="utf-8"?>
 <p:sld xmlns:a="http://schemas.openxmlformats.org/drawingml/2006/main" xmlns:r="http://schemas.openxmlformats.org/officeDocument/2006/relationships" xmlns:p="http://schemas.openxmlformats.org/presentationml/2006/main">
   <p:cSld>
     <p:spTree>

--- a/설계도.pptx
+++ b/설계도.pptx
@@ -12,7 +12,8 @@
     <p:sldId id="261" r:id="rId6"/>
     <p:sldId id="267" r:id="rId7"/>
     <p:sldId id="269" r:id="rId8"/>
-    <p:sldId id="262" r:id="rId9"/>
+    <p:sldId id="270" r:id="rId9"/>
+    <p:sldId id="262" r:id="rId10"/>
   </p:sldIdLst>
   <p:sldSz cx="12192000" cy="6858000"/>
   <p:notesSz cx="6858000" cy="9144000"/>
@@ -7426,7 +7427,7 @@
             <p:nvPr/>
           </p:nvSpPr>
           <p:spPr>
-            <a:xfrm rot="2412896">
+            <a:xfrm rot="2373360">
               <a:off x="8510832" y="4532032"/>
               <a:ext cx="652613" cy="314943"/>
             </a:xfrm>
@@ -9009,7 +9010,10 @@
             <a:endParaRPr lang="en-US" altLang="ko-KR" dirty="0"/>
           </a:p>
           <a:p>
-            <a:endParaRPr lang="en-US" altLang="ko-KR" dirty="0"/>
+            <a:r>
+              <a:rPr lang="en-US" altLang="ko-KR" dirty="0"/>
+              <a:t>$ command</a:t>
+            </a:r>
           </a:p>
           <a:p>
             <a:endParaRPr lang="en-US" altLang="ko-KR" dirty="0"/>
@@ -11299,6 +11303,1592 @@
 </file>
 
 <file path=ppt/slides/slide8.xml><?xml version="1.0" encoding="utf-8"?>
+<p:sld xmlns:a="http://schemas.openxmlformats.org/drawingml/2006/main" xmlns:r="http://schemas.openxmlformats.org/officeDocument/2006/relationships" xmlns:p="http://schemas.openxmlformats.org/presentationml/2006/main">
+  <p:cSld>
+    <p:spTree>
+      <p:nvGrpSpPr>
+        <p:cNvPr id="1" name=""/>
+        <p:cNvGrpSpPr/>
+        <p:nvPr/>
+      </p:nvGrpSpPr>
+      <p:grpSpPr>
+        <a:xfrm>
+          <a:off x="0" y="0"/>
+          <a:ext cx="0" cy="0"/>
+          <a:chOff x="0" y="0"/>
+          <a:chExt cx="0" cy="0"/>
+        </a:xfrm>
+      </p:grpSpPr>
+      <p:graphicFrame>
+        <p:nvGraphicFramePr>
+          <p:cNvPr id="4" name="표 3">
+            <a:extLst>
+              <a:ext uri="{FF2B5EF4-FFF2-40B4-BE49-F238E27FC236}">
+                <a16:creationId xmlns:a16="http://schemas.microsoft.com/office/drawing/2014/main" id="{7FD8E9F1-50D5-479B-8A12-14D1424A10D9}"/>
+              </a:ext>
+            </a:extLst>
+          </p:cNvPr>
+          <p:cNvGraphicFramePr>
+            <a:graphicFrameLocks noGrp="1"/>
+          </p:cNvGraphicFramePr>
+          <p:nvPr>
+            <p:extLst>
+              <p:ext uri="{D42A27DB-BD31-4B8C-83A1-F6EECF244321}">
+                <p14:modId xmlns:p14="http://schemas.microsoft.com/office/powerpoint/2010/main" val="1101463915"/>
+              </p:ext>
+            </p:extLst>
+          </p:nvPr>
+        </p:nvGraphicFramePr>
+        <p:xfrm>
+          <a:off x="1027550" y="612094"/>
+          <a:ext cx="4289198" cy="2103120"/>
+        </p:xfrm>
+        <a:graphic>
+          <a:graphicData uri="http://schemas.openxmlformats.org/drawingml/2006/table">
+            <a:tbl>
+              <a:tblPr firstRow="1" bandRow="1">
+                <a:tableStyleId>{073A0DAA-6AF3-43AB-8588-CEC1D06C72B9}</a:tableStyleId>
+              </a:tblPr>
+              <a:tblGrid>
+                <a:gridCol w="4289198">
+                  <a:extLst>
+                    <a:ext uri="{9D8B030D-6E8A-4147-A177-3AD203B41FA5}">
+                      <a16:colId xmlns:a16="http://schemas.microsoft.com/office/drawing/2014/main" val="3529762494"/>
+                    </a:ext>
+                  </a:extLst>
+                </a:gridCol>
+              </a:tblGrid>
+              <a:tr h="269279">
+                <a:tc>
+                  <a:txBody>
+                    <a:bodyPr/>
+                    <a:lstStyle/>
+                    <a:p>
+                      <a:pPr marL="0" marR="0" lvl="0" indent="0" algn="l" defTabSz="914400" rtl="0" eaLnBrk="1" fontAlgn="auto" latinLnBrk="1" hangingPunct="1">
+                        <a:lnSpc>
+                          <a:spcPct val="100000"/>
+                        </a:lnSpc>
+                        <a:spcBef>
+                          <a:spcPts val="0"/>
+                        </a:spcBef>
+                        <a:spcAft>
+                          <a:spcPts val="0"/>
+                        </a:spcAft>
+                        <a:buClrTx/>
+                        <a:buSzTx/>
+                        <a:buFontTx/>
+                        <a:buNone/>
+                        <a:tabLst/>
+                        <a:defRPr/>
+                      </a:pPr>
+                      <a:r>
+                        <a:rPr lang="en-US" altLang="ko-KR" sz="1400" dirty="0"/>
+                        <a:t> (a) recipes </a:t>
+                      </a:r>
+                    </a:p>
+                  </a:txBody>
+                  <a:tcPr/>
+                </a:tc>
+                <a:extLst>
+                  <a:ext uri="{0D108BD9-81ED-4DB2-BD59-A6C34878D82A}">
+                    <a16:rowId xmlns:a16="http://schemas.microsoft.com/office/drawing/2014/main" val="2614225873"/>
+                  </a:ext>
+                </a:extLst>
+              </a:tr>
+              <a:tr h="1588746">
+                <a:tc>
+                  <a:txBody>
+                    <a:bodyPr/>
+                    <a:lstStyle/>
+                    <a:p>
+                      <a:r>
+                        <a:rPr lang="en-US" altLang="ko-KR" sz="1400" dirty="0"/>
+                        <a:t>`Id`: INT NOT NULL AUTO_INCREMENT(PK)</a:t>
+                      </a:r>
+                    </a:p>
+                    <a:p>
+                      <a:r>
+                        <a:rPr lang="en-US" altLang="ko-KR" sz="1400" dirty="0"/>
+                        <a:t>`</a:t>
+                      </a:r>
+                      <a:r>
+                        <a:rPr lang="en-US" altLang="ko-KR" sz="1400" dirty="0" err="1"/>
+                        <a:t>Menu_type</a:t>
+                      </a:r>
+                      <a:r>
+                        <a:rPr lang="en-US" altLang="ko-KR" sz="1400" dirty="0"/>
+                        <a:t>`: INT NOT NULL</a:t>
+                      </a:r>
+                    </a:p>
+                    <a:p>
+                      <a:r>
+                        <a:rPr lang="en-US" altLang="ko-KR" sz="1400" dirty="0"/>
+                        <a:t>`Menu`: VARCHAR(50) NOT NULL</a:t>
+                      </a:r>
+                    </a:p>
+                    <a:p>
+                      <a:r>
+                        <a:rPr lang="en-US" altLang="ko-KR" sz="1400" dirty="0"/>
+                        <a:t>`Image`: TEXT</a:t>
+                      </a:r>
+                    </a:p>
+                    <a:p>
+                      <a:r>
+                        <a:rPr lang="en-US" altLang="ko-KR" sz="1400" dirty="0"/>
+                        <a:t>`Ingredient`: TEXT</a:t>
+                      </a:r>
+                    </a:p>
+                    <a:p>
+                      <a:r>
+                        <a:rPr lang="en-US" altLang="ko-KR" sz="1400" dirty="0"/>
+                        <a:t>`</a:t>
+                      </a:r>
+                      <a:r>
+                        <a:rPr lang="en-US" altLang="ko-KR" sz="1400" dirty="0" err="1"/>
+                        <a:t>Cooking_step</a:t>
+                      </a:r>
+                      <a:r>
+                        <a:rPr lang="en-US" altLang="ko-KR" sz="1400" dirty="0"/>
+                        <a:t>`: TEXT NOT NULL</a:t>
+                      </a:r>
+                    </a:p>
+                    <a:p>
+                      <a:r>
+                        <a:rPr lang="en-US" altLang="ko-KR" sz="1400" dirty="0"/>
+                        <a:t>`</a:t>
+                      </a:r>
+                      <a:r>
+                        <a:rPr lang="en-US" altLang="ko-KR" sz="1400" dirty="0" err="1"/>
+                        <a:t>Cooking_time</a:t>
+                      </a:r>
+                      <a:r>
+                        <a:rPr lang="en-US" altLang="ko-KR" sz="1400" dirty="0"/>
+                        <a:t>`: INT NOT NULL</a:t>
+                      </a:r>
+                    </a:p>
+                    <a:p>
+                      <a:r>
+                        <a:rPr lang="en-US" altLang="ko-KR" sz="1400" dirty="0"/>
+                        <a:t>`Calorie`: FLOAT NOT NULL</a:t>
+                      </a:r>
+                    </a:p>
+                  </a:txBody>
+                  <a:tcPr/>
+                </a:tc>
+                <a:extLst>
+                  <a:ext uri="{0D108BD9-81ED-4DB2-BD59-A6C34878D82A}">
+                    <a16:rowId xmlns:a16="http://schemas.microsoft.com/office/drawing/2014/main" val="2844174992"/>
+                  </a:ext>
+                </a:extLst>
+              </a:tr>
+            </a:tbl>
+          </a:graphicData>
+        </a:graphic>
+      </p:graphicFrame>
+      <p:graphicFrame>
+        <p:nvGraphicFramePr>
+          <p:cNvPr id="5" name="표 4">
+            <a:extLst>
+              <a:ext uri="{FF2B5EF4-FFF2-40B4-BE49-F238E27FC236}">
+                <a16:creationId xmlns:a16="http://schemas.microsoft.com/office/drawing/2014/main" id="{7AEAD1D8-4811-4287-81C5-17731CCFAF63}"/>
+              </a:ext>
+            </a:extLst>
+          </p:cNvPr>
+          <p:cNvGraphicFramePr>
+            <a:graphicFrameLocks noGrp="1"/>
+          </p:cNvGraphicFramePr>
+          <p:nvPr>
+            <p:extLst>
+              <p:ext uri="{D42A27DB-BD31-4B8C-83A1-F6EECF244321}">
+                <p14:modId xmlns:p14="http://schemas.microsoft.com/office/powerpoint/2010/main" val="2146725481"/>
+              </p:ext>
+            </p:extLst>
+          </p:nvPr>
+        </p:nvGraphicFramePr>
+        <p:xfrm>
+          <a:off x="1027550" y="2863804"/>
+          <a:ext cx="4289198" cy="1463040"/>
+        </p:xfrm>
+        <a:graphic>
+          <a:graphicData uri="http://schemas.openxmlformats.org/drawingml/2006/table">
+            <a:tbl>
+              <a:tblPr firstRow="1" bandRow="1">
+                <a:tableStyleId>{073A0DAA-6AF3-43AB-8588-CEC1D06C72B9}</a:tableStyleId>
+              </a:tblPr>
+              <a:tblGrid>
+                <a:gridCol w="4289198">
+                  <a:extLst>
+                    <a:ext uri="{9D8B030D-6E8A-4147-A177-3AD203B41FA5}">
+                      <a16:colId xmlns:a16="http://schemas.microsoft.com/office/drawing/2014/main" val="649459055"/>
+                    </a:ext>
+                  </a:extLst>
+                </a:gridCol>
+              </a:tblGrid>
+              <a:tr h="223107">
+                <a:tc>
+                  <a:txBody>
+                    <a:bodyPr/>
+                    <a:lstStyle/>
+                    <a:p>
+                      <a:pPr latinLnBrk="1"/>
+                      <a:r>
+                        <a:rPr lang="en-US" altLang="ko-KR" sz="1400" dirty="0"/>
+                        <a:t> (b) user</a:t>
+                      </a:r>
+                      <a:endParaRPr lang="ko-KR" altLang="en-US" sz="1400" dirty="0"/>
+                    </a:p>
+                  </a:txBody>
+                  <a:tcPr/>
+                </a:tc>
+                <a:extLst>
+                  <a:ext uri="{0D108BD9-81ED-4DB2-BD59-A6C34878D82A}">
+                    <a16:rowId xmlns:a16="http://schemas.microsoft.com/office/drawing/2014/main" val="1586091794"/>
+                  </a:ext>
+                </a:extLst>
+              </a:tr>
+              <a:tr h="1003983">
+                <a:tc>
+                  <a:txBody>
+                    <a:bodyPr/>
+                    <a:lstStyle/>
+                    <a:p>
+                      <a:pPr latinLnBrk="1"/>
+                      <a:r>
+                        <a:rPr lang="en-US" altLang="ko-KR" sz="1400" dirty="0"/>
+                        <a:t>`</a:t>
+                      </a:r>
+                      <a:r>
+                        <a:rPr lang="en-US" altLang="ko-KR" sz="1400" dirty="0" err="1"/>
+                        <a:t>user_id</a:t>
+                      </a:r>
+                      <a:r>
+                        <a:rPr lang="en-US" altLang="ko-KR" sz="1400" dirty="0"/>
+                        <a:t>`: VARCHAR(50) NOT NULL PRIMARY KEY</a:t>
+                      </a:r>
+                    </a:p>
+                    <a:p>
+                      <a:pPr latinLnBrk="1"/>
+                      <a:r>
+                        <a:rPr lang="en-US" altLang="ko-KR" sz="1400" dirty="0"/>
+                        <a:t>`Allergy`: VARCHAR(30)</a:t>
+                      </a:r>
+                    </a:p>
+                    <a:p>
+                      <a:pPr latinLnBrk="1"/>
+                      <a:r>
+                        <a:rPr lang="en-US" altLang="ko-KR" sz="1400" dirty="0"/>
+                        <a:t>`priority`: VARCHAR(1) </a:t>
+                      </a:r>
+                    </a:p>
+                    <a:p>
+                      <a:pPr latinLnBrk="1"/>
+                      <a:r>
+                        <a:rPr lang="en-US" altLang="ko-KR" sz="1400" dirty="0"/>
+                        <a:t>`likes`: VARCHAR(30)</a:t>
+                      </a:r>
+                    </a:p>
+                    <a:p>
+                      <a:pPr latinLnBrk="1"/>
+                      <a:r>
+                        <a:rPr lang="en-US" altLang="ko-KR" sz="1400" dirty="0"/>
+                        <a:t>`Hates`: VARCHAR(30)</a:t>
+                      </a:r>
+                    </a:p>
+                  </a:txBody>
+                  <a:tcPr/>
+                </a:tc>
+                <a:extLst>
+                  <a:ext uri="{0D108BD9-81ED-4DB2-BD59-A6C34878D82A}">
+                    <a16:rowId xmlns:a16="http://schemas.microsoft.com/office/drawing/2014/main" val="2950145686"/>
+                  </a:ext>
+                </a:extLst>
+              </a:tr>
+            </a:tbl>
+          </a:graphicData>
+        </a:graphic>
+      </p:graphicFrame>
+      <p:graphicFrame>
+        <p:nvGraphicFramePr>
+          <p:cNvPr id="6" name="표 5">
+            <a:extLst>
+              <a:ext uri="{FF2B5EF4-FFF2-40B4-BE49-F238E27FC236}">
+                <a16:creationId xmlns:a16="http://schemas.microsoft.com/office/drawing/2014/main" id="{270AF0A4-E6F1-4515-99A8-B0F5F1D0AC2C}"/>
+              </a:ext>
+            </a:extLst>
+          </p:cNvPr>
+          <p:cNvGraphicFramePr>
+            <a:graphicFrameLocks noGrp="1"/>
+          </p:cNvGraphicFramePr>
+          <p:nvPr>
+            <p:extLst>
+              <p:ext uri="{D42A27DB-BD31-4B8C-83A1-F6EECF244321}">
+                <p14:modId xmlns:p14="http://schemas.microsoft.com/office/powerpoint/2010/main" val="1586987619"/>
+              </p:ext>
+            </p:extLst>
+          </p:nvPr>
+        </p:nvGraphicFramePr>
+        <p:xfrm>
+          <a:off x="1027550" y="4475434"/>
+          <a:ext cx="4289198" cy="822960"/>
+        </p:xfrm>
+        <a:graphic>
+          <a:graphicData uri="http://schemas.openxmlformats.org/drawingml/2006/table">
+            <a:tbl>
+              <a:tblPr firstRow="1" bandRow="1">
+                <a:tableStyleId>{073A0DAA-6AF3-43AB-8588-CEC1D06C72B9}</a:tableStyleId>
+              </a:tblPr>
+              <a:tblGrid>
+                <a:gridCol w="4289198">
+                  <a:extLst>
+                    <a:ext uri="{9D8B030D-6E8A-4147-A177-3AD203B41FA5}">
+                      <a16:colId xmlns:a16="http://schemas.microsoft.com/office/drawing/2014/main" val="3698952822"/>
+                    </a:ext>
+                  </a:extLst>
+                </a:gridCol>
+              </a:tblGrid>
+              <a:tr h="281906">
+                <a:tc>
+                  <a:txBody>
+                    <a:bodyPr/>
+                    <a:lstStyle/>
+                    <a:p>
+                      <a:pPr latinLnBrk="1"/>
+                      <a:r>
+                        <a:rPr lang="en-US" altLang="ko-KR" sz="1400" dirty="0"/>
+                        <a:t>(c) </a:t>
+                      </a:r>
+                      <a:r>
+                        <a:rPr lang="en-US" altLang="ko-KR" sz="1400" dirty="0" err="1"/>
+                        <a:t>erm</a:t>
+                      </a:r>
+                      <a:endParaRPr lang="ko-KR" altLang="en-US" sz="1400" dirty="0"/>
+                    </a:p>
+                  </a:txBody>
+                  <a:tcPr/>
+                </a:tc>
+                <a:extLst>
+                  <a:ext uri="{0D108BD9-81ED-4DB2-BD59-A6C34878D82A}">
+                    <a16:rowId xmlns:a16="http://schemas.microsoft.com/office/drawing/2014/main" val="153258639"/>
+                  </a:ext>
+                </a:extLst>
+              </a:tr>
+              <a:tr h="478419">
+                <a:tc>
+                  <a:txBody>
+                    <a:bodyPr/>
+                    <a:lstStyle/>
+                    <a:p>
+                      <a:pPr latinLnBrk="1"/>
+                      <a:r>
+                        <a:rPr lang="en-US" altLang="ko-KR" sz="1400" kern="1200" dirty="0">
+                          <a:effectLst/>
+                        </a:rPr>
+                        <a:t>`title`: CHAR(56) NOT NULL PRIMARY KEY</a:t>
+                      </a:r>
+                    </a:p>
+                    <a:p>
+                      <a:pPr latinLnBrk="1"/>
+                      <a:r>
+                        <a:rPr lang="en-US" altLang="ko-KR" sz="1400" kern="1200" dirty="0">
+                          <a:effectLst/>
+                        </a:rPr>
+                        <a:t>`descript`: TEXT NOT NULL</a:t>
+                      </a:r>
+                      <a:endParaRPr lang="en-US" altLang="ko-KR" sz="1400" b="0" i="0" kern="1200" dirty="0">
+                        <a:solidFill>
+                          <a:schemeClr val="dk1"/>
+                        </a:solidFill>
+                        <a:effectLst/>
+                        <a:latin typeface="+mn-lt"/>
+                        <a:ea typeface="+mn-ea"/>
+                        <a:cs typeface="+mn-cs"/>
+                      </a:endParaRPr>
+                    </a:p>
+                  </a:txBody>
+                  <a:tcPr/>
+                </a:tc>
+                <a:extLst>
+                  <a:ext uri="{0D108BD9-81ED-4DB2-BD59-A6C34878D82A}">
+                    <a16:rowId xmlns:a16="http://schemas.microsoft.com/office/drawing/2014/main" val="3496548554"/>
+                  </a:ext>
+                </a:extLst>
+              </a:tr>
+            </a:tbl>
+          </a:graphicData>
+        </a:graphic>
+      </p:graphicFrame>
+      <p:graphicFrame>
+        <p:nvGraphicFramePr>
+          <p:cNvPr id="7" name="표 6">
+            <a:extLst>
+              <a:ext uri="{FF2B5EF4-FFF2-40B4-BE49-F238E27FC236}">
+                <a16:creationId xmlns:a16="http://schemas.microsoft.com/office/drawing/2014/main" id="{2ADCE2DC-9EE2-4E58-A7F8-94CFB8CA9534}"/>
+              </a:ext>
+            </a:extLst>
+          </p:cNvPr>
+          <p:cNvGraphicFramePr>
+            <a:graphicFrameLocks noGrp="1"/>
+          </p:cNvGraphicFramePr>
+          <p:nvPr>
+            <p:extLst>
+              <p:ext uri="{D42A27DB-BD31-4B8C-83A1-F6EECF244321}">
+                <p14:modId xmlns:p14="http://schemas.microsoft.com/office/powerpoint/2010/main" val="919295114"/>
+              </p:ext>
+            </p:extLst>
+          </p:nvPr>
+        </p:nvGraphicFramePr>
+        <p:xfrm>
+          <a:off x="5945379" y="612094"/>
+          <a:ext cx="4436763" cy="1036320"/>
+        </p:xfrm>
+        <a:graphic>
+          <a:graphicData uri="http://schemas.openxmlformats.org/drawingml/2006/table">
+            <a:tbl>
+              <a:tblPr firstRow="1" bandRow="1">
+                <a:tableStyleId>{073A0DAA-6AF3-43AB-8588-CEC1D06C72B9}</a:tableStyleId>
+              </a:tblPr>
+              <a:tblGrid>
+                <a:gridCol w="4436763">
+                  <a:extLst>
+                    <a:ext uri="{9D8B030D-6E8A-4147-A177-3AD203B41FA5}">
+                      <a16:colId xmlns:a16="http://schemas.microsoft.com/office/drawing/2014/main" val="106950068"/>
+                    </a:ext>
+                  </a:extLst>
+                </a:gridCol>
+              </a:tblGrid>
+              <a:tr h="0">
+                <a:tc>
+                  <a:txBody>
+                    <a:bodyPr/>
+                    <a:lstStyle/>
+                    <a:p>
+                      <a:pPr latinLnBrk="1"/>
+                      <a:r>
+                        <a:rPr lang="en-US" altLang="ko-KR" sz="1400" dirty="0"/>
+                        <a:t>(d) normal</a:t>
+                      </a:r>
+                      <a:endParaRPr lang="ko-KR" altLang="en-US" sz="1400" dirty="0"/>
+                    </a:p>
+                  </a:txBody>
+                  <a:tcPr/>
+                </a:tc>
+                <a:extLst>
+                  <a:ext uri="{0D108BD9-81ED-4DB2-BD59-A6C34878D82A}">
+                    <a16:rowId xmlns:a16="http://schemas.microsoft.com/office/drawing/2014/main" val="1755629422"/>
+                  </a:ext>
+                </a:extLst>
+              </a:tr>
+              <a:tr h="479527">
+                <a:tc>
+                  <a:txBody>
+                    <a:bodyPr/>
+                    <a:lstStyle/>
+                    <a:p>
+                      <a:pPr marL="0" marR="0" lvl="0" indent="0" algn="l" defTabSz="914400" rtl="0" eaLnBrk="1" fontAlgn="auto" latinLnBrk="1" hangingPunct="1">
+                        <a:lnSpc>
+                          <a:spcPct val="100000"/>
+                        </a:lnSpc>
+                        <a:spcBef>
+                          <a:spcPts val="0"/>
+                        </a:spcBef>
+                        <a:spcAft>
+                          <a:spcPts val="0"/>
+                        </a:spcAft>
+                        <a:buClrTx/>
+                        <a:buSzTx/>
+                        <a:buFontTx/>
+                        <a:buNone/>
+                        <a:tabLst/>
+                        <a:defRPr/>
+                      </a:pPr>
+                      <a:r>
+                        <a:rPr lang="en-US" altLang="ko-KR" sz="1400" dirty="0"/>
+                        <a:t>SELECT Id, </a:t>
+                      </a:r>
+                      <a:r>
+                        <a:rPr lang="en-US" altLang="ko-KR" sz="1400" dirty="0" err="1"/>
+                        <a:t>menu_type</a:t>
+                      </a:r>
+                      <a:r>
+                        <a:rPr lang="en-US" altLang="ko-KR" sz="1400" dirty="0"/>
+                        <a:t>, image, ingredient, </a:t>
+                      </a:r>
+                      <a:r>
+                        <a:rPr lang="en-US" altLang="ko-KR" sz="1400" dirty="0" err="1"/>
+                        <a:t>cooking_step</a:t>
+                      </a:r>
+                      <a:r>
+                        <a:rPr lang="en-US" altLang="ko-KR" sz="1400" dirty="0"/>
+                        <a:t>, </a:t>
+                      </a:r>
+                      <a:r>
+                        <a:rPr lang="en-US" altLang="ko-KR" sz="1400" dirty="0" err="1"/>
+                        <a:t>cooking_time</a:t>
+                      </a:r>
+                      <a:r>
+                        <a:rPr lang="en-US" altLang="ko-KR" sz="1400" dirty="0"/>
+                        <a:t>, calorie FROM recipes WHERE </a:t>
+                      </a:r>
+                      <a:r>
+                        <a:rPr lang="en-US" altLang="ko-KR" sz="1400" dirty="0" err="1"/>
+                        <a:t>menu_type</a:t>
+                      </a:r>
+                      <a:r>
+                        <a:rPr lang="en-US" altLang="ko-KR" sz="1400" dirty="0"/>
+                        <a:t>=1;</a:t>
+                      </a:r>
+                    </a:p>
+                  </a:txBody>
+                  <a:tcPr/>
+                </a:tc>
+                <a:extLst>
+                  <a:ext uri="{0D108BD9-81ED-4DB2-BD59-A6C34878D82A}">
+                    <a16:rowId xmlns:a16="http://schemas.microsoft.com/office/drawing/2014/main" val="1967514484"/>
+                  </a:ext>
+                </a:extLst>
+              </a:tr>
+            </a:tbl>
+          </a:graphicData>
+        </a:graphic>
+      </p:graphicFrame>
+      <p:graphicFrame>
+        <p:nvGraphicFramePr>
+          <p:cNvPr id="10" name="표 9">
+            <a:extLst>
+              <a:ext uri="{FF2B5EF4-FFF2-40B4-BE49-F238E27FC236}">
+                <a16:creationId xmlns:a16="http://schemas.microsoft.com/office/drawing/2014/main" id="{63BB967C-1293-419B-A692-D3FA236B55F4}"/>
+              </a:ext>
+            </a:extLst>
+          </p:cNvPr>
+          <p:cNvGraphicFramePr>
+            <a:graphicFrameLocks noGrp="1"/>
+          </p:cNvGraphicFramePr>
+          <p:nvPr>
+            <p:extLst>
+              <p:ext uri="{D42A27DB-BD31-4B8C-83A1-F6EECF244321}">
+                <p14:modId xmlns:p14="http://schemas.microsoft.com/office/powerpoint/2010/main" val="2874923542"/>
+              </p:ext>
+            </p:extLst>
+          </p:nvPr>
+        </p:nvGraphicFramePr>
+        <p:xfrm>
+          <a:off x="5945379" y="1679408"/>
+          <a:ext cx="4436763" cy="1036320"/>
+        </p:xfrm>
+        <a:graphic>
+          <a:graphicData uri="http://schemas.openxmlformats.org/drawingml/2006/table">
+            <a:tbl>
+              <a:tblPr firstRow="1" bandRow="1">
+                <a:tableStyleId>{073A0DAA-6AF3-43AB-8588-CEC1D06C72B9}</a:tableStyleId>
+              </a:tblPr>
+              <a:tblGrid>
+                <a:gridCol w="4436763">
+                  <a:extLst>
+                    <a:ext uri="{9D8B030D-6E8A-4147-A177-3AD203B41FA5}">
+                      <a16:colId xmlns:a16="http://schemas.microsoft.com/office/drawing/2014/main" val="945568529"/>
+                    </a:ext>
+                  </a:extLst>
+                </a:gridCol>
+              </a:tblGrid>
+              <a:tr h="246121">
+                <a:tc>
+                  <a:txBody>
+                    <a:bodyPr/>
+                    <a:lstStyle/>
+                    <a:p>
+                      <a:pPr latinLnBrk="1"/>
+                      <a:r>
+                        <a:rPr lang="en-US" altLang="ko-KR" sz="1400" dirty="0"/>
+                        <a:t> (e) delivery </a:t>
+                      </a:r>
+                      <a:endParaRPr lang="ko-KR" altLang="en-US" sz="1400" dirty="0"/>
+                    </a:p>
+                  </a:txBody>
+                  <a:tcPr/>
+                </a:tc>
+                <a:extLst>
+                  <a:ext uri="{0D108BD9-81ED-4DB2-BD59-A6C34878D82A}">
+                    <a16:rowId xmlns:a16="http://schemas.microsoft.com/office/drawing/2014/main" val="1165256519"/>
+                  </a:ext>
+                </a:extLst>
+              </a:tr>
+              <a:tr h="590691">
+                <a:tc>
+                  <a:txBody>
+                    <a:bodyPr/>
+                    <a:lstStyle/>
+                    <a:p>
+                      <a:pPr marL="0" marR="0" lvl="0" indent="0" algn="l" defTabSz="914400" rtl="0" eaLnBrk="1" fontAlgn="auto" latinLnBrk="1" hangingPunct="1">
+                        <a:lnSpc>
+                          <a:spcPct val="100000"/>
+                        </a:lnSpc>
+                        <a:spcBef>
+                          <a:spcPts val="0"/>
+                        </a:spcBef>
+                        <a:spcAft>
+                          <a:spcPts val="0"/>
+                        </a:spcAft>
+                        <a:buClrTx/>
+                        <a:buSzTx/>
+                        <a:buFontTx/>
+                        <a:buNone/>
+                        <a:tabLst/>
+                        <a:defRPr/>
+                      </a:pPr>
+                      <a:r>
+                        <a:rPr lang="en-US" altLang="ko-KR" sz="1400" dirty="0"/>
+                        <a:t>SELECT Id, </a:t>
+                      </a:r>
+                      <a:r>
+                        <a:rPr lang="en-US" altLang="ko-KR" sz="1400" dirty="0" err="1"/>
+                        <a:t>menu_type</a:t>
+                      </a:r>
+                      <a:r>
+                        <a:rPr lang="en-US" altLang="ko-KR" sz="1400" dirty="0"/>
+                        <a:t>, image, ingredient, </a:t>
+                      </a:r>
+                      <a:r>
+                        <a:rPr lang="en-US" altLang="ko-KR" sz="1400" dirty="0" err="1"/>
+                        <a:t>cooking_step</a:t>
+                      </a:r>
+                      <a:r>
+                        <a:rPr lang="en-US" altLang="ko-KR" sz="1400" dirty="0"/>
+                        <a:t>, </a:t>
+                      </a:r>
+                      <a:r>
+                        <a:rPr lang="en-US" altLang="ko-KR" sz="1400" dirty="0" err="1"/>
+                        <a:t>cooking_time</a:t>
+                      </a:r>
+                      <a:r>
+                        <a:rPr lang="en-US" altLang="ko-KR" sz="1400" dirty="0"/>
+                        <a:t>, calorie FROM recipes WHERE </a:t>
+                      </a:r>
+                      <a:r>
+                        <a:rPr lang="en-US" altLang="ko-KR" sz="1400" dirty="0" err="1"/>
+                        <a:t>menu_type</a:t>
+                      </a:r>
+                      <a:r>
+                        <a:rPr lang="en-US" altLang="ko-KR" sz="1400" dirty="0"/>
+                        <a:t>=2;</a:t>
+                      </a:r>
+                    </a:p>
+                  </a:txBody>
+                  <a:tcPr/>
+                </a:tc>
+                <a:extLst>
+                  <a:ext uri="{0D108BD9-81ED-4DB2-BD59-A6C34878D82A}">
+                    <a16:rowId xmlns:a16="http://schemas.microsoft.com/office/drawing/2014/main" val="469329402"/>
+                  </a:ext>
+                </a:extLst>
+              </a:tr>
+            </a:tbl>
+          </a:graphicData>
+        </a:graphic>
+      </p:graphicFrame>
+      <p:graphicFrame>
+        <p:nvGraphicFramePr>
+          <p:cNvPr id="11" name="표 10">
+            <a:extLst>
+              <a:ext uri="{FF2B5EF4-FFF2-40B4-BE49-F238E27FC236}">
+                <a16:creationId xmlns:a16="http://schemas.microsoft.com/office/drawing/2014/main" id="{7E2CB62B-BA55-4FE2-8CCE-274D087DA2F5}"/>
+              </a:ext>
+            </a:extLst>
+          </p:cNvPr>
+          <p:cNvGraphicFramePr>
+            <a:graphicFrameLocks noGrp="1"/>
+          </p:cNvGraphicFramePr>
+          <p:nvPr>
+            <p:extLst>
+              <p:ext uri="{D42A27DB-BD31-4B8C-83A1-F6EECF244321}">
+                <p14:modId xmlns:p14="http://schemas.microsoft.com/office/powerpoint/2010/main" val="3518106745"/>
+              </p:ext>
+            </p:extLst>
+          </p:nvPr>
+        </p:nvGraphicFramePr>
+        <p:xfrm>
+          <a:off x="5945379" y="2752378"/>
+          <a:ext cx="4436763" cy="1036320"/>
+        </p:xfrm>
+        <a:graphic>
+          <a:graphicData uri="http://schemas.openxmlformats.org/drawingml/2006/table">
+            <a:tbl>
+              <a:tblPr firstRow="1" bandRow="1">
+                <a:tableStyleId>{073A0DAA-6AF3-43AB-8588-CEC1D06C72B9}</a:tableStyleId>
+              </a:tblPr>
+              <a:tblGrid>
+                <a:gridCol w="4436763">
+                  <a:extLst>
+                    <a:ext uri="{9D8B030D-6E8A-4147-A177-3AD203B41FA5}">
+                      <a16:colId xmlns:a16="http://schemas.microsoft.com/office/drawing/2014/main" val="3641854013"/>
+                    </a:ext>
+                  </a:extLst>
+                </a:gridCol>
+              </a:tblGrid>
+              <a:tr h="260815">
+                <a:tc>
+                  <a:txBody>
+                    <a:bodyPr/>
+                    <a:lstStyle/>
+                    <a:p>
+                      <a:pPr latinLnBrk="1"/>
+                      <a:r>
+                        <a:rPr lang="en-US" altLang="ko-KR" sz="1400" dirty="0"/>
+                        <a:t> (f) store24 </a:t>
+                      </a:r>
+                      <a:endParaRPr lang="ko-KR" altLang="en-US" sz="1400" dirty="0"/>
+                    </a:p>
+                  </a:txBody>
+                  <a:tcPr/>
+                </a:tc>
+                <a:extLst>
+                  <a:ext uri="{0D108BD9-81ED-4DB2-BD59-A6C34878D82A}">
+                    <a16:rowId xmlns:a16="http://schemas.microsoft.com/office/drawing/2014/main" val="1300727179"/>
+                  </a:ext>
+                </a:extLst>
+              </a:tr>
+              <a:tr h="536973">
+                <a:tc>
+                  <a:txBody>
+                    <a:bodyPr/>
+                    <a:lstStyle/>
+                    <a:p>
+                      <a:pPr marL="0" marR="0" lvl="0" indent="0" algn="l" defTabSz="914400" rtl="0" eaLnBrk="1" fontAlgn="auto" latinLnBrk="1" hangingPunct="1">
+                        <a:lnSpc>
+                          <a:spcPct val="100000"/>
+                        </a:lnSpc>
+                        <a:spcBef>
+                          <a:spcPts val="0"/>
+                        </a:spcBef>
+                        <a:spcAft>
+                          <a:spcPts val="0"/>
+                        </a:spcAft>
+                        <a:buClrTx/>
+                        <a:buSzTx/>
+                        <a:buFontTx/>
+                        <a:buNone/>
+                        <a:tabLst/>
+                        <a:defRPr/>
+                      </a:pPr>
+                      <a:r>
+                        <a:rPr lang="en-US" altLang="ko-KR" sz="1400" dirty="0"/>
+                        <a:t>SELECT Id, </a:t>
+                      </a:r>
+                      <a:r>
+                        <a:rPr lang="en-US" altLang="ko-KR" sz="1400" dirty="0" err="1"/>
+                        <a:t>menu_type</a:t>
+                      </a:r>
+                      <a:r>
+                        <a:rPr lang="en-US" altLang="ko-KR" sz="1400" dirty="0"/>
+                        <a:t>, image, ingredient, </a:t>
+                      </a:r>
+                      <a:r>
+                        <a:rPr lang="en-US" altLang="ko-KR" sz="1400" dirty="0" err="1"/>
+                        <a:t>cooking_step</a:t>
+                      </a:r>
+                      <a:r>
+                        <a:rPr lang="en-US" altLang="ko-KR" sz="1400" dirty="0"/>
+                        <a:t>, </a:t>
+                      </a:r>
+                      <a:r>
+                        <a:rPr lang="en-US" altLang="ko-KR" sz="1400" dirty="0" err="1"/>
+                        <a:t>cooking_time</a:t>
+                      </a:r>
+                      <a:r>
+                        <a:rPr lang="en-US" altLang="ko-KR" sz="1400" dirty="0"/>
+                        <a:t>, calorie FROM recipes WHERE </a:t>
+                      </a:r>
+                      <a:r>
+                        <a:rPr lang="en-US" altLang="ko-KR" sz="1400" dirty="0" err="1"/>
+                        <a:t>menu_type</a:t>
+                      </a:r>
+                      <a:r>
+                        <a:rPr lang="en-US" altLang="ko-KR" sz="1400" dirty="0"/>
+                        <a:t>=3;</a:t>
+                      </a:r>
+                    </a:p>
+                  </a:txBody>
+                  <a:tcPr/>
+                </a:tc>
+                <a:extLst>
+                  <a:ext uri="{0D108BD9-81ED-4DB2-BD59-A6C34878D82A}">
+                    <a16:rowId xmlns:a16="http://schemas.microsoft.com/office/drawing/2014/main" val="2127355897"/>
+                  </a:ext>
+                </a:extLst>
+              </a:tr>
+            </a:tbl>
+          </a:graphicData>
+        </a:graphic>
+      </p:graphicFrame>
+      <p:graphicFrame>
+        <p:nvGraphicFramePr>
+          <p:cNvPr id="15" name="표 14">
+            <a:extLst>
+              <a:ext uri="{FF2B5EF4-FFF2-40B4-BE49-F238E27FC236}">
+                <a16:creationId xmlns:a16="http://schemas.microsoft.com/office/drawing/2014/main" id="{DA04A5BC-40D8-4C5A-8BB6-2C41C4D246A5}"/>
+              </a:ext>
+            </a:extLst>
+          </p:cNvPr>
+          <p:cNvGraphicFramePr>
+            <a:graphicFrameLocks noGrp="1"/>
+          </p:cNvGraphicFramePr>
+          <p:nvPr>
+            <p:extLst>
+              <p:ext uri="{D42A27DB-BD31-4B8C-83A1-F6EECF244321}">
+                <p14:modId xmlns:p14="http://schemas.microsoft.com/office/powerpoint/2010/main" val="2817483615"/>
+              </p:ext>
+            </p:extLst>
+          </p:nvPr>
+        </p:nvGraphicFramePr>
+        <p:xfrm>
+          <a:off x="5945379" y="3998184"/>
+          <a:ext cx="4436763" cy="889000"/>
+        </p:xfrm>
+        <a:graphic>
+          <a:graphicData uri="http://schemas.openxmlformats.org/drawingml/2006/table">
+            <a:tbl>
+              <a:tblPr firstRow="1" bandRow="1">
+                <a:tableStyleId>{073A0DAA-6AF3-43AB-8588-CEC1D06C72B9}</a:tableStyleId>
+              </a:tblPr>
+              <a:tblGrid>
+                <a:gridCol w="4436763">
+                  <a:extLst>
+                    <a:ext uri="{9D8B030D-6E8A-4147-A177-3AD203B41FA5}">
+                      <a16:colId xmlns:a16="http://schemas.microsoft.com/office/drawing/2014/main" val="399167704"/>
+                    </a:ext>
+                  </a:extLst>
+                </a:gridCol>
+              </a:tblGrid>
+              <a:tr h="370840">
+                <a:tc>
+                  <a:txBody>
+                    <a:bodyPr/>
+                    <a:lstStyle/>
+                    <a:p>
+                      <a:pPr latinLnBrk="1"/>
+                      <a:r>
+                        <a:rPr lang="en-US" altLang="ko-KR" sz="1400" dirty="0"/>
+                        <a:t>(g) Breakfast</a:t>
+                      </a:r>
+                      <a:endParaRPr lang="ko-KR" altLang="en-US" sz="1400" dirty="0"/>
+                    </a:p>
+                  </a:txBody>
+                  <a:tcPr/>
+                </a:tc>
+                <a:extLst>
+                  <a:ext uri="{0D108BD9-81ED-4DB2-BD59-A6C34878D82A}">
+                    <a16:rowId xmlns:a16="http://schemas.microsoft.com/office/drawing/2014/main" val="1983381164"/>
+                  </a:ext>
+                </a:extLst>
+              </a:tr>
+              <a:tr h="370840">
+                <a:tc>
+                  <a:txBody>
+                    <a:bodyPr/>
+                    <a:lstStyle/>
+                    <a:p>
+                      <a:pPr latinLnBrk="1"/>
+                      <a:r>
+                        <a:rPr lang="en-US" altLang="ko-KR" sz="1400" dirty="0"/>
+                        <a:t>CREATE VIEW breakfast AS SELECT * FROM normal ORDER BY </a:t>
+                      </a:r>
+                      <a:r>
+                        <a:rPr lang="en-US" altLang="ko-KR" sz="1400" dirty="0" err="1"/>
+                        <a:t>cooking_time</a:t>
+                      </a:r>
+                      <a:r>
+                        <a:rPr lang="en-US" altLang="ko-KR" sz="1400" dirty="0"/>
+                        <a:t> ASC LIMIT 5;</a:t>
+                      </a:r>
+                      <a:endParaRPr lang="ko-KR" altLang="en-US" sz="1400" dirty="0"/>
+                    </a:p>
+                  </a:txBody>
+                  <a:tcPr/>
+                </a:tc>
+                <a:extLst>
+                  <a:ext uri="{0D108BD9-81ED-4DB2-BD59-A6C34878D82A}">
+                    <a16:rowId xmlns:a16="http://schemas.microsoft.com/office/drawing/2014/main" val="3510168968"/>
+                  </a:ext>
+                </a:extLst>
+              </a:tr>
+            </a:tbl>
+          </a:graphicData>
+        </a:graphic>
+      </p:graphicFrame>
+      <p:graphicFrame>
+        <p:nvGraphicFramePr>
+          <p:cNvPr id="16" name="표 15">
+            <a:extLst>
+              <a:ext uri="{FF2B5EF4-FFF2-40B4-BE49-F238E27FC236}">
+                <a16:creationId xmlns:a16="http://schemas.microsoft.com/office/drawing/2014/main" id="{7CE3587B-3F29-4E9A-A30B-3F58440A7F3E}"/>
+              </a:ext>
+            </a:extLst>
+          </p:cNvPr>
+          <p:cNvGraphicFramePr>
+            <a:graphicFrameLocks noGrp="1"/>
+          </p:cNvGraphicFramePr>
+          <p:nvPr>
+            <p:extLst>
+              <p:ext uri="{D42A27DB-BD31-4B8C-83A1-F6EECF244321}">
+                <p14:modId xmlns:p14="http://schemas.microsoft.com/office/powerpoint/2010/main" val="3331138481"/>
+              </p:ext>
+            </p:extLst>
+          </p:nvPr>
+        </p:nvGraphicFramePr>
+        <p:xfrm>
+          <a:off x="5945379" y="4934403"/>
+          <a:ext cx="4436763" cy="845006"/>
+        </p:xfrm>
+        <a:graphic>
+          <a:graphicData uri="http://schemas.openxmlformats.org/drawingml/2006/table">
+            <a:tbl>
+              <a:tblPr firstRow="1" bandRow="1">
+                <a:tableStyleId>{073A0DAA-6AF3-43AB-8588-CEC1D06C72B9}</a:tableStyleId>
+              </a:tblPr>
+              <a:tblGrid>
+                <a:gridCol w="4436763">
+                  <a:extLst>
+                    <a:ext uri="{9D8B030D-6E8A-4147-A177-3AD203B41FA5}">
+                      <a16:colId xmlns:a16="http://schemas.microsoft.com/office/drawing/2014/main" val="1874376220"/>
+                    </a:ext>
+                  </a:extLst>
+                </a:gridCol>
+              </a:tblGrid>
+              <a:tr h="326846">
+                <a:tc>
+                  <a:txBody>
+                    <a:bodyPr/>
+                    <a:lstStyle/>
+                    <a:p>
+                      <a:pPr latinLnBrk="1"/>
+                      <a:r>
+                        <a:rPr lang="en-US" altLang="ko-KR" sz="1400" dirty="0"/>
+                        <a:t>(h) Lunch</a:t>
+                      </a:r>
+                      <a:endParaRPr lang="ko-KR" altLang="en-US" sz="1400" dirty="0"/>
+                    </a:p>
+                  </a:txBody>
+                  <a:tcPr/>
+                </a:tc>
+                <a:extLst>
+                  <a:ext uri="{0D108BD9-81ED-4DB2-BD59-A6C34878D82A}">
+                    <a16:rowId xmlns:a16="http://schemas.microsoft.com/office/drawing/2014/main" val="2877791754"/>
+                  </a:ext>
+                </a:extLst>
+              </a:tr>
+              <a:tr h="370840">
+                <a:tc>
+                  <a:txBody>
+                    <a:bodyPr/>
+                    <a:lstStyle/>
+                    <a:p>
+                      <a:pPr marL="0" marR="0" lvl="0" indent="0" algn="l" defTabSz="914400" rtl="0" eaLnBrk="1" fontAlgn="auto" latinLnBrk="1" hangingPunct="1">
+                        <a:lnSpc>
+                          <a:spcPct val="100000"/>
+                        </a:lnSpc>
+                        <a:spcBef>
+                          <a:spcPts val="0"/>
+                        </a:spcBef>
+                        <a:spcAft>
+                          <a:spcPts val="0"/>
+                        </a:spcAft>
+                        <a:buClrTx/>
+                        <a:buSzTx/>
+                        <a:buFontTx/>
+                        <a:buNone/>
+                        <a:tabLst/>
+                        <a:defRPr/>
+                      </a:pPr>
+                      <a:r>
+                        <a:rPr lang="en-US" altLang="ko-KR" sz="1400" dirty="0"/>
+                        <a:t>CREATE VIEW lunch AS SELECT * FROM normal ORDER BY </a:t>
+                      </a:r>
+                      <a:r>
+                        <a:rPr lang="en-US" altLang="ko-KR" sz="1400" dirty="0" err="1"/>
+                        <a:t>cooking_time</a:t>
+                      </a:r>
+                      <a:r>
+                        <a:rPr lang="en-US" altLang="ko-KR" sz="1400" dirty="0"/>
+                        <a:t> DESC LIMIT 5;</a:t>
+                      </a:r>
+                      <a:endParaRPr lang="ko-KR" altLang="en-US" sz="1400" dirty="0"/>
+                    </a:p>
+                  </a:txBody>
+                  <a:tcPr/>
+                </a:tc>
+                <a:extLst>
+                  <a:ext uri="{0D108BD9-81ED-4DB2-BD59-A6C34878D82A}">
+                    <a16:rowId xmlns:a16="http://schemas.microsoft.com/office/drawing/2014/main" val="1130470955"/>
+                  </a:ext>
+                </a:extLst>
+              </a:tr>
+            </a:tbl>
+          </a:graphicData>
+        </a:graphic>
+      </p:graphicFrame>
+      <p:graphicFrame>
+        <p:nvGraphicFramePr>
+          <p:cNvPr id="17" name="표 16">
+            <a:extLst>
+              <a:ext uri="{FF2B5EF4-FFF2-40B4-BE49-F238E27FC236}">
+                <a16:creationId xmlns:a16="http://schemas.microsoft.com/office/drawing/2014/main" id="{8C02A6DE-5D89-43AC-8E96-D4A7A1277BCC}"/>
+              </a:ext>
+            </a:extLst>
+          </p:cNvPr>
+          <p:cNvGraphicFramePr>
+            <a:graphicFrameLocks noGrp="1"/>
+          </p:cNvGraphicFramePr>
+          <p:nvPr>
+            <p:extLst>
+              <p:ext uri="{D42A27DB-BD31-4B8C-83A1-F6EECF244321}">
+                <p14:modId xmlns:p14="http://schemas.microsoft.com/office/powerpoint/2010/main" val="1297535270"/>
+              </p:ext>
+            </p:extLst>
+          </p:nvPr>
+        </p:nvGraphicFramePr>
+        <p:xfrm>
+          <a:off x="5945379" y="5839362"/>
+          <a:ext cx="4436763" cy="889000"/>
+        </p:xfrm>
+        <a:graphic>
+          <a:graphicData uri="http://schemas.openxmlformats.org/drawingml/2006/table">
+            <a:tbl>
+              <a:tblPr firstRow="1" bandRow="1">
+                <a:tableStyleId>{073A0DAA-6AF3-43AB-8588-CEC1D06C72B9}</a:tableStyleId>
+              </a:tblPr>
+              <a:tblGrid>
+                <a:gridCol w="4436763">
+                  <a:extLst>
+                    <a:ext uri="{9D8B030D-6E8A-4147-A177-3AD203B41FA5}">
+                      <a16:colId xmlns:a16="http://schemas.microsoft.com/office/drawing/2014/main" val="2531973271"/>
+                    </a:ext>
+                  </a:extLst>
+                </a:gridCol>
+              </a:tblGrid>
+              <a:tr h="370840">
+                <a:tc>
+                  <a:txBody>
+                    <a:bodyPr/>
+                    <a:lstStyle/>
+                    <a:p>
+                      <a:pPr latinLnBrk="1"/>
+                      <a:r>
+                        <a:rPr lang="en-US" altLang="ko-KR" sz="1400" dirty="0"/>
+                        <a:t>(</a:t>
+                      </a:r>
+                      <a:r>
+                        <a:rPr lang="en-US" altLang="ko-KR" sz="1400" dirty="0" err="1"/>
+                        <a:t>i</a:t>
+                      </a:r>
+                      <a:r>
+                        <a:rPr lang="en-US" altLang="ko-KR" sz="1400" dirty="0"/>
+                        <a:t>) Dinner</a:t>
+                      </a:r>
+                      <a:endParaRPr lang="ko-KR" altLang="en-US" sz="1400" dirty="0"/>
+                    </a:p>
+                  </a:txBody>
+                  <a:tcPr/>
+                </a:tc>
+                <a:extLst>
+                  <a:ext uri="{0D108BD9-81ED-4DB2-BD59-A6C34878D82A}">
+                    <a16:rowId xmlns:a16="http://schemas.microsoft.com/office/drawing/2014/main" val="2319591456"/>
+                  </a:ext>
+                </a:extLst>
+              </a:tr>
+              <a:tr h="370840">
+                <a:tc>
+                  <a:txBody>
+                    <a:bodyPr/>
+                    <a:lstStyle/>
+                    <a:p>
+                      <a:pPr latinLnBrk="1"/>
+                      <a:r>
+                        <a:rPr lang="en-US" altLang="ko-KR" sz="1400" dirty="0"/>
+                        <a:t>CREATE VIEW dinner SELECT * FROM normal WHERE ingredient LIKE ‘%</a:t>
+                      </a:r>
+                      <a:r>
+                        <a:rPr lang="ko-KR" altLang="en-US" sz="1400" dirty="0"/>
+                        <a:t>고기</a:t>
+                      </a:r>
+                      <a:r>
+                        <a:rPr lang="en-US" altLang="ko-KR" sz="1400" dirty="0"/>
+                        <a:t>%’ LIMIT 5;</a:t>
+                      </a:r>
+                      <a:endParaRPr lang="ko-KR" altLang="en-US" sz="1400" dirty="0"/>
+                    </a:p>
+                  </a:txBody>
+                  <a:tcPr/>
+                </a:tc>
+                <a:extLst>
+                  <a:ext uri="{0D108BD9-81ED-4DB2-BD59-A6C34878D82A}">
+                    <a16:rowId xmlns:a16="http://schemas.microsoft.com/office/drawing/2014/main" val="1188771930"/>
+                  </a:ext>
+                </a:extLst>
+              </a:tr>
+            </a:tbl>
+          </a:graphicData>
+        </a:graphic>
+      </p:graphicFrame>
+      <p:cxnSp>
+        <p:nvCxnSpPr>
+          <p:cNvPr id="19" name="직선 연결선 18">
+            <a:extLst>
+              <a:ext uri="{FF2B5EF4-FFF2-40B4-BE49-F238E27FC236}">
+                <a16:creationId xmlns:a16="http://schemas.microsoft.com/office/drawing/2014/main" id="{8F949EFC-D836-4933-BEE9-462CF39F240E}"/>
+              </a:ext>
+            </a:extLst>
+          </p:cNvPr>
+          <p:cNvCxnSpPr>
+            <a:cxnSpLocks/>
+          </p:cNvCxnSpPr>
+          <p:nvPr/>
+        </p:nvCxnSpPr>
+        <p:spPr>
+          <a:xfrm>
+            <a:off x="5631063" y="60076"/>
+            <a:ext cx="0" cy="6688990"/>
+          </a:xfrm>
+          <a:prstGeom prst="line">
+            <a:avLst/>
+          </a:prstGeom>
+          <a:ln>
+            <a:prstDash val="dashDot"/>
+          </a:ln>
+        </p:spPr>
+        <p:style>
+          <a:lnRef idx="1">
+            <a:schemeClr val="dk1"/>
+          </a:lnRef>
+          <a:fillRef idx="0">
+            <a:schemeClr val="dk1"/>
+          </a:fillRef>
+          <a:effectRef idx="0">
+            <a:schemeClr val="dk1"/>
+          </a:effectRef>
+          <a:fontRef idx="minor">
+            <a:schemeClr val="tx1"/>
+          </a:fontRef>
+        </p:style>
+      </p:cxnSp>
+      <p:sp>
+        <p:nvSpPr>
+          <p:cNvPr id="24" name="직사각형 23">
+            <a:extLst>
+              <a:ext uri="{FF2B5EF4-FFF2-40B4-BE49-F238E27FC236}">
+                <a16:creationId xmlns:a16="http://schemas.microsoft.com/office/drawing/2014/main" id="{9F394649-9700-42AC-A54A-A24694BD0635}"/>
+              </a:ext>
+            </a:extLst>
+          </p:cNvPr>
+          <p:cNvSpPr/>
+          <p:nvPr/>
+        </p:nvSpPr>
+        <p:spPr>
+          <a:xfrm>
+            <a:off x="2479298" y="60076"/>
+            <a:ext cx="1234866" cy="403428"/>
+          </a:xfrm>
+          <a:prstGeom prst="rect">
+            <a:avLst/>
+          </a:prstGeom>
+          <a:solidFill>
+            <a:schemeClr val="accent3">
+              <a:lumMod val="20000"/>
+              <a:lumOff val="80000"/>
+            </a:schemeClr>
+          </a:solidFill>
+          <a:ln>
+            <a:solidFill>
+              <a:schemeClr val="tx1"/>
+            </a:solidFill>
+          </a:ln>
+        </p:spPr>
+        <p:style>
+          <a:lnRef idx="2">
+            <a:schemeClr val="accent1">
+              <a:shade val="50000"/>
+            </a:schemeClr>
+          </a:lnRef>
+          <a:fillRef idx="1">
+            <a:schemeClr val="accent1"/>
+          </a:fillRef>
+          <a:effectRef idx="0">
+            <a:schemeClr val="accent1"/>
+          </a:effectRef>
+          <a:fontRef idx="minor">
+            <a:schemeClr val="lt1"/>
+          </a:fontRef>
+        </p:style>
+        <p:txBody>
+          <a:bodyPr rtlCol="0" anchor="ctr"/>
+          <a:lstStyle/>
+          <a:p>
+            <a:pPr algn="ctr"/>
+            <a:r>
+              <a:rPr lang="en-US" altLang="ko-KR" dirty="0">
+                <a:solidFill>
+                  <a:schemeClr val="tx1"/>
+                </a:solidFill>
+              </a:rPr>
+              <a:t>Tables</a:t>
+            </a:r>
+            <a:endParaRPr lang="ko-KR" altLang="en-US" dirty="0">
+              <a:solidFill>
+                <a:schemeClr val="tx1"/>
+              </a:solidFill>
+            </a:endParaRPr>
+          </a:p>
+        </p:txBody>
+      </p:sp>
+      <p:sp>
+        <p:nvSpPr>
+          <p:cNvPr id="25" name="직사각형 24">
+            <a:extLst>
+              <a:ext uri="{FF2B5EF4-FFF2-40B4-BE49-F238E27FC236}">
+                <a16:creationId xmlns:a16="http://schemas.microsoft.com/office/drawing/2014/main" id="{39847E0C-AA54-4394-8413-678EE44E6AB9}"/>
+              </a:ext>
+            </a:extLst>
+          </p:cNvPr>
+          <p:cNvSpPr/>
+          <p:nvPr/>
+        </p:nvSpPr>
+        <p:spPr>
+          <a:xfrm>
+            <a:off x="7390625" y="60076"/>
+            <a:ext cx="1239744" cy="403428"/>
+          </a:xfrm>
+          <a:prstGeom prst="rect">
+            <a:avLst/>
+          </a:prstGeom>
+          <a:solidFill>
+            <a:schemeClr val="bg1">
+              <a:lumMod val="95000"/>
+            </a:schemeClr>
+          </a:solidFill>
+          <a:ln>
+            <a:solidFill>
+              <a:schemeClr val="tx1"/>
+            </a:solidFill>
+          </a:ln>
+        </p:spPr>
+        <p:style>
+          <a:lnRef idx="2">
+            <a:schemeClr val="accent1">
+              <a:shade val="50000"/>
+            </a:schemeClr>
+          </a:lnRef>
+          <a:fillRef idx="1">
+            <a:schemeClr val="accent1"/>
+          </a:fillRef>
+          <a:effectRef idx="0">
+            <a:schemeClr val="accent1"/>
+          </a:effectRef>
+          <a:fontRef idx="minor">
+            <a:schemeClr val="lt1"/>
+          </a:fontRef>
+        </p:style>
+        <p:txBody>
+          <a:bodyPr rtlCol="0" anchor="ctr"/>
+          <a:lstStyle/>
+          <a:p>
+            <a:pPr algn="ctr"/>
+            <a:r>
+              <a:rPr lang="en-US" altLang="ko-KR" dirty="0">
+                <a:solidFill>
+                  <a:schemeClr val="tx1"/>
+                </a:solidFill>
+              </a:rPr>
+              <a:t>Views</a:t>
+            </a:r>
+            <a:endParaRPr lang="ko-KR" altLang="en-US" dirty="0">
+              <a:solidFill>
+                <a:schemeClr val="tx1"/>
+              </a:solidFill>
+            </a:endParaRPr>
+          </a:p>
+        </p:txBody>
+      </p:sp>
+      <p:cxnSp>
+        <p:nvCxnSpPr>
+          <p:cNvPr id="52" name="연결선: 꺾임 51">
+            <a:extLst>
+              <a:ext uri="{FF2B5EF4-FFF2-40B4-BE49-F238E27FC236}">
+                <a16:creationId xmlns:a16="http://schemas.microsoft.com/office/drawing/2014/main" id="{3C5C7F0F-1DA9-4908-A229-48C7FADFC56B}"/>
+              </a:ext>
+            </a:extLst>
+          </p:cNvPr>
+          <p:cNvCxnSpPr>
+            <a:cxnSpLocks/>
+            <a:stCxn id="4" idx="3"/>
+            <a:endCxn id="7" idx="1"/>
+          </p:cNvCxnSpPr>
+          <p:nvPr/>
+        </p:nvCxnSpPr>
+        <p:spPr>
+          <a:xfrm flipV="1">
+            <a:off x="5316748" y="1130254"/>
+            <a:ext cx="628631" cy="533400"/>
+          </a:xfrm>
+          <a:prstGeom prst="bentConnector3">
+            <a:avLst>
+              <a:gd name="adj1" fmla="val 69495"/>
+            </a:avLst>
+          </a:prstGeom>
+          <a:ln>
+            <a:tailEnd type="triangle"/>
+          </a:ln>
+        </p:spPr>
+        <p:style>
+          <a:lnRef idx="1">
+            <a:schemeClr val="dk1"/>
+          </a:lnRef>
+          <a:fillRef idx="0">
+            <a:schemeClr val="dk1"/>
+          </a:fillRef>
+          <a:effectRef idx="0">
+            <a:schemeClr val="dk1"/>
+          </a:effectRef>
+          <a:fontRef idx="minor">
+            <a:schemeClr val="tx1"/>
+          </a:fontRef>
+        </p:style>
+      </p:cxnSp>
+      <p:cxnSp>
+        <p:nvCxnSpPr>
+          <p:cNvPr id="57" name="연결선: 꺾임 56">
+            <a:extLst>
+              <a:ext uri="{FF2B5EF4-FFF2-40B4-BE49-F238E27FC236}">
+                <a16:creationId xmlns:a16="http://schemas.microsoft.com/office/drawing/2014/main" id="{3876C150-4ED5-4E2A-96DE-B85F0345E7B6}"/>
+              </a:ext>
+            </a:extLst>
+          </p:cNvPr>
+          <p:cNvCxnSpPr>
+            <a:cxnSpLocks/>
+            <a:endCxn id="10" idx="1"/>
+          </p:cNvCxnSpPr>
+          <p:nvPr/>
+        </p:nvCxnSpPr>
+        <p:spPr>
+          <a:xfrm>
+            <a:off x="5316748" y="1657760"/>
+            <a:ext cx="628631" cy="539808"/>
+          </a:xfrm>
+          <a:prstGeom prst="bentConnector3">
+            <a:avLst>
+              <a:gd name="adj1" fmla="val 69495"/>
+            </a:avLst>
+          </a:prstGeom>
+          <a:ln>
+            <a:tailEnd type="triangle"/>
+          </a:ln>
+        </p:spPr>
+        <p:style>
+          <a:lnRef idx="1">
+            <a:schemeClr val="dk1"/>
+          </a:lnRef>
+          <a:fillRef idx="0">
+            <a:schemeClr val="dk1"/>
+          </a:fillRef>
+          <a:effectRef idx="0">
+            <a:schemeClr val="dk1"/>
+          </a:effectRef>
+          <a:fontRef idx="minor">
+            <a:schemeClr val="tx1"/>
+          </a:fontRef>
+        </p:style>
+      </p:cxnSp>
+      <p:cxnSp>
+        <p:nvCxnSpPr>
+          <p:cNvPr id="61" name="연결선: 꺾임 60">
+            <a:extLst>
+              <a:ext uri="{FF2B5EF4-FFF2-40B4-BE49-F238E27FC236}">
+                <a16:creationId xmlns:a16="http://schemas.microsoft.com/office/drawing/2014/main" id="{D24099C1-C9FE-41BD-8D33-6221F7E8973C}"/>
+              </a:ext>
+            </a:extLst>
+          </p:cNvPr>
+          <p:cNvCxnSpPr>
+            <a:cxnSpLocks/>
+            <a:stCxn id="4" idx="3"/>
+            <a:endCxn id="11" idx="1"/>
+          </p:cNvCxnSpPr>
+          <p:nvPr/>
+        </p:nvCxnSpPr>
+        <p:spPr>
+          <a:xfrm>
+            <a:off x="5316748" y="1663654"/>
+            <a:ext cx="628631" cy="1606884"/>
+          </a:xfrm>
+          <a:prstGeom prst="bentConnector3">
+            <a:avLst>
+              <a:gd name="adj1" fmla="val 67996"/>
+            </a:avLst>
+          </a:prstGeom>
+          <a:ln>
+            <a:tailEnd type="triangle"/>
+          </a:ln>
+        </p:spPr>
+        <p:style>
+          <a:lnRef idx="1">
+            <a:schemeClr val="dk1"/>
+          </a:lnRef>
+          <a:fillRef idx="0">
+            <a:schemeClr val="dk1"/>
+          </a:fillRef>
+          <a:effectRef idx="0">
+            <a:schemeClr val="dk1"/>
+          </a:effectRef>
+          <a:fontRef idx="minor">
+            <a:schemeClr val="tx1"/>
+          </a:fontRef>
+        </p:style>
+      </p:cxnSp>
+      <p:cxnSp>
+        <p:nvCxnSpPr>
+          <p:cNvPr id="67" name="연결선: 꺾임 66">
+            <a:extLst>
+              <a:ext uri="{FF2B5EF4-FFF2-40B4-BE49-F238E27FC236}">
+                <a16:creationId xmlns:a16="http://schemas.microsoft.com/office/drawing/2014/main" id="{B4F5A1E8-1B3B-47BA-8F08-567072085192}"/>
+              </a:ext>
+            </a:extLst>
+          </p:cNvPr>
+          <p:cNvCxnSpPr>
+            <a:cxnSpLocks/>
+            <a:stCxn id="4" idx="3"/>
+            <a:endCxn id="15" idx="1"/>
+          </p:cNvCxnSpPr>
+          <p:nvPr/>
+        </p:nvCxnSpPr>
+        <p:spPr>
+          <a:xfrm>
+            <a:off x="5316748" y="1663654"/>
+            <a:ext cx="628631" cy="2779030"/>
+          </a:xfrm>
+          <a:prstGeom prst="bentConnector3">
+            <a:avLst>
+              <a:gd name="adj1" fmla="val 67995"/>
+            </a:avLst>
+          </a:prstGeom>
+          <a:ln>
+            <a:tailEnd type="triangle"/>
+          </a:ln>
+        </p:spPr>
+        <p:style>
+          <a:lnRef idx="1">
+            <a:schemeClr val="dk1"/>
+          </a:lnRef>
+          <a:fillRef idx="0">
+            <a:schemeClr val="dk1"/>
+          </a:fillRef>
+          <a:effectRef idx="0">
+            <a:schemeClr val="dk1"/>
+          </a:effectRef>
+          <a:fontRef idx="minor">
+            <a:schemeClr val="tx1"/>
+          </a:fontRef>
+        </p:style>
+      </p:cxnSp>
+      <p:cxnSp>
+        <p:nvCxnSpPr>
+          <p:cNvPr id="72" name="연결선: 꺾임 71">
+            <a:extLst>
+              <a:ext uri="{FF2B5EF4-FFF2-40B4-BE49-F238E27FC236}">
+                <a16:creationId xmlns:a16="http://schemas.microsoft.com/office/drawing/2014/main" id="{011C53DD-20DE-4832-8E29-F3575AFB7B9A}"/>
+              </a:ext>
+            </a:extLst>
+          </p:cNvPr>
+          <p:cNvCxnSpPr>
+            <a:cxnSpLocks/>
+            <a:stCxn id="4" idx="3"/>
+            <a:endCxn id="16" idx="1"/>
+          </p:cNvCxnSpPr>
+          <p:nvPr/>
+        </p:nvCxnSpPr>
+        <p:spPr>
+          <a:xfrm>
+            <a:off x="5316748" y="1663654"/>
+            <a:ext cx="628631" cy="3693252"/>
+          </a:xfrm>
+          <a:prstGeom prst="bentConnector3">
+            <a:avLst>
+              <a:gd name="adj1" fmla="val 66495"/>
+            </a:avLst>
+          </a:prstGeom>
+          <a:ln>
+            <a:tailEnd type="triangle"/>
+          </a:ln>
+        </p:spPr>
+        <p:style>
+          <a:lnRef idx="1">
+            <a:schemeClr val="dk1"/>
+          </a:lnRef>
+          <a:fillRef idx="0">
+            <a:schemeClr val="dk1"/>
+          </a:fillRef>
+          <a:effectRef idx="0">
+            <a:schemeClr val="dk1"/>
+          </a:effectRef>
+          <a:fontRef idx="minor">
+            <a:schemeClr val="tx1"/>
+          </a:fontRef>
+        </p:style>
+      </p:cxnSp>
+      <p:cxnSp>
+        <p:nvCxnSpPr>
+          <p:cNvPr id="77" name="연결선: 꺾임 76">
+            <a:extLst>
+              <a:ext uri="{FF2B5EF4-FFF2-40B4-BE49-F238E27FC236}">
+                <a16:creationId xmlns:a16="http://schemas.microsoft.com/office/drawing/2014/main" id="{E1C7F8AB-0340-426B-B6C0-B31927861AAC}"/>
+              </a:ext>
+            </a:extLst>
+          </p:cNvPr>
+          <p:cNvCxnSpPr>
+            <a:cxnSpLocks/>
+            <a:stCxn id="4" idx="3"/>
+            <a:endCxn id="17" idx="1"/>
+          </p:cNvCxnSpPr>
+          <p:nvPr/>
+        </p:nvCxnSpPr>
+        <p:spPr>
+          <a:xfrm>
+            <a:off x="5316748" y="1663654"/>
+            <a:ext cx="628631" cy="4620208"/>
+          </a:xfrm>
+          <a:prstGeom prst="bentConnector3">
+            <a:avLst>
+              <a:gd name="adj1" fmla="val 66495"/>
+            </a:avLst>
+          </a:prstGeom>
+          <a:ln>
+            <a:tailEnd type="triangle"/>
+          </a:ln>
+        </p:spPr>
+        <p:style>
+          <a:lnRef idx="1">
+            <a:schemeClr val="dk1"/>
+          </a:lnRef>
+          <a:fillRef idx="0">
+            <a:schemeClr val="dk1"/>
+          </a:fillRef>
+          <a:effectRef idx="0">
+            <a:schemeClr val="dk1"/>
+          </a:effectRef>
+          <a:fontRef idx="minor">
+            <a:schemeClr val="tx1"/>
+          </a:fontRef>
+        </p:style>
+      </p:cxnSp>
+    </p:spTree>
+    <p:extLst>
+      <p:ext uri="{BB962C8B-B14F-4D97-AF65-F5344CB8AC3E}">
+        <p14:creationId xmlns:p14="http://schemas.microsoft.com/office/powerpoint/2010/main" val="1332884697"/>
+      </p:ext>
+    </p:extLst>
+  </p:cSld>
+  <p:clrMapOvr>
+    <a:masterClrMapping/>
+  </p:clrMapOvr>
+</p:sld>
+</file>
+
+<file path=ppt/slides/slide9.xml><?xml version="1.0" encoding="utf-8"?>
 <p:sld xmlns:a="http://schemas.openxmlformats.org/drawingml/2006/main" xmlns:r="http://schemas.openxmlformats.org/officeDocument/2006/relationships" xmlns:p="http://schemas.openxmlformats.org/presentationml/2006/main">
   <p:cSld>
     <p:spTree>

--- a/설계도.pptx
+++ b/설계도.pptx
@@ -267,7 +267,7 @@
           <a:p>
             <a:fld id="{14D1209F-DE80-444A-90C3-80B053978253}" type="datetimeFigureOut">
               <a:rPr lang="ko-KR" altLang="en-US" smtClean="0"/>
-              <a:t>2018-04-12</a:t>
+              <a:t>2018-05-06</a:t>
             </a:fld>
             <a:endParaRPr lang="ko-KR" altLang="en-US"/>
           </a:p>
@@ -465,7 +465,7 @@
           <a:p>
             <a:fld id="{14D1209F-DE80-444A-90C3-80B053978253}" type="datetimeFigureOut">
               <a:rPr lang="ko-KR" altLang="en-US" smtClean="0"/>
-              <a:t>2018-04-12</a:t>
+              <a:t>2018-05-06</a:t>
             </a:fld>
             <a:endParaRPr lang="ko-KR" altLang="en-US"/>
           </a:p>
@@ -673,7 +673,7 @@
           <a:p>
             <a:fld id="{14D1209F-DE80-444A-90C3-80B053978253}" type="datetimeFigureOut">
               <a:rPr lang="ko-KR" altLang="en-US" smtClean="0"/>
-              <a:t>2018-04-12</a:t>
+              <a:t>2018-05-06</a:t>
             </a:fld>
             <a:endParaRPr lang="ko-KR" altLang="en-US"/>
           </a:p>
@@ -871,7 +871,7 @@
           <a:p>
             <a:fld id="{14D1209F-DE80-444A-90C3-80B053978253}" type="datetimeFigureOut">
               <a:rPr lang="ko-KR" altLang="en-US" smtClean="0"/>
-              <a:t>2018-04-12</a:t>
+              <a:t>2018-05-06</a:t>
             </a:fld>
             <a:endParaRPr lang="ko-KR" altLang="en-US"/>
           </a:p>
@@ -1146,7 +1146,7 @@
           <a:p>
             <a:fld id="{14D1209F-DE80-444A-90C3-80B053978253}" type="datetimeFigureOut">
               <a:rPr lang="ko-KR" altLang="en-US" smtClean="0"/>
-              <a:t>2018-04-12</a:t>
+              <a:t>2018-05-06</a:t>
             </a:fld>
             <a:endParaRPr lang="ko-KR" altLang="en-US"/>
           </a:p>
@@ -1411,7 +1411,7 @@
           <a:p>
             <a:fld id="{14D1209F-DE80-444A-90C3-80B053978253}" type="datetimeFigureOut">
               <a:rPr lang="ko-KR" altLang="en-US" smtClean="0"/>
-              <a:t>2018-04-12</a:t>
+              <a:t>2018-05-06</a:t>
             </a:fld>
             <a:endParaRPr lang="ko-KR" altLang="en-US"/>
           </a:p>
@@ -1823,7 +1823,7 @@
           <a:p>
             <a:fld id="{14D1209F-DE80-444A-90C3-80B053978253}" type="datetimeFigureOut">
               <a:rPr lang="ko-KR" altLang="en-US" smtClean="0"/>
-              <a:t>2018-04-12</a:t>
+              <a:t>2018-05-06</a:t>
             </a:fld>
             <a:endParaRPr lang="ko-KR" altLang="en-US"/>
           </a:p>
@@ -1964,7 +1964,7 @@
           <a:p>
             <a:fld id="{14D1209F-DE80-444A-90C3-80B053978253}" type="datetimeFigureOut">
               <a:rPr lang="ko-KR" altLang="en-US" smtClean="0"/>
-              <a:t>2018-04-12</a:t>
+              <a:t>2018-05-06</a:t>
             </a:fld>
             <a:endParaRPr lang="ko-KR" altLang="en-US"/>
           </a:p>
@@ -2077,7 +2077,7 @@
           <a:p>
             <a:fld id="{14D1209F-DE80-444A-90C3-80B053978253}" type="datetimeFigureOut">
               <a:rPr lang="ko-KR" altLang="en-US" smtClean="0"/>
-              <a:t>2018-04-12</a:t>
+              <a:t>2018-05-06</a:t>
             </a:fld>
             <a:endParaRPr lang="ko-KR" altLang="en-US"/>
           </a:p>
@@ -2388,7 +2388,7 @@
           <a:p>
             <a:fld id="{14D1209F-DE80-444A-90C3-80B053978253}" type="datetimeFigureOut">
               <a:rPr lang="ko-KR" altLang="en-US" smtClean="0"/>
-              <a:t>2018-04-12</a:t>
+              <a:t>2018-05-06</a:t>
             </a:fld>
             <a:endParaRPr lang="ko-KR" altLang="en-US"/>
           </a:p>
@@ -2676,7 +2676,7 @@
           <a:p>
             <a:fld id="{14D1209F-DE80-444A-90C3-80B053978253}" type="datetimeFigureOut">
               <a:rPr lang="ko-KR" altLang="en-US" smtClean="0"/>
-              <a:t>2018-04-12</a:t>
+              <a:t>2018-05-06</a:t>
             </a:fld>
             <a:endParaRPr lang="ko-KR" altLang="en-US"/>
           </a:p>
@@ -2917,7 +2917,7 @@
           <a:p>
             <a:fld id="{14D1209F-DE80-444A-90C3-80B053978253}" type="datetimeFigureOut">
               <a:rPr lang="ko-KR" altLang="en-US" smtClean="0"/>
-              <a:t>2018-04-12</a:t>
+              <a:t>2018-05-06</a:t>
             </a:fld>
             <a:endParaRPr lang="ko-KR" altLang="en-US"/>
           </a:p>
@@ -9935,7 +9935,7 @@
           <p:nvPr>
             <p:extLst>
               <p:ext uri="{D42A27DB-BD31-4B8C-83A1-F6EECF244321}">
-                <p14:modId xmlns:p14="http://schemas.microsoft.com/office/powerpoint/2010/main" val="1739207814"/>
+                <p14:modId xmlns:p14="http://schemas.microsoft.com/office/powerpoint/2010/main" val="2661733293"/>
               </p:ext>
             </p:extLst>
           </p:nvPr>
@@ -9968,7 +9968,7 @@
                       <a:pPr latinLnBrk="1"/>
                       <a:r>
                         <a:rPr lang="en-US" altLang="ko-KR" dirty="0"/>
-                        <a:t> user</a:t>
+                        <a:t> users</a:t>
                       </a:r>
                       <a:endParaRPr lang="ko-KR" altLang="en-US" dirty="0"/>
                     </a:p>
@@ -10589,14 +10589,14 @@
           <p:nvPr>
             <p:extLst>
               <p:ext uri="{D42A27DB-BD31-4B8C-83A1-F6EECF244321}">
-                <p14:modId xmlns:p14="http://schemas.microsoft.com/office/powerpoint/2010/main" val="2465120427"/>
+                <p14:modId xmlns:p14="http://schemas.microsoft.com/office/powerpoint/2010/main" val="514307180"/>
               </p:ext>
             </p:extLst>
           </p:nvPr>
         </p:nvGraphicFramePr>
         <p:xfrm>
           <a:off x="6201103" y="1199262"/>
-          <a:ext cx="5389337" cy="1696337"/>
+          <a:ext cx="5389337" cy="1866404"/>
         </p:xfrm>
         <a:graphic>
           <a:graphicData uri="http://schemas.openxmlformats.org/drawingml/2006/table">
@@ -10660,7 +10660,7 @@
                       </a:pPr>
                       <a:r>
                         <a:rPr lang="en-US" altLang="ko-KR" dirty="0"/>
-                        <a:t>SELECT Id, </a:t>
+                        <a:t>Create view normal as SELECT Id, menu, </a:t>
                       </a:r>
                       <a:r>
                         <a:rPr lang="en-US" altLang="ko-KR" dirty="0" err="1"/>
@@ -10727,14 +10727,14 @@
           <p:nvPr>
             <p:extLst>
               <p:ext uri="{D42A27DB-BD31-4B8C-83A1-F6EECF244321}">
-                <p14:modId xmlns:p14="http://schemas.microsoft.com/office/powerpoint/2010/main" val="3617951196"/>
+                <p14:modId xmlns:p14="http://schemas.microsoft.com/office/powerpoint/2010/main" val="2125712734"/>
               </p:ext>
             </p:extLst>
           </p:nvPr>
         </p:nvGraphicFramePr>
         <p:xfrm>
           <a:off x="6201103" y="3082354"/>
-          <a:ext cx="5398862" cy="1656334"/>
+          <a:ext cx="5398862" cy="1856892"/>
         </p:xfrm>
         <a:graphic>
           <a:graphicData uri="http://schemas.openxmlformats.org/drawingml/2006/table">
@@ -10798,7 +10798,7 @@
                       </a:pPr>
                       <a:r>
                         <a:rPr lang="en-US" altLang="ko-KR" dirty="0"/>
-                        <a:t>SELECT Id, </a:t>
+                        <a:t>Create view delivery as SELECT Id, menu, </a:t>
                       </a:r>
                       <a:r>
                         <a:rPr lang="en-US" altLang="ko-KR" dirty="0" err="1"/>
@@ -10865,14 +10865,14 @@
           <p:nvPr>
             <p:extLst>
               <p:ext uri="{D42A27DB-BD31-4B8C-83A1-F6EECF244321}">
-                <p14:modId xmlns:p14="http://schemas.microsoft.com/office/powerpoint/2010/main" val="329565488"/>
+                <p14:modId xmlns:p14="http://schemas.microsoft.com/office/powerpoint/2010/main" val="3623961528"/>
               </p:ext>
             </p:extLst>
           </p:nvPr>
         </p:nvGraphicFramePr>
         <p:xfrm>
           <a:off x="6234915" y="4996997"/>
-          <a:ext cx="5390242" cy="1554480"/>
+          <a:ext cx="5390242" cy="1828800"/>
         </p:xfrm>
         <a:graphic>
           <a:graphicData uri="http://schemas.openxmlformats.org/drawingml/2006/table">
@@ -10936,7 +10936,7 @@
                       </a:pPr>
                       <a:r>
                         <a:rPr lang="en-US" altLang="ko-KR" dirty="0"/>
-                        <a:t>SELECT Id, </a:t>
+                        <a:t>Create view store24 as SELECT Id, menu, </a:t>
                       </a:r>
                       <a:r>
                         <a:rPr lang="en-US" altLang="ko-KR" dirty="0" err="1"/>

--- a/설계도.pptx
+++ b/설계도.pptx
@@ -13,7 +13,8 @@
     <p:sldId id="267" r:id="rId7"/>
     <p:sldId id="269" r:id="rId8"/>
     <p:sldId id="270" r:id="rId9"/>
-    <p:sldId id="262" r:id="rId10"/>
+    <p:sldId id="271" r:id="rId10"/>
+    <p:sldId id="262" r:id="rId11"/>
   </p:sldIdLst>
   <p:sldSz cx="12192000" cy="6858000"/>
   <p:notesSz cx="6858000" cy="9144000"/>
@@ -267,7 +268,7 @@
           <a:p>
             <a:fld id="{14D1209F-DE80-444A-90C3-80B053978253}" type="datetimeFigureOut">
               <a:rPr lang="ko-KR" altLang="en-US" smtClean="0"/>
-              <a:t>2018-05-06</a:t>
+              <a:t>2018-05-22</a:t>
             </a:fld>
             <a:endParaRPr lang="ko-KR" altLang="en-US"/>
           </a:p>
@@ -465,7 +466,7 @@
           <a:p>
             <a:fld id="{14D1209F-DE80-444A-90C3-80B053978253}" type="datetimeFigureOut">
               <a:rPr lang="ko-KR" altLang="en-US" smtClean="0"/>
-              <a:t>2018-05-06</a:t>
+              <a:t>2018-05-22</a:t>
             </a:fld>
             <a:endParaRPr lang="ko-KR" altLang="en-US"/>
           </a:p>
@@ -673,7 +674,7 @@
           <a:p>
             <a:fld id="{14D1209F-DE80-444A-90C3-80B053978253}" type="datetimeFigureOut">
               <a:rPr lang="ko-KR" altLang="en-US" smtClean="0"/>
-              <a:t>2018-05-06</a:t>
+              <a:t>2018-05-22</a:t>
             </a:fld>
             <a:endParaRPr lang="ko-KR" altLang="en-US"/>
           </a:p>
@@ -871,7 +872,7 @@
           <a:p>
             <a:fld id="{14D1209F-DE80-444A-90C3-80B053978253}" type="datetimeFigureOut">
               <a:rPr lang="ko-KR" altLang="en-US" smtClean="0"/>
-              <a:t>2018-05-06</a:t>
+              <a:t>2018-05-22</a:t>
             </a:fld>
             <a:endParaRPr lang="ko-KR" altLang="en-US"/>
           </a:p>
@@ -1146,7 +1147,7 @@
           <a:p>
             <a:fld id="{14D1209F-DE80-444A-90C3-80B053978253}" type="datetimeFigureOut">
               <a:rPr lang="ko-KR" altLang="en-US" smtClean="0"/>
-              <a:t>2018-05-06</a:t>
+              <a:t>2018-05-22</a:t>
             </a:fld>
             <a:endParaRPr lang="ko-KR" altLang="en-US"/>
           </a:p>
@@ -1411,7 +1412,7 @@
           <a:p>
             <a:fld id="{14D1209F-DE80-444A-90C3-80B053978253}" type="datetimeFigureOut">
               <a:rPr lang="ko-KR" altLang="en-US" smtClean="0"/>
-              <a:t>2018-05-06</a:t>
+              <a:t>2018-05-22</a:t>
             </a:fld>
             <a:endParaRPr lang="ko-KR" altLang="en-US"/>
           </a:p>
@@ -1823,7 +1824,7 @@
           <a:p>
             <a:fld id="{14D1209F-DE80-444A-90C3-80B053978253}" type="datetimeFigureOut">
               <a:rPr lang="ko-KR" altLang="en-US" smtClean="0"/>
-              <a:t>2018-05-06</a:t>
+              <a:t>2018-05-22</a:t>
             </a:fld>
             <a:endParaRPr lang="ko-KR" altLang="en-US"/>
           </a:p>
@@ -1964,7 +1965,7 @@
           <a:p>
             <a:fld id="{14D1209F-DE80-444A-90C3-80B053978253}" type="datetimeFigureOut">
               <a:rPr lang="ko-KR" altLang="en-US" smtClean="0"/>
-              <a:t>2018-05-06</a:t>
+              <a:t>2018-05-22</a:t>
             </a:fld>
             <a:endParaRPr lang="ko-KR" altLang="en-US"/>
           </a:p>
@@ -2077,7 +2078,7 @@
           <a:p>
             <a:fld id="{14D1209F-DE80-444A-90C3-80B053978253}" type="datetimeFigureOut">
               <a:rPr lang="ko-KR" altLang="en-US" smtClean="0"/>
-              <a:t>2018-05-06</a:t>
+              <a:t>2018-05-22</a:t>
             </a:fld>
             <a:endParaRPr lang="ko-KR" altLang="en-US"/>
           </a:p>
@@ -2388,7 +2389,7 @@
           <a:p>
             <a:fld id="{14D1209F-DE80-444A-90C3-80B053978253}" type="datetimeFigureOut">
               <a:rPr lang="ko-KR" altLang="en-US" smtClean="0"/>
-              <a:t>2018-05-06</a:t>
+              <a:t>2018-05-22</a:t>
             </a:fld>
             <a:endParaRPr lang="ko-KR" altLang="en-US"/>
           </a:p>
@@ -2676,7 +2677,7 @@
           <a:p>
             <a:fld id="{14D1209F-DE80-444A-90C3-80B053978253}" type="datetimeFigureOut">
               <a:rPr lang="ko-KR" altLang="en-US" smtClean="0"/>
-              <a:t>2018-05-06</a:t>
+              <a:t>2018-05-22</a:t>
             </a:fld>
             <a:endParaRPr lang="ko-KR" altLang="en-US"/>
           </a:p>
@@ -2917,7 +2918,7 @@
           <a:p>
             <a:fld id="{14D1209F-DE80-444A-90C3-80B053978253}" type="datetimeFigureOut">
               <a:rPr lang="ko-KR" altLang="en-US" smtClean="0"/>
-              <a:t>2018-05-06</a:t>
+              <a:t>2018-05-22</a:t>
             </a:fld>
             <a:endParaRPr lang="ko-KR" altLang="en-US"/>
           </a:p>
@@ -5933,6 +5934,129 @@
 </p:sld>
 </file>
 
+<file path=ppt/slides/slide10.xml><?xml version="1.0" encoding="utf-8"?>
+<p:sld xmlns:a="http://schemas.openxmlformats.org/drawingml/2006/main" xmlns:r="http://schemas.openxmlformats.org/officeDocument/2006/relationships" xmlns:p="http://schemas.openxmlformats.org/presentationml/2006/main">
+  <p:cSld>
+    <p:spTree>
+      <p:nvGrpSpPr>
+        <p:cNvPr id="1" name=""/>
+        <p:cNvGrpSpPr/>
+        <p:nvPr/>
+      </p:nvGrpSpPr>
+      <p:grpSpPr>
+        <a:xfrm>
+          <a:off x="0" y="0"/>
+          <a:ext cx="0" cy="0"/>
+          <a:chOff x="0" y="0"/>
+          <a:chExt cx="0" cy="0"/>
+        </a:xfrm>
+      </p:grpSpPr>
+      <p:sp>
+        <p:nvSpPr>
+          <p:cNvPr id="2" name="제목 1">
+            <a:extLst>
+              <a:ext uri="{FF2B5EF4-FFF2-40B4-BE49-F238E27FC236}">
+                <a16:creationId xmlns:a16="http://schemas.microsoft.com/office/drawing/2014/main" id="{96A02A31-729A-436B-AC42-A9DEF02DC4A7}"/>
+              </a:ext>
+            </a:extLst>
+          </p:cNvPr>
+          <p:cNvSpPr>
+            <a:spLocks noGrp="1"/>
+          </p:cNvSpPr>
+          <p:nvPr>
+            <p:ph type="title"/>
+          </p:nvPr>
+        </p:nvSpPr>
+        <p:spPr/>
+        <p:txBody>
+          <a:bodyPr/>
+          <a:lstStyle/>
+          <a:p>
+            <a:r>
+              <a:rPr lang="en-US" altLang="ko-KR" dirty="0"/>
+              <a:t>ref</a:t>
+            </a:r>
+            <a:endParaRPr lang="ko-KR" altLang="en-US" dirty="0"/>
+          </a:p>
+        </p:txBody>
+      </p:sp>
+      <p:sp>
+        <p:nvSpPr>
+          <p:cNvPr id="3" name="내용 개체 틀 2">
+            <a:extLst>
+              <a:ext uri="{FF2B5EF4-FFF2-40B4-BE49-F238E27FC236}">
+                <a16:creationId xmlns:a16="http://schemas.microsoft.com/office/drawing/2014/main" id="{50217FAA-1F3D-417D-B4F9-FDF787DFC6A0}"/>
+              </a:ext>
+            </a:extLst>
+          </p:cNvPr>
+          <p:cNvSpPr>
+            <a:spLocks noGrp="1"/>
+          </p:cNvSpPr>
+          <p:nvPr>
+            <p:ph idx="1"/>
+          </p:nvPr>
+        </p:nvSpPr>
+        <p:spPr/>
+        <p:txBody>
+          <a:bodyPr/>
+          <a:lstStyle/>
+          <a:p>
+            <a:r>
+              <a:rPr lang="en-US" altLang="ko-KR" dirty="0">
+                <a:hlinkClick r:id="rId2"/>
+              </a:rPr>
+              <a:t>https://www.flaticon.com/free-icon/user_149071#term=user&amp;page=1&amp;position=4</a:t>
+            </a:r>
+            <a:endParaRPr lang="en-US" altLang="ko-KR" dirty="0"/>
+          </a:p>
+          <a:p>
+            <a:r>
+              <a:rPr lang="en-US" altLang="ko-KR" dirty="0">
+                <a:hlinkClick r:id="rId3"/>
+              </a:rPr>
+              <a:t>https://www.flaticon.com/free-icon/smartphone_149007#term=phone&amp;page=1&amp;position=38</a:t>
+            </a:r>
+            <a:endParaRPr lang="en-US" altLang="ko-KR" dirty="0"/>
+          </a:p>
+          <a:p>
+            <a:r>
+              <a:rPr lang="en-US" altLang="ko-KR" dirty="0">
+                <a:hlinkClick r:id="rId4"/>
+              </a:rPr>
+              <a:t>https://www.flaticon.com/free-icon/webpage_718110#term=webpage&amp;page=1&amp;position=31</a:t>
+            </a:r>
+            <a:endParaRPr lang="en-US" altLang="ko-KR" dirty="0"/>
+          </a:p>
+          <a:p>
+            <a:r>
+              <a:rPr lang="fr-FR" altLang="ko-KR" dirty="0"/>
+              <a:t>https://www.flaticon.com/free-icon/google-maps_355980#term=google map&amp;page=1&amp;position=11</a:t>
+            </a:r>
+          </a:p>
+          <a:p>
+            <a:endParaRPr lang="en-US" altLang="ko-KR" dirty="0"/>
+          </a:p>
+          <a:p>
+            <a:endParaRPr lang="en-US" altLang="ko-KR" dirty="0"/>
+          </a:p>
+          <a:p>
+            <a:endParaRPr lang="ko-KR" altLang="en-US" dirty="0"/>
+          </a:p>
+        </p:txBody>
+      </p:sp>
+    </p:spTree>
+    <p:extLst>
+      <p:ext uri="{BB962C8B-B14F-4D97-AF65-F5344CB8AC3E}">
+        <p14:creationId xmlns:p14="http://schemas.microsoft.com/office/powerpoint/2010/main" val="1976101835"/>
+      </p:ext>
+    </p:extLst>
+  </p:cSld>
+  <p:clrMapOvr>
+    <a:masterClrMapping/>
+  </p:clrMapOvr>
+</p:sld>
+</file>
+
 <file path=ppt/slides/slide2.xml><?xml version="1.0" encoding="utf-8"?>
 <p:sld xmlns:a="http://schemas.openxmlformats.org/drawingml/2006/main" xmlns:r="http://schemas.openxmlformats.org/officeDocument/2006/relationships" xmlns:p="http://schemas.openxmlformats.org/presentationml/2006/main">
   <p:cSld>
@@ -12910,7 +13034,7 @@
           <p:cNvPr id="2" name="제목 1">
             <a:extLst>
               <a:ext uri="{FF2B5EF4-FFF2-40B4-BE49-F238E27FC236}">
-                <a16:creationId xmlns:a16="http://schemas.microsoft.com/office/drawing/2014/main" id="{96A02A31-729A-436B-AC42-A9DEF02DC4A7}"/>
+                <a16:creationId xmlns:a16="http://schemas.microsoft.com/office/drawing/2014/main" id="{DB6B2F06-2A6A-4541-AE3B-00C1830C5467}"/>
               </a:ext>
             </a:extLst>
           </p:cNvPr>
@@ -12921,87 +13045,751 @@
             <p:ph type="title"/>
           </p:nvPr>
         </p:nvSpPr>
-        <p:spPr/>
+        <p:spPr>
+          <a:xfrm>
+            <a:off x="838200" y="365125"/>
+            <a:ext cx="10515600" cy="1325563"/>
+          </a:xfrm>
+        </p:spPr>
         <p:txBody>
           <a:bodyPr/>
           <a:lstStyle/>
           <a:p>
             <a:r>
               <a:rPr lang="en-US" altLang="ko-KR" dirty="0"/>
-              <a:t>ref</a:t>
+              <a:t>[Latest version DB]</a:t>
             </a:r>
             <a:endParaRPr lang="ko-KR" altLang="en-US" dirty="0"/>
+          </a:p>
+        </p:txBody>
+      </p:sp>
+      <p:graphicFrame>
+        <p:nvGraphicFramePr>
+          <p:cNvPr id="3" name="표 2">
+            <a:extLst>
+              <a:ext uri="{FF2B5EF4-FFF2-40B4-BE49-F238E27FC236}">
+                <a16:creationId xmlns:a16="http://schemas.microsoft.com/office/drawing/2014/main" id="{93AD9376-FEF1-4299-B3E3-0D7C12370A1D}"/>
+              </a:ext>
+            </a:extLst>
+          </p:cNvPr>
+          <p:cNvGraphicFramePr>
+            <a:graphicFrameLocks noGrp="1"/>
+          </p:cNvGraphicFramePr>
+          <p:nvPr>
+            <p:extLst>
+              <p:ext uri="{D42A27DB-BD31-4B8C-83A1-F6EECF244321}">
+                <p14:modId xmlns:p14="http://schemas.microsoft.com/office/powerpoint/2010/main" val="3421917091"/>
+              </p:ext>
+            </p:extLst>
+          </p:nvPr>
+        </p:nvGraphicFramePr>
+        <p:xfrm>
+          <a:off x="487731" y="2273179"/>
+          <a:ext cx="4504563" cy="2242263"/>
+        </p:xfrm>
+        <a:graphic>
+          <a:graphicData uri="http://schemas.openxmlformats.org/drawingml/2006/table">
+            <a:tbl>
+              <a:tblPr firstRow="1" bandRow="1">
+                <a:tableStyleId>{5C22544A-7EE6-4342-B048-85BDC9FD1C3A}</a:tableStyleId>
+              </a:tblPr>
+              <a:tblGrid>
+                <a:gridCol w="4504563">
+                  <a:extLst>
+                    <a:ext uri="{9D8B030D-6E8A-4147-A177-3AD203B41FA5}">
+                      <a16:colId xmlns:a16="http://schemas.microsoft.com/office/drawing/2014/main" val="3529762494"/>
+                    </a:ext>
+                  </a:extLst>
+                </a:gridCol>
+              </a:tblGrid>
+              <a:tr h="356584">
+                <a:tc>
+                  <a:txBody>
+                    <a:bodyPr/>
+                    <a:lstStyle/>
+                    <a:p>
+                      <a:pPr marL="0" marR="0" lvl="0" indent="0" algn="l" defTabSz="914400" rtl="0" eaLnBrk="1" fontAlgn="auto" latinLnBrk="1" hangingPunct="1">
+                        <a:lnSpc>
+                          <a:spcPct val="100000"/>
+                        </a:lnSpc>
+                        <a:spcBef>
+                          <a:spcPts val="0"/>
+                        </a:spcBef>
+                        <a:spcAft>
+                          <a:spcPts val="0"/>
+                        </a:spcAft>
+                        <a:buClrTx/>
+                        <a:buSzTx/>
+                        <a:buFontTx/>
+                        <a:buNone/>
+                        <a:tabLst/>
+                        <a:defRPr/>
+                      </a:pPr>
+                      <a:r>
+                        <a:rPr lang="en-US" altLang="ko-KR" sz="1400" dirty="0"/>
+                        <a:t> recipe</a:t>
+                      </a:r>
+                    </a:p>
+                  </a:txBody>
+                  <a:tcPr/>
+                </a:tc>
+                <a:extLst>
+                  <a:ext uri="{0D108BD9-81ED-4DB2-BD59-A6C34878D82A}">
+                    <a16:rowId xmlns:a16="http://schemas.microsoft.com/office/drawing/2014/main" val="2614225873"/>
+                  </a:ext>
+                </a:extLst>
+              </a:tr>
+              <a:tr h="1885679">
+                <a:tc>
+                  <a:txBody>
+                    <a:bodyPr/>
+                    <a:lstStyle/>
+                    <a:p>
+                      <a:r>
+                        <a:rPr lang="en-US" altLang="ko-KR" sz="1400" dirty="0"/>
+                        <a:t>`Id` INT NOT NULL AUTO_INCREMENT PRIMARY KEY</a:t>
+                      </a:r>
+                    </a:p>
+                    <a:p>
+                      <a:r>
+                        <a:rPr lang="en-US" altLang="ko-KR" sz="1400" dirty="0"/>
+                        <a:t>`</a:t>
+                      </a:r>
+                      <a:r>
+                        <a:rPr lang="en-US" altLang="ko-KR" sz="1400" dirty="0" err="1"/>
+                        <a:t>type_id</a:t>
+                      </a:r>
+                      <a:r>
+                        <a:rPr lang="en-US" altLang="ko-KR" sz="1400" dirty="0"/>
+                        <a:t>` INT NOT NULL</a:t>
+                      </a:r>
+                    </a:p>
+                    <a:p>
+                      <a:r>
+                        <a:rPr lang="en-US" altLang="ko-KR" sz="1400" dirty="0"/>
+                        <a:t>`menu` VARCHAR(30) NOT NULL</a:t>
+                      </a:r>
+                    </a:p>
+                    <a:p>
+                      <a:r>
+                        <a:rPr lang="en-US" altLang="ko-KR" sz="1400" dirty="0"/>
+                        <a:t>`image` TEXT</a:t>
+                      </a:r>
+                    </a:p>
+                    <a:p>
+                      <a:r>
+                        <a:rPr lang="en-US" altLang="ko-KR" sz="1400" dirty="0"/>
+                        <a:t>`steps` TEXT NOT NULL</a:t>
+                      </a:r>
+                    </a:p>
+                    <a:p>
+                      <a:r>
+                        <a:rPr lang="en-US" altLang="ko-KR" sz="1400" dirty="0"/>
+                        <a:t>`time` INT NOT NULL</a:t>
+                      </a:r>
+                    </a:p>
+                    <a:p>
+                      <a:r>
+                        <a:rPr lang="en-US" altLang="ko-KR" sz="1400" dirty="0"/>
+                        <a:t>`calorie` FLOAT NOT NULL</a:t>
+                      </a:r>
+                    </a:p>
+                  </a:txBody>
+                  <a:tcPr/>
+                </a:tc>
+                <a:extLst>
+                  <a:ext uri="{0D108BD9-81ED-4DB2-BD59-A6C34878D82A}">
+                    <a16:rowId xmlns:a16="http://schemas.microsoft.com/office/drawing/2014/main" val="2844174992"/>
+                  </a:ext>
+                </a:extLst>
+              </a:tr>
+            </a:tbl>
+          </a:graphicData>
+        </a:graphic>
+      </p:graphicFrame>
+      <p:graphicFrame>
+        <p:nvGraphicFramePr>
+          <p:cNvPr id="5" name="표 4">
+            <a:extLst>
+              <a:ext uri="{FF2B5EF4-FFF2-40B4-BE49-F238E27FC236}">
+                <a16:creationId xmlns:a16="http://schemas.microsoft.com/office/drawing/2014/main" id="{6F9275B0-F3F6-400E-9F97-1A4AB9B2A304}"/>
+              </a:ext>
+            </a:extLst>
+          </p:cNvPr>
+          <p:cNvGraphicFramePr>
+            <a:graphicFrameLocks noGrp="1"/>
+          </p:cNvGraphicFramePr>
+          <p:nvPr>
+            <p:extLst>
+              <p:ext uri="{D42A27DB-BD31-4B8C-83A1-F6EECF244321}">
+                <p14:modId xmlns:p14="http://schemas.microsoft.com/office/powerpoint/2010/main" val="915898887"/>
+              </p:ext>
+            </p:extLst>
+          </p:nvPr>
+        </p:nvGraphicFramePr>
+        <p:xfrm>
+          <a:off x="7202081" y="4311403"/>
+          <a:ext cx="4626466" cy="1315720"/>
+        </p:xfrm>
+        <a:graphic>
+          <a:graphicData uri="http://schemas.openxmlformats.org/drawingml/2006/table">
+            <a:tbl>
+              <a:tblPr firstRow="1" bandRow="1">
+                <a:tableStyleId>{5C22544A-7EE6-4342-B048-85BDC9FD1C3A}</a:tableStyleId>
+              </a:tblPr>
+              <a:tblGrid>
+                <a:gridCol w="4626466">
+                  <a:extLst>
+                    <a:ext uri="{9D8B030D-6E8A-4147-A177-3AD203B41FA5}">
+                      <a16:colId xmlns:a16="http://schemas.microsoft.com/office/drawing/2014/main" val="2657550581"/>
+                    </a:ext>
+                  </a:extLst>
+                </a:gridCol>
+              </a:tblGrid>
+              <a:tr h="370840">
+                <a:tc>
+                  <a:txBody>
+                    <a:bodyPr/>
+                    <a:lstStyle/>
+                    <a:p>
+                      <a:pPr latinLnBrk="1"/>
+                      <a:r>
+                        <a:rPr lang="en-US" altLang="ko-KR" sz="1400" dirty="0" err="1"/>
+                        <a:t>recipe_ingredient</a:t>
+                      </a:r>
+                      <a:endParaRPr lang="ko-KR" altLang="en-US" sz="1400" dirty="0"/>
+                    </a:p>
+                  </a:txBody>
+                  <a:tcPr/>
+                </a:tc>
+                <a:extLst>
+                  <a:ext uri="{0D108BD9-81ED-4DB2-BD59-A6C34878D82A}">
+                    <a16:rowId xmlns:a16="http://schemas.microsoft.com/office/drawing/2014/main" val="3679171219"/>
+                  </a:ext>
+                </a:extLst>
+              </a:tr>
+              <a:tr h="370840">
+                <a:tc>
+                  <a:txBody>
+                    <a:bodyPr/>
+                    <a:lstStyle/>
+                    <a:p>
+                      <a:pPr latinLnBrk="1"/>
+                      <a:r>
+                        <a:rPr lang="en-US" altLang="ko-KR" sz="1400" dirty="0"/>
+                        <a:t>`id` INT NOT NULL AUTO_INCREMENT PRIMARY KEY</a:t>
+                      </a:r>
+                    </a:p>
+                    <a:p>
+                      <a:pPr latinLnBrk="1"/>
+                      <a:r>
+                        <a:rPr lang="en-US" altLang="ko-KR" sz="1400" dirty="0"/>
+                        <a:t>`</a:t>
+                      </a:r>
+                      <a:r>
+                        <a:rPr lang="en-US" altLang="ko-KR" sz="1400" dirty="0" err="1"/>
+                        <a:t>ingredient_id</a:t>
+                      </a:r>
+                      <a:r>
+                        <a:rPr lang="en-US" altLang="ko-KR" sz="1400" dirty="0"/>
+                        <a:t>` INT FOREIGN KEY</a:t>
+                      </a:r>
+                    </a:p>
+                    <a:p>
+                      <a:pPr latinLnBrk="1"/>
+                      <a:r>
+                        <a:rPr lang="en-US" altLang="ko-KR" sz="1400" dirty="0"/>
+                        <a:t>`</a:t>
+                      </a:r>
+                      <a:r>
+                        <a:rPr lang="en-US" altLang="ko-KR" sz="1400" dirty="0" err="1"/>
+                        <a:t>recipe_id</a:t>
+                      </a:r>
+                      <a:r>
+                        <a:rPr lang="en-US" altLang="ko-KR" sz="1400" dirty="0"/>
+                        <a:t>` INT FOREIGN KEY</a:t>
+                      </a:r>
+                    </a:p>
+                    <a:p>
+                      <a:pPr latinLnBrk="1"/>
+                      <a:r>
+                        <a:rPr lang="en-US" altLang="ko-KR" sz="1400" dirty="0"/>
+                        <a:t>`amount` VARCHAR(30)</a:t>
+                      </a:r>
+                      <a:endParaRPr lang="ko-KR" altLang="en-US" sz="1400" dirty="0"/>
+                    </a:p>
+                  </a:txBody>
+                  <a:tcPr/>
+                </a:tc>
+                <a:extLst>
+                  <a:ext uri="{0D108BD9-81ED-4DB2-BD59-A6C34878D82A}">
+                    <a16:rowId xmlns:a16="http://schemas.microsoft.com/office/drawing/2014/main" val="136489032"/>
+                  </a:ext>
+                </a:extLst>
+              </a:tr>
+            </a:tbl>
+          </a:graphicData>
+        </a:graphic>
+      </p:graphicFrame>
+      <p:sp>
+        <p:nvSpPr>
+          <p:cNvPr id="6" name="TextBox 5">
+            <a:extLst>
+              <a:ext uri="{FF2B5EF4-FFF2-40B4-BE49-F238E27FC236}">
+                <a16:creationId xmlns:a16="http://schemas.microsoft.com/office/drawing/2014/main" id="{A6701652-11E7-4123-AD5B-8E8250E8AF81}"/>
+              </a:ext>
+            </a:extLst>
+          </p:cNvPr>
+          <p:cNvSpPr txBox="1"/>
+          <p:nvPr/>
+        </p:nvSpPr>
+        <p:spPr>
+          <a:xfrm>
+            <a:off x="487731" y="4515442"/>
+            <a:ext cx="4461346" cy="877163"/>
+          </a:xfrm>
+          <a:prstGeom prst="rect">
+            <a:avLst/>
+          </a:prstGeom>
+          <a:noFill/>
+        </p:spPr>
+        <p:txBody>
+          <a:bodyPr wrap="square" rtlCol="0">
+            <a:spAutoFit/>
+          </a:bodyPr>
+          <a:lstStyle/>
+          <a:p>
+            <a:r>
+              <a:rPr lang="en-US" altLang="ko-KR" sz="1000" b="1" dirty="0">
+                <a:solidFill>
+                  <a:schemeClr val="bg1">
+                    <a:lumMod val="50000"/>
+                  </a:schemeClr>
+                </a:solidFill>
+              </a:rPr>
+              <a:t> </a:t>
+            </a:r>
+            <a:r>
+              <a:rPr lang="en-US" altLang="ko-KR" sz="1000" dirty="0">
+                <a:solidFill>
+                  <a:schemeClr val="bg1">
+                    <a:lumMod val="50000"/>
+                  </a:schemeClr>
+                </a:solidFill>
+              </a:rPr>
+              <a:t>CREATE TABLE `recipe`(`Id` INT NOT NULL AUTO_INCREMENT PRIMARY KEY, `</a:t>
+            </a:r>
+            <a:r>
+              <a:rPr lang="en-US" altLang="ko-KR" sz="1000" dirty="0" err="1">
+                <a:solidFill>
+                  <a:schemeClr val="bg1">
+                    <a:lumMod val="50000"/>
+                  </a:schemeClr>
+                </a:solidFill>
+              </a:rPr>
+              <a:t>type_id</a:t>
+            </a:r>
+            <a:r>
+              <a:rPr lang="en-US" altLang="ko-KR" sz="1000" dirty="0">
+                <a:solidFill>
+                  <a:schemeClr val="bg1">
+                    <a:lumMod val="50000"/>
+                  </a:schemeClr>
+                </a:solidFill>
+              </a:rPr>
+              <a:t>` INT NOT NULL, `menu` VARCHAR(30) NOT NULL, `Image` TEXT, `steps` TEXT NOT NULL, `time` INT NOT NULL, `calorie` FLOAT NOT NULL)</a:t>
+            </a:r>
+            <a:endParaRPr lang="ko-KR" altLang="ko-KR" sz="1000" dirty="0">
+              <a:solidFill>
+                <a:schemeClr val="bg1">
+                  <a:lumMod val="50000"/>
+                </a:schemeClr>
+              </a:solidFill>
+            </a:endParaRPr>
+          </a:p>
+          <a:p>
+            <a:endParaRPr lang="ko-KR" altLang="en-US" sz="1100" dirty="0"/>
           </a:p>
         </p:txBody>
       </p:sp>
       <p:sp>
         <p:nvSpPr>
-          <p:cNvPr id="3" name="내용 개체 틀 2">
-            <a:extLst>
-              <a:ext uri="{FF2B5EF4-FFF2-40B4-BE49-F238E27FC236}">
-                <a16:creationId xmlns:a16="http://schemas.microsoft.com/office/drawing/2014/main" id="{50217FAA-1F3D-417D-B4F9-FDF787DFC6A0}"/>
-              </a:ext>
-            </a:extLst>
-          </p:cNvPr>
-          <p:cNvSpPr>
-            <a:spLocks noGrp="1"/>
-          </p:cNvSpPr>
+          <p:cNvPr id="7" name="TextBox 6">
+            <a:extLst>
+              <a:ext uri="{FF2B5EF4-FFF2-40B4-BE49-F238E27FC236}">
+                <a16:creationId xmlns:a16="http://schemas.microsoft.com/office/drawing/2014/main" id="{0BFD9020-19A8-4D80-A7D9-D3CED959A6F9}"/>
+              </a:ext>
+            </a:extLst>
+          </p:cNvPr>
+          <p:cNvSpPr txBox="1"/>
+          <p:nvPr/>
+        </p:nvSpPr>
+        <p:spPr>
+          <a:xfrm>
+            <a:off x="7154948" y="3162179"/>
+            <a:ext cx="4673599" cy="430887"/>
+          </a:xfrm>
+          <a:prstGeom prst="rect">
+            <a:avLst/>
+          </a:prstGeom>
+          <a:noFill/>
+        </p:spPr>
+        <p:txBody>
+          <a:bodyPr wrap="square" rtlCol="0">
+            <a:spAutoFit/>
+          </a:bodyPr>
+          <a:lstStyle/>
+          <a:p>
+            <a:r>
+              <a:rPr lang="en-US" altLang="ko-KR" sz="1100" dirty="0">
+                <a:solidFill>
+                  <a:schemeClr val="bg1">
+                    <a:lumMod val="50000"/>
+                  </a:schemeClr>
+                </a:solidFill>
+              </a:rPr>
+              <a:t>CREATE TABLE `ingredient`(`id` INT NOT NULL AUTO_INCREMENT PRIMARY KEY, `name` VARCHAR(30))</a:t>
+            </a:r>
+            <a:endParaRPr lang="ko-KR" altLang="en-US" sz="1100" dirty="0">
+              <a:solidFill>
+                <a:schemeClr val="bg1">
+                  <a:lumMod val="50000"/>
+                </a:schemeClr>
+              </a:solidFill>
+            </a:endParaRPr>
+          </a:p>
+        </p:txBody>
+      </p:sp>
+      <p:cxnSp>
+        <p:nvCxnSpPr>
+          <p:cNvPr id="9" name="연결선: 꺾임 8">
+            <a:extLst>
+              <a:ext uri="{FF2B5EF4-FFF2-40B4-BE49-F238E27FC236}">
+                <a16:creationId xmlns:a16="http://schemas.microsoft.com/office/drawing/2014/main" id="{9C176A60-A501-411A-8B6A-E75A24140989}"/>
+              </a:ext>
+            </a:extLst>
+          </p:cNvPr>
+          <p:cNvCxnSpPr/>
+          <p:nvPr/>
+        </p:nvCxnSpPr>
+        <p:spPr>
+          <a:xfrm>
+            <a:off x="4949077" y="3469067"/>
+            <a:ext cx="2253005" cy="1668544"/>
+          </a:xfrm>
+          <a:prstGeom prst="bentConnector3">
+            <a:avLst/>
+          </a:prstGeom>
+          <a:ln>
+            <a:tailEnd type="triangle"/>
+          </a:ln>
+        </p:spPr>
+        <p:style>
+          <a:lnRef idx="1">
+            <a:schemeClr val="accent1"/>
+          </a:lnRef>
+          <a:fillRef idx="0">
+            <a:schemeClr val="accent1"/>
+          </a:fillRef>
+          <a:effectRef idx="0">
+            <a:schemeClr val="accent1"/>
+          </a:effectRef>
+          <a:fontRef idx="minor">
+            <a:schemeClr val="tx1"/>
+          </a:fontRef>
+        </p:style>
+      </p:cxnSp>
+      <p:cxnSp>
+        <p:nvCxnSpPr>
+          <p:cNvPr id="11" name="연결선: 꺾임 10">
+            <a:extLst>
+              <a:ext uri="{FF2B5EF4-FFF2-40B4-BE49-F238E27FC236}">
+                <a16:creationId xmlns:a16="http://schemas.microsoft.com/office/drawing/2014/main" id="{01F927B0-B1C7-49F1-AB0F-96778A039922}"/>
+              </a:ext>
+            </a:extLst>
+          </p:cNvPr>
+          <p:cNvCxnSpPr>
+            <a:cxnSpLocks/>
+            <a:endCxn id="5" idx="1"/>
+          </p:cNvCxnSpPr>
+          <p:nvPr/>
+        </p:nvCxnSpPr>
+        <p:spPr>
+          <a:xfrm rot="5400000">
+            <a:off x="6076293" y="3843468"/>
+            <a:ext cx="2251583" cy="6"/>
+          </a:xfrm>
+          <a:prstGeom prst="bentConnector4">
+            <a:avLst>
+              <a:gd name="adj1" fmla="val 2734"/>
+              <a:gd name="adj2" fmla="val 3810100000"/>
+            </a:avLst>
+          </a:prstGeom>
+          <a:ln>
+            <a:tailEnd type="triangle"/>
+          </a:ln>
+        </p:spPr>
+        <p:style>
+          <a:lnRef idx="1">
+            <a:schemeClr val="accent1"/>
+          </a:lnRef>
+          <a:fillRef idx="0">
+            <a:schemeClr val="accent1"/>
+          </a:fillRef>
+          <a:effectRef idx="0">
+            <a:schemeClr val="accent1"/>
+          </a:effectRef>
+          <a:fontRef idx="minor">
+            <a:schemeClr val="tx1"/>
+          </a:fontRef>
+        </p:style>
+      </p:cxnSp>
+      <p:graphicFrame>
+        <p:nvGraphicFramePr>
+          <p:cNvPr id="4" name="표 3">
+            <a:extLst>
+              <a:ext uri="{FF2B5EF4-FFF2-40B4-BE49-F238E27FC236}">
+                <a16:creationId xmlns:a16="http://schemas.microsoft.com/office/drawing/2014/main" id="{752F371C-EFC1-4B8B-8552-FBA656A35D26}"/>
+              </a:ext>
+            </a:extLst>
+          </p:cNvPr>
+          <p:cNvGraphicFramePr>
+            <a:graphicFrameLocks noGrp="1"/>
+          </p:cNvGraphicFramePr>
           <p:nvPr>
-            <p:ph idx="1"/>
+            <p:extLst>
+              <p:ext uri="{D42A27DB-BD31-4B8C-83A1-F6EECF244321}">
+                <p14:modId xmlns:p14="http://schemas.microsoft.com/office/powerpoint/2010/main" val="3997101728"/>
+              </p:ext>
+            </p:extLst>
           </p:nvPr>
+        </p:nvGraphicFramePr>
+        <p:xfrm>
+          <a:off x="7164374" y="2273179"/>
+          <a:ext cx="4664173" cy="889000"/>
+        </p:xfrm>
+        <a:graphic>
+          <a:graphicData uri="http://schemas.openxmlformats.org/drawingml/2006/table">
+            <a:tbl>
+              <a:tblPr firstRow="1" bandRow="1">
+                <a:tableStyleId>{5C22544A-7EE6-4342-B048-85BDC9FD1C3A}</a:tableStyleId>
+              </a:tblPr>
+              <a:tblGrid>
+                <a:gridCol w="4664173">
+                  <a:extLst>
+                    <a:ext uri="{9D8B030D-6E8A-4147-A177-3AD203B41FA5}">
+                      <a16:colId xmlns:a16="http://schemas.microsoft.com/office/drawing/2014/main" val="3082533017"/>
+                    </a:ext>
+                  </a:extLst>
+                </a:gridCol>
+              </a:tblGrid>
+              <a:tr h="370840">
+                <a:tc>
+                  <a:txBody>
+                    <a:bodyPr/>
+                    <a:lstStyle/>
+                    <a:p>
+                      <a:pPr latinLnBrk="1"/>
+                      <a:r>
+                        <a:rPr lang="en-US" altLang="ko-KR" sz="1400" dirty="0"/>
+                        <a:t>ingredient</a:t>
+                      </a:r>
+                      <a:endParaRPr lang="ko-KR" altLang="en-US" sz="1400" dirty="0"/>
+                    </a:p>
+                  </a:txBody>
+                  <a:tcPr/>
+                </a:tc>
+                <a:extLst>
+                  <a:ext uri="{0D108BD9-81ED-4DB2-BD59-A6C34878D82A}">
+                    <a16:rowId xmlns:a16="http://schemas.microsoft.com/office/drawing/2014/main" val="995988458"/>
+                  </a:ext>
+                </a:extLst>
+              </a:tr>
+              <a:tr h="370840">
+                <a:tc>
+                  <a:txBody>
+                    <a:bodyPr/>
+                    <a:lstStyle/>
+                    <a:p>
+                      <a:pPr latinLnBrk="1"/>
+                      <a:r>
+                        <a:rPr lang="en-US" altLang="ko-KR" sz="1400" dirty="0"/>
+                        <a:t>`Id` INT NOT NULL AUTO_INCREMENT PRIMARY KEY</a:t>
+                      </a:r>
+                    </a:p>
+                    <a:p>
+                      <a:pPr latinLnBrk="1"/>
+                      <a:r>
+                        <a:rPr lang="en-US" altLang="ko-KR" sz="1400" dirty="0"/>
+                        <a:t>`name` VARCHAR(30)</a:t>
+                      </a:r>
+                      <a:endParaRPr lang="ko-KR" altLang="en-US" sz="1400" dirty="0"/>
+                    </a:p>
+                  </a:txBody>
+                  <a:tcPr/>
+                </a:tc>
+                <a:extLst>
+                  <a:ext uri="{0D108BD9-81ED-4DB2-BD59-A6C34878D82A}">
+                    <a16:rowId xmlns:a16="http://schemas.microsoft.com/office/drawing/2014/main" val="359245705"/>
+                  </a:ext>
+                </a:extLst>
+              </a:tr>
+            </a:tbl>
+          </a:graphicData>
+        </a:graphic>
+      </p:graphicFrame>
+      <p:sp>
+        <p:nvSpPr>
+          <p:cNvPr id="19" name="TextBox 18">
+            <a:extLst>
+              <a:ext uri="{FF2B5EF4-FFF2-40B4-BE49-F238E27FC236}">
+                <a16:creationId xmlns:a16="http://schemas.microsoft.com/office/drawing/2014/main" id="{F55296D2-F542-40F4-B1F2-D077A615251E}"/>
+              </a:ext>
+            </a:extLst>
+          </p:cNvPr>
+          <p:cNvSpPr txBox="1"/>
+          <p:nvPr/>
         </p:nvSpPr>
-        <p:spPr/>
+        <p:spPr>
+          <a:xfrm>
+            <a:off x="7202079" y="5626444"/>
+            <a:ext cx="4626441" cy="707886"/>
+          </a:xfrm>
+          <a:prstGeom prst="rect">
+            <a:avLst/>
+          </a:prstGeom>
+          <a:noFill/>
+        </p:spPr>
         <p:txBody>
-          <a:bodyPr/>
+          <a:bodyPr wrap="square" rtlCol="0">
+            <a:spAutoFit/>
+          </a:bodyPr>
           <a:lstStyle/>
           <a:p>
             <a:r>
-              <a:rPr lang="en-US" altLang="ko-KR" dirty="0">
-                <a:hlinkClick r:id="rId2"/>
+              <a:rPr lang="en-US" altLang="ko-KR" sz="1000" dirty="0">
+                <a:solidFill>
+                  <a:schemeClr val="bg1">
+                    <a:lumMod val="50000"/>
+                  </a:schemeClr>
+                </a:solidFill>
               </a:rPr>
-              <a:t>https://www.flaticon.com/free-icon/user_149071#term=user&amp;page=1&amp;position=4</a:t>
-            </a:r>
-            <a:endParaRPr lang="en-US" altLang="ko-KR" dirty="0"/>
-          </a:p>
-          <a:p>
-            <a:r>
-              <a:rPr lang="en-US" altLang="ko-KR" dirty="0">
-                <a:hlinkClick r:id="rId3"/>
+              <a:t>CREATE TABLE `</a:t>
+            </a:r>
+            <a:r>
+              <a:rPr lang="en-US" altLang="ko-KR" sz="1000" dirty="0" err="1">
+                <a:solidFill>
+                  <a:schemeClr val="bg1">
+                    <a:lumMod val="50000"/>
+                  </a:schemeClr>
+                </a:solidFill>
               </a:rPr>
-              <a:t>https://www.flaticon.com/free-icon/smartphone_149007#term=phone&amp;page=1&amp;position=38</a:t>
-            </a:r>
-            <a:endParaRPr lang="en-US" altLang="ko-KR" dirty="0"/>
-          </a:p>
-          <a:p>
-            <a:r>
-              <a:rPr lang="en-US" altLang="ko-KR" dirty="0">
-                <a:hlinkClick r:id="rId4"/>
+              <a:t>recipe+ingredient</a:t>
+            </a:r>
+            <a:r>
+              <a:rPr lang="en-US" altLang="ko-KR" sz="1000" dirty="0">
+                <a:solidFill>
+                  <a:schemeClr val="bg1">
+                    <a:lumMod val="50000"/>
+                  </a:schemeClr>
+                </a:solidFill>
               </a:rPr>
-              <a:t>https://www.flaticon.com/free-icon/webpage_718110#term=webpage&amp;page=1&amp;position=31</a:t>
-            </a:r>
-            <a:endParaRPr lang="en-US" altLang="ko-KR" dirty="0"/>
-          </a:p>
-          <a:p>
-            <a:r>
-              <a:rPr lang="fr-FR" altLang="ko-KR" dirty="0"/>
-              <a:t>https://www.flaticon.com/free-icon/google-maps_355980#term=google map&amp;page=1&amp;position=11</a:t>
-            </a:r>
-          </a:p>
-          <a:p>
-            <a:endParaRPr lang="en-US" altLang="ko-KR" dirty="0"/>
-          </a:p>
-          <a:p>
-            <a:endParaRPr lang="en-US" altLang="ko-KR" dirty="0"/>
-          </a:p>
-          <a:p>
-            <a:endParaRPr lang="ko-KR" altLang="en-US" dirty="0"/>
+              <a:t>` (`id` INT NOT NULL AUTO_INCREMENT PRIMARY KEY, `</a:t>
+            </a:r>
+            <a:r>
+              <a:rPr lang="en-US" altLang="ko-KR" sz="1000" dirty="0" err="1">
+                <a:solidFill>
+                  <a:schemeClr val="bg1">
+                    <a:lumMod val="50000"/>
+                  </a:schemeClr>
+                </a:solidFill>
+              </a:rPr>
+              <a:t>ingredient_id</a:t>
+            </a:r>
+            <a:r>
+              <a:rPr lang="en-US" altLang="ko-KR" sz="1000" dirty="0">
+                <a:solidFill>
+                  <a:schemeClr val="bg1">
+                    <a:lumMod val="50000"/>
+                  </a:schemeClr>
+                </a:solidFill>
+              </a:rPr>
+              <a:t>` INT, `</a:t>
+            </a:r>
+            <a:r>
+              <a:rPr lang="en-US" altLang="ko-KR" sz="1000" dirty="0" err="1">
+                <a:solidFill>
+                  <a:schemeClr val="bg1">
+                    <a:lumMod val="50000"/>
+                  </a:schemeClr>
+                </a:solidFill>
+              </a:rPr>
+              <a:t>recipe_id</a:t>
+            </a:r>
+            <a:r>
+              <a:rPr lang="en-US" altLang="ko-KR" sz="1000" dirty="0">
+                <a:solidFill>
+                  <a:schemeClr val="bg1">
+                    <a:lumMod val="50000"/>
+                  </a:schemeClr>
+                </a:solidFill>
+              </a:rPr>
+              <a:t>` INT,  `amount` FLOAT, FOREIGN KEY (</a:t>
+            </a:r>
+            <a:r>
+              <a:rPr lang="en-US" altLang="ko-KR" sz="1000" dirty="0" err="1">
+                <a:solidFill>
+                  <a:schemeClr val="bg1">
+                    <a:lumMod val="50000"/>
+                  </a:schemeClr>
+                </a:solidFill>
+              </a:rPr>
+              <a:t>ingredient_id</a:t>
+            </a:r>
+            <a:r>
+              <a:rPr lang="en-US" altLang="ko-KR" sz="1000" dirty="0">
+                <a:solidFill>
+                  <a:schemeClr val="bg1">
+                    <a:lumMod val="50000"/>
+                  </a:schemeClr>
+                </a:solidFill>
+              </a:rPr>
+              <a:t>) REFERENCES ingredient(id), FOREIGN KEY (</a:t>
+            </a:r>
+            <a:r>
+              <a:rPr lang="en-US" altLang="ko-KR" sz="1000" dirty="0" err="1">
+                <a:solidFill>
+                  <a:schemeClr val="bg1">
+                    <a:lumMod val="50000"/>
+                  </a:schemeClr>
+                </a:solidFill>
+              </a:rPr>
+              <a:t>recipe_id</a:t>
+            </a:r>
+            <a:r>
+              <a:rPr lang="en-US" altLang="ko-KR" sz="1000" dirty="0">
+                <a:solidFill>
+                  <a:schemeClr val="bg1">
+                    <a:lumMod val="50000"/>
+                  </a:schemeClr>
+                </a:solidFill>
+              </a:rPr>
+              <a:t>) REFERENCES recipe(id) )</a:t>
+            </a:r>
+            <a:endParaRPr lang="ko-KR" altLang="en-US" sz="1000" dirty="0">
+              <a:solidFill>
+                <a:schemeClr val="bg1">
+                  <a:lumMod val="50000"/>
+                </a:schemeClr>
+              </a:solidFill>
+            </a:endParaRPr>
           </a:p>
         </p:txBody>
       </p:sp>
     </p:spTree>
     <p:extLst>
       <p:ext uri="{BB962C8B-B14F-4D97-AF65-F5344CB8AC3E}">
-        <p14:creationId xmlns:p14="http://schemas.microsoft.com/office/powerpoint/2010/main" val="1976101835"/>
+        <p14:creationId xmlns:p14="http://schemas.microsoft.com/office/powerpoint/2010/main" val="3420049384"/>
       </p:ext>
     </p:extLst>
   </p:cSld>

--- a/설계도.pptx
+++ b/설계도.pptx
@@ -13222,13 +13222,13 @@
           <p:nvPr>
             <p:extLst>
               <p:ext uri="{D42A27DB-BD31-4B8C-83A1-F6EECF244321}">
-                <p14:modId xmlns:p14="http://schemas.microsoft.com/office/powerpoint/2010/main" val="915898887"/>
+                <p14:modId xmlns:p14="http://schemas.microsoft.com/office/powerpoint/2010/main" val="1013517936"/>
               </p:ext>
             </p:extLst>
           </p:nvPr>
         </p:nvGraphicFramePr>
         <p:xfrm>
-          <a:off x="7202081" y="4311403"/>
+          <a:off x="7183227" y="4311403"/>
           <a:ext cx="4626466" cy="1315720"/>
         </p:xfrm>
         <a:graphic>
@@ -13254,8 +13254,8 @@
                     <a:p>
                       <a:pPr latinLnBrk="1"/>
                       <a:r>
-                        <a:rPr lang="en-US" altLang="ko-KR" sz="1400" dirty="0" err="1"/>
-                        <a:t>recipe_ingredient</a:t>
+                        <a:rPr lang="en-US" altLang="ko-KR" sz="1400"/>
+                        <a:t>recipe+ingredient</a:t>
                       </a:r>
                       <a:endParaRPr lang="ko-KR" altLang="en-US" sz="1400" dirty="0"/>
                     </a:p>
@@ -13516,7 +13516,7 @@
         </p:nvCxnSpPr>
         <p:spPr>
           <a:xfrm rot="5400000">
-            <a:off x="6076293" y="3843468"/>
+            <a:off x="6057439" y="3843468"/>
             <a:ext cx="2251583" cy="6"/>
           </a:xfrm>
           <a:prstGeom prst="bentConnector4">

--- a/설계도.pptx
+++ b/설계도.pptx
@@ -13734,7 +13734,7 @@
                   </a:schemeClr>
                 </a:solidFill>
               </a:rPr>
-              <a:t>` INT,  `amount` FLOAT, FOREIGN KEY (</a:t>
+              <a:t>` INT,  `amount` VARCHAR(30), FOREIGN KEY (</a:t>
             </a:r>
             <a:r>
               <a:rPr lang="en-US" altLang="ko-KR" sz="1000" dirty="0" err="1">

--- a/설계도.pptx
+++ b/설계도.pptx
@@ -268,7 +268,7 @@
           <a:p>
             <a:fld id="{14D1209F-DE80-444A-90C3-80B053978253}" type="datetimeFigureOut">
               <a:rPr lang="ko-KR" altLang="en-US" smtClean="0"/>
-              <a:t>2018-05-22</a:t>
+              <a:t>2018-05-23</a:t>
             </a:fld>
             <a:endParaRPr lang="ko-KR" altLang="en-US"/>
           </a:p>
@@ -466,7 +466,7 @@
           <a:p>
             <a:fld id="{14D1209F-DE80-444A-90C3-80B053978253}" type="datetimeFigureOut">
               <a:rPr lang="ko-KR" altLang="en-US" smtClean="0"/>
-              <a:t>2018-05-22</a:t>
+              <a:t>2018-05-23</a:t>
             </a:fld>
             <a:endParaRPr lang="ko-KR" altLang="en-US"/>
           </a:p>
@@ -674,7 +674,7 @@
           <a:p>
             <a:fld id="{14D1209F-DE80-444A-90C3-80B053978253}" type="datetimeFigureOut">
               <a:rPr lang="ko-KR" altLang="en-US" smtClean="0"/>
-              <a:t>2018-05-22</a:t>
+              <a:t>2018-05-23</a:t>
             </a:fld>
             <a:endParaRPr lang="ko-KR" altLang="en-US"/>
           </a:p>
@@ -872,7 +872,7 @@
           <a:p>
             <a:fld id="{14D1209F-DE80-444A-90C3-80B053978253}" type="datetimeFigureOut">
               <a:rPr lang="ko-KR" altLang="en-US" smtClean="0"/>
-              <a:t>2018-05-22</a:t>
+              <a:t>2018-05-23</a:t>
             </a:fld>
             <a:endParaRPr lang="ko-KR" altLang="en-US"/>
           </a:p>
@@ -1147,7 +1147,7 @@
           <a:p>
             <a:fld id="{14D1209F-DE80-444A-90C3-80B053978253}" type="datetimeFigureOut">
               <a:rPr lang="ko-KR" altLang="en-US" smtClean="0"/>
-              <a:t>2018-05-22</a:t>
+              <a:t>2018-05-23</a:t>
             </a:fld>
             <a:endParaRPr lang="ko-KR" altLang="en-US"/>
           </a:p>
@@ -1412,7 +1412,7 @@
           <a:p>
             <a:fld id="{14D1209F-DE80-444A-90C3-80B053978253}" type="datetimeFigureOut">
               <a:rPr lang="ko-KR" altLang="en-US" smtClean="0"/>
-              <a:t>2018-05-22</a:t>
+              <a:t>2018-05-23</a:t>
             </a:fld>
             <a:endParaRPr lang="ko-KR" altLang="en-US"/>
           </a:p>
@@ -1824,7 +1824,7 @@
           <a:p>
             <a:fld id="{14D1209F-DE80-444A-90C3-80B053978253}" type="datetimeFigureOut">
               <a:rPr lang="ko-KR" altLang="en-US" smtClean="0"/>
-              <a:t>2018-05-22</a:t>
+              <a:t>2018-05-23</a:t>
             </a:fld>
             <a:endParaRPr lang="ko-KR" altLang="en-US"/>
           </a:p>
@@ -1965,7 +1965,7 @@
           <a:p>
             <a:fld id="{14D1209F-DE80-444A-90C3-80B053978253}" type="datetimeFigureOut">
               <a:rPr lang="ko-KR" altLang="en-US" smtClean="0"/>
-              <a:t>2018-05-22</a:t>
+              <a:t>2018-05-23</a:t>
             </a:fld>
             <a:endParaRPr lang="ko-KR" altLang="en-US"/>
           </a:p>
@@ -2078,7 +2078,7 @@
           <a:p>
             <a:fld id="{14D1209F-DE80-444A-90C3-80B053978253}" type="datetimeFigureOut">
               <a:rPr lang="ko-KR" altLang="en-US" smtClean="0"/>
-              <a:t>2018-05-22</a:t>
+              <a:t>2018-05-23</a:t>
             </a:fld>
             <a:endParaRPr lang="ko-KR" altLang="en-US"/>
           </a:p>
@@ -2389,7 +2389,7 @@
           <a:p>
             <a:fld id="{14D1209F-DE80-444A-90C3-80B053978253}" type="datetimeFigureOut">
               <a:rPr lang="ko-KR" altLang="en-US" smtClean="0"/>
-              <a:t>2018-05-22</a:t>
+              <a:t>2018-05-23</a:t>
             </a:fld>
             <a:endParaRPr lang="ko-KR" altLang="en-US"/>
           </a:p>
@@ -2677,7 +2677,7 @@
           <a:p>
             <a:fld id="{14D1209F-DE80-444A-90C3-80B053978253}" type="datetimeFigureOut">
               <a:rPr lang="ko-KR" altLang="en-US" smtClean="0"/>
-              <a:t>2018-05-22</a:t>
+              <a:t>2018-05-23</a:t>
             </a:fld>
             <a:endParaRPr lang="ko-KR" altLang="en-US"/>
           </a:p>
@@ -2918,7 +2918,7 @@
           <a:p>
             <a:fld id="{14D1209F-DE80-444A-90C3-80B053978253}" type="datetimeFigureOut">
               <a:rPr lang="ko-KR" altLang="en-US" smtClean="0"/>
-              <a:t>2018-05-22</a:t>
+              <a:t>2018-05-23</a:t>
             </a:fld>
             <a:endParaRPr lang="ko-KR" altLang="en-US"/>
           </a:p>
@@ -13078,7 +13078,7 @@
           <p:nvPr>
             <p:extLst>
               <p:ext uri="{D42A27DB-BD31-4B8C-83A1-F6EECF244321}">
-                <p14:modId xmlns:p14="http://schemas.microsoft.com/office/powerpoint/2010/main" val="3421917091"/>
+                <p14:modId xmlns:p14="http://schemas.microsoft.com/office/powerpoint/2010/main" val="3052559721"/>
               </p:ext>
             </p:extLst>
           </p:nvPr>
@@ -13147,7 +13147,7 @@
                     <a:p>
                       <a:r>
                         <a:rPr lang="en-US" altLang="ko-KR" sz="1400" dirty="0"/>
-                        <a:t>`Id` INT NOT NULL AUTO_INCREMENT PRIMARY KEY</a:t>
+                        <a:t>`id` INT NOT NULL AUTO_INCREMENT PRIMARY KEY</a:t>
                       </a:r>
                     </a:p>
                     <a:p>
@@ -13377,7 +13377,7 @@
                   </a:schemeClr>
                 </a:solidFill>
               </a:rPr>
-              <a:t>CREATE TABLE `recipe`(`Id` INT NOT NULL AUTO_INCREMENT PRIMARY KEY, `</a:t>
+              <a:t>CREATE TABLE `recipe`(`id` INT NOT NULL AUTO_INCREMENT PRIMARY KEY, `</a:t>
             </a:r>
             <a:r>
               <a:rPr lang="en-US" altLang="ko-KR" sz="1000" dirty="0" err="1">
@@ -13397,7 +13397,7 @@
                   </a:schemeClr>
                 </a:solidFill>
               </a:rPr>
-              <a:t>` INT NOT NULL, `menu` VARCHAR(30) NOT NULL, `Image` TEXT, `steps` TEXT NOT NULL, `time` INT NOT NULL, `calorie` FLOAT NOT NULL)</a:t>
+              <a:t>` INT NOT NULL, `menu` VARCHAR(30) NOT NULL, `image` TEXT, `steps` TEXT NOT NULL, `time` INT NOT NULL, `calorie` FLOAT NOT NULL)</a:t>
             </a:r>
             <a:endParaRPr lang="ko-KR" altLang="ko-KR" sz="1000" dirty="0">
               <a:solidFill>
@@ -13559,7 +13559,7 @@
           <p:nvPr>
             <p:extLst>
               <p:ext uri="{D42A27DB-BD31-4B8C-83A1-F6EECF244321}">
-                <p14:modId xmlns:p14="http://schemas.microsoft.com/office/powerpoint/2010/main" val="3997101728"/>
+                <p14:modId xmlns:p14="http://schemas.microsoft.com/office/powerpoint/2010/main" val="2524430822"/>
               </p:ext>
             </p:extLst>
           </p:nvPr>
@@ -13614,7 +13614,7 @@
                       <a:pPr latinLnBrk="1"/>
                       <a:r>
                         <a:rPr lang="en-US" altLang="ko-KR" sz="1400" dirty="0"/>
-                        <a:t>`Id` INT NOT NULL AUTO_INCREMENT PRIMARY KEY</a:t>
+                        <a:t>`id` INT NOT NULL AUTO_INCREMENT PRIMARY KEY</a:t>
                       </a:r>
                     </a:p>
                     <a:p>
@@ -13777,6 +13777,148 @@
               <a:t>) REFERENCES recipe(id) )</a:t>
             </a:r>
             <a:endParaRPr lang="ko-KR" altLang="en-US" sz="1000" dirty="0">
+              <a:solidFill>
+                <a:schemeClr val="bg1">
+                  <a:lumMod val="50000"/>
+                </a:schemeClr>
+              </a:solidFill>
+            </a:endParaRPr>
+          </a:p>
+        </p:txBody>
+      </p:sp>
+      <p:graphicFrame>
+        <p:nvGraphicFramePr>
+          <p:cNvPr id="8" name="표 7">
+            <a:extLst>
+              <a:ext uri="{FF2B5EF4-FFF2-40B4-BE49-F238E27FC236}">
+                <a16:creationId xmlns:a16="http://schemas.microsoft.com/office/drawing/2014/main" id="{8095C158-A978-4791-8E18-49CB8A84406E}"/>
+              </a:ext>
+            </a:extLst>
+          </p:cNvPr>
+          <p:cNvGraphicFramePr>
+            <a:graphicFrameLocks noGrp="1"/>
+          </p:cNvGraphicFramePr>
+          <p:nvPr>
+            <p:extLst>
+              <p:ext uri="{D42A27DB-BD31-4B8C-83A1-F6EECF244321}">
+                <p14:modId xmlns:p14="http://schemas.microsoft.com/office/powerpoint/2010/main" val="3777018845"/>
+              </p:ext>
+            </p:extLst>
+          </p:nvPr>
+        </p:nvGraphicFramePr>
+        <p:xfrm>
+          <a:off x="7154947" y="801688"/>
+          <a:ext cx="4656839" cy="889000"/>
+        </p:xfrm>
+        <a:graphic>
+          <a:graphicData uri="http://schemas.openxmlformats.org/drawingml/2006/table">
+            <a:tbl>
+              <a:tblPr firstRow="1" bandRow="1">
+                <a:tableStyleId>{5C22544A-7EE6-4342-B048-85BDC9FD1C3A}</a:tableStyleId>
+              </a:tblPr>
+              <a:tblGrid>
+                <a:gridCol w="4656839">
+                  <a:extLst>
+                    <a:ext uri="{9D8B030D-6E8A-4147-A177-3AD203B41FA5}">
+                      <a16:colId xmlns:a16="http://schemas.microsoft.com/office/drawing/2014/main" val="2508604165"/>
+                    </a:ext>
+                  </a:extLst>
+                </a:gridCol>
+              </a:tblGrid>
+              <a:tr h="370840">
+                <a:tc>
+                  <a:txBody>
+                    <a:bodyPr/>
+                    <a:lstStyle/>
+                    <a:p>
+                      <a:pPr latinLnBrk="1"/>
+                      <a:r>
+                        <a:rPr lang="en-US" altLang="ko-KR" sz="1400" dirty="0"/>
+                        <a:t>type</a:t>
+                      </a:r>
+                      <a:endParaRPr lang="ko-KR" altLang="en-US" sz="1400" dirty="0"/>
+                    </a:p>
+                  </a:txBody>
+                  <a:tcPr/>
+                </a:tc>
+                <a:extLst>
+                  <a:ext uri="{0D108BD9-81ED-4DB2-BD59-A6C34878D82A}">
+                    <a16:rowId xmlns:a16="http://schemas.microsoft.com/office/drawing/2014/main" val="143384645"/>
+                  </a:ext>
+                </a:extLst>
+              </a:tr>
+              <a:tr h="370840">
+                <a:tc>
+                  <a:txBody>
+                    <a:bodyPr/>
+                    <a:lstStyle/>
+                    <a:p>
+                      <a:pPr latinLnBrk="1"/>
+                      <a:r>
+                        <a:rPr lang="en-US" altLang="ko-KR" sz="1400" dirty="0"/>
+                        <a:t>`id` INT NOT NULL AUTO_INCREMENT PRIMARY KEY</a:t>
+                      </a:r>
+                    </a:p>
+                    <a:p>
+                      <a:pPr latinLnBrk="1"/>
+                      <a:r>
+                        <a:rPr lang="en-US" altLang="ko-KR" sz="1400" dirty="0"/>
+                        <a:t>`name` VARCHAR(30) NOT NULL</a:t>
+                      </a:r>
+                      <a:endParaRPr lang="ko-KR" altLang="en-US" sz="1400" dirty="0"/>
+                    </a:p>
+                  </a:txBody>
+                  <a:tcPr/>
+                </a:tc>
+                <a:extLst>
+                  <a:ext uri="{0D108BD9-81ED-4DB2-BD59-A6C34878D82A}">
+                    <a16:rowId xmlns:a16="http://schemas.microsoft.com/office/drawing/2014/main" val="2254638591"/>
+                  </a:ext>
+                </a:extLst>
+              </a:tr>
+            </a:tbl>
+          </a:graphicData>
+        </a:graphic>
+      </p:graphicFrame>
+      <p:sp>
+        <p:nvSpPr>
+          <p:cNvPr id="12" name="TextBox 11">
+            <a:extLst>
+              <a:ext uri="{FF2B5EF4-FFF2-40B4-BE49-F238E27FC236}">
+                <a16:creationId xmlns:a16="http://schemas.microsoft.com/office/drawing/2014/main" id="{4087DA84-2AC7-492C-8E54-DA4B8F567171}"/>
+              </a:ext>
+            </a:extLst>
+          </p:cNvPr>
+          <p:cNvSpPr txBox="1"/>
+          <p:nvPr/>
+        </p:nvSpPr>
+        <p:spPr>
+          <a:xfrm>
+            <a:off x="7136094" y="1690688"/>
+            <a:ext cx="4673599" cy="430887"/>
+          </a:xfrm>
+          <a:prstGeom prst="rect">
+            <a:avLst/>
+          </a:prstGeom>
+          <a:noFill/>
+        </p:spPr>
+        <p:txBody>
+          <a:bodyPr wrap="square" rtlCol="0">
+            <a:spAutoFit/>
+          </a:bodyPr>
+          <a:lstStyle/>
+          <a:p>
+            <a:r>
+              <a:rPr lang="en-US" altLang="ko-KR" sz="1100" dirty="0">
+                <a:solidFill>
+                  <a:schemeClr val="bg1">
+                    <a:lumMod val="50000"/>
+                  </a:schemeClr>
+                </a:solidFill>
+              </a:rPr>
+              <a:t>CREATE TABLE `type` (`id` INT NOT NULL AUTO_INCREMENT PRIMARY KEY, `name` VARCHAR(30) NOT NULL)</a:t>
+            </a:r>
+            <a:endParaRPr lang="ko-KR" altLang="en-US" sz="1100" dirty="0">
               <a:solidFill>
                 <a:schemeClr val="bg1">
                   <a:lumMod val="50000"/>

--- a/설계도.pptx
+++ b/설계도.pptx
@@ -14,7 +14,8 @@
     <p:sldId id="269" r:id="rId8"/>
     <p:sldId id="270" r:id="rId9"/>
     <p:sldId id="271" r:id="rId10"/>
-    <p:sldId id="262" r:id="rId11"/>
+    <p:sldId id="272" r:id="rId11"/>
+    <p:sldId id="262" r:id="rId12"/>
   </p:sldIdLst>
   <p:sldSz cx="12192000" cy="6858000"/>
   <p:notesSz cx="6858000" cy="9144000"/>
@@ -268,7 +269,7 @@
           <a:p>
             <a:fld id="{14D1209F-DE80-444A-90C3-80B053978253}" type="datetimeFigureOut">
               <a:rPr lang="ko-KR" altLang="en-US" smtClean="0"/>
-              <a:t>2018-05-23</a:t>
+              <a:t>2018-05-26</a:t>
             </a:fld>
             <a:endParaRPr lang="ko-KR" altLang="en-US"/>
           </a:p>
@@ -466,7 +467,7 @@
           <a:p>
             <a:fld id="{14D1209F-DE80-444A-90C3-80B053978253}" type="datetimeFigureOut">
               <a:rPr lang="ko-KR" altLang="en-US" smtClean="0"/>
-              <a:t>2018-05-23</a:t>
+              <a:t>2018-05-26</a:t>
             </a:fld>
             <a:endParaRPr lang="ko-KR" altLang="en-US"/>
           </a:p>
@@ -674,7 +675,7 @@
           <a:p>
             <a:fld id="{14D1209F-DE80-444A-90C3-80B053978253}" type="datetimeFigureOut">
               <a:rPr lang="ko-KR" altLang="en-US" smtClean="0"/>
-              <a:t>2018-05-23</a:t>
+              <a:t>2018-05-26</a:t>
             </a:fld>
             <a:endParaRPr lang="ko-KR" altLang="en-US"/>
           </a:p>
@@ -872,7 +873,7 @@
           <a:p>
             <a:fld id="{14D1209F-DE80-444A-90C3-80B053978253}" type="datetimeFigureOut">
               <a:rPr lang="ko-KR" altLang="en-US" smtClean="0"/>
-              <a:t>2018-05-23</a:t>
+              <a:t>2018-05-26</a:t>
             </a:fld>
             <a:endParaRPr lang="ko-KR" altLang="en-US"/>
           </a:p>
@@ -1147,7 +1148,7 @@
           <a:p>
             <a:fld id="{14D1209F-DE80-444A-90C3-80B053978253}" type="datetimeFigureOut">
               <a:rPr lang="ko-KR" altLang="en-US" smtClean="0"/>
-              <a:t>2018-05-23</a:t>
+              <a:t>2018-05-26</a:t>
             </a:fld>
             <a:endParaRPr lang="ko-KR" altLang="en-US"/>
           </a:p>
@@ -1412,7 +1413,7 @@
           <a:p>
             <a:fld id="{14D1209F-DE80-444A-90C3-80B053978253}" type="datetimeFigureOut">
               <a:rPr lang="ko-KR" altLang="en-US" smtClean="0"/>
-              <a:t>2018-05-23</a:t>
+              <a:t>2018-05-26</a:t>
             </a:fld>
             <a:endParaRPr lang="ko-KR" altLang="en-US"/>
           </a:p>
@@ -1824,7 +1825,7 @@
           <a:p>
             <a:fld id="{14D1209F-DE80-444A-90C3-80B053978253}" type="datetimeFigureOut">
               <a:rPr lang="ko-KR" altLang="en-US" smtClean="0"/>
-              <a:t>2018-05-23</a:t>
+              <a:t>2018-05-26</a:t>
             </a:fld>
             <a:endParaRPr lang="ko-KR" altLang="en-US"/>
           </a:p>
@@ -1965,7 +1966,7 @@
           <a:p>
             <a:fld id="{14D1209F-DE80-444A-90C3-80B053978253}" type="datetimeFigureOut">
               <a:rPr lang="ko-KR" altLang="en-US" smtClean="0"/>
-              <a:t>2018-05-23</a:t>
+              <a:t>2018-05-26</a:t>
             </a:fld>
             <a:endParaRPr lang="ko-KR" altLang="en-US"/>
           </a:p>
@@ -2078,7 +2079,7 @@
           <a:p>
             <a:fld id="{14D1209F-DE80-444A-90C3-80B053978253}" type="datetimeFigureOut">
               <a:rPr lang="ko-KR" altLang="en-US" smtClean="0"/>
-              <a:t>2018-05-23</a:t>
+              <a:t>2018-05-26</a:t>
             </a:fld>
             <a:endParaRPr lang="ko-KR" altLang="en-US"/>
           </a:p>
@@ -2389,7 +2390,7 @@
           <a:p>
             <a:fld id="{14D1209F-DE80-444A-90C3-80B053978253}" type="datetimeFigureOut">
               <a:rPr lang="ko-KR" altLang="en-US" smtClean="0"/>
-              <a:t>2018-05-23</a:t>
+              <a:t>2018-05-26</a:t>
             </a:fld>
             <a:endParaRPr lang="ko-KR" altLang="en-US"/>
           </a:p>
@@ -2677,7 +2678,7 @@
           <a:p>
             <a:fld id="{14D1209F-DE80-444A-90C3-80B053978253}" type="datetimeFigureOut">
               <a:rPr lang="ko-KR" altLang="en-US" smtClean="0"/>
-              <a:t>2018-05-23</a:t>
+              <a:t>2018-05-26</a:t>
             </a:fld>
             <a:endParaRPr lang="ko-KR" altLang="en-US"/>
           </a:p>
@@ -2918,7 +2919,7 @@
           <a:p>
             <a:fld id="{14D1209F-DE80-444A-90C3-80B053978253}" type="datetimeFigureOut">
               <a:rPr lang="ko-KR" altLang="en-US" smtClean="0"/>
-              <a:t>2018-05-23</a:t>
+              <a:t>2018-05-26</a:t>
             </a:fld>
             <a:endParaRPr lang="ko-KR" altLang="en-US"/>
           </a:p>
@@ -5956,6 +5957,742 @@
           <p:cNvPr id="2" name="제목 1">
             <a:extLst>
               <a:ext uri="{FF2B5EF4-FFF2-40B4-BE49-F238E27FC236}">
+                <a16:creationId xmlns:a16="http://schemas.microsoft.com/office/drawing/2014/main" id="{E28E9482-0EFB-4FAE-9944-ECB2D2A3C3E5}"/>
+              </a:ext>
+            </a:extLst>
+          </p:cNvPr>
+          <p:cNvSpPr>
+            <a:spLocks noGrp="1"/>
+          </p:cNvSpPr>
+          <p:nvPr>
+            <p:ph type="title"/>
+          </p:nvPr>
+        </p:nvSpPr>
+        <p:spPr/>
+        <p:txBody>
+          <a:bodyPr/>
+          <a:lstStyle/>
+          <a:p>
+            <a:r>
+              <a:rPr lang="en-US" altLang="ko-KR" dirty="0"/>
+              <a:t>[Latest version DB]</a:t>
+            </a:r>
+            <a:endParaRPr lang="ko-KR" altLang="en-US" dirty="0"/>
+          </a:p>
+        </p:txBody>
+      </p:sp>
+      <p:graphicFrame>
+        <p:nvGraphicFramePr>
+          <p:cNvPr id="6" name="표 5">
+            <a:extLst>
+              <a:ext uri="{FF2B5EF4-FFF2-40B4-BE49-F238E27FC236}">
+                <a16:creationId xmlns:a16="http://schemas.microsoft.com/office/drawing/2014/main" id="{01896764-FAC3-4075-9277-2FE61B423250}"/>
+              </a:ext>
+            </a:extLst>
+          </p:cNvPr>
+          <p:cNvGraphicFramePr>
+            <a:graphicFrameLocks noGrp="1"/>
+          </p:cNvGraphicFramePr>
+          <p:nvPr>
+            <p:extLst>
+              <p:ext uri="{D42A27DB-BD31-4B8C-83A1-F6EECF244321}">
+                <p14:modId xmlns:p14="http://schemas.microsoft.com/office/powerpoint/2010/main" val="2225824421"/>
+              </p:ext>
+            </p:extLst>
+          </p:nvPr>
+        </p:nvGraphicFramePr>
+        <p:xfrm>
+          <a:off x="597569" y="2240034"/>
+          <a:ext cx="5389337" cy="1005840"/>
+        </p:xfrm>
+        <a:graphic>
+          <a:graphicData uri="http://schemas.openxmlformats.org/drawingml/2006/table">
+            <a:tbl>
+              <a:tblPr firstRow="1" bandRow="1">
+                <a:tableStyleId>{5C22544A-7EE6-4342-B048-85BDC9FD1C3A}</a:tableStyleId>
+              </a:tblPr>
+              <a:tblGrid>
+                <a:gridCol w="5389337">
+                  <a:extLst>
+                    <a:ext uri="{9D8B030D-6E8A-4147-A177-3AD203B41FA5}">
+                      <a16:colId xmlns:a16="http://schemas.microsoft.com/office/drawing/2014/main" val="106950068"/>
+                    </a:ext>
+                  </a:extLst>
+                </a:gridCol>
+              </a:tblGrid>
+              <a:tr h="278515">
+                <a:tc>
+                  <a:txBody>
+                    <a:bodyPr/>
+                    <a:lstStyle/>
+                    <a:p>
+                      <a:pPr latinLnBrk="1"/>
+                      <a:r>
+                        <a:rPr lang="en-US" altLang="ko-KR" dirty="0"/>
+                        <a:t> normal</a:t>
+                      </a:r>
+                      <a:endParaRPr lang="ko-KR" altLang="en-US" dirty="0"/>
+                    </a:p>
+                  </a:txBody>
+                  <a:tcPr/>
+                </a:tc>
+                <a:extLst>
+                  <a:ext uri="{0D108BD9-81ED-4DB2-BD59-A6C34878D82A}">
+                    <a16:rowId xmlns:a16="http://schemas.microsoft.com/office/drawing/2014/main" val="1755629422"/>
+                  </a:ext>
+                </a:extLst>
+              </a:tr>
+              <a:tr h="628294">
+                <a:tc>
+                  <a:txBody>
+                    <a:bodyPr/>
+                    <a:lstStyle/>
+                    <a:p>
+                      <a:pPr marL="0" marR="0" lvl="0" indent="0" algn="l" defTabSz="914400" rtl="0" eaLnBrk="1" fontAlgn="auto" latinLnBrk="1" hangingPunct="1">
+                        <a:lnSpc>
+                          <a:spcPct val="100000"/>
+                        </a:lnSpc>
+                        <a:spcBef>
+                          <a:spcPts val="0"/>
+                        </a:spcBef>
+                        <a:spcAft>
+                          <a:spcPts val="0"/>
+                        </a:spcAft>
+                        <a:buClrTx/>
+                        <a:buSzTx/>
+                        <a:buFontTx/>
+                        <a:buNone/>
+                        <a:tabLst/>
+                        <a:defRPr/>
+                      </a:pPr>
+                      <a:r>
+                        <a:rPr lang="en-US" altLang="ko-KR" dirty="0"/>
+                        <a:t>CREATE VIEW `normal` AS SELECT * FROM `recipe` WHERE `</a:t>
+                      </a:r>
+                      <a:r>
+                        <a:rPr lang="en-US" altLang="ko-KR" dirty="0" err="1"/>
+                        <a:t>type_id</a:t>
+                      </a:r>
+                      <a:r>
+                        <a:rPr lang="en-US" altLang="ko-KR" dirty="0"/>
+                        <a:t>`=1;</a:t>
+                      </a:r>
+                    </a:p>
+                  </a:txBody>
+                  <a:tcPr/>
+                </a:tc>
+                <a:extLst>
+                  <a:ext uri="{0D108BD9-81ED-4DB2-BD59-A6C34878D82A}">
+                    <a16:rowId xmlns:a16="http://schemas.microsoft.com/office/drawing/2014/main" val="1967514484"/>
+                  </a:ext>
+                </a:extLst>
+              </a:tr>
+            </a:tbl>
+          </a:graphicData>
+        </a:graphic>
+      </p:graphicFrame>
+      <p:graphicFrame>
+        <p:nvGraphicFramePr>
+          <p:cNvPr id="7" name="표 6">
+            <a:extLst>
+              <a:ext uri="{FF2B5EF4-FFF2-40B4-BE49-F238E27FC236}">
+                <a16:creationId xmlns:a16="http://schemas.microsoft.com/office/drawing/2014/main" id="{D6D8E996-2EF5-42B8-8A8C-7DB9E2123D60}"/>
+              </a:ext>
+            </a:extLst>
+          </p:cNvPr>
+          <p:cNvGraphicFramePr>
+            <a:graphicFrameLocks noGrp="1"/>
+          </p:cNvGraphicFramePr>
+          <p:nvPr>
+            <p:extLst>
+              <p:ext uri="{D42A27DB-BD31-4B8C-83A1-F6EECF244321}">
+                <p14:modId xmlns:p14="http://schemas.microsoft.com/office/powerpoint/2010/main" val="886848563"/>
+              </p:ext>
+            </p:extLst>
+          </p:nvPr>
+        </p:nvGraphicFramePr>
+        <p:xfrm>
+          <a:off x="588044" y="3715054"/>
+          <a:ext cx="5398862" cy="1086530"/>
+        </p:xfrm>
+        <a:graphic>
+          <a:graphicData uri="http://schemas.openxmlformats.org/drawingml/2006/table">
+            <a:tbl>
+              <a:tblPr firstRow="1" bandRow="1">
+                <a:tableStyleId>{5C22544A-7EE6-4342-B048-85BDC9FD1C3A}</a:tableStyleId>
+              </a:tblPr>
+              <a:tblGrid>
+                <a:gridCol w="5398862">
+                  <a:extLst>
+                    <a:ext uri="{9D8B030D-6E8A-4147-A177-3AD203B41FA5}">
+                      <a16:colId xmlns:a16="http://schemas.microsoft.com/office/drawing/2014/main" val="945568529"/>
+                    </a:ext>
+                  </a:extLst>
+                </a:gridCol>
+              </a:tblGrid>
+              <a:tr h="341279">
+                <a:tc>
+                  <a:txBody>
+                    <a:bodyPr/>
+                    <a:lstStyle/>
+                    <a:p>
+                      <a:pPr latinLnBrk="1"/>
+                      <a:r>
+                        <a:rPr lang="en-US" altLang="ko-KR" dirty="0"/>
+                        <a:t> delivery </a:t>
+                      </a:r>
+                      <a:endParaRPr lang="ko-KR" altLang="en-US" dirty="0"/>
+                    </a:p>
+                  </a:txBody>
+                  <a:tcPr/>
+                </a:tc>
+                <a:extLst>
+                  <a:ext uri="{0D108BD9-81ED-4DB2-BD59-A6C34878D82A}">
+                    <a16:rowId xmlns:a16="http://schemas.microsoft.com/office/drawing/2014/main" val="1165256519"/>
+                  </a:ext>
+                </a:extLst>
+              </a:tr>
+              <a:tr h="720770">
+                <a:tc>
+                  <a:txBody>
+                    <a:bodyPr/>
+                    <a:lstStyle/>
+                    <a:p>
+                      <a:pPr marL="0" marR="0" lvl="0" indent="0" algn="l" defTabSz="914400" rtl="0" eaLnBrk="1" fontAlgn="auto" latinLnBrk="1" hangingPunct="1">
+                        <a:lnSpc>
+                          <a:spcPct val="100000"/>
+                        </a:lnSpc>
+                        <a:spcBef>
+                          <a:spcPts val="0"/>
+                        </a:spcBef>
+                        <a:spcAft>
+                          <a:spcPts val="0"/>
+                        </a:spcAft>
+                        <a:buClrTx/>
+                        <a:buSzTx/>
+                        <a:buFontTx/>
+                        <a:buNone/>
+                        <a:tabLst/>
+                        <a:defRPr/>
+                      </a:pPr>
+                      <a:r>
+                        <a:rPr lang="en-US" altLang="ko-KR" dirty="0"/>
+                        <a:t>CREATE VIEW `delivery` AS SELECT * FROM `recipe` WHERE `</a:t>
+                      </a:r>
+                      <a:r>
+                        <a:rPr lang="en-US" altLang="ko-KR" dirty="0" err="1"/>
+                        <a:t>type_id</a:t>
+                      </a:r>
+                      <a:r>
+                        <a:rPr lang="en-US" altLang="ko-KR" dirty="0"/>
+                        <a:t>`=2;</a:t>
+                      </a:r>
+                    </a:p>
+                  </a:txBody>
+                  <a:tcPr/>
+                </a:tc>
+                <a:extLst>
+                  <a:ext uri="{0D108BD9-81ED-4DB2-BD59-A6C34878D82A}">
+                    <a16:rowId xmlns:a16="http://schemas.microsoft.com/office/drawing/2014/main" val="469329402"/>
+                  </a:ext>
+                </a:extLst>
+              </a:tr>
+            </a:tbl>
+          </a:graphicData>
+        </a:graphic>
+      </p:graphicFrame>
+      <p:graphicFrame>
+        <p:nvGraphicFramePr>
+          <p:cNvPr id="8" name="표 7">
+            <a:extLst>
+              <a:ext uri="{FF2B5EF4-FFF2-40B4-BE49-F238E27FC236}">
+                <a16:creationId xmlns:a16="http://schemas.microsoft.com/office/drawing/2014/main" id="{486BECBE-DBA8-4FF0-A5DE-B846F92E6CC4}"/>
+              </a:ext>
+            </a:extLst>
+          </p:cNvPr>
+          <p:cNvGraphicFramePr>
+            <a:graphicFrameLocks noGrp="1"/>
+          </p:cNvGraphicFramePr>
+          <p:nvPr>
+            <p:extLst>
+              <p:ext uri="{D42A27DB-BD31-4B8C-83A1-F6EECF244321}">
+                <p14:modId xmlns:p14="http://schemas.microsoft.com/office/powerpoint/2010/main" val="3283560080"/>
+              </p:ext>
+            </p:extLst>
+          </p:nvPr>
+        </p:nvGraphicFramePr>
+        <p:xfrm>
+          <a:off x="588044" y="5270763"/>
+          <a:ext cx="5390242" cy="1100596"/>
+        </p:xfrm>
+        <a:graphic>
+          <a:graphicData uri="http://schemas.openxmlformats.org/drawingml/2006/table">
+            <a:tbl>
+              <a:tblPr firstRow="1" bandRow="1">
+                <a:tableStyleId>{5C22544A-7EE6-4342-B048-85BDC9FD1C3A}</a:tableStyleId>
+              </a:tblPr>
+              <a:tblGrid>
+                <a:gridCol w="5390242">
+                  <a:extLst>
+                    <a:ext uri="{9D8B030D-6E8A-4147-A177-3AD203B41FA5}">
+                      <a16:colId xmlns:a16="http://schemas.microsoft.com/office/drawing/2014/main" val="3641854013"/>
+                    </a:ext>
+                  </a:extLst>
+                </a:gridCol>
+              </a:tblGrid>
+              <a:tr h="351695">
+                <a:tc>
+                  <a:txBody>
+                    <a:bodyPr/>
+                    <a:lstStyle/>
+                    <a:p>
+                      <a:pPr latinLnBrk="1"/>
+                      <a:r>
+                        <a:rPr lang="en-US" altLang="ko-KR" dirty="0"/>
+                        <a:t> store24 </a:t>
+                      </a:r>
+                      <a:endParaRPr lang="ko-KR" altLang="en-US" dirty="0"/>
+                    </a:p>
+                  </a:txBody>
+                  <a:tcPr/>
+                </a:tc>
+                <a:extLst>
+                  <a:ext uri="{0D108BD9-81ED-4DB2-BD59-A6C34878D82A}">
+                    <a16:rowId xmlns:a16="http://schemas.microsoft.com/office/drawing/2014/main" val="1300727179"/>
+                  </a:ext>
+                </a:extLst>
+              </a:tr>
+              <a:tr h="734836">
+                <a:tc>
+                  <a:txBody>
+                    <a:bodyPr/>
+                    <a:lstStyle/>
+                    <a:p>
+                      <a:pPr marL="0" marR="0" lvl="0" indent="0" algn="l" defTabSz="914400" rtl="0" eaLnBrk="1" fontAlgn="auto" latinLnBrk="1" hangingPunct="1">
+                        <a:lnSpc>
+                          <a:spcPct val="100000"/>
+                        </a:lnSpc>
+                        <a:spcBef>
+                          <a:spcPts val="0"/>
+                        </a:spcBef>
+                        <a:spcAft>
+                          <a:spcPts val="0"/>
+                        </a:spcAft>
+                        <a:buClrTx/>
+                        <a:buSzTx/>
+                        <a:buFontTx/>
+                        <a:buNone/>
+                        <a:tabLst/>
+                        <a:defRPr/>
+                      </a:pPr>
+                      <a:r>
+                        <a:rPr lang="en-US" altLang="ko-KR" dirty="0"/>
+                        <a:t>CREATE VIEW `store24` AS SELECT * FROM `recipe` WHERE `</a:t>
+                      </a:r>
+                      <a:r>
+                        <a:rPr lang="en-US" altLang="ko-KR" dirty="0" err="1"/>
+                        <a:t>type_id</a:t>
+                      </a:r>
+                      <a:r>
+                        <a:rPr lang="en-US" altLang="ko-KR" dirty="0"/>
+                        <a:t>`=3;</a:t>
+                      </a:r>
+                    </a:p>
+                  </a:txBody>
+                  <a:tcPr/>
+                </a:tc>
+                <a:extLst>
+                  <a:ext uri="{0D108BD9-81ED-4DB2-BD59-A6C34878D82A}">
+                    <a16:rowId xmlns:a16="http://schemas.microsoft.com/office/drawing/2014/main" val="2127355897"/>
+                  </a:ext>
+                </a:extLst>
+              </a:tr>
+            </a:tbl>
+          </a:graphicData>
+        </a:graphic>
+      </p:graphicFrame>
+      <p:graphicFrame>
+        <p:nvGraphicFramePr>
+          <p:cNvPr id="9" name="표 8">
+            <a:extLst>
+              <a:ext uri="{FF2B5EF4-FFF2-40B4-BE49-F238E27FC236}">
+                <a16:creationId xmlns:a16="http://schemas.microsoft.com/office/drawing/2014/main" id="{67C10D1A-EDD0-450E-92EE-1DAF9358AD3D}"/>
+              </a:ext>
+            </a:extLst>
+          </p:cNvPr>
+          <p:cNvGraphicFramePr>
+            <a:graphicFrameLocks noGrp="1"/>
+          </p:cNvGraphicFramePr>
+          <p:nvPr>
+            <p:extLst>
+              <p:ext uri="{D42A27DB-BD31-4B8C-83A1-F6EECF244321}">
+                <p14:modId xmlns:p14="http://schemas.microsoft.com/office/powerpoint/2010/main" val="3509918274"/>
+              </p:ext>
+            </p:extLst>
+          </p:nvPr>
+        </p:nvGraphicFramePr>
+        <p:xfrm>
+          <a:off x="6332473" y="2240034"/>
+          <a:ext cx="5353639" cy="1828800"/>
+        </p:xfrm>
+        <a:graphic>
+          <a:graphicData uri="http://schemas.openxmlformats.org/drawingml/2006/table">
+            <a:tbl>
+              <a:tblPr firstRow="1" bandRow="1">
+                <a:tableStyleId>{5C22544A-7EE6-4342-B048-85BDC9FD1C3A}</a:tableStyleId>
+              </a:tblPr>
+              <a:tblGrid>
+                <a:gridCol w="5353639">
+                  <a:extLst>
+                    <a:ext uri="{9D8B030D-6E8A-4147-A177-3AD203B41FA5}">
+                      <a16:colId xmlns:a16="http://schemas.microsoft.com/office/drawing/2014/main" val="649459055"/>
+                    </a:ext>
+                  </a:extLst>
+                </a:gridCol>
+              </a:tblGrid>
+              <a:tr h="321451">
+                <a:tc>
+                  <a:txBody>
+                    <a:bodyPr/>
+                    <a:lstStyle/>
+                    <a:p>
+                      <a:pPr latinLnBrk="1"/>
+                      <a:r>
+                        <a:rPr lang="en-US" altLang="ko-KR" dirty="0"/>
+                        <a:t> user</a:t>
+                      </a:r>
+                      <a:endParaRPr lang="ko-KR" altLang="en-US" dirty="0"/>
+                    </a:p>
+                  </a:txBody>
+                  <a:tcPr/>
+                </a:tc>
+                <a:extLst>
+                  <a:ext uri="{0D108BD9-81ED-4DB2-BD59-A6C34878D82A}">
+                    <a16:rowId xmlns:a16="http://schemas.microsoft.com/office/drawing/2014/main" val="1586091794"/>
+                  </a:ext>
+                </a:extLst>
+              </a:tr>
+              <a:tr h="1430023">
+                <a:tc>
+                  <a:txBody>
+                    <a:bodyPr/>
+                    <a:lstStyle/>
+                    <a:p>
+                      <a:pPr latinLnBrk="1"/>
+                      <a:r>
+                        <a:rPr lang="en-US" altLang="ko-KR" dirty="0"/>
+                        <a:t>`id` VARCHAR(50) NOT NULL PRIMARY KEY</a:t>
+                      </a:r>
+                    </a:p>
+                    <a:p>
+                      <a:pPr latinLnBrk="1"/>
+                      <a:r>
+                        <a:rPr lang="en-US" altLang="ko-KR" dirty="0"/>
+                        <a:t>`allergy` VARCHAR(30)</a:t>
+                      </a:r>
+                    </a:p>
+                    <a:p>
+                      <a:pPr latinLnBrk="1"/>
+                      <a:r>
+                        <a:rPr lang="en-US" altLang="ko-KR" dirty="0"/>
+                        <a:t>`priority` VARCHAR(1) : T or</a:t>
+                      </a:r>
+                      <a:r>
+                        <a:rPr lang="ko-KR" altLang="en-US" dirty="0"/>
+                        <a:t> </a:t>
+                      </a:r>
+                      <a:r>
+                        <a:rPr lang="en-US" altLang="ko-KR" dirty="0"/>
+                        <a:t>C</a:t>
+                      </a:r>
+                    </a:p>
+                    <a:p>
+                      <a:pPr latinLnBrk="1"/>
+                      <a:r>
+                        <a:rPr lang="en-US" altLang="ko-KR" dirty="0"/>
+                        <a:t>`likes` VARCHAR(30)</a:t>
+                      </a:r>
+                    </a:p>
+                    <a:p>
+                      <a:pPr latinLnBrk="1"/>
+                      <a:r>
+                        <a:rPr lang="en-US" altLang="ko-KR" dirty="0"/>
+                        <a:t>`hates` VARCHAR(30)</a:t>
+                      </a:r>
+                    </a:p>
+                  </a:txBody>
+                  <a:tcPr/>
+                </a:tc>
+                <a:extLst>
+                  <a:ext uri="{0D108BD9-81ED-4DB2-BD59-A6C34878D82A}">
+                    <a16:rowId xmlns:a16="http://schemas.microsoft.com/office/drawing/2014/main" val="2950145686"/>
+                  </a:ext>
+                </a:extLst>
+              </a:tr>
+            </a:tbl>
+          </a:graphicData>
+        </a:graphic>
+      </p:graphicFrame>
+      <p:graphicFrame>
+        <p:nvGraphicFramePr>
+          <p:cNvPr id="10" name="표 9">
+            <a:extLst>
+              <a:ext uri="{FF2B5EF4-FFF2-40B4-BE49-F238E27FC236}">
+                <a16:creationId xmlns:a16="http://schemas.microsoft.com/office/drawing/2014/main" id="{FE4DF165-2B7E-4B17-B285-D66397A53602}"/>
+              </a:ext>
+            </a:extLst>
+          </p:cNvPr>
+          <p:cNvGraphicFramePr>
+            <a:graphicFrameLocks noGrp="1"/>
+          </p:cNvGraphicFramePr>
+          <p:nvPr>
+            <p:extLst>
+              <p:ext uri="{D42A27DB-BD31-4B8C-83A1-F6EECF244321}">
+                <p14:modId xmlns:p14="http://schemas.microsoft.com/office/powerpoint/2010/main" val="3296200373"/>
+              </p:ext>
+            </p:extLst>
+          </p:nvPr>
+        </p:nvGraphicFramePr>
+        <p:xfrm>
+          <a:off x="6322949" y="4612394"/>
+          <a:ext cx="5363163" cy="1285240"/>
+        </p:xfrm>
+        <a:graphic>
+          <a:graphicData uri="http://schemas.openxmlformats.org/drawingml/2006/table">
+            <a:tbl>
+              <a:tblPr firstRow="1" bandRow="1">
+                <a:tableStyleId>{5C22544A-7EE6-4342-B048-85BDC9FD1C3A}</a:tableStyleId>
+              </a:tblPr>
+              <a:tblGrid>
+                <a:gridCol w="5363163">
+                  <a:extLst>
+                    <a:ext uri="{9D8B030D-6E8A-4147-A177-3AD203B41FA5}">
+                      <a16:colId xmlns:a16="http://schemas.microsoft.com/office/drawing/2014/main" val="3698952822"/>
+                    </a:ext>
+                  </a:extLst>
+                </a:gridCol>
+              </a:tblGrid>
+              <a:tr h="370840">
+                <a:tc>
+                  <a:txBody>
+                    <a:bodyPr/>
+                    <a:lstStyle/>
+                    <a:p>
+                      <a:pPr latinLnBrk="1"/>
+                      <a:r>
+                        <a:rPr lang="en-US" altLang="ko-KR" dirty="0"/>
+                        <a:t>term</a:t>
+                      </a:r>
+                      <a:endParaRPr lang="ko-KR" altLang="en-US" dirty="0"/>
+                    </a:p>
+                  </a:txBody>
+                  <a:tcPr/>
+                </a:tc>
+                <a:extLst>
+                  <a:ext uri="{0D108BD9-81ED-4DB2-BD59-A6C34878D82A}">
+                    <a16:rowId xmlns:a16="http://schemas.microsoft.com/office/drawing/2014/main" val="153258639"/>
+                  </a:ext>
+                </a:extLst>
+              </a:tr>
+              <a:tr h="370840">
+                <a:tc>
+                  <a:txBody>
+                    <a:bodyPr/>
+                    <a:lstStyle/>
+                    <a:p>
+                      <a:pPr latinLnBrk="1"/>
+                      <a:r>
+                        <a:rPr lang="en-US" altLang="ko-KR" sz="1800" b="0" i="0" kern="1200" dirty="0">
+                          <a:solidFill>
+                            <a:schemeClr val="dk1"/>
+                          </a:solidFill>
+                          <a:effectLst/>
+                          <a:latin typeface="+mn-lt"/>
+                          <a:ea typeface="+mn-ea"/>
+                          <a:cs typeface="+mn-cs"/>
+                        </a:rPr>
+                        <a:t>`id` INT PRIMARY KEY</a:t>
+                      </a:r>
+                    </a:p>
+                    <a:p>
+                      <a:pPr latinLnBrk="1"/>
+                      <a:r>
+                        <a:rPr lang="en-US" altLang="ko-KR" sz="1800" b="0" i="0" kern="1200" dirty="0">
+                          <a:solidFill>
+                            <a:schemeClr val="dk1"/>
+                          </a:solidFill>
+                          <a:effectLst/>
+                          <a:latin typeface="+mn-lt"/>
+                          <a:ea typeface="+mn-ea"/>
+                          <a:cs typeface="+mn-cs"/>
+                        </a:rPr>
+                        <a:t>`title` char(56) NOT NULL</a:t>
+                      </a:r>
+                    </a:p>
+                    <a:p>
+                      <a:pPr latinLnBrk="1"/>
+                      <a:r>
+                        <a:rPr lang="en-US" altLang="ko-KR" sz="1800" b="0" i="0" kern="1200" dirty="0">
+                          <a:solidFill>
+                            <a:schemeClr val="dk1"/>
+                          </a:solidFill>
+                          <a:effectLst/>
+                          <a:latin typeface="+mn-lt"/>
+                          <a:ea typeface="+mn-ea"/>
+                          <a:cs typeface="+mn-cs"/>
+                        </a:rPr>
+                        <a:t>`descript` text NOT NULL</a:t>
+                      </a:r>
+                    </a:p>
+                  </a:txBody>
+                  <a:tcPr/>
+                </a:tc>
+                <a:extLst>
+                  <a:ext uri="{0D108BD9-81ED-4DB2-BD59-A6C34878D82A}">
+                    <a16:rowId xmlns:a16="http://schemas.microsoft.com/office/drawing/2014/main" val="3496548554"/>
+                  </a:ext>
+                </a:extLst>
+              </a:tr>
+            </a:tbl>
+          </a:graphicData>
+        </a:graphic>
+      </p:graphicFrame>
+      <p:sp>
+        <p:nvSpPr>
+          <p:cNvPr id="11" name="TextBox 10">
+            <a:extLst>
+              <a:ext uri="{FF2B5EF4-FFF2-40B4-BE49-F238E27FC236}">
+                <a16:creationId xmlns:a16="http://schemas.microsoft.com/office/drawing/2014/main" id="{E59D796C-2325-4926-BB5A-4E4F0A47D331}"/>
+              </a:ext>
+            </a:extLst>
+          </p:cNvPr>
+          <p:cNvSpPr txBox="1"/>
+          <p:nvPr/>
+        </p:nvSpPr>
+        <p:spPr>
+          <a:xfrm>
+            <a:off x="6332473" y="4068834"/>
+            <a:ext cx="5363163" cy="400110"/>
+          </a:xfrm>
+          <a:prstGeom prst="rect">
+            <a:avLst/>
+          </a:prstGeom>
+          <a:noFill/>
+        </p:spPr>
+        <p:txBody>
+          <a:bodyPr wrap="square" rtlCol="0">
+            <a:spAutoFit/>
+          </a:bodyPr>
+          <a:lstStyle/>
+          <a:p>
+            <a:r>
+              <a:rPr lang="en-US" altLang="ko-KR" sz="1000" dirty="0">
+                <a:solidFill>
+                  <a:schemeClr val="bg1">
+                    <a:lumMod val="50000"/>
+                  </a:schemeClr>
+                </a:solidFill>
+              </a:rPr>
+              <a:t>CREATE TABLE `user`(`id` VARCHAR(30) NOT NULL PRIMARY KEY, `allergy` VARCHAR(30),</a:t>
+            </a:r>
+          </a:p>
+          <a:p>
+            <a:r>
+              <a:rPr lang="en-US" altLang="ko-KR" sz="1000" dirty="0">
+                <a:solidFill>
+                  <a:schemeClr val="bg1">
+                    <a:lumMod val="50000"/>
+                  </a:schemeClr>
+                </a:solidFill>
+              </a:rPr>
+              <a:t>`priority` VARCHAR(2), `likes` VARCHAR(30), `hates` VARCHAR(30));</a:t>
+            </a:r>
+          </a:p>
+        </p:txBody>
+      </p:sp>
+      <p:sp>
+        <p:nvSpPr>
+          <p:cNvPr id="12" name="TextBox 11">
+            <a:extLst>
+              <a:ext uri="{FF2B5EF4-FFF2-40B4-BE49-F238E27FC236}">
+                <a16:creationId xmlns:a16="http://schemas.microsoft.com/office/drawing/2014/main" id="{EF6B7658-2355-4C00-9000-0B679CD21370}"/>
+              </a:ext>
+            </a:extLst>
+          </p:cNvPr>
+          <p:cNvSpPr txBox="1"/>
+          <p:nvPr/>
+        </p:nvSpPr>
+        <p:spPr>
+          <a:xfrm>
+            <a:off x="6332473" y="5904504"/>
+            <a:ext cx="5353639" cy="430887"/>
+          </a:xfrm>
+          <a:prstGeom prst="rect">
+            <a:avLst/>
+          </a:prstGeom>
+          <a:noFill/>
+        </p:spPr>
+        <p:txBody>
+          <a:bodyPr wrap="square" rtlCol="0">
+            <a:spAutoFit/>
+          </a:bodyPr>
+          <a:lstStyle/>
+          <a:p>
+            <a:r>
+              <a:rPr lang="en-US" altLang="ko-KR" sz="1100" dirty="0">
+                <a:solidFill>
+                  <a:schemeClr val="bg1">
+                    <a:lumMod val="50000"/>
+                  </a:schemeClr>
+                </a:solidFill>
+              </a:rPr>
+              <a:t>CREATE TABLE `term` (`id` INT PRIMARY KEY, `title` char(56) NOT NULL, `descript` text NOT NULL);</a:t>
+            </a:r>
+            <a:endParaRPr lang="ko-KR" altLang="en-US" sz="1100" dirty="0">
+              <a:solidFill>
+                <a:schemeClr val="bg1">
+                  <a:lumMod val="50000"/>
+                </a:schemeClr>
+              </a:solidFill>
+            </a:endParaRPr>
+          </a:p>
+        </p:txBody>
+      </p:sp>
+    </p:spTree>
+    <p:extLst>
+      <p:ext uri="{BB962C8B-B14F-4D97-AF65-F5344CB8AC3E}">
+        <p14:creationId xmlns:p14="http://schemas.microsoft.com/office/powerpoint/2010/main" val="1220124550"/>
+      </p:ext>
+    </p:extLst>
+  </p:cSld>
+  <p:clrMapOvr>
+    <a:masterClrMapping/>
+  </p:clrMapOvr>
+</p:sld>
+</file>
+
+<file path=ppt/slides/slide11.xml><?xml version="1.0" encoding="utf-8"?>
+<p:sld xmlns:a="http://schemas.openxmlformats.org/drawingml/2006/main" xmlns:r="http://schemas.openxmlformats.org/officeDocument/2006/relationships" xmlns:p="http://schemas.openxmlformats.org/presentationml/2006/main">
+  <p:cSld>
+    <p:spTree>
+      <p:nvGrpSpPr>
+        <p:cNvPr id="1" name=""/>
+        <p:cNvGrpSpPr/>
+        <p:nvPr/>
+      </p:nvGrpSpPr>
+      <p:grpSpPr>
+        <a:xfrm>
+          <a:off x="0" y="0"/>
+          <a:ext cx="0" cy="0"/>
+          <a:chOff x="0" y="0"/>
+          <a:chExt cx="0" cy="0"/>
+        </a:xfrm>
+      </p:grpSpPr>
+      <p:sp>
+        <p:nvSpPr>
+          <p:cNvPr id="2" name="제목 1">
+            <a:extLst>
+              <a:ext uri="{FF2B5EF4-FFF2-40B4-BE49-F238E27FC236}">
                 <a16:creationId xmlns:a16="http://schemas.microsoft.com/office/drawing/2014/main" id="{96A02A31-729A-436B-AC42-A9DEF02DC4A7}"/>
               </a:ext>
             </a:extLst>
@@ -11746,7 +12483,7 @@
           <p:nvPr>
             <p:extLst>
               <p:ext uri="{D42A27DB-BD31-4B8C-83A1-F6EECF244321}">
-                <p14:modId xmlns:p14="http://schemas.microsoft.com/office/powerpoint/2010/main" val="1586987619"/>
+                <p14:modId xmlns:p14="http://schemas.microsoft.com/office/powerpoint/2010/main" val="2269123494"/>
               </p:ext>
             </p:extLst>
           </p:nvPr>
@@ -11779,11 +12516,7 @@
                       <a:pPr latinLnBrk="1"/>
                       <a:r>
                         <a:rPr lang="en-US" altLang="ko-KR" sz="1400" dirty="0"/>
-                        <a:t>(c) </a:t>
-                      </a:r>
-                      <a:r>
-                        <a:rPr lang="en-US" altLang="ko-KR" sz="1400" dirty="0" err="1"/>
-                        <a:t>erm</a:t>
+                        <a:t>(c) term</a:t>
                       </a:r>
                       <a:endParaRPr lang="ko-KR" altLang="en-US" sz="1400" dirty="0"/>
                     </a:p>

--- a/설계도.pptx
+++ b/설계도.pptx
@@ -269,7 +269,7 @@
           <a:p>
             <a:fld id="{14D1209F-DE80-444A-90C3-80B053978253}" type="datetimeFigureOut">
               <a:rPr lang="ko-KR" altLang="en-US" smtClean="0"/>
-              <a:t>2018-05-26</a:t>
+              <a:t>2018-06-04</a:t>
             </a:fld>
             <a:endParaRPr lang="ko-KR" altLang="en-US"/>
           </a:p>
@@ -467,7 +467,7 @@
           <a:p>
             <a:fld id="{14D1209F-DE80-444A-90C3-80B053978253}" type="datetimeFigureOut">
               <a:rPr lang="ko-KR" altLang="en-US" smtClean="0"/>
-              <a:t>2018-05-26</a:t>
+              <a:t>2018-06-04</a:t>
             </a:fld>
             <a:endParaRPr lang="ko-KR" altLang="en-US"/>
           </a:p>
@@ -675,7 +675,7 @@
           <a:p>
             <a:fld id="{14D1209F-DE80-444A-90C3-80B053978253}" type="datetimeFigureOut">
               <a:rPr lang="ko-KR" altLang="en-US" smtClean="0"/>
-              <a:t>2018-05-26</a:t>
+              <a:t>2018-06-04</a:t>
             </a:fld>
             <a:endParaRPr lang="ko-KR" altLang="en-US"/>
           </a:p>
@@ -873,7 +873,7 @@
           <a:p>
             <a:fld id="{14D1209F-DE80-444A-90C3-80B053978253}" type="datetimeFigureOut">
               <a:rPr lang="ko-KR" altLang="en-US" smtClean="0"/>
-              <a:t>2018-05-26</a:t>
+              <a:t>2018-06-04</a:t>
             </a:fld>
             <a:endParaRPr lang="ko-KR" altLang="en-US"/>
           </a:p>
@@ -1148,7 +1148,7 @@
           <a:p>
             <a:fld id="{14D1209F-DE80-444A-90C3-80B053978253}" type="datetimeFigureOut">
               <a:rPr lang="ko-KR" altLang="en-US" smtClean="0"/>
-              <a:t>2018-05-26</a:t>
+              <a:t>2018-06-04</a:t>
             </a:fld>
             <a:endParaRPr lang="ko-KR" altLang="en-US"/>
           </a:p>
@@ -1413,7 +1413,7 @@
           <a:p>
             <a:fld id="{14D1209F-DE80-444A-90C3-80B053978253}" type="datetimeFigureOut">
               <a:rPr lang="ko-KR" altLang="en-US" smtClean="0"/>
-              <a:t>2018-05-26</a:t>
+              <a:t>2018-06-04</a:t>
             </a:fld>
             <a:endParaRPr lang="ko-KR" altLang="en-US"/>
           </a:p>
@@ -1825,7 +1825,7 @@
           <a:p>
             <a:fld id="{14D1209F-DE80-444A-90C3-80B053978253}" type="datetimeFigureOut">
               <a:rPr lang="ko-KR" altLang="en-US" smtClean="0"/>
-              <a:t>2018-05-26</a:t>
+              <a:t>2018-06-04</a:t>
             </a:fld>
             <a:endParaRPr lang="ko-KR" altLang="en-US"/>
           </a:p>
@@ -1966,7 +1966,7 @@
           <a:p>
             <a:fld id="{14D1209F-DE80-444A-90C3-80B053978253}" type="datetimeFigureOut">
               <a:rPr lang="ko-KR" altLang="en-US" smtClean="0"/>
-              <a:t>2018-05-26</a:t>
+              <a:t>2018-06-04</a:t>
             </a:fld>
             <a:endParaRPr lang="ko-KR" altLang="en-US"/>
           </a:p>
@@ -2079,7 +2079,7 @@
           <a:p>
             <a:fld id="{14D1209F-DE80-444A-90C3-80B053978253}" type="datetimeFigureOut">
               <a:rPr lang="ko-KR" altLang="en-US" smtClean="0"/>
-              <a:t>2018-05-26</a:t>
+              <a:t>2018-06-04</a:t>
             </a:fld>
             <a:endParaRPr lang="ko-KR" altLang="en-US"/>
           </a:p>
@@ -2390,7 +2390,7 @@
           <a:p>
             <a:fld id="{14D1209F-DE80-444A-90C3-80B053978253}" type="datetimeFigureOut">
               <a:rPr lang="ko-KR" altLang="en-US" smtClean="0"/>
-              <a:t>2018-05-26</a:t>
+              <a:t>2018-06-04</a:t>
             </a:fld>
             <a:endParaRPr lang="ko-KR" altLang="en-US"/>
           </a:p>
@@ -2678,7 +2678,7 @@
           <a:p>
             <a:fld id="{14D1209F-DE80-444A-90C3-80B053978253}" type="datetimeFigureOut">
               <a:rPr lang="ko-KR" altLang="en-US" smtClean="0"/>
-              <a:t>2018-05-26</a:t>
+              <a:t>2018-06-04</a:t>
             </a:fld>
             <a:endParaRPr lang="ko-KR" altLang="en-US"/>
           </a:p>
@@ -2919,7 +2919,7 @@
           <a:p>
             <a:fld id="{14D1209F-DE80-444A-90C3-80B053978253}" type="datetimeFigureOut">
               <a:rPr lang="ko-KR" altLang="en-US" smtClean="0"/>
-              <a:t>2018-05-26</a:t>
+              <a:t>2018-06-04</a:t>
             </a:fld>
             <a:endParaRPr lang="ko-KR" altLang="en-US"/>
           </a:p>
@@ -9313,131 +9313,191 @@
           <a:lstStyle/>
           <a:p>
             <a:r>
-              <a:rPr lang="en-US" altLang="ko-KR" dirty="0"/>
+              <a:rPr lang="en-US" altLang="ko-KR" sz="1400" dirty="0"/>
               <a:t># </a:t>
             </a:r>
             <a:r>
-              <a:rPr lang="en-US" altLang="ko-KR" dirty="0" err="1"/>
-              <a:t>ans_cal_time</a:t>
-            </a:r>
-            <a:endParaRPr lang="en-US" altLang="ko-KR" dirty="0"/>
-          </a:p>
-          <a:p>
-            <a:r>
-              <a:rPr lang="en-US" altLang="ko-KR" dirty="0"/>
+              <a:rPr lang="en-US" altLang="ko-KR" sz="1400" dirty="0" err="1"/>
+              <a:t>ans_negative</a:t>
+            </a:r>
+            <a:endParaRPr lang="en-US" altLang="ko-KR" sz="1400" dirty="0"/>
+          </a:p>
+          <a:p>
+            <a:r>
+              <a:rPr lang="en-US" altLang="ko-KR" sz="1400" dirty="0"/>
               <a:t># </a:t>
             </a:r>
             <a:r>
-              <a:rPr lang="en-US" altLang="ko-KR" dirty="0" err="1"/>
-              <a:t>ans_favor</a:t>
-            </a:r>
-            <a:endParaRPr lang="en-US" altLang="ko-KR" dirty="0"/>
-          </a:p>
-          <a:p>
-            <a:r>
-              <a:rPr lang="en-US" altLang="ko-KR" dirty="0"/>
+              <a:rPr lang="en-US" altLang="ko-KR" sz="1400" dirty="0" err="1"/>
+              <a:t>ans_nothave</a:t>
+            </a:r>
+            <a:endParaRPr lang="en-US" altLang="ko-KR" sz="1400" dirty="0"/>
+          </a:p>
+          <a:p>
+            <a:r>
+              <a:rPr lang="en-US" altLang="ko-KR" sz="1400" dirty="0"/>
               <a:t># </a:t>
             </a:r>
             <a:r>
-              <a:rPr lang="en-US" altLang="ko-KR" dirty="0" err="1"/>
-              <a:t>ans_hate</a:t>
-            </a:r>
-            <a:endParaRPr lang="en-US" altLang="ko-KR" dirty="0"/>
-          </a:p>
-          <a:p>
-            <a:r>
-              <a:rPr lang="en-US" altLang="ko-KR" dirty="0"/>
+              <a:rPr lang="en-US" altLang="ko-KR" sz="1400" dirty="0" err="1"/>
+              <a:t>ans_positive</a:t>
+            </a:r>
+            <a:endParaRPr lang="en-US" altLang="ko-KR" sz="1400" dirty="0"/>
+          </a:p>
+          <a:p>
+            <a:r>
+              <a:rPr lang="en-US" altLang="ko-KR" sz="1400" dirty="0"/>
+              <a:t># exit</a:t>
+            </a:r>
+          </a:p>
+          <a:p>
+            <a:r>
+              <a:rPr lang="en-US" altLang="ko-KR" sz="1400" dirty="0"/>
+              <a:t># greetings</a:t>
+            </a:r>
+          </a:p>
+          <a:p>
+            <a:r>
+              <a:rPr lang="en-US" altLang="ko-KR" sz="1400" dirty="0"/>
+              <a:t># list</a:t>
+            </a:r>
+          </a:p>
+          <a:p>
+            <a:r>
+              <a:rPr lang="en-US" altLang="ko-KR" sz="1400" dirty="0"/>
+              <a:t># login</a:t>
+            </a:r>
+          </a:p>
+          <a:p>
+            <a:r>
+              <a:rPr lang="en-US" altLang="ko-KR" sz="1400" dirty="0"/>
               <a:t># </a:t>
             </a:r>
             <a:r>
-              <a:rPr lang="en-US" altLang="ko-KR" dirty="0" err="1"/>
-              <a:t>ans_negative</a:t>
-            </a:r>
-            <a:endParaRPr lang="en-US" altLang="ko-KR" dirty="0"/>
-          </a:p>
-          <a:p>
-            <a:r>
-              <a:rPr lang="en-US" altLang="ko-KR" dirty="0"/>
+              <a:rPr lang="en-US" altLang="ko-KR" sz="1400" dirty="0" err="1"/>
+              <a:t>preference_hate</a:t>
+            </a:r>
+            <a:endParaRPr lang="en-US" altLang="ko-KR" sz="1400" dirty="0"/>
+          </a:p>
+          <a:p>
+            <a:r>
+              <a:rPr lang="en-US" altLang="ko-KR" sz="1400" dirty="0"/>
               <a:t># </a:t>
             </a:r>
             <a:r>
-              <a:rPr lang="en-US" altLang="ko-KR" dirty="0" err="1"/>
-              <a:t>ans_positive</a:t>
-            </a:r>
-            <a:endParaRPr lang="en-US" altLang="ko-KR" dirty="0"/>
-          </a:p>
-          <a:p>
-            <a:r>
-              <a:rPr lang="en-US" altLang="ko-KR" dirty="0"/>
+              <a:rPr lang="en-US" altLang="ko-KR" sz="1400" dirty="0" err="1"/>
+              <a:t>preference_likes</a:t>
+            </a:r>
+            <a:endParaRPr lang="en-US" altLang="ko-KR" sz="1400" dirty="0"/>
+          </a:p>
+          <a:p>
+            <a:r>
+              <a:rPr lang="en-US" altLang="ko-KR" sz="1400" dirty="0"/>
               <a:t># </a:t>
             </a:r>
             <a:r>
-              <a:rPr lang="en-US" altLang="ko-KR" dirty="0" err="1"/>
-              <a:t>convenience_store</a:t>
-            </a:r>
-            <a:endParaRPr lang="en-US" altLang="ko-KR" dirty="0"/>
-          </a:p>
-          <a:p>
-            <a:r>
-              <a:rPr lang="en-US" altLang="ko-KR" dirty="0"/>
+              <a:rPr lang="en-US" altLang="ko-KR" sz="1400" dirty="0" err="1"/>
+              <a:t>print_recipe_multiple</a:t>
+            </a:r>
+            <a:endParaRPr lang="en-US" altLang="ko-KR" sz="1400" dirty="0"/>
+          </a:p>
+          <a:p>
+            <a:r>
+              <a:rPr lang="en-US" altLang="ko-KR" sz="1400" dirty="0"/>
               <a:t># </a:t>
             </a:r>
             <a:r>
-              <a:rPr lang="en-US" altLang="ko-KR" dirty="0" err="1"/>
-              <a:t>hold_ingredient</a:t>
-            </a:r>
-            <a:endParaRPr lang="en-US" altLang="ko-KR" dirty="0"/>
-          </a:p>
-          <a:p>
-            <a:r>
-              <a:rPr lang="en-US" altLang="ko-KR" dirty="0"/>
-              <a:t># list</a:t>
-            </a:r>
-          </a:p>
-          <a:p>
-            <a:r>
-              <a:rPr lang="en-US" altLang="ko-KR" dirty="0"/>
+              <a:rPr lang="en-US" altLang="ko-KR" sz="1400" dirty="0" err="1"/>
+              <a:t>print_recipe_next_step</a:t>
+            </a:r>
+            <a:endParaRPr lang="en-US" altLang="ko-KR" sz="1400" dirty="0"/>
+          </a:p>
+          <a:p>
+            <a:r>
+              <a:rPr lang="en-US" altLang="ko-KR" sz="1400" dirty="0"/>
               <a:t># </a:t>
             </a:r>
             <a:r>
-              <a:rPr lang="en-US" altLang="ko-KR" dirty="0" err="1"/>
-              <a:t>save_food</a:t>
-            </a:r>
-            <a:endParaRPr lang="en-US" altLang="ko-KR" dirty="0"/>
-          </a:p>
-          <a:p>
-            <a:r>
-              <a:rPr lang="en-US" altLang="ko-KR" dirty="0"/>
+              <a:rPr lang="en-US" altLang="ko-KR" sz="1400" dirty="0" err="1"/>
+              <a:t>print_recipe_single_answer</a:t>
+            </a:r>
+            <a:endParaRPr lang="en-US" altLang="ko-KR" sz="1400" dirty="0"/>
+          </a:p>
+          <a:p>
+            <a:r>
+              <a:rPr lang="en-US" altLang="ko-KR" sz="1400" dirty="0"/>
               <a:t># </a:t>
             </a:r>
             <a:r>
-              <a:rPr lang="en-US" altLang="ko-KR" dirty="0" err="1"/>
-              <a:t>which_recipes</a:t>
-            </a:r>
-            <a:endParaRPr lang="en-US" altLang="ko-KR" dirty="0"/>
-          </a:p>
-          <a:p>
-            <a:r>
-              <a:rPr lang="en-US" altLang="ko-KR" dirty="0"/>
+              <a:rPr lang="en-US" altLang="ko-KR" sz="1400" dirty="0" err="1"/>
+              <a:t>recommand</a:t>
+            </a:r>
+            <a:endParaRPr lang="en-US" altLang="ko-KR" sz="1400" dirty="0"/>
+          </a:p>
+          <a:p>
+            <a:r>
+              <a:rPr lang="en-US" altLang="ko-KR" sz="1400" dirty="0"/>
+              <a:t>#</a:t>
+            </a:r>
+            <a:r>
+              <a:rPr lang="ko-KR" altLang="en-US" sz="1400" dirty="0"/>
+              <a:t> </a:t>
+            </a:r>
+            <a:r>
+              <a:rPr lang="en-US" altLang="ko-KR" sz="1400" dirty="0" err="1"/>
+              <a:t>sign_up</a:t>
+            </a:r>
+            <a:endParaRPr lang="en-US" altLang="ko-KR" sz="1400" dirty="0"/>
+          </a:p>
+          <a:p>
+            <a:r>
+              <a:rPr lang="en-US" altLang="ko-KR" sz="1400" dirty="0"/>
               <a:t># </a:t>
             </a:r>
             <a:r>
-              <a:rPr lang="en-US" altLang="ko-KR" dirty="0" err="1"/>
-              <a:t>which_save_foods</a:t>
-            </a:r>
-            <a:endParaRPr lang="en-US" altLang="ko-KR" dirty="0"/>
-          </a:p>
-          <a:p>
-            <a:endParaRPr lang="en-US" altLang="ko-KR" dirty="0"/>
-          </a:p>
-          <a:p>
-            <a:endParaRPr lang="en-US" altLang="ko-KR" dirty="0"/>
-          </a:p>
-          <a:p>
-            <a:endParaRPr lang="en-US" altLang="ko-KR" dirty="0"/>
-          </a:p>
-          <a:p>
-            <a:endParaRPr lang="ko-KR" altLang="en-US" dirty="0"/>
+              <a:rPr lang="en-US" altLang="ko-KR" sz="1400" dirty="0" err="1"/>
+              <a:t>sorting_high_cal</a:t>
+            </a:r>
+            <a:endParaRPr lang="en-US" altLang="ko-KR" sz="1400" dirty="0"/>
+          </a:p>
+          <a:p>
+            <a:r>
+              <a:rPr lang="en-US" altLang="ko-KR" sz="1400" dirty="0"/>
+              <a:t># </a:t>
+            </a:r>
+            <a:r>
+              <a:rPr lang="en-US" altLang="ko-KR" sz="1400" dirty="0" err="1"/>
+              <a:t>sorting_long_time</a:t>
+            </a:r>
+            <a:endParaRPr lang="en-US" altLang="ko-KR" sz="1400" dirty="0"/>
+          </a:p>
+          <a:p>
+            <a:r>
+              <a:rPr lang="en-US" altLang="ko-KR" sz="1400" dirty="0"/>
+              <a:t># </a:t>
+            </a:r>
+            <a:r>
+              <a:rPr lang="en-US" altLang="ko-KR" sz="1400" dirty="0" err="1"/>
+              <a:t>sorting_short_time</a:t>
+            </a:r>
+            <a:endParaRPr lang="en-US" altLang="ko-KR" sz="1400" dirty="0"/>
+          </a:p>
+          <a:p>
+            <a:r>
+              <a:rPr lang="en-US" altLang="ko-KR" sz="1400" dirty="0"/>
+              <a:t># </a:t>
+            </a:r>
+            <a:r>
+              <a:rPr lang="en-US" altLang="ko-KR" sz="1400" dirty="0" err="1"/>
+              <a:t>user_settings</a:t>
+            </a:r>
+            <a:endParaRPr lang="en-US" altLang="ko-KR" sz="1400" dirty="0"/>
+          </a:p>
+          <a:p>
+            <a:r>
+              <a:rPr lang="en-US" altLang="ko-KR" sz="1400" dirty="0"/>
+              <a:t># Yes</a:t>
+            </a:r>
           </a:p>
         </p:txBody>
       </p:sp>
@@ -9518,7 +9578,7 @@
             </a:r>
             <a:r>
               <a:rPr lang="ko-KR" altLang="en-US" dirty="0"/>
-              <a:t>편의점</a:t>
+              <a:t>아침</a:t>
             </a:r>
             <a:endParaRPr lang="en-US" altLang="ko-KR" dirty="0"/>
           </a:p>
@@ -9529,7 +9589,7 @@
             </a:r>
             <a:r>
               <a:rPr lang="ko-KR" altLang="en-US" dirty="0"/>
-              <a:t>메뉴이름</a:t>
+              <a:t>저녁</a:t>
             </a:r>
             <a:endParaRPr lang="en-US" altLang="ko-KR" dirty="0"/>
           </a:p>
@@ -9540,7 +9600,7 @@
             </a:r>
             <a:r>
               <a:rPr lang="ko-KR" altLang="en-US" dirty="0"/>
-              <a:t>배달음식</a:t>
+              <a:t>점심</a:t>
             </a:r>
             <a:endParaRPr lang="en-US" altLang="ko-KR" dirty="0"/>
           </a:p>
@@ -9550,6 +9610,28 @@
               <a:t>@ </a:t>
             </a:r>
             <a:r>
+              <a:rPr lang="ko-KR" altLang="en-US" dirty="0"/>
+              <a:t>메뉴이름</a:t>
+            </a:r>
+            <a:endParaRPr lang="en-US" altLang="ko-KR" dirty="0"/>
+          </a:p>
+          <a:p>
+            <a:r>
+              <a:rPr lang="en-US" altLang="ko-KR" dirty="0"/>
+              <a:t>@ </a:t>
+            </a:r>
+            <a:r>
+              <a:rPr lang="ko-KR" altLang="en-US" dirty="0"/>
+              <a:t>배달음식</a:t>
+            </a:r>
+            <a:endParaRPr lang="en-US" altLang="ko-KR" dirty="0"/>
+          </a:p>
+          <a:p>
+            <a:r>
+              <a:rPr lang="en-US" altLang="ko-KR" dirty="0"/>
+              <a:t>@ </a:t>
+            </a:r>
+            <a:r>
               <a:rPr lang="ko-KR" altLang="en-US" dirty="0" err="1"/>
               <a:t>초기세팅</a:t>
             </a:r>
@@ -9569,11 +9651,11 @@
           <a:p>
             <a:r>
               <a:rPr lang="en-US" altLang="ko-KR" dirty="0"/>
-              <a:t>@ </a:t>
+              <a:t>@</a:t>
             </a:r>
             <a:r>
               <a:rPr lang="ko-KR" altLang="en-US" dirty="0"/>
-              <a:t>칼로리 시간</a:t>
+              <a:t> 조리용어해석</a:t>
             </a:r>
             <a:endParaRPr lang="en-US" altLang="ko-KR" dirty="0"/>
           </a:p>
@@ -9583,8 +9665,8 @@
               <a:t>@ </a:t>
             </a:r>
             <a:r>
-              <a:rPr lang="ko-KR" altLang="en-US" dirty="0"/>
-              <a:t>가까운 편의점 보기</a:t>
+              <a:rPr lang="ko-KR" altLang="en-US" dirty="0" err="1"/>
+              <a:t>편의점꿀팁레시피</a:t>
             </a:r>
             <a:endParaRPr lang="en-US" altLang="ko-KR" dirty="0"/>
           </a:p>
@@ -9594,51 +9676,16 @@
               <a:t>@ </a:t>
             </a:r>
             <a:r>
-              <a:rPr lang="ko-KR" altLang="en-US" dirty="0" err="1"/>
-              <a:t>편의점꿀팁레시피</a:t>
+              <a:rPr lang="en-US" altLang="ko-KR" dirty="0" err="1"/>
+              <a:t>cooking_term</a:t>
             </a:r>
             <a:endParaRPr lang="en-US" altLang="ko-KR" dirty="0"/>
           </a:p>
           <a:p>
             <a:r>
               <a:rPr lang="en-US" altLang="ko-KR" dirty="0"/>
-              <a:t>@ </a:t>
-            </a:r>
-            <a:r>
-              <a:rPr lang="en-US" altLang="ko-KR" dirty="0" err="1"/>
-              <a:t>ingredinets</a:t>
-            </a:r>
-            <a:endParaRPr lang="en-US" altLang="ko-KR" dirty="0"/>
-          </a:p>
-          <a:p>
-            <a:r>
-              <a:rPr lang="en-US" altLang="ko-KR" dirty="0"/>
-              <a:t>@ meat</a:t>
-            </a:r>
-          </a:p>
-          <a:p>
-            <a:r>
-              <a:rPr lang="en-US" altLang="ko-KR" dirty="0"/>
-              <a:t>@ </a:t>
-            </a:r>
-            <a:r>
-              <a:rPr lang="en-US" altLang="ko-KR" dirty="0" err="1"/>
-              <a:t>save_food</a:t>
-            </a:r>
-            <a:endParaRPr lang="en-US" altLang="ko-KR" dirty="0"/>
-          </a:p>
-          <a:p>
-            <a:r>
-              <a:rPr lang="en-US" altLang="ko-KR" dirty="0"/>
-              <a:t>@ source</a:t>
-            </a:r>
-          </a:p>
-          <a:p>
-            <a:r>
-              <a:rPr lang="en-US" altLang="ko-KR" dirty="0"/>
-              <a:t>@ vegetables</a:t>
-            </a:r>
-            <a:endParaRPr lang="ko-KR" altLang="en-US" dirty="0"/>
+              <a:t>@ ingredients</a:t>
+            </a:r>
           </a:p>
         </p:txBody>
       </p:sp>
@@ -9692,198 +9739,225 @@
           <a:lstStyle/>
           <a:p>
             <a:r>
-              <a:rPr lang="en-US" altLang="ko-KR" dirty="0"/>
+              <a:rPr lang="en-US" altLang="ko-KR" sz="1400" dirty="0"/>
               <a:t>$ </a:t>
             </a:r>
             <a:r>
-              <a:rPr lang="en-US" altLang="ko-KR" dirty="0" err="1"/>
+              <a:rPr lang="en-US" altLang="ko-KR" sz="1400" dirty="0" err="1"/>
               <a:t>user_id</a:t>
             </a:r>
-            <a:endParaRPr lang="en-US" altLang="ko-KR" dirty="0"/>
-          </a:p>
-          <a:p>
-            <a:endParaRPr lang="en-US" altLang="ko-KR" dirty="0"/>
-          </a:p>
-          <a:p>
-            <a:r>
-              <a:rPr lang="en-US" altLang="ko-KR" dirty="0"/>
+            <a:endParaRPr lang="en-US" altLang="ko-KR" sz="1400" dirty="0"/>
+          </a:p>
+          <a:p>
+            <a:endParaRPr lang="en-US" altLang="ko-KR" sz="1400" dirty="0"/>
+          </a:p>
+          <a:p>
+            <a:r>
+              <a:rPr lang="en-US" altLang="ko-KR" sz="1400" dirty="0"/>
               <a:t>$ command</a:t>
             </a:r>
           </a:p>
           <a:p>
             <a:r>
-              <a:rPr lang="en-US" altLang="ko-KR" dirty="0"/>
+              <a:rPr lang="en-US" altLang="ko-KR" sz="1400" dirty="0"/>
               <a:t>$ login</a:t>
             </a:r>
           </a:p>
           <a:p>
             <a:r>
-              <a:rPr lang="en-US" altLang="ko-KR" dirty="0"/>
+              <a:rPr lang="en-US" altLang="ko-KR" sz="1400" dirty="0"/>
               <a:t>$ </a:t>
             </a:r>
             <a:r>
-              <a:rPr lang="en-US" altLang="ko-KR" dirty="0" err="1"/>
+              <a:rPr lang="en-US" altLang="ko-KR" sz="1400" dirty="0" err="1"/>
               <a:t>data.preference.allergy</a:t>
             </a:r>
-            <a:endParaRPr lang="en-US" altLang="ko-KR" dirty="0"/>
-          </a:p>
-          <a:p>
-            <a:r>
-              <a:rPr lang="en-US" altLang="ko-KR" dirty="0"/>
+            <a:endParaRPr lang="en-US" altLang="ko-KR" sz="1400" dirty="0"/>
+          </a:p>
+          <a:p>
+            <a:r>
+              <a:rPr lang="en-US" altLang="ko-KR" sz="1400" dirty="0"/>
               <a:t>$ </a:t>
             </a:r>
             <a:r>
-              <a:rPr lang="en-US" altLang="ko-KR" dirty="0" err="1"/>
+              <a:rPr lang="en-US" altLang="ko-KR" sz="1400" dirty="0" err="1"/>
               <a:t>data.preference.priority</a:t>
             </a:r>
-            <a:endParaRPr lang="en-US" altLang="ko-KR" dirty="0"/>
-          </a:p>
-          <a:p>
-            <a:r>
-              <a:rPr lang="en-US" altLang="ko-KR" dirty="0"/>
+            <a:endParaRPr lang="en-US" altLang="ko-KR" sz="1400" dirty="0"/>
+          </a:p>
+          <a:p>
+            <a:r>
+              <a:rPr lang="en-US" altLang="ko-KR" sz="1400" dirty="0"/>
               <a:t>$ </a:t>
             </a:r>
             <a:r>
-              <a:rPr lang="en-US" altLang="ko-KR" dirty="0" err="1"/>
+              <a:rPr lang="en-US" altLang="ko-KR" sz="1400" dirty="0" err="1"/>
               <a:t>data.preference.likes</a:t>
             </a:r>
-            <a:endParaRPr lang="en-US" altLang="ko-KR" dirty="0"/>
-          </a:p>
-          <a:p>
-            <a:r>
-              <a:rPr lang="en-US" altLang="ko-KR" dirty="0"/>
+            <a:endParaRPr lang="en-US" altLang="ko-KR" sz="1400" dirty="0"/>
+          </a:p>
+          <a:p>
+            <a:r>
+              <a:rPr lang="en-US" altLang="ko-KR" sz="1400" dirty="0"/>
               <a:t>$ </a:t>
             </a:r>
             <a:r>
-              <a:rPr lang="en-US" altLang="ko-KR" dirty="0" err="1"/>
+              <a:rPr lang="en-US" altLang="ko-KR" sz="1400" dirty="0" err="1"/>
               <a:t>data.preference.hates</a:t>
             </a:r>
-            <a:endParaRPr lang="en-US" altLang="ko-KR" dirty="0"/>
-          </a:p>
-          <a:p>
-            <a:r>
-              <a:rPr lang="en-US" altLang="ko-KR" dirty="0"/>
+            <a:endParaRPr lang="en-US" altLang="ko-KR" sz="1400" dirty="0"/>
+          </a:p>
+          <a:p>
+            <a:r>
+              <a:rPr lang="en-US" altLang="ko-KR" sz="1400" dirty="0"/>
               <a:t>$ </a:t>
             </a:r>
             <a:r>
-              <a:rPr lang="en-US" altLang="ko-KR" dirty="0" err="1"/>
+              <a:rPr lang="en-US" altLang="ko-KR" sz="1400" dirty="0" err="1"/>
               <a:t>data.preference.done</a:t>
             </a:r>
-            <a:endParaRPr lang="en-US" altLang="ko-KR" dirty="0"/>
-          </a:p>
-          <a:p>
-            <a:r>
-              <a:rPr lang="en-US" altLang="ko-KR" dirty="0"/>
+            <a:endParaRPr lang="en-US" altLang="ko-KR" sz="1400" dirty="0"/>
+          </a:p>
+          <a:p>
+            <a:r>
+              <a:rPr lang="en-US" altLang="ko-KR" sz="1400" dirty="0"/>
               <a:t>$ </a:t>
             </a:r>
             <a:r>
-              <a:rPr lang="en-US" altLang="ko-KR" dirty="0" err="1"/>
+              <a:rPr lang="en-US" altLang="ko-KR" sz="1400" dirty="0" err="1"/>
               <a:t>data.ingredients</a:t>
             </a:r>
-            <a:endParaRPr lang="en-US" altLang="ko-KR" dirty="0"/>
-          </a:p>
-          <a:p>
-            <a:r>
-              <a:rPr lang="en-US" altLang="ko-KR" dirty="0"/>
+            <a:endParaRPr lang="en-US" altLang="ko-KR" sz="1400" dirty="0"/>
+          </a:p>
+          <a:p>
+            <a:r>
+              <a:rPr lang="en-US" altLang="ko-KR" sz="1400" dirty="0"/>
               <a:t>$ </a:t>
             </a:r>
             <a:r>
-              <a:rPr lang="en-US" altLang="ko-KR" dirty="0" err="1"/>
+              <a:rPr lang="en-US" altLang="ko-KR" sz="1400" dirty="0" err="1"/>
               <a:t>data.menu</a:t>
             </a:r>
-            <a:endParaRPr lang="en-US" altLang="ko-KR" dirty="0"/>
-          </a:p>
-          <a:p>
-            <a:r>
-              <a:rPr lang="en-US" altLang="ko-KR" dirty="0"/>
+            <a:endParaRPr lang="en-US" altLang="ko-KR" sz="1400" dirty="0"/>
+          </a:p>
+          <a:p>
+            <a:r>
+              <a:rPr lang="en-US" altLang="ko-KR" sz="1400" dirty="0"/>
               <a:t>$ </a:t>
             </a:r>
             <a:r>
-              <a:rPr lang="en-US" altLang="ko-KR" dirty="0" err="1"/>
+              <a:rPr lang="en-US" altLang="ko-KR" sz="1400" dirty="0" err="1"/>
               <a:t>data.menu_type</a:t>
             </a:r>
-            <a:endParaRPr lang="en-US" altLang="ko-KR" dirty="0"/>
-          </a:p>
-          <a:p>
-            <a:r>
-              <a:rPr lang="en-US" altLang="ko-KR" dirty="0"/>
+            <a:endParaRPr lang="en-US" altLang="ko-KR" sz="1400" dirty="0"/>
+          </a:p>
+          <a:p>
+            <a:r>
+              <a:rPr lang="en-US" altLang="ko-KR" sz="1400" dirty="0"/>
               <a:t>$ </a:t>
             </a:r>
             <a:r>
-              <a:rPr lang="en-US" altLang="ko-KR" dirty="0" err="1"/>
-              <a:t>data.recipe_result</a:t>
-            </a:r>
-            <a:endParaRPr lang="en-US" altLang="ko-KR" dirty="0"/>
-          </a:p>
-          <a:p>
-            <a:r>
-              <a:rPr lang="en-US" altLang="ko-KR" dirty="0"/>
+              <a:rPr lang="en-US" altLang="ko-KR" sz="1400" dirty="0" err="1"/>
+              <a:t>data.recipe_result.meta</a:t>
+            </a:r>
+            <a:endParaRPr lang="en-US" altLang="ko-KR" sz="1400" dirty="0"/>
+          </a:p>
+          <a:p>
+            <a:r>
+              <a:rPr lang="en-US" altLang="ko-KR" sz="1400" dirty="0"/>
               <a:t>$ </a:t>
             </a:r>
             <a:r>
-              <a:rPr lang="en-US" altLang="ko-KR" dirty="0" err="1"/>
+              <a:rPr lang="en-US" altLang="ko-KR" sz="1400" dirty="0" err="1"/>
+              <a:t>data.recipe_result.steps</a:t>
+            </a:r>
+            <a:endParaRPr lang="en-US" altLang="ko-KR" sz="1400" dirty="0"/>
+          </a:p>
+          <a:p>
+            <a:r>
+              <a:rPr lang="en-US" altLang="ko-KR" sz="1400" dirty="0"/>
+              <a:t>$ </a:t>
+            </a:r>
+            <a:r>
+              <a:rPr lang="en-US" altLang="ko-KR" sz="1400" dirty="0" err="1"/>
+              <a:t>data.recipe_result.total_step_num</a:t>
+            </a:r>
+            <a:endParaRPr lang="en-US" altLang="ko-KR" sz="1400" dirty="0"/>
+          </a:p>
+          <a:p>
+            <a:r>
+              <a:rPr lang="en-US" altLang="ko-KR" sz="1400" dirty="0"/>
+              <a:t>$ </a:t>
+            </a:r>
+            <a:r>
+              <a:rPr lang="en-US" altLang="ko-KR" sz="1400" dirty="0" err="1"/>
+              <a:t>data.recipe_result.step_num</a:t>
+            </a:r>
+            <a:endParaRPr lang="en-US" altLang="ko-KR" sz="1400" dirty="0"/>
+          </a:p>
+          <a:p>
+            <a:r>
+              <a:rPr lang="en-US" altLang="ko-KR" sz="1400" dirty="0"/>
+              <a:t>$ </a:t>
+            </a:r>
+            <a:r>
+              <a:rPr lang="en-US" altLang="ko-KR" sz="1400" dirty="0" err="1"/>
               <a:t>data.recom_menu_list</a:t>
             </a:r>
-            <a:endParaRPr lang="en-US" altLang="ko-KR" dirty="0"/>
-          </a:p>
-          <a:p>
-            <a:r>
-              <a:rPr lang="en-US" altLang="ko-KR" dirty="0"/>
+            <a:endParaRPr lang="en-US" altLang="ko-KR" sz="1400" dirty="0"/>
+          </a:p>
+          <a:p>
+            <a:r>
+              <a:rPr lang="en-US" altLang="ko-KR" sz="1400" dirty="0"/>
               <a:t>$ </a:t>
             </a:r>
             <a:r>
-              <a:rPr lang="en-US" altLang="ko-KR" dirty="0" err="1"/>
+              <a:rPr lang="en-US" altLang="ko-KR" sz="1400" dirty="0" err="1"/>
               <a:t>data.term</a:t>
             </a:r>
-            <a:endParaRPr lang="en-US" altLang="ko-KR" dirty="0"/>
-          </a:p>
-          <a:p>
-            <a:r>
-              <a:rPr lang="en-US" altLang="ko-KR" dirty="0"/>
+            <a:endParaRPr lang="en-US" altLang="ko-KR" sz="1400" dirty="0"/>
+          </a:p>
+          <a:p>
+            <a:r>
+              <a:rPr lang="en-US" altLang="ko-KR" sz="1400" dirty="0"/>
               <a:t>$ </a:t>
             </a:r>
             <a:r>
-              <a:rPr lang="en-US" altLang="ko-KR" dirty="0" err="1"/>
+              <a:rPr lang="en-US" altLang="ko-KR" sz="1400" dirty="0" err="1"/>
               <a:t>data.term_descript</a:t>
             </a:r>
-            <a:endParaRPr lang="en-US" altLang="ko-KR" dirty="0"/>
-          </a:p>
-          <a:p>
-            <a:r>
-              <a:rPr lang="en-US" altLang="ko-KR" dirty="0"/>
+            <a:endParaRPr lang="en-US" altLang="ko-KR" sz="1400" dirty="0"/>
+          </a:p>
+          <a:p>
+            <a:r>
+              <a:rPr lang="en-US" altLang="ko-KR" sz="1400" dirty="0"/>
               <a:t>$ </a:t>
             </a:r>
             <a:r>
-              <a:rPr lang="en-US" altLang="ko-KR" dirty="0" err="1"/>
+              <a:rPr lang="en-US" altLang="ko-KR" sz="1400" dirty="0" err="1"/>
               <a:t>data.user_id</a:t>
             </a:r>
-            <a:endParaRPr lang="en-US" altLang="ko-KR" dirty="0"/>
-          </a:p>
-          <a:p>
-            <a:r>
-              <a:rPr lang="en-US" altLang="ko-KR" dirty="0"/>
+            <a:endParaRPr lang="en-US" altLang="ko-KR" sz="1400" dirty="0"/>
+          </a:p>
+          <a:p>
+            <a:r>
+              <a:rPr lang="en-US" altLang="ko-KR" sz="1400" dirty="0"/>
               <a:t>$ </a:t>
             </a:r>
             <a:r>
-              <a:rPr lang="en-US" altLang="ko-KR" dirty="0" err="1"/>
+              <a:rPr lang="en-US" altLang="ko-KR" sz="1400" dirty="0" err="1"/>
               <a:t>data.id_exists</a:t>
             </a:r>
-            <a:endParaRPr lang="en-US" altLang="ko-KR" dirty="0"/>
-          </a:p>
-          <a:p>
-            <a:r>
-              <a:rPr lang="en-US" altLang="ko-KR" dirty="0"/>
-              <a:t>$ command</a:t>
-            </a:r>
-          </a:p>
-          <a:p>
-            <a:endParaRPr lang="en-US" altLang="ko-KR" dirty="0"/>
-          </a:p>
-          <a:p>
-            <a:endParaRPr lang="en-US" altLang="ko-KR" dirty="0"/>
-          </a:p>
-          <a:p>
-            <a:endParaRPr lang="en-US" altLang="ko-KR" dirty="0"/>
+            <a:endParaRPr lang="en-US" altLang="ko-KR" sz="1400" dirty="0"/>
+          </a:p>
+          <a:p>
+            <a:endParaRPr lang="en-US" altLang="ko-KR" sz="1400" dirty="0"/>
+          </a:p>
+          <a:p>
+            <a:endParaRPr lang="en-US" altLang="ko-KR" sz="1400" dirty="0"/>
+          </a:p>
+          <a:p>
+            <a:endParaRPr lang="en-US" altLang="ko-KR" sz="1400" dirty="0"/>
           </a:p>
         </p:txBody>
       </p:sp>
